--- a/Project1-Presentation-Ben-Keeper.pptx
+++ b/Project1-Presentation-Ben-Keeper.pptx
@@ -4,6 +4,9 @@
   <p:sldMasterIdLst>
     <p:sldMasterId id="2147483648" r:id="rId1"/>
   </p:sldMasterIdLst>
+  <p:notesMasterIdLst>
+    <p:notesMasterId r:id="rId22"/>
+  </p:notesMasterIdLst>
   <p:sldIdLst>
     <p:sldId id="256" r:id="rId2"/>
     <p:sldId id="257" r:id="rId3"/>
@@ -14,6 +17,17 @@
     <p:sldId id="262" r:id="rId8"/>
     <p:sldId id="263" r:id="rId9"/>
     <p:sldId id="264" r:id="rId10"/>
+    <p:sldId id="265" r:id="rId11"/>
+    <p:sldId id="266" r:id="rId12"/>
+    <p:sldId id="267" r:id="rId13"/>
+    <p:sldId id="268" r:id="rId14"/>
+    <p:sldId id="269" r:id="rId15"/>
+    <p:sldId id="270" r:id="rId16"/>
+    <p:sldId id="272" r:id="rId17"/>
+    <p:sldId id="271" r:id="rId18"/>
+    <p:sldId id="273" r:id="rId19"/>
+    <p:sldId id="274" r:id="rId20"/>
+    <p:sldId id="275" r:id="rId21"/>
   </p:sldIdLst>
   <p:sldSz cx="9144000" cy="6858000" type="screen4x3"/>
   <p:notesSz cx="6858000" cy="9144000"/>
@@ -258,11 +272,11 @@
           <c:showBubbleSize val="0"/>
         </c:dLbls>
         <c:gapWidth val="150"/>
-        <c:axId val="191573376"/>
-        <c:axId val="147826176"/>
+        <c:axId val="184657024"/>
+        <c:axId val="184658944"/>
       </c:barChart>
       <c:catAx>
-        <c:axId val="191573376"/>
+        <c:axId val="184657024"/>
         <c:scaling>
           <c:orientation val="minMax"/>
         </c:scaling>
@@ -295,7 +309,7 @@
         <c:majorTickMark val="out"/>
         <c:minorTickMark val="none"/>
         <c:tickLblPos val="nextTo"/>
-        <c:crossAx val="147826176"/>
+        <c:crossAx val="184658944"/>
         <c:crosses val="autoZero"/>
         <c:auto val="1"/>
         <c:lblAlgn val="ctr"/>
@@ -303,7 +317,7 @@
         <c:noMultiLvlLbl val="0"/>
       </c:catAx>
       <c:valAx>
-        <c:axId val="147826176"/>
+        <c:axId val="184658944"/>
         <c:scaling>
           <c:orientation val="minMax"/>
         </c:scaling>
@@ -337,7 +351,7 @@
         <c:majorTickMark val="out"/>
         <c:minorTickMark val="none"/>
         <c:tickLblPos val="nextTo"/>
-        <c:crossAx val="191573376"/>
+        <c:crossAx val="184657024"/>
         <c:crosses val="autoZero"/>
         <c:crossBetween val="between"/>
       </c:valAx>
@@ -500,6 +514,2965 @@
     <c:autoUpdate val="0"/>
   </c:externalData>
 </c:chartSpace>
+</file>
+
+<file path=ppt/charts/chart3.xml><?xml version="1.0" encoding="utf-8"?>
+<c:chartSpace xmlns:c="http://schemas.openxmlformats.org/drawingml/2006/chart" xmlns:a="http://schemas.openxmlformats.org/drawingml/2006/main" xmlns:r="http://schemas.openxmlformats.org/officeDocument/2006/relationships">
+  <c:date1904 val="0"/>
+  <c:lang val="en-US"/>
+  <c:roundedCorners val="0"/>
+  <mc:AlternateContent xmlns:mc="http://schemas.openxmlformats.org/markup-compatibility/2006">
+    <mc:Choice xmlns:c14="http://schemas.microsoft.com/office/drawing/2007/8/2/chart" Requires="c14">
+      <c14:style val="102"/>
+    </mc:Choice>
+    <mc:Fallback>
+      <c:style val="2"/>
+    </mc:Fallback>
+  </mc:AlternateContent>
+  <c:chart>
+    <c:title>
+      <c:tx>
+        <c:rich>
+          <a:bodyPr/>
+          <a:lstStyle/>
+          <a:p>
+            <a:pPr>
+              <a:defRPr/>
+            </a:pPr>
+            <a:r>
+              <a:rPr lang="en-US" sz="1400" dirty="0"/>
+              <a:t>Normalized</a:t>
+            </a:r>
+            <a:r>
+              <a:rPr lang="en-US" sz="1400" baseline="0" dirty="0"/>
+              <a:t> % Difference in the GPI </a:t>
+            </a:r>
+            <a:r>
+              <a:rPr lang="en-US" sz="1400" baseline="0" dirty="0" smtClean="0"/>
+              <a:t>for </a:t>
+            </a:r>
+            <a:r>
+              <a:rPr lang="en-US" sz="1400" baseline="0" dirty="0"/>
+              <a:t>Each Pair of </a:t>
+            </a:r>
+            <a:r>
+              <a:rPr lang="en-US" sz="1400" baseline="0" dirty="0" smtClean="0"/>
+              <a:t>Years (United States Primary Education)</a:t>
+            </a:r>
+            <a:endParaRPr lang="en-US" sz="1400" dirty="0"/>
+          </a:p>
+        </c:rich>
+      </c:tx>
+      <c:layout/>
+      <c:overlay val="0"/>
+    </c:title>
+    <c:autoTitleDeleted val="0"/>
+    <c:plotArea>
+      <c:layout/>
+      <c:scatterChart>
+        <c:scatterStyle val="lineMarker"/>
+        <c:varyColors val="0"/>
+        <c:ser>
+          <c:idx val="0"/>
+          <c:order val="0"/>
+          <c:spPr>
+            <a:ln w="28575">
+              <a:noFill/>
+            </a:ln>
+          </c:spPr>
+          <c:xVal>
+            <c:numRef>
+              <c:f>Question2!$B$3:$B$18</c:f>
+              <c:numCache>
+                <c:formatCode>General</c:formatCode>
+                <c:ptCount val="16"/>
+                <c:pt idx="0">
+                  <c:v>2000.5</c:v>
+                </c:pt>
+                <c:pt idx="1">
+                  <c:v>2001.5</c:v>
+                </c:pt>
+                <c:pt idx="2">
+                  <c:v>2002.5</c:v>
+                </c:pt>
+                <c:pt idx="3">
+                  <c:v>2003.5</c:v>
+                </c:pt>
+                <c:pt idx="4">
+                  <c:v>2004.5</c:v>
+                </c:pt>
+                <c:pt idx="5">
+                  <c:v>2005.5</c:v>
+                </c:pt>
+                <c:pt idx="6">
+                  <c:v>2006.5</c:v>
+                </c:pt>
+                <c:pt idx="7">
+                  <c:v>2007.5</c:v>
+                </c:pt>
+                <c:pt idx="8">
+                  <c:v>2008.5</c:v>
+                </c:pt>
+                <c:pt idx="9">
+                  <c:v>2009.5</c:v>
+                </c:pt>
+                <c:pt idx="10">
+                  <c:v>2010.5</c:v>
+                </c:pt>
+                <c:pt idx="11">
+                  <c:v>2011.5</c:v>
+                </c:pt>
+                <c:pt idx="12">
+                  <c:v>2012.5</c:v>
+                </c:pt>
+                <c:pt idx="13">
+                  <c:v>2013.5</c:v>
+                </c:pt>
+                <c:pt idx="14">
+                  <c:v>2014.5</c:v>
+                </c:pt>
+                <c:pt idx="15">
+                  <c:v>2015.5</c:v>
+                </c:pt>
+              </c:numCache>
+            </c:numRef>
+          </c:xVal>
+          <c:yVal>
+            <c:numRef>
+              <c:f>Question2!$C$3:$C$18</c:f>
+              <c:numCache>
+                <c:formatCode>General</c:formatCode>
+                <c:ptCount val="16"/>
+                <c:pt idx="0">
+                  <c:v>1.3240000000000001</c:v>
+                </c:pt>
+                <c:pt idx="1">
+                  <c:v>1.1519999999999999</c:v>
+                </c:pt>
+                <c:pt idx="2">
+                  <c:v>-0.622</c:v>
+                </c:pt>
+                <c:pt idx="3">
+                  <c:v>-0.71399999999999997</c:v>
+                </c:pt>
+                <c:pt idx="4">
+                  <c:v>-0.66500000000000004</c:v>
+                </c:pt>
+                <c:pt idx="5">
+                  <c:v>1.827</c:v>
+                </c:pt>
+                <c:pt idx="6">
+                  <c:v>-1.0309999999999999</c:v>
+                </c:pt>
+                <c:pt idx="7">
+                  <c:v>0.52700000000000002</c:v>
+                </c:pt>
+                <c:pt idx="8">
+                  <c:v>0.193</c:v>
+                </c:pt>
+                <c:pt idx="9">
+                  <c:v>-1.486</c:v>
+                </c:pt>
+                <c:pt idx="10">
+                  <c:v>1.3420000000000001</c:v>
+                </c:pt>
+                <c:pt idx="11">
+                  <c:v>-2.089</c:v>
+                </c:pt>
+                <c:pt idx="12">
+                  <c:v>0.57599999999999996</c:v>
+                </c:pt>
+                <c:pt idx="13">
+                  <c:v>0.40600000000000003</c:v>
+                </c:pt>
+                <c:pt idx="14">
+                  <c:v>0.38400000000000001</c:v>
+                </c:pt>
+              </c:numCache>
+            </c:numRef>
+          </c:yVal>
+          <c:smooth val="0"/>
+        </c:ser>
+        <c:dLbls>
+          <c:showLegendKey val="0"/>
+          <c:showVal val="0"/>
+          <c:showCatName val="0"/>
+          <c:showSerName val="0"/>
+          <c:showPercent val="0"/>
+          <c:showBubbleSize val="0"/>
+        </c:dLbls>
+        <c:axId val="186541184"/>
+        <c:axId val="186798848"/>
+      </c:scatterChart>
+      <c:valAx>
+        <c:axId val="186541184"/>
+        <c:scaling>
+          <c:orientation val="minMax"/>
+          <c:max val="2016"/>
+          <c:min val="2000"/>
+        </c:scaling>
+        <c:delete val="0"/>
+        <c:axPos val="b"/>
+        <c:numFmt formatCode="General" sourceLinked="1"/>
+        <c:majorTickMark val="out"/>
+        <c:minorTickMark val="none"/>
+        <c:tickLblPos val="nextTo"/>
+        <c:txPr>
+          <a:bodyPr rot="60000"/>
+          <a:lstStyle/>
+          <a:p>
+            <a:pPr>
+              <a:defRPr/>
+            </a:pPr>
+            <a:endParaRPr lang="en-US"/>
+          </a:p>
+        </c:txPr>
+        <c:crossAx val="186798848"/>
+        <c:crosses val="autoZero"/>
+        <c:crossBetween val="midCat"/>
+        <c:majorUnit val="1"/>
+      </c:valAx>
+      <c:valAx>
+        <c:axId val="186798848"/>
+        <c:scaling>
+          <c:orientation val="minMax"/>
+          <c:max val="2.2000000000000002"/>
+          <c:min val="-2.2000000000000002"/>
+        </c:scaling>
+        <c:delete val="0"/>
+        <c:axPos val="l"/>
+        <c:title>
+          <c:tx>
+            <c:rich>
+              <a:bodyPr rot="-5400000" vert="horz"/>
+              <a:lstStyle/>
+              <a:p>
+                <a:pPr>
+                  <a:defRPr/>
+                </a:pPr>
+                <a:r>
+                  <a:rPr lang="en-US" sz="1200" dirty="0"/>
+                  <a:t>% Difference for each Pair of Years </a:t>
+                </a:r>
+              </a:p>
+            </c:rich>
+          </c:tx>
+          <c:layout/>
+          <c:overlay val="0"/>
+        </c:title>
+        <c:numFmt formatCode="General" sourceLinked="1"/>
+        <c:majorTickMark val="out"/>
+        <c:minorTickMark val="none"/>
+        <c:tickLblPos val="nextTo"/>
+        <c:crossAx val="186541184"/>
+        <c:crosses val="autoZero"/>
+        <c:crossBetween val="midCat"/>
+        <c:majorUnit val="0.2"/>
+      </c:valAx>
+    </c:plotArea>
+    <c:plotVisOnly val="1"/>
+    <c:dispBlanksAs val="gap"/>
+    <c:showDLblsOverMax val="0"/>
+  </c:chart>
+  <c:spPr>
+    <a:ln>
+      <a:solidFill>
+        <a:schemeClr val="tx1"/>
+      </a:solidFill>
+    </a:ln>
+  </c:spPr>
+  <c:externalData r:id="rId1">
+    <c:autoUpdate val="0"/>
+  </c:externalData>
+</c:chartSpace>
+</file>
+
+<file path=ppt/charts/chart4.xml><?xml version="1.0" encoding="utf-8"?>
+<c:chartSpace xmlns:c="http://schemas.openxmlformats.org/drawingml/2006/chart" xmlns:a="http://schemas.openxmlformats.org/drawingml/2006/main" xmlns:r="http://schemas.openxmlformats.org/officeDocument/2006/relationships">
+  <c:date1904 val="0"/>
+  <c:lang val="en-US"/>
+  <c:roundedCorners val="0"/>
+  <mc:AlternateContent xmlns:mc="http://schemas.openxmlformats.org/markup-compatibility/2006">
+    <mc:Choice xmlns:c14="http://schemas.microsoft.com/office/drawing/2007/8/2/chart" Requires="c14">
+      <c14:style val="102"/>
+    </mc:Choice>
+    <mc:Fallback>
+      <c:style val="2"/>
+    </mc:Fallback>
+  </mc:AlternateContent>
+  <c:chart>
+    <c:title>
+      <c:tx>
+        <c:rich>
+          <a:bodyPr/>
+          <a:lstStyle/>
+          <a:p>
+            <a:pPr>
+              <a:defRPr/>
+            </a:pPr>
+            <a:r>
+              <a:rPr lang="en-US" sz="1600" baseline="0" dirty="0" smtClean="0"/>
+              <a:t>Twenty of the Highest </a:t>
+            </a:r>
+            <a:r>
+              <a:rPr lang="en-US" sz="1600" baseline="0" dirty="0"/>
+              <a:t>Overall % Changes in Male Employment to Population </a:t>
+            </a:r>
+            <a:r>
+              <a:rPr lang="en-US" sz="1600" baseline="0" dirty="0" smtClean="0"/>
+              <a:t>Ratio From 2000 to 2016</a:t>
+            </a:r>
+            <a:endParaRPr lang="en-US" sz="1600" dirty="0"/>
+          </a:p>
+        </c:rich>
+      </c:tx>
+      <c:layout>
+        <c:manualLayout>
+          <c:xMode val="edge"/>
+          <c:yMode val="edge"/>
+          <c:x val="0.19803629311349136"/>
+          <c:y val="8.9686098654708519E-3"/>
+        </c:manualLayout>
+      </c:layout>
+      <c:overlay val="1"/>
+    </c:title>
+    <c:autoTitleDeleted val="0"/>
+    <c:plotArea>
+      <c:layout>
+        <c:manualLayout>
+          <c:layoutTarget val="inner"/>
+          <c:xMode val="edge"/>
+          <c:yMode val="edge"/>
+          <c:x val="0.12731903126991634"/>
+          <c:y val="1.8243706083824723E-2"/>
+          <c:w val="0.84874711320353891"/>
+          <c:h val="0.69013594152748847"/>
+        </c:manualLayout>
+      </c:layout>
+      <c:barChart>
+        <c:barDir val="col"/>
+        <c:grouping val="clustered"/>
+        <c:varyColors val="0"/>
+        <c:ser>
+          <c:idx val="0"/>
+          <c:order val="0"/>
+          <c:invertIfNegative val="0"/>
+          <c:dPt>
+            <c:idx val="6"/>
+            <c:invertIfNegative val="0"/>
+            <c:bubble3D val="0"/>
+            <c:spPr>
+              <a:solidFill>
+                <a:schemeClr val="accent2"/>
+              </a:solidFill>
+            </c:spPr>
+          </c:dPt>
+          <c:dPt>
+            <c:idx val="17"/>
+            <c:invertIfNegative val="0"/>
+            <c:bubble3D val="0"/>
+            <c:spPr>
+              <a:solidFill>
+                <a:schemeClr val="accent2"/>
+              </a:solidFill>
+            </c:spPr>
+          </c:dPt>
+          <c:dPt>
+            <c:idx val="19"/>
+            <c:invertIfNegative val="0"/>
+            <c:bubble3D val="0"/>
+            <c:spPr>
+              <a:solidFill>
+                <a:schemeClr val="accent2"/>
+              </a:solidFill>
+            </c:spPr>
+          </c:dPt>
+          <c:cat>
+            <c:strRef>
+              <c:f>Question3!$A$3:$A$22</c:f>
+              <c:strCache>
+                <c:ptCount val="20"/>
+                <c:pt idx="0">
+                  <c:v>Kiribati</c:v>
+                </c:pt>
+                <c:pt idx="1">
+                  <c:v>Uganda</c:v>
+                </c:pt>
+                <c:pt idx="2">
+                  <c:v>Lesotho</c:v>
+                </c:pt>
+                <c:pt idx="3">
+                  <c:v>Honduras</c:v>
+                </c:pt>
+                <c:pt idx="4">
+                  <c:v>Egypt - Arab Rep.</c:v>
+                </c:pt>
+                <c:pt idx="5">
+                  <c:v>Ethiopia</c:v>
+                </c:pt>
+                <c:pt idx="6">
+                  <c:v>Samoa</c:v>
+                </c:pt>
+                <c:pt idx="7">
+                  <c:v>Madagascar</c:v>
+                </c:pt>
+                <c:pt idx="8">
+                  <c:v>El Salvador</c:v>
+                </c:pt>
+                <c:pt idx="9">
+                  <c:v>Cambodia</c:v>
+                </c:pt>
+                <c:pt idx="10">
+                  <c:v>Azerbaijan</c:v>
+                </c:pt>
+                <c:pt idx="11">
+                  <c:v>Nicaragua</c:v>
+                </c:pt>
+                <c:pt idx="12">
+                  <c:v>Cuba</c:v>
+                </c:pt>
+                <c:pt idx="13">
+                  <c:v>Zimbabwe</c:v>
+                </c:pt>
+                <c:pt idx="14">
+                  <c:v>Mali</c:v>
+                </c:pt>
+                <c:pt idx="15">
+                  <c:v>Colombia</c:v>
+                </c:pt>
+                <c:pt idx="16">
+                  <c:v>Belarus</c:v>
+                </c:pt>
+                <c:pt idx="17">
+                  <c:v>Greece</c:v>
+                </c:pt>
+                <c:pt idx="18">
+                  <c:v>Armenia</c:v>
+                </c:pt>
+                <c:pt idx="19">
+                  <c:v>Cyprus</c:v>
+                </c:pt>
+              </c:strCache>
+            </c:strRef>
+          </c:cat>
+          <c:val>
+            <c:numRef>
+              <c:f>Question3!$E$3:$E$22</c:f>
+              <c:numCache>
+                <c:formatCode>General</c:formatCode>
+                <c:ptCount val="20"/>
+                <c:pt idx="0">
+                  <c:v>99.59</c:v>
+                </c:pt>
+                <c:pt idx="1">
+                  <c:v>79.099999999999994</c:v>
+                </c:pt>
+                <c:pt idx="2">
+                  <c:v>67.31</c:v>
+                </c:pt>
+                <c:pt idx="3">
+                  <c:v>62.13</c:v>
+                </c:pt>
+                <c:pt idx="4">
+                  <c:v>49.45</c:v>
+                </c:pt>
+                <c:pt idx="5">
+                  <c:v>46.27</c:v>
+                </c:pt>
+                <c:pt idx="6">
+                  <c:v>43.21</c:v>
+                </c:pt>
+                <c:pt idx="7">
+                  <c:v>38.869999999999997</c:v>
+                </c:pt>
+                <c:pt idx="8">
+                  <c:v>35.03</c:v>
+                </c:pt>
+                <c:pt idx="9">
+                  <c:v>34.92</c:v>
+                </c:pt>
+                <c:pt idx="10">
+                  <c:v>33.9</c:v>
+                </c:pt>
+                <c:pt idx="11">
+                  <c:v>28.85</c:v>
+                </c:pt>
+                <c:pt idx="12">
+                  <c:v>28.48</c:v>
+                </c:pt>
+                <c:pt idx="13">
+                  <c:v>25.01</c:v>
+                </c:pt>
+                <c:pt idx="14">
+                  <c:v>24.49</c:v>
+                </c:pt>
+                <c:pt idx="15">
+                  <c:v>24.3</c:v>
+                </c:pt>
+                <c:pt idx="16">
+                  <c:v>24.26</c:v>
+                </c:pt>
+                <c:pt idx="17">
+                  <c:v>22.06</c:v>
+                </c:pt>
+                <c:pt idx="18">
+                  <c:v>19.07</c:v>
+                </c:pt>
+                <c:pt idx="19">
+                  <c:v>18.47</c:v>
+                </c:pt>
+              </c:numCache>
+            </c:numRef>
+          </c:val>
+        </c:ser>
+        <c:dLbls>
+          <c:showLegendKey val="0"/>
+          <c:showVal val="0"/>
+          <c:showCatName val="0"/>
+          <c:showSerName val="0"/>
+          <c:showPercent val="0"/>
+          <c:showBubbleSize val="0"/>
+        </c:dLbls>
+        <c:gapWidth val="150"/>
+        <c:axId val="129504768"/>
+        <c:axId val="129506688"/>
+      </c:barChart>
+      <c:catAx>
+        <c:axId val="129504768"/>
+        <c:scaling>
+          <c:orientation val="minMax"/>
+        </c:scaling>
+        <c:delete val="0"/>
+        <c:axPos val="b"/>
+        <c:title>
+          <c:tx>
+            <c:rich>
+              <a:bodyPr/>
+              <a:lstStyle/>
+              <a:p>
+                <a:pPr>
+                  <a:defRPr/>
+                </a:pPr>
+                <a:r>
+                  <a:rPr lang="en-US" sz="1400"/>
+                  <a:t>Country</a:t>
+                </a:r>
+                <a:r>
+                  <a:rPr lang="en-US" sz="1400" baseline="0"/>
+                  <a:t> Name</a:t>
+                </a:r>
+                <a:endParaRPr lang="en-US" sz="1400"/>
+              </a:p>
+            </c:rich>
+          </c:tx>
+          <c:layout/>
+          <c:overlay val="0"/>
+        </c:title>
+        <c:majorTickMark val="out"/>
+        <c:minorTickMark val="none"/>
+        <c:tickLblPos val="nextTo"/>
+        <c:crossAx val="129506688"/>
+        <c:crosses val="autoZero"/>
+        <c:auto val="1"/>
+        <c:lblAlgn val="ctr"/>
+        <c:lblOffset val="100"/>
+        <c:noMultiLvlLbl val="0"/>
+      </c:catAx>
+      <c:valAx>
+        <c:axId val="129506688"/>
+        <c:scaling>
+          <c:orientation val="minMax"/>
+          <c:max val="100"/>
+        </c:scaling>
+        <c:delete val="0"/>
+        <c:axPos val="l"/>
+        <c:title>
+          <c:tx>
+            <c:rich>
+              <a:bodyPr rot="-5400000" vert="horz"/>
+              <a:lstStyle/>
+              <a:p>
+                <a:pPr>
+                  <a:defRPr/>
+                </a:pPr>
+                <a:r>
+                  <a:rPr lang="en-US" sz="1400"/>
+                  <a:t>Absolute</a:t>
+                </a:r>
+                <a:r>
+                  <a:rPr lang="en-US" sz="1400" baseline="0"/>
+                  <a:t> Value of Overall % Change</a:t>
+                </a:r>
+                <a:endParaRPr lang="en-US" sz="1400"/>
+              </a:p>
+            </c:rich>
+          </c:tx>
+          <c:layout>
+            <c:manualLayout>
+              <c:xMode val="edge"/>
+              <c:yMode val="edge"/>
+              <c:x val="1.3054830287206266E-2"/>
+              <c:y val="3.9170462436590038E-2"/>
+            </c:manualLayout>
+          </c:layout>
+          <c:overlay val="0"/>
+        </c:title>
+        <c:numFmt formatCode="General" sourceLinked="1"/>
+        <c:majorTickMark val="out"/>
+        <c:minorTickMark val="none"/>
+        <c:tickLblPos val="nextTo"/>
+        <c:crossAx val="129504768"/>
+        <c:crosses val="autoZero"/>
+        <c:crossBetween val="between"/>
+        <c:majorUnit val="5"/>
+      </c:valAx>
+    </c:plotArea>
+    <c:plotVisOnly val="1"/>
+    <c:dispBlanksAs val="gap"/>
+    <c:showDLblsOverMax val="0"/>
+  </c:chart>
+  <c:spPr>
+    <a:ln>
+      <a:solidFill>
+        <a:schemeClr val="tx1"/>
+      </a:solidFill>
+    </a:ln>
+  </c:spPr>
+  <c:externalData r:id="rId1">
+    <c:autoUpdate val="0"/>
+  </c:externalData>
+  <c:userShapes r:id="rId2"/>
+</c:chartSpace>
+</file>
+
+<file path=ppt/charts/chart5.xml><?xml version="1.0" encoding="utf-8"?>
+<c:chartSpace xmlns:c="http://schemas.openxmlformats.org/drawingml/2006/chart" xmlns:a="http://schemas.openxmlformats.org/drawingml/2006/main" xmlns:r="http://schemas.openxmlformats.org/officeDocument/2006/relationships">
+  <c:date1904 val="0"/>
+  <c:lang val="en-US"/>
+  <c:roundedCorners val="0"/>
+  <mc:AlternateContent xmlns:mc="http://schemas.openxmlformats.org/markup-compatibility/2006">
+    <mc:Choice xmlns:c14="http://schemas.microsoft.com/office/drawing/2007/8/2/chart" Requires="c14">
+      <c14:style val="102"/>
+    </mc:Choice>
+    <mc:Fallback>
+      <c:style val="2"/>
+    </mc:Fallback>
+  </mc:AlternateContent>
+  <c:chart>
+    <c:autoTitleDeleted val="1"/>
+    <c:plotArea>
+      <c:layout>
+        <c:manualLayout>
+          <c:layoutTarget val="inner"/>
+          <c:xMode val="edge"/>
+          <c:yMode val="edge"/>
+          <c:x val="0.12731903126991634"/>
+          <c:y val="1.8243706083824723E-2"/>
+          <c:w val="0.84874711320353891"/>
+          <c:h val="0.69013594152748847"/>
+        </c:manualLayout>
+      </c:layout>
+      <c:barChart>
+        <c:barDir val="col"/>
+        <c:grouping val="clustered"/>
+        <c:varyColors val="0"/>
+        <c:ser>
+          <c:idx val="0"/>
+          <c:order val="0"/>
+          <c:spPr>
+            <a:solidFill>
+              <a:schemeClr val="accent1"/>
+            </a:solidFill>
+          </c:spPr>
+          <c:invertIfNegative val="0"/>
+          <c:dPt>
+            <c:idx val="6"/>
+            <c:invertIfNegative val="0"/>
+            <c:bubble3D val="0"/>
+          </c:dPt>
+          <c:dPt>
+            <c:idx val="9"/>
+            <c:invertIfNegative val="0"/>
+            <c:bubble3D val="0"/>
+            <c:spPr>
+              <a:solidFill>
+                <a:schemeClr val="accent2"/>
+              </a:solidFill>
+            </c:spPr>
+          </c:dPt>
+          <c:dPt>
+            <c:idx val="15"/>
+            <c:invertIfNegative val="0"/>
+            <c:bubble3D val="0"/>
+            <c:spPr>
+              <a:solidFill>
+                <a:schemeClr val="accent2"/>
+              </a:solidFill>
+            </c:spPr>
+          </c:dPt>
+          <c:dPt>
+            <c:idx val="17"/>
+            <c:invertIfNegative val="0"/>
+            <c:bubble3D val="0"/>
+          </c:dPt>
+          <c:dPt>
+            <c:idx val="19"/>
+            <c:invertIfNegative val="0"/>
+            <c:bubble3D val="0"/>
+          </c:dPt>
+          <c:cat>
+            <c:strRef>
+              <c:f>Question4!$A$3:$A$22</c:f>
+              <c:strCache>
+                <c:ptCount val="20"/>
+                <c:pt idx="0">
+                  <c:v>Kiribati	</c:v>
+                </c:pt>
+                <c:pt idx="1">
+                  <c:v>Uganda	</c:v>
+                </c:pt>
+                <c:pt idx="2">
+                  <c:v>Pakistan	</c:v>
+                </c:pt>
+                <c:pt idx="3">
+                  <c:v>Honduras	</c:v>
+                </c:pt>
+                <c:pt idx="4">
+                  <c:v>Ethiopia	</c:v>
+                </c:pt>
+                <c:pt idx="5">
+                  <c:v>Lesotho	</c:v>
+                </c:pt>
+                <c:pt idx="6">
+                  <c:v>Nicaragua	</c:v>
+                </c:pt>
+                <c:pt idx="7">
+                  <c:v>Egypt - Arab Rep.	</c:v>
+                </c:pt>
+                <c:pt idx="8">
+                  <c:v>Belarus	</c:v>
+                </c:pt>
+                <c:pt idx="9">
+                  <c:v>Syrian Arab Republic	</c:v>
+                </c:pt>
+                <c:pt idx="10">
+                  <c:v>Qatar	</c:v>
+                </c:pt>
+                <c:pt idx="11">
+                  <c:v>Cuba	</c:v>
+                </c:pt>
+                <c:pt idx="12">
+                  <c:v>Chile	</c:v>
+                </c:pt>
+                <c:pt idx="13">
+                  <c:v>Malta	</c:v>
+                </c:pt>
+                <c:pt idx="14">
+                  <c:v>Montenegro	</c:v>
+                </c:pt>
+                <c:pt idx="15">
+                  <c:v>Bangladesh	</c:v>
+                </c:pt>
+                <c:pt idx="16">
+                  <c:v>Namibia	</c:v>
+                </c:pt>
+                <c:pt idx="17">
+                  <c:v>Madagascar	</c:v>
+                </c:pt>
+                <c:pt idx="18">
+                  <c:v>El Salvador	</c:v>
+                </c:pt>
+                <c:pt idx="19">
+                  <c:v>Mali	</c:v>
+                </c:pt>
+              </c:strCache>
+            </c:strRef>
+          </c:cat>
+          <c:val>
+            <c:numRef>
+              <c:f>Question4!$E$3:$E$22</c:f>
+              <c:numCache>
+                <c:formatCode>General</c:formatCode>
+                <c:ptCount val="20"/>
+                <c:pt idx="0">
+                  <c:v>166.43</c:v>
+                </c:pt>
+                <c:pt idx="1">
+                  <c:v>108.34</c:v>
+                </c:pt>
+                <c:pt idx="2">
+                  <c:v>96.41</c:v>
+                </c:pt>
+                <c:pt idx="3">
+                  <c:v>87.86</c:v>
+                </c:pt>
+                <c:pt idx="4">
+                  <c:v>82.79</c:v>
+                </c:pt>
+                <c:pt idx="5">
+                  <c:v>70.12</c:v>
+                </c:pt>
+                <c:pt idx="6">
+                  <c:v>69.52</c:v>
+                </c:pt>
+                <c:pt idx="7">
+                  <c:v>63.85</c:v>
+                </c:pt>
+                <c:pt idx="8">
+                  <c:v>63.37</c:v>
+                </c:pt>
+                <c:pt idx="9">
+                  <c:v>51.44</c:v>
+                </c:pt>
+                <c:pt idx="10">
+                  <c:v>49.15</c:v>
+                </c:pt>
+                <c:pt idx="11">
+                  <c:v>49.06</c:v>
+                </c:pt>
+                <c:pt idx="12">
+                  <c:v>44.08</c:v>
+                </c:pt>
+                <c:pt idx="13">
+                  <c:v>43.57</c:v>
+                </c:pt>
+                <c:pt idx="14">
+                  <c:v>42.73</c:v>
+                </c:pt>
+                <c:pt idx="15">
+                  <c:v>42.47</c:v>
+                </c:pt>
+                <c:pt idx="16">
+                  <c:v>40.54</c:v>
+                </c:pt>
+                <c:pt idx="17">
+                  <c:v>38.18</c:v>
+                </c:pt>
+                <c:pt idx="18">
+                  <c:v>37.119999999999997</c:v>
+                </c:pt>
+                <c:pt idx="19">
+                  <c:v>36.61</c:v>
+                </c:pt>
+              </c:numCache>
+            </c:numRef>
+          </c:val>
+        </c:ser>
+        <c:dLbls>
+          <c:showLegendKey val="0"/>
+          <c:showVal val="0"/>
+          <c:showCatName val="0"/>
+          <c:showSerName val="0"/>
+          <c:showPercent val="0"/>
+          <c:showBubbleSize val="0"/>
+        </c:dLbls>
+        <c:gapWidth val="150"/>
+        <c:axId val="184499584"/>
+        <c:axId val="184632832"/>
+      </c:barChart>
+      <c:catAx>
+        <c:axId val="184499584"/>
+        <c:scaling>
+          <c:orientation val="minMax"/>
+        </c:scaling>
+        <c:delete val="0"/>
+        <c:axPos val="b"/>
+        <c:title>
+          <c:tx>
+            <c:rich>
+              <a:bodyPr/>
+              <a:lstStyle/>
+              <a:p>
+                <a:pPr>
+                  <a:defRPr/>
+                </a:pPr>
+                <a:r>
+                  <a:rPr lang="en-US" sz="1400"/>
+                  <a:t>Country</a:t>
+                </a:r>
+                <a:r>
+                  <a:rPr lang="en-US" sz="1400" baseline="0"/>
+                  <a:t> Name</a:t>
+                </a:r>
+                <a:endParaRPr lang="en-US" sz="1400"/>
+              </a:p>
+            </c:rich>
+          </c:tx>
+          <c:layout/>
+          <c:overlay val="0"/>
+        </c:title>
+        <c:majorTickMark val="out"/>
+        <c:minorTickMark val="none"/>
+        <c:tickLblPos val="nextTo"/>
+        <c:crossAx val="184632832"/>
+        <c:crosses val="autoZero"/>
+        <c:auto val="1"/>
+        <c:lblAlgn val="ctr"/>
+        <c:lblOffset val="100"/>
+        <c:noMultiLvlLbl val="0"/>
+      </c:catAx>
+      <c:valAx>
+        <c:axId val="184632832"/>
+        <c:scaling>
+          <c:orientation val="minMax"/>
+          <c:max val="100"/>
+        </c:scaling>
+        <c:delete val="0"/>
+        <c:axPos val="l"/>
+        <c:title>
+          <c:tx>
+            <c:rich>
+              <a:bodyPr rot="-5400000" vert="horz"/>
+              <a:lstStyle/>
+              <a:p>
+                <a:pPr>
+                  <a:defRPr/>
+                </a:pPr>
+                <a:r>
+                  <a:rPr lang="en-US" sz="1400"/>
+                  <a:t>Absolute</a:t>
+                </a:r>
+                <a:r>
+                  <a:rPr lang="en-US" sz="1400" baseline="0"/>
+                  <a:t> Value of Overall % Change</a:t>
+                </a:r>
+                <a:endParaRPr lang="en-US" sz="1400"/>
+              </a:p>
+            </c:rich>
+          </c:tx>
+          <c:layout>
+            <c:manualLayout>
+              <c:xMode val="edge"/>
+              <c:yMode val="edge"/>
+              <c:x val="1.3054830287206266E-2"/>
+              <c:y val="3.9170462436590038E-2"/>
+            </c:manualLayout>
+          </c:layout>
+          <c:overlay val="0"/>
+        </c:title>
+        <c:numFmt formatCode="General" sourceLinked="1"/>
+        <c:majorTickMark val="out"/>
+        <c:minorTickMark val="none"/>
+        <c:tickLblPos val="nextTo"/>
+        <c:crossAx val="184499584"/>
+        <c:crosses val="autoZero"/>
+        <c:crossBetween val="between"/>
+        <c:majorUnit val="5"/>
+      </c:valAx>
+    </c:plotArea>
+    <c:plotVisOnly val="1"/>
+    <c:dispBlanksAs val="gap"/>
+    <c:showDLblsOverMax val="0"/>
+  </c:chart>
+  <c:spPr>
+    <a:noFill/>
+    <a:ln>
+      <a:solidFill>
+        <a:schemeClr val="tx1"/>
+      </a:solidFill>
+    </a:ln>
+  </c:spPr>
+  <c:externalData r:id="rId1">
+    <c:autoUpdate val="0"/>
+  </c:externalData>
+  <c:userShapes r:id="rId2"/>
+</c:chartSpace>
+</file>
+
+<file path=ppt/charts/chart6.xml><?xml version="1.0" encoding="utf-8"?>
+<c:chartSpace xmlns:c="http://schemas.openxmlformats.org/drawingml/2006/chart" xmlns:a="http://schemas.openxmlformats.org/drawingml/2006/main" xmlns:r="http://schemas.openxmlformats.org/officeDocument/2006/relationships">
+  <c:date1904 val="0"/>
+  <c:lang val="en-US"/>
+  <c:roundedCorners val="0"/>
+  <mc:AlternateContent xmlns:mc="http://schemas.openxmlformats.org/markup-compatibility/2006">
+    <mc:Choice xmlns:c14="http://schemas.microsoft.com/office/drawing/2007/8/2/chart" Requires="c14">
+      <c14:style val="102"/>
+    </mc:Choice>
+    <mc:Fallback>
+      <c:style val="2"/>
+    </mc:Fallback>
+  </mc:AlternateContent>
+  <c:chart>
+    <c:title>
+      <c:tx>
+        <c:rich>
+          <a:bodyPr/>
+          <a:lstStyle/>
+          <a:p>
+            <a:pPr>
+              <a:defRPr/>
+            </a:pPr>
+            <a:r>
+              <a:rPr lang="en-US" sz="1400"/>
+              <a:t>Normalized</a:t>
+            </a:r>
+            <a:r>
+              <a:rPr lang="en-US" sz="1400" baseline="0"/>
+              <a:t> % Difference in the GPI for Each Pair of Years (U.S. Primary + Secondary Education)</a:t>
+            </a:r>
+            <a:endParaRPr lang="en-US" sz="1400"/>
+          </a:p>
+        </c:rich>
+      </c:tx>
+      <c:layout/>
+      <c:overlay val="0"/>
+    </c:title>
+    <c:autoTitleDeleted val="0"/>
+    <c:plotArea>
+      <c:layout/>
+      <c:scatterChart>
+        <c:scatterStyle val="lineMarker"/>
+        <c:varyColors val="0"/>
+        <c:ser>
+          <c:idx val="0"/>
+          <c:order val="0"/>
+          <c:spPr>
+            <a:ln w="28575">
+              <a:noFill/>
+            </a:ln>
+          </c:spPr>
+          <c:xVal>
+            <c:numRef>
+              <c:f>Question2!$B$3:$B$18</c:f>
+              <c:numCache>
+                <c:formatCode>General</c:formatCode>
+                <c:ptCount val="16"/>
+                <c:pt idx="0">
+                  <c:v>2000.5</c:v>
+                </c:pt>
+                <c:pt idx="1">
+                  <c:v>2001.5</c:v>
+                </c:pt>
+                <c:pt idx="2">
+                  <c:v>2002.5</c:v>
+                </c:pt>
+                <c:pt idx="3">
+                  <c:v>2003.5</c:v>
+                </c:pt>
+                <c:pt idx="4">
+                  <c:v>2004.5</c:v>
+                </c:pt>
+                <c:pt idx="5">
+                  <c:v>2005.5</c:v>
+                </c:pt>
+                <c:pt idx="6">
+                  <c:v>2006.5</c:v>
+                </c:pt>
+                <c:pt idx="7">
+                  <c:v>2007.5</c:v>
+                </c:pt>
+                <c:pt idx="8">
+                  <c:v>2008.5</c:v>
+                </c:pt>
+                <c:pt idx="9">
+                  <c:v>2009.5</c:v>
+                </c:pt>
+                <c:pt idx="10">
+                  <c:v>2010.5</c:v>
+                </c:pt>
+                <c:pt idx="11">
+                  <c:v>2011.5</c:v>
+                </c:pt>
+                <c:pt idx="12">
+                  <c:v>2012.5</c:v>
+                </c:pt>
+                <c:pt idx="13">
+                  <c:v>2013.5</c:v>
+                </c:pt>
+                <c:pt idx="14">
+                  <c:v>2014.5</c:v>
+                </c:pt>
+                <c:pt idx="15">
+                  <c:v>2015.5</c:v>
+                </c:pt>
+              </c:numCache>
+            </c:numRef>
+          </c:xVal>
+          <c:yVal>
+            <c:numRef>
+              <c:f>Question2!$D$3:$D$18</c:f>
+              <c:numCache>
+                <c:formatCode>General</c:formatCode>
+                <c:ptCount val="16"/>
+                <c:pt idx="0">
+                  <c:v>0.80500000000000005</c:v>
+                </c:pt>
+                <c:pt idx="1">
+                  <c:v>-0.44600000000000001</c:v>
+                </c:pt>
+                <c:pt idx="2">
+                  <c:v>0.28999999999999998</c:v>
+                </c:pt>
+                <c:pt idx="3">
+                  <c:v>0.65600000000000003</c:v>
+                </c:pt>
+                <c:pt idx="4">
+                  <c:v>-0.32300000000000001</c:v>
+                </c:pt>
+                <c:pt idx="5">
+                  <c:v>-0.252</c:v>
+                </c:pt>
+                <c:pt idx="6">
+                  <c:v>8.9999999999999993E-3</c:v>
+                </c:pt>
+                <c:pt idx="7">
+                  <c:v>-0.371</c:v>
+                </c:pt>
+                <c:pt idx="8">
+                  <c:v>0.995</c:v>
+                </c:pt>
+                <c:pt idx="9">
+                  <c:v>-0.89800000000000002</c:v>
+                </c:pt>
+                <c:pt idx="10">
+                  <c:v>0.38700000000000001</c:v>
+                </c:pt>
+                <c:pt idx="11">
+                  <c:v>-1.0249999999999999</c:v>
+                </c:pt>
+                <c:pt idx="12">
+                  <c:v>0.114</c:v>
+                </c:pt>
+                <c:pt idx="13">
+                  <c:v>0.65300000000000002</c:v>
+                </c:pt>
+              </c:numCache>
+            </c:numRef>
+          </c:yVal>
+          <c:smooth val="0"/>
+        </c:ser>
+        <c:dLbls>
+          <c:showLegendKey val="0"/>
+          <c:showVal val="0"/>
+          <c:showCatName val="0"/>
+          <c:showSerName val="0"/>
+          <c:showPercent val="0"/>
+          <c:showBubbleSize val="0"/>
+        </c:dLbls>
+        <c:axId val="184573312"/>
+        <c:axId val="184583296"/>
+      </c:scatterChart>
+      <c:valAx>
+        <c:axId val="184573312"/>
+        <c:scaling>
+          <c:orientation val="minMax"/>
+          <c:max val="2016"/>
+          <c:min val="2000"/>
+        </c:scaling>
+        <c:delete val="0"/>
+        <c:axPos val="b"/>
+        <c:numFmt formatCode="General" sourceLinked="1"/>
+        <c:majorTickMark val="out"/>
+        <c:minorTickMark val="none"/>
+        <c:tickLblPos val="nextTo"/>
+        <c:txPr>
+          <a:bodyPr rot="60000"/>
+          <a:lstStyle/>
+          <a:p>
+            <a:pPr>
+              <a:defRPr/>
+            </a:pPr>
+            <a:endParaRPr lang="en-US"/>
+          </a:p>
+        </c:txPr>
+        <c:crossAx val="184583296"/>
+        <c:crosses val="autoZero"/>
+        <c:crossBetween val="midCat"/>
+        <c:majorUnit val="1"/>
+      </c:valAx>
+      <c:valAx>
+        <c:axId val="184583296"/>
+        <c:scaling>
+          <c:orientation val="minMax"/>
+          <c:max val="1.2"/>
+          <c:min val="-1.2"/>
+        </c:scaling>
+        <c:delete val="0"/>
+        <c:axPos val="l"/>
+        <c:title>
+          <c:tx>
+            <c:rich>
+              <a:bodyPr rot="-5400000" vert="horz"/>
+              <a:lstStyle/>
+              <a:p>
+                <a:pPr>
+                  <a:defRPr/>
+                </a:pPr>
+                <a:r>
+                  <a:rPr lang="en-US" sz="1400" dirty="0"/>
+                  <a:t>% Difference for each Pair of </a:t>
+                </a:r>
+                <a:r>
+                  <a:rPr lang="en-US" sz="1400" dirty="0" smtClean="0"/>
+                  <a:t>Years</a:t>
+                </a:r>
+                <a:endParaRPr lang="en-US" sz="1400" dirty="0"/>
+              </a:p>
+            </c:rich>
+          </c:tx>
+          <c:layout/>
+          <c:overlay val="0"/>
+        </c:title>
+        <c:numFmt formatCode="General" sourceLinked="1"/>
+        <c:majorTickMark val="out"/>
+        <c:minorTickMark val="none"/>
+        <c:tickLblPos val="nextTo"/>
+        <c:crossAx val="184573312"/>
+        <c:crosses val="autoZero"/>
+        <c:crossBetween val="midCat"/>
+        <c:majorUnit val="0.2"/>
+      </c:valAx>
+    </c:plotArea>
+    <c:plotVisOnly val="1"/>
+    <c:dispBlanksAs val="gap"/>
+    <c:showDLblsOverMax val="0"/>
+  </c:chart>
+  <c:spPr>
+    <a:ln>
+      <a:solidFill>
+        <a:schemeClr val="tx1"/>
+      </a:solidFill>
+    </a:ln>
+  </c:spPr>
+  <c:externalData r:id="rId1">
+    <c:autoUpdate val="0"/>
+  </c:externalData>
+</c:chartSpace>
+</file>
+
+<file path=ppt/charts/chart7.xml><?xml version="1.0" encoding="utf-8"?>
+<c:chartSpace xmlns:c="http://schemas.openxmlformats.org/drawingml/2006/chart" xmlns:a="http://schemas.openxmlformats.org/drawingml/2006/main" xmlns:r="http://schemas.openxmlformats.org/officeDocument/2006/relationships">
+  <c:date1904 val="0"/>
+  <c:lang val="en-US"/>
+  <c:roundedCorners val="0"/>
+  <mc:AlternateContent xmlns:mc="http://schemas.openxmlformats.org/markup-compatibility/2006">
+    <mc:Choice xmlns:c14="http://schemas.microsoft.com/office/drawing/2007/8/2/chart" Requires="c14">
+      <c14:style val="102"/>
+    </mc:Choice>
+    <mc:Fallback>
+      <c:style val="2"/>
+    </mc:Fallback>
+  </mc:AlternateContent>
+  <c:chart>
+    <c:title>
+      <c:tx>
+        <c:rich>
+          <a:bodyPr/>
+          <a:lstStyle/>
+          <a:p>
+            <a:pPr>
+              <a:defRPr/>
+            </a:pPr>
+            <a:r>
+              <a:rPr lang="en-US" sz="1400" dirty="0"/>
+              <a:t>Normalized</a:t>
+            </a:r>
+            <a:r>
+              <a:rPr lang="en-US" sz="1400" baseline="0" dirty="0"/>
+              <a:t> % Difference in the GPI for Each Pair of Years (U.S. Secondary Education)</a:t>
+            </a:r>
+            <a:endParaRPr lang="en-US" sz="1400" dirty="0"/>
+          </a:p>
+        </c:rich>
+      </c:tx>
+      <c:layout/>
+      <c:overlay val="0"/>
+    </c:title>
+    <c:autoTitleDeleted val="0"/>
+    <c:plotArea>
+      <c:layout/>
+      <c:scatterChart>
+        <c:scatterStyle val="lineMarker"/>
+        <c:varyColors val="0"/>
+        <c:ser>
+          <c:idx val="0"/>
+          <c:order val="0"/>
+          <c:spPr>
+            <a:ln w="28575">
+              <a:noFill/>
+            </a:ln>
+          </c:spPr>
+          <c:xVal>
+            <c:numRef>
+              <c:f>Question2!$B$3:$B$18</c:f>
+              <c:numCache>
+                <c:formatCode>General</c:formatCode>
+                <c:ptCount val="16"/>
+                <c:pt idx="0">
+                  <c:v>2000.5</c:v>
+                </c:pt>
+                <c:pt idx="1">
+                  <c:v>2001.5</c:v>
+                </c:pt>
+                <c:pt idx="2">
+                  <c:v>2002.5</c:v>
+                </c:pt>
+                <c:pt idx="3">
+                  <c:v>2003.5</c:v>
+                </c:pt>
+                <c:pt idx="4">
+                  <c:v>2004.5</c:v>
+                </c:pt>
+                <c:pt idx="5">
+                  <c:v>2005.5</c:v>
+                </c:pt>
+                <c:pt idx="6">
+                  <c:v>2006.5</c:v>
+                </c:pt>
+                <c:pt idx="7">
+                  <c:v>2007.5</c:v>
+                </c:pt>
+                <c:pt idx="8">
+                  <c:v>2008.5</c:v>
+                </c:pt>
+                <c:pt idx="9">
+                  <c:v>2009.5</c:v>
+                </c:pt>
+                <c:pt idx="10">
+                  <c:v>2010.5</c:v>
+                </c:pt>
+                <c:pt idx="11">
+                  <c:v>2011.5</c:v>
+                </c:pt>
+                <c:pt idx="12">
+                  <c:v>2012.5</c:v>
+                </c:pt>
+                <c:pt idx="13">
+                  <c:v>2013.5</c:v>
+                </c:pt>
+                <c:pt idx="14">
+                  <c:v>2014.5</c:v>
+                </c:pt>
+                <c:pt idx="15">
+                  <c:v>2015.5</c:v>
+                </c:pt>
+              </c:numCache>
+            </c:numRef>
+          </c:xVal>
+          <c:yVal>
+            <c:numRef>
+              <c:f>Question2!$E$3:$E$18</c:f>
+              <c:numCache>
+                <c:formatCode>General</c:formatCode>
+                <c:ptCount val="16"/>
+                <c:pt idx="0">
+                  <c:v>0.217</c:v>
+                </c:pt>
+                <c:pt idx="1">
+                  <c:v>-2.1779999999999999</c:v>
+                </c:pt>
+                <c:pt idx="2">
+                  <c:v>1.2649999999999999</c:v>
+                </c:pt>
+                <c:pt idx="3">
+                  <c:v>2.044</c:v>
+                </c:pt>
+                <c:pt idx="4">
+                  <c:v>-1.2999999999999999E-2</c:v>
+                </c:pt>
+                <c:pt idx="5">
+                  <c:v>-2.339</c:v>
+                </c:pt>
+                <c:pt idx="6">
+                  <c:v>1.0449999999999999</c:v>
+                </c:pt>
+                <c:pt idx="7">
+                  <c:v>-1.2629999999999999</c:v>
+                </c:pt>
+                <c:pt idx="8">
+                  <c:v>1.8009999999999999</c:v>
+                </c:pt>
+                <c:pt idx="9">
+                  <c:v>-0.30199999999999999</c:v>
+                </c:pt>
+                <c:pt idx="10">
+                  <c:v>-0.57299999999999995</c:v>
+                </c:pt>
+                <c:pt idx="11">
+                  <c:v>5.3999999999999999E-2</c:v>
+                </c:pt>
+                <c:pt idx="12">
+                  <c:v>-0.34100000000000003</c:v>
+                </c:pt>
+                <c:pt idx="13">
+                  <c:v>0.91300000000000003</c:v>
+                </c:pt>
+              </c:numCache>
+            </c:numRef>
+          </c:yVal>
+          <c:smooth val="0"/>
+        </c:ser>
+        <c:dLbls>
+          <c:showLegendKey val="0"/>
+          <c:showVal val="0"/>
+          <c:showCatName val="0"/>
+          <c:showSerName val="0"/>
+          <c:showPercent val="0"/>
+          <c:showBubbleSize val="0"/>
+        </c:dLbls>
+        <c:axId val="183897088"/>
+        <c:axId val="183907072"/>
+      </c:scatterChart>
+      <c:valAx>
+        <c:axId val="183897088"/>
+        <c:scaling>
+          <c:orientation val="minMax"/>
+          <c:max val="2016"/>
+          <c:min val="2000"/>
+        </c:scaling>
+        <c:delete val="0"/>
+        <c:axPos val="b"/>
+        <c:numFmt formatCode="General" sourceLinked="1"/>
+        <c:majorTickMark val="out"/>
+        <c:minorTickMark val="none"/>
+        <c:tickLblPos val="nextTo"/>
+        <c:txPr>
+          <a:bodyPr rot="-5400000" vert="horz"/>
+          <a:lstStyle/>
+          <a:p>
+            <a:pPr>
+              <a:defRPr/>
+            </a:pPr>
+            <a:endParaRPr lang="en-US"/>
+          </a:p>
+        </c:txPr>
+        <c:crossAx val="183907072"/>
+        <c:crosses val="autoZero"/>
+        <c:crossBetween val="midCat"/>
+        <c:majorUnit val="1"/>
+      </c:valAx>
+      <c:valAx>
+        <c:axId val="183907072"/>
+        <c:scaling>
+          <c:orientation val="minMax"/>
+          <c:min val="-2.5"/>
+        </c:scaling>
+        <c:delete val="0"/>
+        <c:axPos val="l"/>
+        <c:title>
+          <c:tx>
+            <c:rich>
+              <a:bodyPr rot="-5400000" vert="horz"/>
+              <a:lstStyle/>
+              <a:p>
+                <a:pPr>
+                  <a:defRPr/>
+                </a:pPr>
+                <a:r>
+                  <a:rPr lang="en-US" sz="1400" dirty="0"/>
+                  <a:t>% Difference for each Pair of </a:t>
+                </a:r>
+                <a:r>
+                  <a:rPr lang="en-US" sz="1400" dirty="0" smtClean="0"/>
+                  <a:t>Years</a:t>
+                </a:r>
+                <a:endParaRPr lang="en-US" sz="1400" dirty="0"/>
+              </a:p>
+            </c:rich>
+          </c:tx>
+          <c:layout/>
+          <c:overlay val="0"/>
+        </c:title>
+        <c:numFmt formatCode="General" sourceLinked="1"/>
+        <c:majorTickMark val="out"/>
+        <c:minorTickMark val="none"/>
+        <c:tickLblPos val="nextTo"/>
+        <c:crossAx val="183897088"/>
+        <c:crosses val="autoZero"/>
+        <c:crossBetween val="midCat"/>
+      </c:valAx>
+    </c:plotArea>
+    <c:plotVisOnly val="1"/>
+    <c:dispBlanksAs val="gap"/>
+    <c:showDLblsOverMax val="0"/>
+  </c:chart>
+  <c:spPr>
+    <a:ln>
+      <a:solidFill>
+        <a:schemeClr val="tx1"/>
+      </a:solidFill>
+    </a:ln>
+  </c:spPr>
+  <c:externalData r:id="rId1">
+    <c:autoUpdate val="0"/>
+  </c:externalData>
+</c:chartSpace>
+</file>
+
+<file path=ppt/charts/chart8.xml><?xml version="1.0" encoding="utf-8"?>
+<c:chartSpace xmlns:c="http://schemas.openxmlformats.org/drawingml/2006/chart" xmlns:a="http://schemas.openxmlformats.org/drawingml/2006/main" xmlns:r="http://schemas.openxmlformats.org/officeDocument/2006/relationships">
+  <c:date1904 val="0"/>
+  <c:lang val="en-US"/>
+  <c:roundedCorners val="0"/>
+  <mc:AlternateContent xmlns:mc="http://schemas.openxmlformats.org/markup-compatibility/2006">
+    <mc:Choice xmlns:c14="http://schemas.microsoft.com/office/drawing/2007/8/2/chart" Requires="c14">
+      <c14:style val="102"/>
+    </mc:Choice>
+    <mc:Fallback>
+      <c:style val="2"/>
+    </mc:Fallback>
+  </mc:AlternateContent>
+  <c:chart>
+    <c:title>
+      <c:tx>
+        <c:rich>
+          <a:bodyPr/>
+          <a:lstStyle/>
+          <a:p>
+            <a:pPr>
+              <a:defRPr/>
+            </a:pPr>
+            <a:r>
+              <a:rPr lang="en-US" sz="1400" dirty="0"/>
+              <a:t>Normalized</a:t>
+            </a:r>
+            <a:r>
+              <a:rPr lang="en-US" sz="1400" baseline="0" dirty="0"/>
+              <a:t> % Difference in the GPI </a:t>
+            </a:r>
+            <a:r>
+              <a:rPr lang="en-US" sz="1400" baseline="0" dirty="0" smtClean="0"/>
+              <a:t>for </a:t>
+            </a:r>
+            <a:r>
+              <a:rPr lang="en-US" sz="1400" baseline="0" dirty="0"/>
+              <a:t>Each Pair of </a:t>
+            </a:r>
+            <a:r>
+              <a:rPr lang="en-US" sz="1400" baseline="0" dirty="0" smtClean="0"/>
+              <a:t>Years (U.S. Secondary Education)</a:t>
+            </a:r>
+            <a:endParaRPr lang="en-US" sz="1400" dirty="0"/>
+          </a:p>
+        </c:rich>
+      </c:tx>
+      <c:layout/>
+      <c:overlay val="0"/>
+    </c:title>
+    <c:autoTitleDeleted val="0"/>
+    <c:plotArea>
+      <c:layout/>
+      <c:scatterChart>
+        <c:scatterStyle val="lineMarker"/>
+        <c:varyColors val="0"/>
+        <c:ser>
+          <c:idx val="0"/>
+          <c:order val="0"/>
+          <c:spPr>
+            <a:ln w="28575">
+              <a:noFill/>
+            </a:ln>
+          </c:spPr>
+          <c:xVal>
+            <c:numRef>
+              <c:f>Question2!$B$3:$B$18</c:f>
+              <c:numCache>
+                <c:formatCode>General</c:formatCode>
+                <c:ptCount val="16"/>
+                <c:pt idx="0">
+                  <c:v>2000.5</c:v>
+                </c:pt>
+                <c:pt idx="1">
+                  <c:v>2001.5</c:v>
+                </c:pt>
+                <c:pt idx="2">
+                  <c:v>2002.5</c:v>
+                </c:pt>
+                <c:pt idx="3">
+                  <c:v>2003.5</c:v>
+                </c:pt>
+                <c:pt idx="4">
+                  <c:v>2004.5</c:v>
+                </c:pt>
+                <c:pt idx="5">
+                  <c:v>2005.5</c:v>
+                </c:pt>
+                <c:pt idx="6">
+                  <c:v>2006.5</c:v>
+                </c:pt>
+                <c:pt idx="7">
+                  <c:v>2007.5</c:v>
+                </c:pt>
+                <c:pt idx="8">
+                  <c:v>2008.5</c:v>
+                </c:pt>
+                <c:pt idx="9">
+                  <c:v>2009.5</c:v>
+                </c:pt>
+                <c:pt idx="10">
+                  <c:v>2010.5</c:v>
+                </c:pt>
+                <c:pt idx="11">
+                  <c:v>2011.5</c:v>
+                </c:pt>
+                <c:pt idx="12">
+                  <c:v>2012.5</c:v>
+                </c:pt>
+                <c:pt idx="13">
+                  <c:v>2013.5</c:v>
+                </c:pt>
+                <c:pt idx="14">
+                  <c:v>2014.5</c:v>
+                </c:pt>
+                <c:pt idx="15">
+                  <c:v>2015.5</c:v>
+                </c:pt>
+              </c:numCache>
+            </c:numRef>
+          </c:xVal>
+          <c:yVal>
+            <c:numRef>
+              <c:f>Question2!$F$3:$F$18</c:f>
+              <c:numCache>
+                <c:formatCode>General</c:formatCode>
+                <c:ptCount val="16"/>
+                <c:pt idx="0">
+                  <c:v>0.35899999999999999</c:v>
+                </c:pt>
+                <c:pt idx="1">
+                  <c:v>1.304</c:v>
+                </c:pt>
+                <c:pt idx="2">
+                  <c:v>1.256</c:v>
+                </c:pt>
+                <c:pt idx="3">
+                  <c:v>1.82</c:v>
+                </c:pt>
+                <c:pt idx="4">
+                  <c:v>0.91900000000000004</c:v>
+                </c:pt>
+                <c:pt idx="5">
+                  <c:v>0.93300000000000005</c:v>
+                </c:pt>
+                <c:pt idx="6">
+                  <c:v>-0.30099999999999999</c:v>
+                </c:pt>
+                <c:pt idx="7">
+                  <c:v>-0.89</c:v>
+                </c:pt>
+                <c:pt idx="8">
+                  <c:v>-0.249</c:v>
+                </c:pt>
+                <c:pt idx="9">
+                  <c:v>-0.27100000000000002</c:v>
+                </c:pt>
+                <c:pt idx="10">
+                  <c:v>-0.36599999999999999</c:v>
+                </c:pt>
+                <c:pt idx="11">
+                  <c:v>0.30399999999999999</c:v>
+                </c:pt>
+                <c:pt idx="12">
+                  <c:v>-1.607</c:v>
+                </c:pt>
+                <c:pt idx="13">
+                  <c:v>-1.034</c:v>
+                </c:pt>
+                <c:pt idx="14">
+                  <c:v>-0.23</c:v>
+                </c:pt>
+              </c:numCache>
+            </c:numRef>
+          </c:yVal>
+          <c:smooth val="0"/>
+        </c:ser>
+        <c:dLbls>
+          <c:showLegendKey val="0"/>
+          <c:showVal val="0"/>
+          <c:showCatName val="0"/>
+          <c:showSerName val="0"/>
+          <c:showPercent val="0"/>
+          <c:showBubbleSize val="0"/>
+        </c:dLbls>
+        <c:axId val="183933568"/>
+        <c:axId val="184537472"/>
+      </c:scatterChart>
+      <c:valAx>
+        <c:axId val="183933568"/>
+        <c:scaling>
+          <c:orientation val="minMax"/>
+          <c:max val="2016"/>
+          <c:min val="2000"/>
+        </c:scaling>
+        <c:delete val="0"/>
+        <c:axPos val="b"/>
+        <c:numFmt formatCode="General" sourceLinked="1"/>
+        <c:majorTickMark val="out"/>
+        <c:minorTickMark val="none"/>
+        <c:tickLblPos val="nextTo"/>
+        <c:txPr>
+          <a:bodyPr rot="-5400000" vert="horz"/>
+          <a:lstStyle/>
+          <a:p>
+            <a:pPr>
+              <a:defRPr/>
+            </a:pPr>
+            <a:endParaRPr lang="en-US"/>
+          </a:p>
+        </c:txPr>
+        <c:crossAx val="184537472"/>
+        <c:crosses val="autoZero"/>
+        <c:crossBetween val="midCat"/>
+        <c:majorUnit val="1"/>
+      </c:valAx>
+      <c:valAx>
+        <c:axId val="184537472"/>
+        <c:scaling>
+          <c:orientation val="minMax"/>
+        </c:scaling>
+        <c:delete val="0"/>
+        <c:axPos val="l"/>
+        <c:title>
+          <c:tx>
+            <c:rich>
+              <a:bodyPr rot="-5400000" vert="horz"/>
+              <a:lstStyle/>
+              <a:p>
+                <a:pPr>
+                  <a:defRPr/>
+                </a:pPr>
+                <a:r>
+                  <a:rPr lang="en-US" sz="1400" dirty="0"/>
+                  <a:t>% Difference for each Pair of </a:t>
+                </a:r>
+                <a:r>
+                  <a:rPr lang="en-US" sz="1400" dirty="0" smtClean="0"/>
+                  <a:t>Years</a:t>
+                </a:r>
+                <a:endParaRPr lang="en-US" sz="1400" dirty="0"/>
+              </a:p>
+            </c:rich>
+          </c:tx>
+          <c:layout/>
+          <c:overlay val="0"/>
+        </c:title>
+        <c:numFmt formatCode="General" sourceLinked="1"/>
+        <c:majorTickMark val="out"/>
+        <c:minorTickMark val="none"/>
+        <c:tickLblPos val="nextTo"/>
+        <c:crossAx val="183933568"/>
+        <c:crosses val="autoZero"/>
+        <c:crossBetween val="midCat"/>
+        <c:majorUnit val="0.2"/>
+      </c:valAx>
+    </c:plotArea>
+    <c:plotVisOnly val="1"/>
+    <c:dispBlanksAs val="gap"/>
+    <c:showDLblsOverMax val="0"/>
+  </c:chart>
+  <c:spPr>
+    <a:ln>
+      <a:solidFill>
+        <a:schemeClr val="tx1"/>
+      </a:solidFill>
+    </a:ln>
+  </c:spPr>
+  <c:externalData r:id="rId1">
+    <c:autoUpdate val="0"/>
+  </c:externalData>
+</c:chartSpace>
+</file>
+
+<file path=ppt/drawings/drawing1.xml><?xml version="1.0" encoding="utf-8"?>
+<c:userShapes xmlns:c="http://schemas.openxmlformats.org/drawingml/2006/chart">
+  <cdr:relSizeAnchor xmlns:cdr="http://schemas.openxmlformats.org/drawingml/2006/chartDrawing">
+    <cdr:from>
+      <cdr:x>0.40996</cdr:x>
+      <cdr:y>0.12841</cdr:y>
+    </cdr:from>
+    <cdr:to>
+      <cdr:x>0.71022</cdr:x>
+      <cdr:y>0.48154</cdr:y>
+    </cdr:to>
+    <cdr:sp macro="" textlink="">
+      <cdr:nvSpPr>
+        <cdr:cNvPr id="2" name="TextBox 1"/>
+        <cdr:cNvSpPr txBox="1"/>
+      </cdr:nvSpPr>
+      <cdr:spPr>
+        <a:xfrm xmlns:a="http://schemas.openxmlformats.org/drawingml/2006/main">
+          <a:off x="2358529" y="560662"/>
+          <a:ext cx="1727433" cy="1541850"/>
+        </a:xfrm>
+        <a:prstGeom xmlns:a="http://schemas.openxmlformats.org/drawingml/2006/main" prst="rect">
+          <a:avLst/>
+        </a:prstGeom>
+        <a:noFill xmlns:a="http://schemas.openxmlformats.org/drawingml/2006/main"/>
+      </cdr:spPr>
+      <cdr:txBody>
+        <a:bodyPr xmlns:a="http://schemas.openxmlformats.org/drawingml/2006/main" vertOverflow="clip" wrap="none" rtlCol="0"/>
+        <a:lstStyle xmlns:a="http://schemas.openxmlformats.org/drawingml/2006/main"/>
+        <a:p xmlns:a="http://schemas.openxmlformats.org/drawingml/2006/main">
+          <a:r>
+            <a:rPr lang="en-US" sz="1200"/>
+            <a:t>The</a:t>
+          </a:r>
+          <a:r>
+            <a:rPr lang="en-US" sz="1200" baseline="0"/>
+            <a:t> highest absolute</a:t>
+          </a:r>
+        </a:p>
+        <a:p xmlns:a="http://schemas.openxmlformats.org/drawingml/2006/main">
+          <a:r>
+            <a:rPr lang="en-US" sz="1200" baseline="0"/>
+            <a:t>% change was 962.8</a:t>
+          </a:r>
+        </a:p>
+        <a:p xmlns:a="http://schemas.openxmlformats.org/drawingml/2006/main">
+          <a:r>
+            <a:rPr lang="en-US" sz="1200" baseline="0"/>
+            <a:t>from the country</a:t>
+          </a:r>
+        </a:p>
+        <a:p xmlns:a="http://schemas.openxmlformats.org/drawingml/2006/main">
+          <a:r>
+            <a:rPr lang="en-US" sz="1200" baseline="0"/>
+            <a:t>Botswana.  This value</a:t>
+          </a:r>
+        </a:p>
+        <a:p xmlns:a="http://schemas.openxmlformats.org/drawingml/2006/main">
+          <a:r>
+            <a:rPr lang="en-US" sz="1200" baseline="0"/>
+            <a:t>was excluded from this</a:t>
+          </a:r>
+        </a:p>
+        <a:p xmlns:a="http://schemas.openxmlformats.org/drawingml/2006/main">
+          <a:r>
+            <a:rPr lang="en-US" sz="1200" baseline="0"/>
+            <a:t>graph as it too large</a:t>
+          </a:r>
+        </a:p>
+        <a:p xmlns:a="http://schemas.openxmlformats.org/drawingml/2006/main">
+          <a:r>
+            <a:rPr lang="en-US" sz="1200" baseline="0"/>
+            <a:t>an outlier to display. </a:t>
+          </a:r>
+          <a:endParaRPr lang="en-US" sz="1200"/>
+        </a:p>
+      </cdr:txBody>
+    </cdr:sp>
+  </cdr:relSizeAnchor>
+  <cdr:relSizeAnchor xmlns:cdr="http://schemas.openxmlformats.org/drawingml/2006/chartDrawing">
+    <cdr:from>
+      <cdr:x>0.70258</cdr:x>
+      <cdr:y>0.22415</cdr:y>
+    </cdr:from>
+    <cdr:to>
+      <cdr:x>0.97673</cdr:x>
+      <cdr:y>0.55779</cdr:y>
+    </cdr:to>
+    <cdr:sp macro="" textlink="">
+      <cdr:nvSpPr>
+        <cdr:cNvPr id="4" name="TextBox 3"/>
+        <cdr:cNvSpPr txBox="1"/>
+      </cdr:nvSpPr>
+      <cdr:spPr>
+        <a:xfrm xmlns:a="http://schemas.openxmlformats.org/drawingml/2006/main">
+          <a:off x="4042013" y="978709"/>
+          <a:ext cx="1577220" cy="1456727"/>
+        </a:xfrm>
+        <a:prstGeom xmlns:a="http://schemas.openxmlformats.org/drawingml/2006/main" prst="rect">
+          <a:avLst/>
+        </a:prstGeom>
+      </cdr:spPr>
+      <cdr:txBody>
+        <a:bodyPr xmlns:a="http://schemas.openxmlformats.org/drawingml/2006/main" vertOverflow="clip" wrap="none" rtlCol="0"/>
+        <a:lstStyle xmlns:a="http://schemas.openxmlformats.org/drawingml/2006/main"/>
+        <a:p xmlns:a="http://schemas.openxmlformats.org/drawingml/2006/main">
+          <a:r>
+            <a:rPr lang="en-US" sz="1200"/>
+            <a:t>All</a:t>
+          </a:r>
+          <a:r>
+            <a:rPr lang="en-US" sz="1200" baseline="0"/>
+            <a:t> bars in red</a:t>
+          </a:r>
+        </a:p>
+        <a:p xmlns:a="http://schemas.openxmlformats.org/drawingml/2006/main">
+          <a:r>
+            <a:rPr lang="en-US" sz="1200" baseline="0"/>
+            <a:t>indicate that the</a:t>
+          </a:r>
+        </a:p>
+        <a:p xmlns:a="http://schemas.openxmlformats.org/drawingml/2006/main">
+          <a:r>
+            <a:rPr lang="en-US" sz="1200" baseline="0"/>
+            <a:t>actual % change was</a:t>
+          </a:r>
+        </a:p>
+        <a:p xmlns:a="http://schemas.openxmlformats.org/drawingml/2006/main">
+          <a:r>
+            <a:rPr lang="en-US" sz="1200" baseline="0"/>
+            <a:t>a % decrease</a:t>
+          </a:r>
+        </a:p>
+        <a:p xmlns:a="http://schemas.openxmlformats.org/drawingml/2006/main">
+          <a:r>
+            <a:rPr lang="en-US" sz="1200" baseline="0"/>
+            <a:t>from the least current</a:t>
+          </a:r>
+        </a:p>
+        <a:p xmlns:a="http://schemas.openxmlformats.org/drawingml/2006/main">
+          <a:r>
+            <a:rPr lang="en-US" sz="1200" baseline="0"/>
+            <a:t>year data to the most</a:t>
+          </a:r>
+        </a:p>
+        <a:p xmlns:a="http://schemas.openxmlformats.org/drawingml/2006/main">
+          <a:r>
+            <a:rPr lang="en-US" sz="1200" baseline="0"/>
+            <a:t>current year data.</a:t>
+          </a:r>
+          <a:endParaRPr lang="en-US" sz="1200"/>
+        </a:p>
+      </cdr:txBody>
+    </cdr:sp>
+  </cdr:relSizeAnchor>
+</c:userShapes>
+</file>
+
+<file path=ppt/drawings/drawing2.xml><?xml version="1.0" encoding="utf-8"?>
+<c:userShapes xmlns:c="http://schemas.openxmlformats.org/drawingml/2006/chart">
+  <cdr:relSizeAnchor xmlns:cdr="http://schemas.openxmlformats.org/drawingml/2006/chartDrawing">
+    <cdr:from>
+      <cdr:x>0.447</cdr:x>
+      <cdr:y>0.00091</cdr:y>
+    </cdr:from>
+    <cdr:to>
+      <cdr:x>0.74726</cdr:x>
+      <cdr:y>0.35404</cdr:y>
+    </cdr:to>
+    <cdr:sp macro="" textlink="">
+      <cdr:nvSpPr>
+        <cdr:cNvPr id="2" name="TextBox 1"/>
+        <cdr:cNvSpPr txBox="1"/>
+      </cdr:nvSpPr>
+      <cdr:spPr>
+        <a:xfrm xmlns:a="http://schemas.openxmlformats.org/drawingml/2006/main">
+          <a:off x="2575025" y="4533"/>
+          <a:ext cx="1729714" cy="1751744"/>
+        </a:xfrm>
+        <a:prstGeom xmlns:a="http://schemas.openxmlformats.org/drawingml/2006/main" prst="rect">
+          <a:avLst/>
+        </a:prstGeom>
+        <a:noFill xmlns:a="http://schemas.openxmlformats.org/drawingml/2006/main"/>
+      </cdr:spPr>
+      <cdr:txBody>
+        <a:bodyPr xmlns:a="http://schemas.openxmlformats.org/drawingml/2006/main" vertOverflow="clip" wrap="none" rtlCol="0"/>
+        <a:lstStyle xmlns:a="http://schemas.openxmlformats.org/drawingml/2006/main"/>
+        <a:p xmlns:a="http://schemas.openxmlformats.org/drawingml/2006/main">
+          <a:r>
+            <a:rPr lang="en-US" sz="1200"/>
+            <a:t>The</a:t>
+          </a:r>
+          <a:r>
+            <a:rPr lang="en-US" sz="1200" baseline="0"/>
+            <a:t> highest absolute</a:t>
+          </a:r>
+        </a:p>
+        <a:p xmlns:a="http://schemas.openxmlformats.org/drawingml/2006/main">
+          <a:r>
+            <a:rPr lang="en-US" sz="1200" baseline="0"/>
+            <a:t>% change was 1023.8</a:t>
+          </a:r>
+        </a:p>
+        <a:p xmlns:a="http://schemas.openxmlformats.org/drawingml/2006/main">
+          <a:r>
+            <a:rPr lang="en-US" sz="1200" baseline="0"/>
+            <a:t>from the country</a:t>
+          </a:r>
+        </a:p>
+        <a:p xmlns:a="http://schemas.openxmlformats.org/drawingml/2006/main">
+          <a:r>
+            <a:rPr lang="en-US" sz="1200" baseline="0"/>
+            <a:t>Botswana.  This value</a:t>
+          </a:r>
+        </a:p>
+        <a:p xmlns:a="http://schemas.openxmlformats.org/drawingml/2006/main">
+          <a:r>
+            <a:rPr lang="en-US" sz="1200" baseline="0"/>
+            <a:t>was excluded from this</a:t>
+          </a:r>
+        </a:p>
+        <a:p xmlns:a="http://schemas.openxmlformats.org/drawingml/2006/main">
+          <a:r>
+            <a:rPr lang="en-US" sz="1200" baseline="0"/>
+            <a:t>graph as it too large</a:t>
+          </a:r>
+        </a:p>
+        <a:p xmlns:a="http://schemas.openxmlformats.org/drawingml/2006/main">
+          <a:r>
+            <a:rPr lang="en-US" sz="1200" baseline="0"/>
+            <a:t>an outlier to display. </a:t>
+          </a:r>
+          <a:endParaRPr lang="en-US" sz="1200"/>
+        </a:p>
+      </cdr:txBody>
+    </cdr:sp>
+  </cdr:relSizeAnchor>
+  <cdr:relSizeAnchor xmlns:cdr="http://schemas.openxmlformats.org/drawingml/2006/chartDrawing">
+    <cdr:from>
+      <cdr:x>0.72585</cdr:x>
+      <cdr:y>0.13813</cdr:y>
+    </cdr:from>
+    <cdr:to>
+      <cdr:x>1</cdr:x>
+      <cdr:y>0.47177</cdr:y>
+    </cdr:to>
+    <cdr:sp macro="" textlink="">
+      <cdr:nvSpPr>
+        <cdr:cNvPr id="4" name="TextBox 3"/>
+        <cdr:cNvSpPr txBox="1"/>
+      </cdr:nvSpPr>
+      <cdr:spPr>
+        <a:xfrm xmlns:a="http://schemas.openxmlformats.org/drawingml/2006/main">
+          <a:off x="4181419" y="685203"/>
+          <a:ext cx="1579301" cy="1655061"/>
+        </a:xfrm>
+        <a:prstGeom xmlns:a="http://schemas.openxmlformats.org/drawingml/2006/main" prst="rect">
+          <a:avLst/>
+        </a:prstGeom>
+      </cdr:spPr>
+      <cdr:txBody>
+        <a:bodyPr xmlns:a="http://schemas.openxmlformats.org/drawingml/2006/main" vertOverflow="clip" wrap="none" rtlCol="0"/>
+        <a:lstStyle xmlns:a="http://schemas.openxmlformats.org/drawingml/2006/main"/>
+        <a:p xmlns:a="http://schemas.openxmlformats.org/drawingml/2006/main">
+          <a:r>
+            <a:rPr lang="en-US" sz="1200"/>
+            <a:t>All</a:t>
+          </a:r>
+          <a:r>
+            <a:rPr lang="en-US" sz="1200" baseline="0"/>
+            <a:t> bars in red</a:t>
+          </a:r>
+        </a:p>
+        <a:p xmlns:a="http://schemas.openxmlformats.org/drawingml/2006/main">
+          <a:r>
+            <a:rPr lang="en-US" sz="1200" baseline="0"/>
+            <a:t>indicate that the</a:t>
+          </a:r>
+        </a:p>
+        <a:p xmlns:a="http://schemas.openxmlformats.org/drawingml/2006/main">
+          <a:r>
+            <a:rPr lang="en-US" sz="1200" baseline="0"/>
+            <a:t>actual % change was</a:t>
+          </a:r>
+        </a:p>
+        <a:p xmlns:a="http://schemas.openxmlformats.org/drawingml/2006/main">
+          <a:r>
+            <a:rPr lang="en-US" sz="1200" baseline="0"/>
+            <a:t>a % decrease</a:t>
+          </a:r>
+        </a:p>
+        <a:p xmlns:a="http://schemas.openxmlformats.org/drawingml/2006/main">
+          <a:r>
+            <a:rPr lang="en-US" sz="1200" baseline="0"/>
+            <a:t>from the least current</a:t>
+          </a:r>
+        </a:p>
+        <a:p xmlns:a="http://schemas.openxmlformats.org/drawingml/2006/main">
+          <a:r>
+            <a:rPr lang="en-US" sz="1200" baseline="0"/>
+            <a:t>year data to the most</a:t>
+          </a:r>
+        </a:p>
+        <a:p xmlns:a="http://schemas.openxmlformats.org/drawingml/2006/main">
+          <a:r>
+            <a:rPr lang="en-US" sz="1200" baseline="0"/>
+            <a:t>current year data.</a:t>
+          </a:r>
+          <a:endParaRPr lang="en-US" sz="1200"/>
+        </a:p>
+      </cdr:txBody>
+    </cdr:sp>
+  </cdr:relSizeAnchor>
+</c:userShapes>
+</file>
+
+<file path=ppt/notesMasters/notesMaster1.xml><?xml version="1.0" encoding="utf-8"?>
+<p:notesMaster xmlns:a="http://schemas.openxmlformats.org/drawingml/2006/main" xmlns:r="http://schemas.openxmlformats.org/officeDocument/2006/relationships" xmlns:p="http://schemas.openxmlformats.org/presentationml/2006/main">
+  <p:cSld>
+    <p:bg>
+      <p:bgRef idx="1001">
+        <a:schemeClr val="bg1"/>
+      </p:bgRef>
+    </p:bg>
+    <p:spTree>
+      <p:nvGrpSpPr>
+        <p:cNvPr id="1" name=""/>
+        <p:cNvGrpSpPr/>
+        <p:nvPr/>
+      </p:nvGrpSpPr>
+      <p:grpSpPr>
+        <a:xfrm>
+          <a:off x="0" y="0"/>
+          <a:ext cx="0" cy="0"/>
+          <a:chOff x="0" y="0"/>
+          <a:chExt cx="0" cy="0"/>
+        </a:xfrm>
+      </p:grpSpPr>
+      <p:sp>
+        <p:nvSpPr>
+          <p:cNvPr id="2" name="Header Placeholder 1"/>
+          <p:cNvSpPr>
+            <a:spLocks noGrp="1"/>
+          </p:cNvSpPr>
+          <p:nvPr>
+            <p:ph type="hdr" sz="quarter"/>
+          </p:nvPr>
+        </p:nvSpPr>
+        <p:spPr>
+          <a:xfrm>
+            <a:off x="0" y="0"/>
+            <a:ext cx="2971800" cy="457200"/>
+          </a:xfrm>
+          <a:prstGeom prst="rect">
+            <a:avLst/>
+          </a:prstGeom>
+        </p:spPr>
+        <p:txBody>
+          <a:bodyPr vert="horz" lIns="91440" tIns="45720" rIns="91440" bIns="45720" rtlCol="0"/>
+          <a:lstStyle>
+            <a:lvl1pPr algn="l">
+              <a:defRPr sz="1200"/>
+            </a:lvl1pPr>
+          </a:lstStyle>
+          <a:p>
+            <a:endParaRPr lang="en-US"/>
+          </a:p>
+        </p:txBody>
+      </p:sp>
+      <p:sp>
+        <p:nvSpPr>
+          <p:cNvPr id="3" name="Date Placeholder 2"/>
+          <p:cNvSpPr>
+            <a:spLocks noGrp="1"/>
+          </p:cNvSpPr>
+          <p:nvPr>
+            <p:ph type="dt" idx="1"/>
+          </p:nvPr>
+        </p:nvSpPr>
+        <p:spPr>
+          <a:xfrm>
+            <a:off x="3884613" y="0"/>
+            <a:ext cx="2971800" cy="457200"/>
+          </a:xfrm>
+          <a:prstGeom prst="rect">
+            <a:avLst/>
+          </a:prstGeom>
+        </p:spPr>
+        <p:txBody>
+          <a:bodyPr vert="horz" lIns="91440" tIns="45720" rIns="91440" bIns="45720" rtlCol="0"/>
+          <a:lstStyle>
+            <a:lvl1pPr algn="r">
+              <a:defRPr sz="1200"/>
+            </a:lvl1pPr>
+          </a:lstStyle>
+          <a:p>
+            <a:fld id="{D2CD97BC-9879-4DE5-8C3D-3C0468F9F86C}" type="datetimeFigureOut">
+              <a:rPr lang="en-US" smtClean="0"/>
+              <a:t>1/21/2019</a:t>
+            </a:fld>
+            <a:endParaRPr lang="en-US"/>
+          </a:p>
+        </p:txBody>
+      </p:sp>
+      <p:sp>
+        <p:nvSpPr>
+          <p:cNvPr id="4" name="Slide Image Placeholder 3"/>
+          <p:cNvSpPr>
+            <a:spLocks noGrp="1" noRot="1" noChangeAspect="1"/>
+          </p:cNvSpPr>
+          <p:nvPr>
+            <p:ph type="sldImg" idx="2"/>
+          </p:nvPr>
+        </p:nvSpPr>
+        <p:spPr>
+          <a:xfrm>
+            <a:off x="1143000" y="685800"/>
+            <a:ext cx="4572000" cy="3429000"/>
+          </a:xfrm>
+          <a:prstGeom prst="rect">
+            <a:avLst/>
+          </a:prstGeom>
+          <a:noFill/>
+          <a:ln w="12700">
+            <a:solidFill>
+              <a:prstClr val="black"/>
+            </a:solidFill>
+          </a:ln>
+        </p:spPr>
+        <p:txBody>
+          <a:bodyPr vert="horz" lIns="91440" tIns="45720" rIns="91440" bIns="45720" rtlCol="0" anchor="ctr"/>
+          <a:lstStyle/>
+          <a:p>
+            <a:endParaRPr lang="en-US"/>
+          </a:p>
+        </p:txBody>
+      </p:sp>
+      <p:sp>
+        <p:nvSpPr>
+          <p:cNvPr id="5" name="Notes Placeholder 4"/>
+          <p:cNvSpPr>
+            <a:spLocks noGrp="1"/>
+          </p:cNvSpPr>
+          <p:nvPr>
+            <p:ph type="body" sz="quarter" idx="3"/>
+          </p:nvPr>
+        </p:nvSpPr>
+        <p:spPr>
+          <a:xfrm>
+            <a:off x="685800" y="4343400"/>
+            <a:ext cx="5486400" cy="4114800"/>
+          </a:xfrm>
+          <a:prstGeom prst="rect">
+            <a:avLst/>
+          </a:prstGeom>
+        </p:spPr>
+        <p:txBody>
+          <a:bodyPr vert="horz" lIns="91440" tIns="45720" rIns="91440" bIns="45720" rtlCol="0"/>
+          <a:lstStyle/>
+          <a:p>
+            <a:pPr lvl="0"/>
+            <a:r>
+              <a:rPr lang="en-US" smtClean="0"/>
+              <a:t>Click to edit Master text styles</a:t>
+            </a:r>
+          </a:p>
+          <a:p>
+            <a:pPr lvl="1"/>
+            <a:r>
+              <a:rPr lang="en-US" smtClean="0"/>
+              <a:t>Second level</a:t>
+            </a:r>
+          </a:p>
+          <a:p>
+            <a:pPr lvl="2"/>
+            <a:r>
+              <a:rPr lang="en-US" smtClean="0"/>
+              <a:t>Third level</a:t>
+            </a:r>
+          </a:p>
+          <a:p>
+            <a:pPr lvl="3"/>
+            <a:r>
+              <a:rPr lang="en-US" smtClean="0"/>
+              <a:t>Fourth level</a:t>
+            </a:r>
+          </a:p>
+          <a:p>
+            <a:pPr lvl="4"/>
+            <a:r>
+              <a:rPr lang="en-US" smtClean="0"/>
+              <a:t>Fifth level</a:t>
+            </a:r>
+            <a:endParaRPr lang="en-US"/>
+          </a:p>
+        </p:txBody>
+      </p:sp>
+      <p:sp>
+        <p:nvSpPr>
+          <p:cNvPr id="6" name="Footer Placeholder 5"/>
+          <p:cNvSpPr>
+            <a:spLocks noGrp="1"/>
+          </p:cNvSpPr>
+          <p:nvPr>
+            <p:ph type="ftr" sz="quarter" idx="4"/>
+          </p:nvPr>
+        </p:nvSpPr>
+        <p:spPr>
+          <a:xfrm>
+            <a:off x="0" y="8685213"/>
+            <a:ext cx="2971800" cy="457200"/>
+          </a:xfrm>
+          <a:prstGeom prst="rect">
+            <a:avLst/>
+          </a:prstGeom>
+        </p:spPr>
+        <p:txBody>
+          <a:bodyPr vert="horz" lIns="91440" tIns="45720" rIns="91440" bIns="45720" rtlCol="0" anchor="b"/>
+          <a:lstStyle>
+            <a:lvl1pPr algn="l">
+              <a:defRPr sz="1200"/>
+            </a:lvl1pPr>
+          </a:lstStyle>
+          <a:p>
+            <a:endParaRPr lang="en-US"/>
+          </a:p>
+        </p:txBody>
+      </p:sp>
+      <p:sp>
+        <p:nvSpPr>
+          <p:cNvPr id="7" name="Slide Number Placeholder 6"/>
+          <p:cNvSpPr>
+            <a:spLocks noGrp="1"/>
+          </p:cNvSpPr>
+          <p:nvPr>
+            <p:ph type="sldNum" sz="quarter" idx="5"/>
+          </p:nvPr>
+        </p:nvSpPr>
+        <p:spPr>
+          <a:xfrm>
+            <a:off x="3884613" y="8685213"/>
+            <a:ext cx="2971800" cy="457200"/>
+          </a:xfrm>
+          <a:prstGeom prst="rect">
+            <a:avLst/>
+          </a:prstGeom>
+        </p:spPr>
+        <p:txBody>
+          <a:bodyPr vert="horz" lIns="91440" tIns="45720" rIns="91440" bIns="45720" rtlCol="0" anchor="b"/>
+          <a:lstStyle>
+            <a:lvl1pPr algn="r">
+              <a:defRPr sz="1200"/>
+            </a:lvl1pPr>
+          </a:lstStyle>
+          <a:p>
+            <a:fld id="{34F44D96-3D9E-471B-9B66-3DE5B91EC907}" type="slidenum">
+              <a:rPr lang="en-US" smtClean="0"/>
+              <a:t>‹#›</a:t>
+            </a:fld>
+            <a:endParaRPr lang="en-US"/>
+          </a:p>
+        </p:txBody>
+      </p:sp>
+    </p:spTree>
+    <p:extLst>
+      <p:ext uri="{BB962C8B-B14F-4D97-AF65-F5344CB8AC3E}">
+        <p14:creationId xmlns:p14="http://schemas.microsoft.com/office/powerpoint/2010/main" val="2299160511"/>
+      </p:ext>
+    </p:extLst>
+  </p:cSld>
+  <p:clrMap bg1="lt1" tx1="dk1" bg2="lt2" tx2="dk2" accent1="accent1" accent2="accent2" accent3="accent3" accent4="accent4" accent5="accent5" accent6="accent6" hlink="hlink" folHlink="folHlink"/>
+  <p:notesStyle>
+    <a:lvl1pPr marL="0" algn="l" defTabSz="914400" rtl="0" eaLnBrk="1" latinLnBrk="0" hangingPunct="1">
+      <a:defRPr sz="1200" kern="1200">
+        <a:solidFill>
+          <a:schemeClr val="tx1"/>
+        </a:solidFill>
+        <a:latin typeface="+mn-lt"/>
+        <a:ea typeface="+mn-ea"/>
+        <a:cs typeface="+mn-cs"/>
+      </a:defRPr>
+    </a:lvl1pPr>
+    <a:lvl2pPr marL="457200" algn="l" defTabSz="914400" rtl="0" eaLnBrk="1" latinLnBrk="0" hangingPunct="1">
+      <a:defRPr sz="1200" kern="1200">
+        <a:solidFill>
+          <a:schemeClr val="tx1"/>
+        </a:solidFill>
+        <a:latin typeface="+mn-lt"/>
+        <a:ea typeface="+mn-ea"/>
+        <a:cs typeface="+mn-cs"/>
+      </a:defRPr>
+    </a:lvl2pPr>
+    <a:lvl3pPr marL="914400" algn="l" defTabSz="914400" rtl="0" eaLnBrk="1" latinLnBrk="0" hangingPunct="1">
+      <a:defRPr sz="1200" kern="1200">
+        <a:solidFill>
+          <a:schemeClr val="tx1"/>
+        </a:solidFill>
+        <a:latin typeface="+mn-lt"/>
+        <a:ea typeface="+mn-ea"/>
+        <a:cs typeface="+mn-cs"/>
+      </a:defRPr>
+    </a:lvl3pPr>
+    <a:lvl4pPr marL="1371600" algn="l" defTabSz="914400" rtl="0" eaLnBrk="1" latinLnBrk="0" hangingPunct="1">
+      <a:defRPr sz="1200" kern="1200">
+        <a:solidFill>
+          <a:schemeClr val="tx1"/>
+        </a:solidFill>
+        <a:latin typeface="+mn-lt"/>
+        <a:ea typeface="+mn-ea"/>
+        <a:cs typeface="+mn-cs"/>
+      </a:defRPr>
+    </a:lvl4pPr>
+    <a:lvl5pPr marL="1828800" algn="l" defTabSz="914400" rtl="0" eaLnBrk="1" latinLnBrk="0" hangingPunct="1">
+      <a:defRPr sz="1200" kern="1200">
+        <a:solidFill>
+          <a:schemeClr val="tx1"/>
+        </a:solidFill>
+        <a:latin typeface="+mn-lt"/>
+        <a:ea typeface="+mn-ea"/>
+        <a:cs typeface="+mn-cs"/>
+      </a:defRPr>
+    </a:lvl5pPr>
+    <a:lvl6pPr marL="2286000" algn="l" defTabSz="914400" rtl="0" eaLnBrk="1" latinLnBrk="0" hangingPunct="1">
+      <a:defRPr sz="1200" kern="1200">
+        <a:solidFill>
+          <a:schemeClr val="tx1"/>
+        </a:solidFill>
+        <a:latin typeface="+mn-lt"/>
+        <a:ea typeface="+mn-ea"/>
+        <a:cs typeface="+mn-cs"/>
+      </a:defRPr>
+    </a:lvl6pPr>
+    <a:lvl7pPr marL="2743200" algn="l" defTabSz="914400" rtl="0" eaLnBrk="1" latinLnBrk="0" hangingPunct="1">
+      <a:defRPr sz="1200" kern="1200">
+        <a:solidFill>
+          <a:schemeClr val="tx1"/>
+        </a:solidFill>
+        <a:latin typeface="+mn-lt"/>
+        <a:ea typeface="+mn-ea"/>
+        <a:cs typeface="+mn-cs"/>
+      </a:defRPr>
+    </a:lvl7pPr>
+    <a:lvl8pPr marL="3200400" algn="l" defTabSz="914400" rtl="0" eaLnBrk="1" latinLnBrk="0" hangingPunct="1">
+      <a:defRPr sz="1200" kern="1200">
+        <a:solidFill>
+          <a:schemeClr val="tx1"/>
+        </a:solidFill>
+        <a:latin typeface="+mn-lt"/>
+        <a:ea typeface="+mn-ea"/>
+        <a:cs typeface="+mn-cs"/>
+      </a:defRPr>
+    </a:lvl8pPr>
+    <a:lvl9pPr marL="3657600" algn="l" defTabSz="914400" rtl="0" eaLnBrk="1" latinLnBrk="0" hangingPunct="1">
+      <a:defRPr sz="1200" kern="1200">
+        <a:solidFill>
+          <a:schemeClr val="tx1"/>
+        </a:solidFill>
+        <a:latin typeface="+mn-lt"/>
+        <a:ea typeface="+mn-ea"/>
+        <a:cs typeface="+mn-cs"/>
+      </a:defRPr>
+    </a:lvl9pPr>
+  </p:notesStyle>
+</p:notesMaster>
+</file>
+
+<file path=ppt/notesSlides/notesSlide1.xml><?xml version="1.0" encoding="utf-8"?>
+<p:notes xmlns:a="http://schemas.openxmlformats.org/drawingml/2006/main" xmlns:r="http://schemas.openxmlformats.org/officeDocument/2006/relationships" xmlns:p="http://schemas.openxmlformats.org/presentationml/2006/main">
+  <p:cSld>
+    <p:spTree>
+      <p:nvGrpSpPr>
+        <p:cNvPr id="1" name=""/>
+        <p:cNvGrpSpPr/>
+        <p:nvPr/>
+      </p:nvGrpSpPr>
+      <p:grpSpPr>
+        <a:xfrm>
+          <a:off x="0" y="0"/>
+          <a:ext cx="0" cy="0"/>
+          <a:chOff x="0" y="0"/>
+          <a:chExt cx="0" cy="0"/>
+        </a:xfrm>
+      </p:grpSpPr>
+      <p:sp>
+        <p:nvSpPr>
+          <p:cNvPr id="2" name="Slide Image Placeholder 1"/>
+          <p:cNvSpPr>
+            <a:spLocks noGrp="1" noRot="1" noChangeAspect="1"/>
+          </p:cNvSpPr>
+          <p:nvPr>
+            <p:ph type="sldImg"/>
+          </p:nvPr>
+        </p:nvSpPr>
+        <p:spPr/>
+      </p:sp>
+      <p:sp>
+        <p:nvSpPr>
+          <p:cNvPr id="3" name="Notes Placeholder 2"/>
+          <p:cNvSpPr>
+            <a:spLocks noGrp="1"/>
+          </p:cNvSpPr>
+          <p:nvPr>
+            <p:ph type="body" idx="1"/>
+          </p:nvPr>
+        </p:nvSpPr>
+        <p:spPr/>
+        <p:txBody>
+          <a:bodyPr/>
+          <a:lstStyle/>
+          <a:p>
+            <a:pPr marL="0" marR="0" indent="0" algn="l" defTabSz="914400" rtl="0" eaLnBrk="1" fontAlgn="auto" latinLnBrk="0" hangingPunct="1">
+              <a:lnSpc>
+                <a:spcPct val="100000"/>
+              </a:lnSpc>
+              <a:spcBef>
+                <a:spcPts val="0"/>
+              </a:spcBef>
+              <a:spcAft>
+                <a:spcPts val="0"/>
+              </a:spcAft>
+              <a:buClrTx/>
+              <a:buSzTx/>
+              <a:buFontTx/>
+              <a:buNone/>
+              <a:tabLst/>
+              <a:defRPr/>
+            </a:pPr>
+            <a:r>
+              <a:rPr lang="en-US" dirty="0" smtClean="0"/>
+              <a:t>Each</a:t>
+            </a:r>
+            <a:r>
+              <a:rPr lang="en-US" baseline="0" dirty="0" smtClean="0"/>
+              <a:t> pairwise percent difference was normalized individually by using the average of the two GPI values within each pair of years </a:t>
+            </a:r>
+            <a:endParaRPr lang="en-US" dirty="0" smtClean="0"/>
+          </a:p>
+        </p:txBody>
+      </p:sp>
+      <p:sp>
+        <p:nvSpPr>
+          <p:cNvPr id="4" name="Slide Number Placeholder 3"/>
+          <p:cNvSpPr>
+            <a:spLocks noGrp="1"/>
+          </p:cNvSpPr>
+          <p:nvPr>
+            <p:ph type="sldNum" sz="quarter" idx="10"/>
+          </p:nvPr>
+        </p:nvSpPr>
+        <p:spPr/>
+        <p:txBody>
+          <a:bodyPr/>
+          <a:lstStyle/>
+          <a:p>
+            <a:fld id="{34F44D96-3D9E-471B-9B66-3DE5B91EC907}" type="slidenum">
+              <a:rPr lang="en-US" smtClean="0"/>
+              <a:t>8</a:t>
+            </a:fld>
+            <a:endParaRPr lang="en-US"/>
+          </a:p>
+        </p:txBody>
+      </p:sp>
+    </p:spTree>
+    <p:extLst>
+      <p:ext uri="{BB962C8B-B14F-4D97-AF65-F5344CB8AC3E}">
+        <p14:creationId xmlns:p14="http://schemas.microsoft.com/office/powerpoint/2010/main" val="3152356270"/>
+      </p:ext>
+    </p:extLst>
+  </p:cSld>
+  <p:clrMapOvr>
+    <a:masterClrMapping/>
+  </p:clrMapOvr>
+</p:notes>
+</file>
+
+<file path=ppt/notesSlides/notesSlide2.xml><?xml version="1.0" encoding="utf-8"?>
+<p:notes xmlns:a="http://schemas.openxmlformats.org/drawingml/2006/main" xmlns:r="http://schemas.openxmlformats.org/officeDocument/2006/relationships" xmlns:p="http://schemas.openxmlformats.org/presentationml/2006/main">
+  <p:cSld>
+    <p:spTree>
+      <p:nvGrpSpPr>
+        <p:cNvPr id="1" name=""/>
+        <p:cNvGrpSpPr/>
+        <p:nvPr/>
+      </p:nvGrpSpPr>
+      <p:grpSpPr>
+        <a:xfrm>
+          <a:off x="0" y="0"/>
+          <a:ext cx="0" cy="0"/>
+          <a:chOff x="0" y="0"/>
+          <a:chExt cx="0" cy="0"/>
+        </a:xfrm>
+      </p:grpSpPr>
+      <p:sp>
+        <p:nvSpPr>
+          <p:cNvPr id="2" name="Slide Image Placeholder 1"/>
+          <p:cNvSpPr>
+            <a:spLocks noGrp="1" noRot="1" noChangeAspect="1"/>
+          </p:cNvSpPr>
+          <p:nvPr>
+            <p:ph type="sldImg"/>
+          </p:nvPr>
+        </p:nvSpPr>
+        <p:spPr/>
+      </p:sp>
+      <p:sp>
+        <p:nvSpPr>
+          <p:cNvPr id="3" name="Notes Placeholder 2"/>
+          <p:cNvSpPr>
+            <a:spLocks noGrp="1"/>
+          </p:cNvSpPr>
+          <p:nvPr>
+            <p:ph type="body" idx="1"/>
+          </p:nvPr>
+        </p:nvSpPr>
+        <p:spPr/>
+        <p:txBody>
+          <a:bodyPr/>
+          <a:lstStyle/>
+          <a:p>
+            <a:r>
+              <a:rPr lang="en-US" dirty="0" smtClean="0"/>
+              <a:t>The full results</a:t>
+            </a:r>
+            <a:r>
+              <a:rPr lang="en-US" baseline="0" dirty="0" smtClean="0"/>
+              <a:t> of this analysis are in </a:t>
+            </a:r>
+            <a:r>
+              <a:rPr lang="en-US" dirty="0" smtClean="0"/>
+              <a:t>“Project-1-Post-Processing-of-Hadoop Results.xlsx”;</a:t>
+            </a:r>
+            <a:r>
+              <a:rPr lang="en-US" baseline="0" dirty="0" smtClean="0"/>
+              <a:t>  The U.S. </a:t>
+            </a:r>
+            <a:endParaRPr lang="en-US" dirty="0"/>
+          </a:p>
+        </p:txBody>
+      </p:sp>
+      <p:sp>
+        <p:nvSpPr>
+          <p:cNvPr id="4" name="Slide Number Placeholder 3"/>
+          <p:cNvSpPr>
+            <a:spLocks noGrp="1"/>
+          </p:cNvSpPr>
+          <p:nvPr>
+            <p:ph type="sldNum" sz="quarter" idx="10"/>
+          </p:nvPr>
+        </p:nvSpPr>
+        <p:spPr/>
+        <p:txBody>
+          <a:bodyPr/>
+          <a:lstStyle/>
+          <a:p>
+            <a:fld id="{34F44D96-3D9E-471B-9B66-3DE5B91EC907}" type="slidenum">
+              <a:rPr lang="en-US" smtClean="0"/>
+              <a:t>14</a:t>
+            </a:fld>
+            <a:endParaRPr lang="en-US"/>
+          </a:p>
+        </p:txBody>
+      </p:sp>
+    </p:spTree>
+    <p:extLst>
+      <p:ext uri="{BB962C8B-B14F-4D97-AF65-F5344CB8AC3E}">
+        <p14:creationId xmlns:p14="http://schemas.microsoft.com/office/powerpoint/2010/main" val="2645796233"/>
+      </p:ext>
+    </p:extLst>
+  </p:cSld>
+  <p:clrMapOvr>
+    <a:masterClrMapping/>
+  </p:clrMapOvr>
+</p:notes>
+</file>
+
+<file path=ppt/notesSlides/notesSlide3.xml><?xml version="1.0" encoding="utf-8"?>
+<p:notes xmlns:a="http://schemas.openxmlformats.org/drawingml/2006/main" xmlns:r="http://schemas.openxmlformats.org/officeDocument/2006/relationships" xmlns:p="http://schemas.openxmlformats.org/presentationml/2006/main">
+  <p:cSld>
+    <p:spTree>
+      <p:nvGrpSpPr>
+        <p:cNvPr id="1" name=""/>
+        <p:cNvGrpSpPr/>
+        <p:nvPr/>
+      </p:nvGrpSpPr>
+      <p:grpSpPr>
+        <a:xfrm>
+          <a:off x="0" y="0"/>
+          <a:ext cx="0" cy="0"/>
+          <a:chOff x="0" y="0"/>
+          <a:chExt cx="0" cy="0"/>
+        </a:xfrm>
+      </p:grpSpPr>
+      <p:sp>
+        <p:nvSpPr>
+          <p:cNvPr id="2" name="Slide Image Placeholder 1"/>
+          <p:cNvSpPr>
+            <a:spLocks noGrp="1" noRot="1" noChangeAspect="1"/>
+          </p:cNvSpPr>
+          <p:nvPr>
+            <p:ph type="sldImg"/>
+          </p:nvPr>
+        </p:nvSpPr>
+        <p:spPr/>
+      </p:sp>
+      <p:sp>
+        <p:nvSpPr>
+          <p:cNvPr id="3" name="Notes Placeholder 2"/>
+          <p:cNvSpPr>
+            <a:spLocks noGrp="1"/>
+          </p:cNvSpPr>
+          <p:nvPr>
+            <p:ph type="body" idx="1"/>
+          </p:nvPr>
+        </p:nvSpPr>
+        <p:spPr/>
+        <p:txBody>
+          <a:bodyPr/>
+          <a:lstStyle/>
+          <a:p>
+            <a:pPr marL="0" marR="0" indent="0" algn="l" defTabSz="914400" rtl="0" eaLnBrk="1" fontAlgn="auto" latinLnBrk="0" hangingPunct="1">
+              <a:lnSpc>
+                <a:spcPct val="100000"/>
+              </a:lnSpc>
+              <a:spcBef>
+                <a:spcPts val="0"/>
+              </a:spcBef>
+              <a:spcAft>
+                <a:spcPts val="0"/>
+              </a:spcAft>
+              <a:buClrTx/>
+              <a:buSzTx/>
+              <a:buFontTx/>
+              <a:buNone/>
+              <a:tabLst/>
+              <a:defRPr/>
+            </a:pPr>
+            <a:r>
+              <a:rPr lang="en-US" dirty="0" smtClean="0"/>
+              <a:t>Each</a:t>
+            </a:r>
+            <a:r>
+              <a:rPr lang="en-US" baseline="0" dirty="0" smtClean="0"/>
+              <a:t> pairwise percent difference was normalized individually by using the average of the two GPI values within each pair of years</a:t>
+            </a:r>
+            <a:endParaRPr lang="en-US" dirty="0" smtClean="0"/>
+          </a:p>
+        </p:txBody>
+      </p:sp>
+      <p:sp>
+        <p:nvSpPr>
+          <p:cNvPr id="4" name="Slide Number Placeholder 3"/>
+          <p:cNvSpPr>
+            <a:spLocks noGrp="1"/>
+          </p:cNvSpPr>
+          <p:nvPr>
+            <p:ph type="sldNum" sz="quarter" idx="10"/>
+          </p:nvPr>
+        </p:nvSpPr>
+        <p:spPr/>
+        <p:txBody>
+          <a:bodyPr/>
+          <a:lstStyle/>
+          <a:p>
+            <a:fld id="{34F44D96-3D9E-471B-9B66-3DE5B91EC907}" type="slidenum">
+              <a:rPr lang="en-US" smtClean="0"/>
+              <a:t>18</a:t>
+            </a:fld>
+            <a:endParaRPr lang="en-US"/>
+          </a:p>
+        </p:txBody>
+      </p:sp>
+    </p:spTree>
+    <p:extLst>
+      <p:ext uri="{BB962C8B-B14F-4D97-AF65-F5344CB8AC3E}">
+        <p14:creationId xmlns:p14="http://schemas.microsoft.com/office/powerpoint/2010/main" val="1715928687"/>
+      </p:ext>
+    </p:extLst>
+  </p:cSld>
+  <p:clrMapOvr>
+    <a:masterClrMapping/>
+  </p:clrMapOvr>
+</p:notes>
+</file>
+
+<file path=ppt/notesSlides/notesSlide4.xml><?xml version="1.0" encoding="utf-8"?>
+<p:notes xmlns:a="http://schemas.openxmlformats.org/drawingml/2006/main" xmlns:r="http://schemas.openxmlformats.org/officeDocument/2006/relationships" xmlns:p="http://schemas.openxmlformats.org/presentationml/2006/main">
+  <p:cSld>
+    <p:spTree>
+      <p:nvGrpSpPr>
+        <p:cNvPr id="1" name=""/>
+        <p:cNvGrpSpPr/>
+        <p:nvPr/>
+      </p:nvGrpSpPr>
+      <p:grpSpPr>
+        <a:xfrm>
+          <a:off x="0" y="0"/>
+          <a:ext cx="0" cy="0"/>
+          <a:chOff x="0" y="0"/>
+          <a:chExt cx="0" cy="0"/>
+        </a:xfrm>
+      </p:grpSpPr>
+      <p:sp>
+        <p:nvSpPr>
+          <p:cNvPr id="2" name="Slide Image Placeholder 1"/>
+          <p:cNvSpPr>
+            <a:spLocks noGrp="1" noRot="1" noChangeAspect="1"/>
+          </p:cNvSpPr>
+          <p:nvPr>
+            <p:ph type="sldImg"/>
+          </p:nvPr>
+        </p:nvSpPr>
+        <p:spPr/>
+      </p:sp>
+      <p:sp>
+        <p:nvSpPr>
+          <p:cNvPr id="3" name="Notes Placeholder 2"/>
+          <p:cNvSpPr>
+            <a:spLocks noGrp="1"/>
+          </p:cNvSpPr>
+          <p:nvPr>
+            <p:ph type="body" idx="1"/>
+          </p:nvPr>
+        </p:nvSpPr>
+        <p:spPr/>
+        <p:txBody>
+          <a:bodyPr/>
+          <a:lstStyle/>
+          <a:p>
+            <a:pPr marL="0" marR="0" indent="0" algn="l" defTabSz="914400" rtl="0" eaLnBrk="1" fontAlgn="auto" latinLnBrk="0" hangingPunct="1">
+              <a:lnSpc>
+                <a:spcPct val="100000"/>
+              </a:lnSpc>
+              <a:spcBef>
+                <a:spcPts val="0"/>
+              </a:spcBef>
+              <a:spcAft>
+                <a:spcPts val="0"/>
+              </a:spcAft>
+              <a:buClrTx/>
+              <a:buSzTx/>
+              <a:buFontTx/>
+              <a:buNone/>
+              <a:tabLst/>
+              <a:defRPr/>
+            </a:pPr>
+            <a:r>
+              <a:rPr lang="en-US" dirty="0" smtClean="0"/>
+              <a:t>Each</a:t>
+            </a:r>
+            <a:r>
+              <a:rPr lang="en-US" baseline="0" dirty="0" smtClean="0"/>
+              <a:t> pairwise percent difference was normalized individually by using the average of the two GPI values within each pair of years</a:t>
+            </a:r>
+            <a:endParaRPr lang="en-US" dirty="0" smtClean="0"/>
+          </a:p>
+        </p:txBody>
+      </p:sp>
+      <p:sp>
+        <p:nvSpPr>
+          <p:cNvPr id="4" name="Slide Number Placeholder 3"/>
+          <p:cNvSpPr>
+            <a:spLocks noGrp="1"/>
+          </p:cNvSpPr>
+          <p:nvPr>
+            <p:ph type="sldNum" sz="quarter" idx="10"/>
+          </p:nvPr>
+        </p:nvSpPr>
+        <p:spPr/>
+        <p:txBody>
+          <a:bodyPr/>
+          <a:lstStyle/>
+          <a:p>
+            <a:fld id="{34F44D96-3D9E-471B-9B66-3DE5B91EC907}" type="slidenum">
+              <a:rPr lang="en-US" smtClean="0"/>
+              <a:t>19</a:t>
+            </a:fld>
+            <a:endParaRPr lang="en-US"/>
+          </a:p>
+        </p:txBody>
+      </p:sp>
+    </p:spTree>
+    <p:extLst>
+      <p:ext uri="{BB962C8B-B14F-4D97-AF65-F5344CB8AC3E}">
+        <p14:creationId xmlns:p14="http://schemas.microsoft.com/office/powerpoint/2010/main" val="1715928687"/>
+      </p:ext>
+    </p:extLst>
+  </p:cSld>
+  <p:clrMapOvr>
+    <a:masterClrMapping/>
+  </p:clrMapOvr>
+</p:notes>
+</file>
+
+<file path=ppt/notesSlides/notesSlide5.xml><?xml version="1.0" encoding="utf-8"?>
+<p:notes xmlns:a="http://schemas.openxmlformats.org/drawingml/2006/main" xmlns:r="http://schemas.openxmlformats.org/officeDocument/2006/relationships" xmlns:p="http://schemas.openxmlformats.org/presentationml/2006/main">
+  <p:cSld>
+    <p:spTree>
+      <p:nvGrpSpPr>
+        <p:cNvPr id="1" name=""/>
+        <p:cNvGrpSpPr/>
+        <p:nvPr/>
+      </p:nvGrpSpPr>
+      <p:grpSpPr>
+        <a:xfrm>
+          <a:off x="0" y="0"/>
+          <a:ext cx="0" cy="0"/>
+          <a:chOff x="0" y="0"/>
+          <a:chExt cx="0" cy="0"/>
+        </a:xfrm>
+      </p:grpSpPr>
+      <p:sp>
+        <p:nvSpPr>
+          <p:cNvPr id="2" name="Slide Image Placeholder 1"/>
+          <p:cNvSpPr>
+            <a:spLocks noGrp="1" noRot="1" noChangeAspect="1"/>
+          </p:cNvSpPr>
+          <p:nvPr>
+            <p:ph type="sldImg"/>
+          </p:nvPr>
+        </p:nvSpPr>
+        <p:spPr/>
+      </p:sp>
+      <p:sp>
+        <p:nvSpPr>
+          <p:cNvPr id="3" name="Notes Placeholder 2"/>
+          <p:cNvSpPr>
+            <a:spLocks noGrp="1"/>
+          </p:cNvSpPr>
+          <p:nvPr>
+            <p:ph type="body" idx="1"/>
+          </p:nvPr>
+        </p:nvSpPr>
+        <p:spPr/>
+        <p:txBody>
+          <a:bodyPr/>
+          <a:lstStyle/>
+          <a:p>
+            <a:pPr marL="0" marR="0" indent="0" algn="l" defTabSz="914400" rtl="0" eaLnBrk="1" fontAlgn="auto" latinLnBrk="0" hangingPunct="1">
+              <a:lnSpc>
+                <a:spcPct val="100000"/>
+              </a:lnSpc>
+              <a:spcBef>
+                <a:spcPts val="0"/>
+              </a:spcBef>
+              <a:spcAft>
+                <a:spcPts val="0"/>
+              </a:spcAft>
+              <a:buClrTx/>
+              <a:buSzTx/>
+              <a:buFontTx/>
+              <a:buNone/>
+              <a:tabLst/>
+              <a:defRPr/>
+            </a:pPr>
+            <a:r>
+              <a:rPr lang="en-US" dirty="0" smtClean="0"/>
+              <a:t>Each</a:t>
+            </a:r>
+            <a:r>
+              <a:rPr lang="en-US" baseline="0" dirty="0" smtClean="0"/>
+              <a:t> pairwise percent difference was normalized individually by using the average of the two GPI values within each pair of years</a:t>
+            </a:r>
+            <a:endParaRPr lang="en-US" dirty="0" smtClean="0"/>
+          </a:p>
+        </p:txBody>
+      </p:sp>
+      <p:sp>
+        <p:nvSpPr>
+          <p:cNvPr id="4" name="Slide Number Placeholder 3"/>
+          <p:cNvSpPr>
+            <a:spLocks noGrp="1"/>
+          </p:cNvSpPr>
+          <p:nvPr>
+            <p:ph type="sldNum" sz="quarter" idx="10"/>
+          </p:nvPr>
+        </p:nvSpPr>
+        <p:spPr/>
+        <p:txBody>
+          <a:bodyPr/>
+          <a:lstStyle/>
+          <a:p>
+            <a:fld id="{34F44D96-3D9E-471B-9B66-3DE5B91EC907}" type="slidenum">
+              <a:rPr lang="en-US" smtClean="0"/>
+              <a:t>20</a:t>
+            </a:fld>
+            <a:endParaRPr lang="en-US"/>
+          </a:p>
+        </p:txBody>
+      </p:sp>
+    </p:spTree>
+    <p:extLst>
+      <p:ext uri="{BB962C8B-B14F-4D97-AF65-F5344CB8AC3E}">
+        <p14:creationId xmlns:p14="http://schemas.microsoft.com/office/powerpoint/2010/main" val="1715928687"/>
+      </p:ext>
+    </p:extLst>
+  </p:cSld>
+  <p:clrMapOvr>
+    <a:masterClrMapping/>
+  </p:clrMapOvr>
+</p:notes>
 </file>
 
 <file path=ppt/slideLayouts/slideLayout1.xml><?xml version="1.0" encoding="utf-8"?>
@@ -683,7 +3656,7 @@
           <a:p>
             <a:fld id="{4F16EEC3-5546-47BF-AA5B-42CBAFF1D1AF}" type="datetimeFigureOut">
               <a:rPr lang="en-US" smtClean="0"/>
-              <a:t>1/20/2019</a:t>
+              <a:t>1/21/2019</a:t>
             </a:fld>
             <a:endParaRPr lang="en-US"/>
           </a:p>
@@ -853,7 +3826,7 @@
           <a:p>
             <a:fld id="{4F16EEC3-5546-47BF-AA5B-42CBAFF1D1AF}" type="datetimeFigureOut">
               <a:rPr lang="en-US" smtClean="0"/>
-              <a:t>1/20/2019</a:t>
+              <a:t>1/21/2019</a:t>
             </a:fld>
             <a:endParaRPr lang="en-US"/>
           </a:p>
@@ -1033,7 +4006,7 @@
           <a:p>
             <a:fld id="{4F16EEC3-5546-47BF-AA5B-42CBAFF1D1AF}" type="datetimeFigureOut">
               <a:rPr lang="en-US" smtClean="0"/>
-              <a:t>1/20/2019</a:t>
+              <a:t>1/21/2019</a:t>
             </a:fld>
             <a:endParaRPr lang="en-US"/>
           </a:p>
@@ -1203,7 +4176,7 @@
           <a:p>
             <a:fld id="{4F16EEC3-5546-47BF-AA5B-42CBAFF1D1AF}" type="datetimeFigureOut">
               <a:rPr lang="en-US" smtClean="0"/>
-              <a:t>1/20/2019</a:t>
+              <a:t>1/21/2019</a:t>
             </a:fld>
             <a:endParaRPr lang="en-US"/>
           </a:p>
@@ -1449,7 +4422,7 @@
           <a:p>
             <a:fld id="{4F16EEC3-5546-47BF-AA5B-42CBAFF1D1AF}" type="datetimeFigureOut">
               <a:rPr lang="en-US" smtClean="0"/>
-              <a:t>1/20/2019</a:t>
+              <a:t>1/21/2019</a:t>
             </a:fld>
             <a:endParaRPr lang="en-US"/>
           </a:p>
@@ -1737,7 +4710,7 @@
           <a:p>
             <a:fld id="{4F16EEC3-5546-47BF-AA5B-42CBAFF1D1AF}" type="datetimeFigureOut">
               <a:rPr lang="en-US" smtClean="0"/>
-              <a:t>1/20/2019</a:t>
+              <a:t>1/21/2019</a:t>
             </a:fld>
             <a:endParaRPr lang="en-US"/>
           </a:p>
@@ -2159,7 +5132,7 @@
           <a:p>
             <a:fld id="{4F16EEC3-5546-47BF-AA5B-42CBAFF1D1AF}" type="datetimeFigureOut">
               <a:rPr lang="en-US" smtClean="0"/>
-              <a:t>1/20/2019</a:t>
+              <a:t>1/21/2019</a:t>
             </a:fld>
             <a:endParaRPr lang="en-US"/>
           </a:p>
@@ -2277,7 +5250,7 @@
           <a:p>
             <a:fld id="{4F16EEC3-5546-47BF-AA5B-42CBAFF1D1AF}" type="datetimeFigureOut">
               <a:rPr lang="en-US" smtClean="0"/>
-              <a:t>1/20/2019</a:t>
+              <a:t>1/21/2019</a:t>
             </a:fld>
             <a:endParaRPr lang="en-US"/>
           </a:p>
@@ -2372,7 +5345,7 @@
           <a:p>
             <a:fld id="{4F16EEC3-5546-47BF-AA5B-42CBAFF1D1AF}" type="datetimeFigureOut">
               <a:rPr lang="en-US" smtClean="0"/>
-              <a:t>1/20/2019</a:t>
+              <a:t>1/21/2019</a:t>
             </a:fld>
             <a:endParaRPr lang="en-US"/>
           </a:p>
@@ -2649,7 +5622,7 @@
           <a:p>
             <a:fld id="{4F16EEC3-5546-47BF-AA5B-42CBAFF1D1AF}" type="datetimeFigureOut">
               <a:rPr lang="en-US" smtClean="0"/>
-              <a:t>1/20/2019</a:t>
+              <a:t>1/21/2019</a:t>
             </a:fld>
             <a:endParaRPr lang="en-US"/>
           </a:p>
@@ -2902,7 +5875,7 @@
           <a:p>
             <a:fld id="{4F16EEC3-5546-47BF-AA5B-42CBAFF1D1AF}" type="datetimeFigureOut">
               <a:rPr lang="en-US" smtClean="0"/>
-              <a:t>1/20/2019</a:t>
+              <a:t>1/21/2019</a:t>
             </a:fld>
             <a:endParaRPr lang="en-US"/>
           </a:p>
@@ -3115,7 +6088,7 @@
           <a:p>
             <a:fld id="{4F16EEC3-5546-47BF-AA5B-42CBAFF1D1AF}" type="datetimeFigureOut">
               <a:rPr lang="en-US" smtClean="0"/>
-              <a:t>1/20/2019</a:t>
+              <a:t>1/21/2019</a:t>
             </a:fld>
             <a:endParaRPr lang="en-US"/>
           </a:p>
@@ -3556,6 +6529,1159 @@
 </p:sld>
 </file>
 
+<file path=ppt/slides/slide10.xml><?xml version="1.0" encoding="utf-8"?>
+<p:sld xmlns:a="http://schemas.openxmlformats.org/drawingml/2006/main" xmlns:r="http://schemas.openxmlformats.org/officeDocument/2006/relationships" xmlns:p="http://schemas.openxmlformats.org/presentationml/2006/main">
+  <p:cSld>
+    <p:spTree>
+      <p:nvGrpSpPr>
+        <p:cNvPr id="1" name=""/>
+        <p:cNvGrpSpPr/>
+        <p:nvPr/>
+      </p:nvGrpSpPr>
+      <p:grpSpPr>
+        <a:xfrm>
+          <a:off x="0" y="0"/>
+          <a:ext cx="0" cy="0"/>
+          <a:chOff x="0" y="0"/>
+          <a:chExt cx="0" cy="0"/>
+        </a:xfrm>
+      </p:grpSpPr>
+      <p:sp>
+        <p:nvSpPr>
+          <p:cNvPr id="2" name="Title 1"/>
+          <p:cNvSpPr>
+            <a:spLocks noGrp="1"/>
+          </p:cNvSpPr>
+          <p:nvPr>
+            <p:ph type="title"/>
+          </p:nvPr>
+        </p:nvSpPr>
+        <p:spPr/>
+        <p:txBody>
+          <a:bodyPr>
+            <a:noAutofit/>
+          </a:bodyPr>
+          <a:lstStyle/>
+          <a:p>
+            <a:r>
+              <a:rPr lang="en-US" sz="3600" dirty="0"/>
+              <a:t>Condensed Results from Map-Reduce Via Post-Processing of the Raw Output</a:t>
+            </a:r>
+          </a:p>
+        </p:txBody>
+      </p:sp>
+      <p:graphicFrame>
+        <p:nvGraphicFramePr>
+          <p:cNvPr id="4" name="Chart 3"/>
+          <p:cNvGraphicFramePr>
+            <a:graphicFrameLocks/>
+          </p:cNvGraphicFramePr>
+          <p:nvPr>
+            <p:extLst>
+              <p:ext uri="{D42A27DB-BD31-4B8C-83A1-F6EECF244321}">
+                <p14:modId xmlns:p14="http://schemas.microsoft.com/office/powerpoint/2010/main" val="1075152266"/>
+              </p:ext>
+            </p:extLst>
+          </p:nvPr>
+        </p:nvGraphicFramePr>
+        <p:xfrm>
+          <a:off x="1752600" y="1600200"/>
+          <a:ext cx="5753100" cy="4366260"/>
+        </p:xfrm>
+        <a:graphic>
+          <a:graphicData uri="http://schemas.openxmlformats.org/drawingml/2006/chart">
+            <c:chart xmlns:c="http://schemas.openxmlformats.org/drawingml/2006/chart" xmlns:r="http://schemas.openxmlformats.org/officeDocument/2006/relationships" r:id="rId2"/>
+          </a:graphicData>
+        </a:graphic>
+      </p:graphicFrame>
+      <p:sp>
+        <p:nvSpPr>
+          <p:cNvPr id="5" name="TextBox 4"/>
+          <p:cNvSpPr txBox="1"/>
+          <p:nvPr/>
+        </p:nvSpPr>
+        <p:spPr>
+          <a:xfrm>
+            <a:off x="304800" y="6223800"/>
+            <a:ext cx="8558497" cy="369332"/>
+          </a:xfrm>
+          <a:prstGeom prst="rect">
+            <a:avLst/>
+          </a:prstGeom>
+          <a:noFill/>
+          <a:ln>
+            <a:solidFill>
+              <a:schemeClr val="tx1"/>
+            </a:solidFill>
+          </a:ln>
+        </p:spPr>
+        <p:txBody>
+          <a:bodyPr wrap="none" rtlCol="0">
+            <a:spAutoFit/>
+          </a:bodyPr>
+          <a:lstStyle/>
+          <a:p>
+            <a:r>
+              <a:rPr lang="en-US" dirty="0" smtClean="0"/>
+              <a:t>NOTE:  See “Project-1-Post-Processing-of-Hadoop Results.xlsx” for the full set of results</a:t>
+            </a:r>
+            <a:endParaRPr lang="en-US" dirty="0"/>
+          </a:p>
+        </p:txBody>
+      </p:sp>
+    </p:spTree>
+    <p:extLst>
+      <p:ext uri="{BB962C8B-B14F-4D97-AF65-F5344CB8AC3E}">
+        <p14:creationId xmlns:p14="http://schemas.microsoft.com/office/powerpoint/2010/main" val="377723787"/>
+      </p:ext>
+    </p:extLst>
+  </p:cSld>
+  <p:clrMapOvr>
+    <a:masterClrMapping/>
+  </p:clrMapOvr>
+</p:sld>
+</file>
+
+<file path=ppt/slides/slide11.xml><?xml version="1.0" encoding="utf-8"?>
+<p:sld xmlns:a="http://schemas.openxmlformats.org/drawingml/2006/main" xmlns:r="http://schemas.openxmlformats.org/officeDocument/2006/relationships" xmlns:p="http://schemas.openxmlformats.org/presentationml/2006/main">
+  <p:cSld>
+    <p:spTree>
+      <p:nvGrpSpPr>
+        <p:cNvPr id="1" name=""/>
+        <p:cNvGrpSpPr/>
+        <p:nvPr/>
+      </p:nvGrpSpPr>
+      <p:grpSpPr>
+        <a:xfrm>
+          <a:off x="0" y="0"/>
+          <a:ext cx="0" cy="0"/>
+          <a:chOff x="0" y="0"/>
+          <a:chExt cx="0" cy="0"/>
+        </a:xfrm>
+      </p:grpSpPr>
+      <p:sp>
+        <p:nvSpPr>
+          <p:cNvPr id="2" name="Title 1"/>
+          <p:cNvSpPr>
+            <a:spLocks noGrp="1"/>
+          </p:cNvSpPr>
+          <p:nvPr>
+            <p:ph type="title"/>
+          </p:nvPr>
+        </p:nvSpPr>
+        <p:spPr/>
+        <p:txBody>
+          <a:bodyPr/>
+          <a:lstStyle/>
+          <a:p>
+            <a:r>
+              <a:rPr lang="en-US" dirty="0" smtClean="0"/>
+              <a:t>Fourth Business Question</a:t>
+            </a:r>
+            <a:endParaRPr lang="en-US" dirty="0"/>
+          </a:p>
+        </p:txBody>
+      </p:sp>
+      <p:sp>
+        <p:nvSpPr>
+          <p:cNvPr id="3" name="Content Placeholder 2"/>
+          <p:cNvSpPr>
+            <a:spLocks noGrp="1"/>
+          </p:cNvSpPr>
+          <p:nvPr>
+            <p:ph idx="1"/>
+          </p:nvPr>
+        </p:nvSpPr>
+        <p:spPr/>
+        <p:txBody>
+          <a:bodyPr>
+            <a:normAutofit fontScale="92500" lnSpcReduction="20000"/>
+          </a:bodyPr>
+          <a:lstStyle/>
+          <a:p>
+            <a:r>
+              <a:rPr lang="en-US" dirty="0"/>
+              <a:t>Original Question:</a:t>
+            </a:r>
+          </a:p>
+          <a:p>
+            <a:pPr lvl="1"/>
+            <a:r>
+              <a:rPr lang="en-US" dirty="0"/>
+              <a:t>List the % of change in </a:t>
+            </a:r>
+            <a:r>
+              <a:rPr lang="en-US" dirty="0" smtClean="0"/>
+              <a:t>female </a:t>
+            </a:r>
+            <a:r>
+              <a:rPr lang="en-US" dirty="0"/>
+              <a:t>employment from the year 2000</a:t>
+            </a:r>
+          </a:p>
+          <a:p>
+            <a:r>
+              <a:rPr lang="en-US" dirty="0"/>
+              <a:t>Translation by a future hadoop engineer:</a:t>
+            </a:r>
+          </a:p>
+          <a:p>
+            <a:pPr lvl="1"/>
+            <a:r>
+              <a:rPr lang="en-US" dirty="0"/>
+              <a:t>For all countries with this data, find the overall % change in the </a:t>
+            </a:r>
+            <a:r>
+              <a:rPr lang="en-US" dirty="0" smtClean="0"/>
+              <a:t>female </a:t>
+            </a:r>
+            <a:r>
+              <a:rPr lang="en-US" dirty="0"/>
+              <a:t>employment to population ratio from the year closest to or equal to 2000 up to the year closest to or equal to 2016</a:t>
+            </a:r>
+          </a:p>
+          <a:p>
+            <a:r>
+              <a:rPr lang="en-US" dirty="0"/>
+              <a:t>Assumptions:</a:t>
+            </a:r>
+          </a:p>
+          <a:p>
+            <a:pPr lvl="1"/>
+            <a:r>
+              <a:rPr lang="en-US" dirty="0"/>
+              <a:t>The requestor accepts the male employment to population ratio as a valid metric for tracking </a:t>
+            </a:r>
+            <a:r>
+              <a:rPr lang="en-US" dirty="0" smtClean="0"/>
+              <a:t>female </a:t>
+            </a:r>
+            <a:r>
+              <a:rPr lang="en-US" dirty="0"/>
+              <a:t>employment </a:t>
+            </a:r>
+            <a:r>
+              <a:rPr lang="en-US" dirty="0" smtClean="0"/>
+              <a:t>trends</a:t>
+            </a:r>
+            <a:endParaRPr lang="en-US" dirty="0"/>
+          </a:p>
+        </p:txBody>
+      </p:sp>
+    </p:spTree>
+    <p:extLst>
+      <p:ext uri="{BB962C8B-B14F-4D97-AF65-F5344CB8AC3E}">
+        <p14:creationId xmlns:p14="http://schemas.microsoft.com/office/powerpoint/2010/main" val="173983332"/>
+      </p:ext>
+    </p:extLst>
+  </p:cSld>
+  <p:clrMapOvr>
+    <a:masterClrMapping/>
+  </p:clrMapOvr>
+</p:sld>
+</file>
+
+<file path=ppt/slides/slide12.xml><?xml version="1.0" encoding="utf-8"?>
+<p:sld xmlns:a="http://schemas.openxmlformats.org/drawingml/2006/main" xmlns:r="http://schemas.openxmlformats.org/officeDocument/2006/relationships" xmlns:p="http://schemas.openxmlformats.org/presentationml/2006/main">
+  <p:cSld>
+    <p:spTree>
+      <p:nvGrpSpPr>
+        <p:cNvPr id="1" name=""/>
+        <p:cNvGrpSpPr/>
+        <p:nvPr/>
+      </p:nvGrpSpPr>
+      <p:grpSpPr>
+        <a:xfrm>
+          <a:off x="0" y="0"/>
+          <a:ext cx="0" cy="0"/>
+          <a:chOff x="0" y="0"/>
+          <a:chExt cx="0" cy="0"/>
+        </a:xfrm>
+      </p:grpSpPr>
+      <p:sp>
+        <p:nvSpPr>
+          <p:cNvPr id="2" name="Title 1"/>
+          <p:cNvSpPr>
+            <a:spLocks noGrp="1"/>
+          </p:cNvSpPr>
+          <p:nvPr>
+            <p:ph type="title"/>
+          </p:nvPr>
+        </p:nvSpPr>
+        <p:spPr/>
+        <p:txBody>
+          <a:bodyPr>
+            <a:noAutofit/>
+          </a:bodyPr>
+          <a:lstStyle/>
+          <a:p>
+            <a:r>
+              <a:rPr lang="en-US" sz="3600" dirty="0"/>
+              <a:t>Condensed Results from Map-Reduce Via Post-Processing of the Raw Output</a:t>
+            </a:r>
+          </a:p>
+        </p:txBody>
+      </p:sp>
+      <p:graphicFrame>
+        <p:nvGraphicFramePr>
+          <p:cNvPr id="4" name="Chart 3"/>
+          <p:cNvGraphicFramePr>
+            <a:graphicFrameLocks/>
+          </p:cNvGraphicFramePr>
+          <p:nvPr>
+            <p:extLst>
+              <p:ext uri="{D42A27DB-BD31-4B8C-83A1-F6EECF244321}">
+                <p14:modId xmlns:p14="http://schemas.microsoft.com/office/powerpoint/2010/main" val="523489685"/>
+              </p:ext>
+            </p:extLst>
+          </p:nvPr>
+        </p:nvGraphicFramePr>
+        <p:xfrm>
+          <a:off x="457200" y="1447800"/>
+          <a:ext cx="5791200" cy="4876800"/>
+        </p:xfrm>
+        <a:graphic>
+          <a:graphicData uri="http://schemas.openxmlformats.org/drawingml/2006/chart">
+            <c:chart xmlns:c="http://schemas.openxmlformats.org/drawingml/2006/chart" xmlns:r="http://schemas.openxmlformats.org/officeDocument/2006/relationships" r:id="rId2"/>
+          </a:graphicData>
+        </a:graphic>
+      </p:graphicFrame>
+      <p:sp>
+        <p:nvSpPr>
+          <p:cNvPr id="5" name="TextBox 4"/>
+          <p:cNvSpPr txBox="1"/>
+          <p:nvPr/>
+        </p:nvSpPr>
+        <p:spPr>
+          <a:xfrm>
+            <a:off x="304799" y="6408466"/>
+            <a:ext cx="8558497" cy="369332"/>
+          </a:xfrm>
+          <a:prstGeom prst="rect">
+            <a:avLst/>
+          </a:prstGeom>
+          <a:noFill/>
+          <a:ln>
+            <a:solidFill>
+              <a:schemeClr val="tx1"/>
+            </a:solidFill>
+          </a:ln>
+        </p:spPr>
+        <p:txBody>
+          <a:bodyPr wrap="none" rtlCol="0">
+            <a:spAutoFit/>
+          </a:bodyPr>
+          <a:lstStyle/>
+          <a:p>
+            <a:r>
+              <a:rPr lang="en-US" dirty="0" smtClean="0"/>
+              <a:t>NOTE:  See “Project-1-Post-Processing-of-Hadoop Results.xlsx” for the full set of results</a:t>
+            </a:r>
+            <a:endParaRPr lang="en-US" dirty="0"/>
+          </a:p>
+        </p:txBody>
+      </p:sp>
+      <p:sp>
+        <p:nvSpPr>
+          <p:cNvPr id="6" name="TextBox 5"/>
+          <p:cNvSpPr txBox="1"/>
+          <p:nvPr/>
+        </p:nvSpPr>
+        <p:spPr>
+          <a:xfrm>
+            <a:off x="6553200" y="1600200"/>
+            <a:ext cx="2241319" cy="2031325"/>
+          </a:xfrm>
+          <a:prstGeom prst="rect">
+            <a:avLst/>
+          </a:prstGeom>
+          <a:noFill/>
+          <a:ln>
+            <a:solidFill>
+              <a:schemeClr val="tx1"/>
+            </a:solidFill>
+          </a:ln>
+        </p:spPr>
+        <p:txBody>
+          <a:bodyPr wrap="none" rtlCol="0">
+            <a:spAutoFit/>
+          </a:bodyPr>
+          <a:lstStyle/>
+          <a:p>
+            <a:r>
+              <a:rPr lang="en-US" dirty="0" smtClean="0"/>
+              <a:t>Twenty of the Highest</a:t>
+            </a:r>
+          </a:p>
+          <a:p>
+            <a:r>
+              <a:rPr lang="en-US" dirty="0" smtClean="0"/>
+              <a:t>Overall % Changes in</a:t>
+            </a:r>
+          </a:p>
+          <a:p>
+            <a:r>
+              <a:rPr lang="en-US" dirty="0" smtClean="0"/>
+              <a:t>Female Employment</a:t>
+            </a:r>
+          </a:p>
+          <a:p>
+            <a:r>
+              <a:rPr lang="en-US" dirty="0" smtClean="0"/>
+              <a:t>To Population Ratio</a:t>
+            </a:r>
+          </a:p>
+          <a:p>
+            <a:r>
+              <a:rPr lang="en-US" dirty="0" smtClean="0"/>
+              <a:t>As Measured Over</a:t>
+            </a:r>
+          </a:p>
+          <a:p>
+            <a:r>
+              <a:rPr lang="en-US" dirty="0" smtClean="0"/>
+              <a:t>the Year Interval 2000</a:t>
+            </a:r>
+          </a:p>
+          <a:p>
+            <a:r>
+              <a:rPr lang="en-US" dirty="0" smtClean="0"/>
+              <a:t>To 2016</a:t>
+            </a:r>
+            <a:endParaRPr lang="en-US" dirty="0"/>
+          </a:p>
+        </p:txBody>
+      </p:sp>
+    </p:spTree>
+    <p:extLst>
+      <p:ext uri="{BB962C8B-B14F-4D97-AF65-F5344CB8AC3E}">
+        <p14:creationId xmlns:p14="http://schemas.microsoft.com/office/powerpoint/2010/main" val="2015401719"/>
+      </p:ext>
+    </p:extLst>
+  </p:cSld>
+  <p:clrMapOvr>
+    <a:masterClrMapping/>
+  </p:clrMapOvr>
+</p:sld>
+</file>
+
+<file path=ppt/slides/slide13.xml><?xml version="1.0" encoding="utf-8"?>
+<p:sld xmlns:a="http://schemas.openxmlformats.org/drawingml/2006/main" xmlns:r="http://schemas.openxmlformats.org/officeDocument/2006/relationships" xmlns:p="http://schemas.openxmlformats.org/presentationml/2006/main">
+  <p:cSld>
+    <p:spTree>
+      <p:nvGrpSpPr>
+        <p:cNvPr id="1" name=""/>
+        <p:cNvGrpSpPr/>
+        <p:nvPr/>
+      </p:nvGrpSpPr>
+      <p:grpSpPr>
+        <a:xfrm>
+          <a:off x="0" y="0"/>
+          <a:ext cx="0" cy="0"/>
+          <a:chOff x="0" y="0"/>
+          <a:chExt cx="0" cy="0"/>
+        </a:xfrm>
+      </p:grpSpPr>
+      <p:sp>
+        <p:nvSpPr>
+          <p:cNvPr id="2" name="Title 1"/>
+          <p:cNvSpPr>
+            <a:spLocks noGrp="1"/>
+          </p:cNvSpPr>
+          <p:nvPr>
+            <p:ph type="title"/>
+          </p:nvPr>
+        </p:nvSpPr>
+        <p:spPr/>
+        <p:txBody>
+          <a:bodyPr/>
+          <a:lstStyle/>
+          <a:p>
+            <a:r>
+              <a:rPr lang="en-US" dirty="0" smtClean="0"/>
+              <a:t>The Additional Business Factor</a:t>
+            </a:r>
+            <a:endParaRPr lang="en-US" dirty="0"/>
+          </a:p>
+        </p:txBody>
+      </p:sp>
+      <p:sp>
+        <p:nvSpPr>
+          <p:cNvPr id="3" name="Content Placeholder 2"/>
+          <p:cNvSpPr>
+            <a:spLocks noGrp="1"/>
+          </p:cNvSpPr>
+          <p:nvPr>
+            <p:ph idx="1"/>
+          </p:nvPr>
+        </p:nvSpPr>
+        <p:spPr/>
+        <p:txBody>
+          <a:bodyPr>
+            <a:normAutofit fontScale="85000" lnSpcReduction="20000"/>
+          </a:bodyPr>
+          <a:lstStyle/>
+          <a:p>
+            <a:r>
+              <a:rPr lang="en-US" dirty="0" smtClean="0"/>
+              <a:t>Considered the founding of Revature back in 2003</a:t>
+            </a:r>
+          </a:p>
+          <a:p>
+            <a:r>
+              <a:rPr lang="en-US" dirty="0"/>
+              <a:t>The provided csv file contained data for each country and region on two </a:t>
+            </a:r>
+            <a:r>
+              <a:rPr lang="en-US" dirty="0" smtClean="0"/>
+              <a:t>of the major factors </a:t>
+            </a:r>
+            <a:r>
+              <a:rPr lang="en-US" dirty="0"/>
+              <a:t>related to creating a new business:</a:t>
+            </a:r>
+          </a:p>
+          <a:p>
+            <a:pPr marL="971550" lvl="1" indent="-514350">
+              <a:buFont typeface="+mj-lt"/>
+              <a:buAutoNum type="arabicPeriod"/>
+            </a:pPr>
+            <a:r>
+              <a:rPr lang="en-US" dirty="0"/>
+              <a:t>The time in days required to do start up the business</a:t>
+            </a:r>
+          </a:p>
+          <a:p>
+            <a:pPr marL="971550" lvl="1" indent="-514350">
+              <a:buFont typeface="+mj-lt"/>
+              <a:buAutoNum type="arabicPeriod"/>
+            </a:pPr>
+            <a:r>
+              <a:rPr lang="en-US" dirty="0"/>
+              <a:t>The number of procedures necessary to register the </a:t>
+            </a:r>
+            <a:r>
+              <a:rPr lang="en-US" dirty="0" smtClean="0"/>
+              <a:t>business</a:t>
+            </a:r>
+          </a:p>
+          <a:p>
+            <a:r>
+              <a:rPr lang="en-US" dirty="0" smtClean="0"/>
+              <a:t>Custom business </a:t>
+            </a:r>
+            <a:r>
+              <a:rPr lang="en-US" dirty="0" smtClean="0"/>
+              <a:t>question for the future hadoop engineer:</a:t>
+            </a:r>
+          </a:p>
+          <a:p>
+            <a:pPr lvl="1"/>
+            <a:r>
+              <a:rPr lang="en-US" dirty="0" smtClean="0"/>
+              <a:t>Find those country(s) where Revature would have started up in the quickest amount of time and where </a:t>
+            </a:r>
+            <a:r>
+              <a:rPr lang="en-US" dirty="0"/>
+              <a:t>R</a:t>
+            </a:r>
+            <a:r>
+              <a:rPr lang="en-US" dirty="0" smtClean="0"/>
+              <a:t>evature would have encountered the least amount of red tape     </a:t>
+            </a:r>
+          </a:p>
+          <a:p>
+            <a:pPr lvl="1"/>
+            <a:endParaRPr lang="en-US" dirty="0" smtClean="0"/>
+          </a:p>
+        </p:txBody>
+      </p:sp>
+    </p:spTree>
+    <p:extLst>
+      <p:ext uri="{BB962C8B-B14F-4D97-AF65-F5344CB8AC3E}">
+        <p14:creationId xmlns:p14="http://schemas.microsoft.com/office/powerpoint/2010/main" val="2448706882"/>
+      </p:ext>
+    </p:extLst>
+  </p:cSld>
+  <p:clrMapOvr>
+    <a:masterClrMapping/>
+  </p:clrMapOvr>
+</p:sld>
+</file>
+
+<file path=ppt/slides/slide14.xml><?xml version="1.0" encoding="utf-8"?>
+<p:sld xmlns:a="http://schemas.openxmlformats.org/drawingml/2006/main" xmlns:r="http://schemas.openxmlformats.org/officeDocument/2006/relationships" xmlns:p="http://schemas.openxmlformats.org/presentationml/2006/main">
+  <p:cSld>
+    <p:spTree>
+      <p:nvGrpSpPr>
+        <p:cNvPr id="1" name=""/>
+        <p:cNvGrpSpPr/>
+        <p:nvPr/>
+      </p:nvGrpSpPr>
+      <p:grpSpPr>
+        <a:xfrm>
+          <a:off x="0" y="0"/>
+          <a:ext cx="0" cy="0"/>
+          <a:chOff x="0" y="0"/>
+          <a:chExt cx="0" cy="0"/>
+        </a:xfrm>
+      </p:grpSpPr>
+      <p:sp>
+        <p:nvSpPr>
+          <p:cNvPr id="2" name="Title 1"/>
+          <p:cNvSpPr>
+            <a:spLocks noGrp="1"/>
+          </p:cNvSpPr>
+          <p:nvPr>
+            <p:ph type="title"/>
+          </p:nvPr>
+        </p:nvSpPr>
+        <p:spPr/>
+        <p:txBody>
+          <a:bodyPr>
+            <a:normAutofit fontScale="90000"/>
+          </a:bodyPr>
+          <a:lstStyle/>
+          <a:p>
+            <a:r>
+              <a:rPr lang="en-US" dirty="0" smtClean="0"/>
+              <a:t>Solution to this Question and Running an Example Hadoop Job</a:t>
+            </a:r>
+            <a:endParaRPr lang="en-US" dirty="0"/>
+          </a:p>
+        </p:txBody>
+      </p:sp>
+      <p:sp>
+        <p:nvSpPr>
+          <p:cNvPr id="3" name="Content Placeholder 2"/>
+          <p:cNvSpPr>
+            <a:spLocks noGrp="1"/>
+          </p:cNvSpPr>
+          <p:nvPr>
+            <p:ph idx="1"/>
+          </p:nvPr>
+        </p:nvSpPr>
+        <p:spPr>
+          <a:xfrm>
+            <a:off x="457200" y="1600200"/>
+            <a:ext cx="8229600" cy="4800600"/>
+          </a:xfrm>
+        </p:spPr>
+        <p:txBody>
+          <a:bodyPr>
+            <a:noAutofit/>
+          </a:bodyPr>
+          <a:lstStyle/>
+          <a:p>
+            <a:r>
+              <a:rPr lang="en-US" sz="2000" dirty="0" smtClean="0"/>
+              <a:t>Map-Reduce routine for this request:</a:t>
+            </a:r>
+          </a:p>
+          <a:p>
+            <a:pPr lvl="1"/>
+            <a:r>
+              <a:rPr lang="en-US" sz="1800" dirty="0" smtClean="0"/>
+              <a:t>Find all countries/regions with a 2003 data point for the time required to start a business and the number of procedures needed to start a business</a:t>
+            </a:r>
+          </a:p>
+          <a:p>
+            <a:pPr lvl="1"/>
+            <a:r>
+              <a:rPr lang="en-US" sz="1800" dirty="0" smtClean="0"/>
+              <a:t>After all of the data points are obtained, return only those countries/regions where the time needed for start-up is &lt; 45 days and the number of registration procedures is &lt;= 10</a:t>
+            </a:r>
+          </a:p>
+          <a:p>
+            <a:r>
+              <a:rPr lang="en-US" sz="2000" dirty="0" smtClean="0">
+                <a:solidFill>
+                  <a:srgbClr val="FF0000"/>
+                </a:solidFill>
+              </a:rPr>
+              <a:t>Based on these metric alone, the optimal country for the founding of Revature would have been Australia with a start-up time of only 3 days and only 2 required registration procedures</a:t>
+            </a:r>
+          </a:p>
+          <a:p>
+            <a:r>
+              <a:rPr lang="en-US" sz="2000" dirty="0" smtClean="0"/>
+              <a:t>The continent of North America as a whole was the region with the fewest days of startup and the fewest registration procedures</a:t>
+            </a:r>
+          </a:p>
+          <a:p>
+            <a:r>
+              <a:rPr lang="en-US" sz="2000" dirty="0" smtClean="0"/>
+              <a:t>If Revature had picked the United States instead of the optimal choice of Australia, then startup would have been 3 days longer than a founding within Australia.  Revature would have needed to go through twice as much red tape than in Australia </a:t>
+            </a:r>
+            <a:endParaRPr lang="en-US" sz="2000" dirty="0"/>
+          </a:p>
+        </p:txBody>
+      </p:sp>
+    </p:spTree>
+    <p:extLst>
+      <p:ext uri="{BB962C8B-B14F-4D97-AF65-F5344CB8AC3E}">
+        <p14:creationId xmlns:p14="http://schemas.microsoft.com/office/powerpoint/2010/main" val="1924885535"/>
+      </p:ext>
+    </p:extLst>
+  </p:cSld>
+  <p:clrMapOvr>
+    <a:masterClrMapping/>
+  </p:clrMapOvr>
+</p:sld>
+</file>
+
+<file path=ppt/slides/slide15.xml><?xml version="1.0" encoding="utf-8"?>
+<p:sld xmlns:a="http://schemas.openxmlformats.org/drawingml/2006/main" xmlns:r="http://schemas.openxmlformats.org/officeDocument/2006/relationships" xmlns:p="http://schemas.openxmlformats.org/presentationml/2006/main">
+  <p:cSld>
+    <p:spTree>
+      <p:nvGrpSpPr>
+        <p:cNvPr id="1" name=""/>
+        <p:cNvGrpSpPr/>
+        <p:nvPr/>
+      </p:nvGrpSpPr>
+      <p:grpSpPr>
+        <a:xfrm>
+          <a:off x="0" y="0"/>
+          <a:ext cx="0" cy="0"/>
+          <a:chOff x="0" y="0"/>
+          <a:chExt cx="0" cy="0"/>
+        </a:xfrm>
+      </p:grpSpPr>
+      <p:sp>
+        <p:nvSpPr>
+          <p:cNvPr id="4" name="Title 3"/>
+          <p:cNvSpPr>
+            <a:spLocks noGrp="1"/>
+          </p:cNvSpPr>
+          <p:nvPr>
+            <p:ph type="title"/>
+          </p:nvPr>
+        </p:nvSpPr>
+        <p:spPr>
+          <a:xfrm>
+            <a:off x="457200" y="2438400"/>
+            <a:ext cx="8229600" cy="1143000"/>
+          </a:xfrm>
+        </p:spPr>
+        <p:txBody>
+          <a:bodyPr>
+            <a:noAutofit/>
+          </a:bodyPr>
+          <a:lstStyle/>
+          <a:p>
+            <a:r>
+              <a:rPr lang="en-US" sz="7200" dirty="0" smtClean="0"/>
+              <a:t>Questions?</a:t>
+            </a:r>
+            <a:endParaRPr lang="en-US" sz="7200" dirty="0"/>
+          </a:p>
+        </p:txBody>
+      </p:sp>
+    </p:spTree>
+    <p:extLst>
+      <p:ext uri="{BB962C8B-B14F-4D97-AF65-F5344CB8AC3E}">
+        <p14:creationId xmlns:p14="http://schemas.microsoft.com/office/powerpoint/2010/main" val="2690884090"/>
+      </p:ext>
+    </p:extLst>
+  </p:cSld>
+  <p:clrMapOvr>
+    <a:masterClrMapping/>
+  </p:clrMapOvr>
+</p:sld>
+</file>
+
+<file path=ppt/slides/slide16.xml><?xml version="1.0" encoding="utf-8"?>
+<p:sld xmlns:a="http://schemas.openxmlformats.org/drawingml/2006/main" xmlns:r="http://schemas.openxmlformats.org/officeDocument/2006/relationships" xmlns:p="http://schemas.openxmlformats.org/presentationml/2006/main">
+  <p:cSld>
+    <p:spTree>
+      <p:nvGrpSpPr>
+        <p:cNvPr id="1" name=""/>
+        <p:cNvGrpSpPr/>
+        <p:nvPr/>
+      </p:nvGrpSpPr>
+      <p:grpSpPr>
+        <a:xfrm>
+          <a:off x="0" y="0"/>
+          <a:ext cx="0" cy="0"/>
+          <a:chOff x="0" y="0"/>
+          <a:chExt cx="0" cy="0"/>
+        </a:xfrm>
+      </p:grpSpPr>
+      <p:sp>
+        <p:nvSpPr>
+          <p:cNvPr id="4" name="Title 3"/>
+          <p:cNvSpPr>
+            <a:spLocks noGrp="1"/>
+          </p:cNvSpPr>
+          <p:nvPr>
+            <p:ph type="title"/>
+          </p:nvPr>
+        </p:nvSpPr>
+        <p:spPr>
+          <a:xfrm>
+            <a:off x="457200" y="2438400"/>
+            <a:ext cx="8229600" cy="1143000"/>
+          </a:xfrm>
+        </p:spPr>
+        <p:txBody>
+          <a:bodyPr>
+            <a:noAutofit/>
+          </a:bodyPr>
+          <a:lstStyle/>
+          <a:p>
+            <a:r>
+              <a:rPr lang="en-US" sz="7200" dirty="0" smtClean="0"/>
+              <a:t>Slide Backups</a:t>
+            </a:r>
+            <a:endParaRPr lang="en-US" sz="7200" dirty="0"/>
+          </a:p>
+        </p:txBody>
+      </p:sp>
+    </p:spTree>
+    <p:extLst>
+      <p:ext uri="{BB962C8B-B14F-4D97-AF65-F5344CB8AC3E}">
+        <p14:creationId xmlns:p14="http://schemas.microsoft.com/office/powerpoint/2010/main" val="2848217256"/>
+      </p:ext>
+    </p:extLst>
+  </p:cSld>
+  <p:clrMapOvr>
+    <a:masterClrMapping/>
+  </p:clrMapOvr>
+</p:sld>
+</file>
+
+<file path=ppt/slides/slide17.xml><?xml version="1.0" encoding="utf-8"?>
+<p:sld xmlns:a="http://schemas.openxmlformats.org/drawingml/2006/main" xmlns:r="http://schemas.openxmlformats.org/officeDocument/2006/relationships" xmlns:p="http://schemas.openxmlformats.org/presentationml/2006/main">
+  <p:cSld>
+    <p:spTree>
+      <p:nvGrpSpPr>
+        <p:cNvPr id="1" name=""/>
+        <p:cNvGrpSpPr/>
+        <p:nvPr/>
+      </p:nvGrpSpPr>
+      <p:grpSpPr>
+        <a:xfrm>
+          <a:off x="0" y="0"/>
+          <a:ext cx="0" cy="0"/>
+          <a:chOff x="0" y="0"/>
+          <a:chExt cx="0" cy="0"/>
+        </a:xfrm>
+      </p:grpSpPr>
+      <p:sp>
+        <p:nvSpPr>
+          <p:cNvPr id="2" name="Title 1"/>
+          <p:cNvSpPr>
+            <a:spLocks noGrp="1"/>
+          </p:cNvSpPr>
+          <p:nvPr>
+            <p:ph type="title"/>
+          </p:nvPr>
+        </p:nvSpPr>
+        <p:spPr>
+          <a:xfrm>
+            <a:off x="457200" y="0"/>
+            <a:ext cx="8229600" cy="457200"/>
+          </a:xfrm>
+        </p:spPr>
+        <p:txBody>
+          <a:bodyPr>
+            <a:noAutofit/>
+          </a:bodyPr>
+          <a:lstStyle/>
+          <a:p>
+            <a:r>
+              <a:rPr lang="en-US" sz="2800" dirty="0" smtClean="0"/>
+              <a:t>Full Results for the First Question</a:t>
+            </a:r>
+            <a:endParaRPr lang="en-US" sz="2800" dirty="0"/>
+          </a:p>
+        </p:txBody>
+      </p:sp>
+      <p:graphicFrame>
+        <p:nvGraphicFramePr>
+          <p:cNvPr id="9" name="Object 8"/>
+          <p:cNvGraphicFramePr>
+            <a:graphicFrameLocks noChangeAspect="1"/>
+          </p:cNvGraphicFramePr>
+          <p:nvPr>
+            <p:extLst>
+              <p:ext uri="{D42A27DB-BD31-4B8C-83A1-F6EECF244321}">
+                <p14:modId xmlns:p14="http://schemas.microsoft.com/office/powerpoint/2010/main" val="1832348332"/>
+              </p:ext>
+            </p:extLst>
+          </p:nvPr>
+        </p:nvGraphicFramePr>
+        <p:xfrm>
+          <a:off x="152400" y="457200"/>
+          <a:ext cx="4235450" cy="6261100"/>
+        </p:xfrm>
+        <a:graphic>
+          <a:graphicData uri="http://schemas.openxmlformats.org/presentationml/2006/ole">
+            <mc:AlternateContent xmlns:mc="http://schemas.openxmlformats.org/markup-compatibility/2006">
+              <mc:Choice xmlns:v="urn:schemas-microsoft-com:vml" Requires="v">
+                <p:oleObj spid="_x0000_s1140" name="Worksheet" r:id="rId3" imgW="5074938" imgH="7505625" progId="Excel.Sheet.12">
+                  <p:embed/>
+                </p:oleObj>
+              </mc:Choice>
+              <mc:Fallback>
+                <p:oleObj name="Worksheet" r:id="rId3" imgW="5074938" imgH="7505625" progId="Excel.Sheet.12">
+                  <p:embed/>
+                  <p:pic>
+                    <p:nvPicPr>
+                      <p:cNvPr id="0" name=""/>
+                      <p:cNvPicPr/>
+                      <p:nvPr/>
+                    </p:nvPicPr>
+                    <p:blipFill>
+                      <a:blip r:embed="rId4"/>
+                      <a:stretch>
+                        <a:fillRect/>
+                      </a:stretch>
+                    </p:blipFill>
+                    <p:spPr>
+                      <a:xfrm>
+                        <a:off x="152400" y="457200"/>
+                        <a:ext cx="4235450" cy="6261100"/>
+                      </a:xfrm>
+                      <a:prstGeom prst="rect">
+                        <a:avLst/>
+                      </a:prstGeom>
+                    </p:spPr>
+                  </p:pic>
+                </p:oleObj>
+              </mc:Fallback>
+            </mc:AlternateContent>
+          </a:graphicData>
+        </a:graphic>
+      </p:graphicFrame>
+      <p:graphicFrame>
+        <p:nvGraphicFramePr>
+          <p:cNvPr id="10" name="Object 9"/>
+          <p:cNvGraphicFramePr>
+            <a:graphicFrameLocks noChangeAspect="1"/>
+          </p:cNvGraphicFramePr>
+          <p:nvPr>
+            <p:extLst>
+              <p:ext uri="{D42A27DB-BD31-4B8C-83A1-F6EECF244321}">
+                <p14:modId xmlns:p14="http://schemas.microsoft.com/office/powerpoint/2010/main" val="3127122189"/>
+              </p:ext>
+            </p:extLst>
+          </p:nvPr>
+        </p:nvGraphicFramePr>
+        <p:xfrm>
+          <a:off x="4572000" y="420116"/>
+          <a:ext cx="4235450" cy="6413500"/>
+        </p:xfrm>
+        <a:graphic>
+          <a:graphicData uri="http://schemas.openxmlformats.org/presentationml/2006/ole">
+            <mc:AlternateContent xmlns:mc="http://schemas.openxmlformats.org/markup-compatibility/2006">
+              <mc:Choice xmlns:v="urn:schemas-microsoft-com:vml" Requires="v">
+                <p:oleObj spid="_x0000_s1141" name="Worksheet" r:id="rId5" imgW="5074938" imgH="7688633" progId="Excel.Sheet.12">
+                  <p:embed/>
+                </p:oleObj>
+              </mc:Choice>
+              <mc:Fallback>
+                <p:oleObj name="Worksheet" r:id="rId5" imgW="5074938" imgH="7688633" progId="Excel.Sheet.12">
+                  <p:embed/>
+                  <p:pic>
+                    <p:nvPicPr>
+                      <p:cNvPr id="0" name=""/>
+                      <p:cNvPicPr/>
+                      <p:nvPr/>
+                    </p:nvPicPr>
+                    <p:blipFill>
+                      <a:blip r:embed="rId6"/>
+                      <a:stretch>
+                        <a:fillRect/>
+                      </a:stretch>
+                    </p:blipFill>
+                    <p:spPr>
+                      <a:xfrm>
+                        <a:off x="4572000" y="420116"/>
+                        <a:ext cx="4235450" cy="6413500"/>
+                      </a:xfrm>
+                      <a:prstGeom prst="rect">
+                        <a:avLst/>
+                      </a:prstGeom>
+                    </p:spPr>
+                  </p:pic>
+                </p:oleObj>
+              </mc:Fallback>
+            </mc:AlternateContent>
+          </a:graphicData>
+        </a:graphic>
+      </p:graphicFrame>
+    </p:spTree>
+    <p:extLst>
+      <p:ext uri="{BB962C8B-B14F-4D97-AF65-F5344CB8AC3E}">
+        <p14:creationId xmlns:p14="http://schemas.microsoft.com/office/powerpoint/2010/main" val="3109192386"/>
+      </p:ext>
+    </p:extLst>
+  </p:cSld>
+  <p:clrMapOvr>
+    <a:masterClrMapping/>
+  </p:clrMapOvr>
+</p:sld>
+</file>
+
+<file path=ppt/slides/slide18.xml><?xml version="1.0" encoding="utf-8"?>
+<p:sld xmlns:a="http://schemas.openxmlformats.org/drawingml/2006/main" xmlns:r="http://schemas.openxmlformats.org/officeDocument/2006/relationships" xmlns:p="http://schemas.openxmlformats.org/presentationml/2006/main">
+  <p:cSld>
+    <p:spTree>
+      <p:nvGrpSpPr>
+        <p:cNvPr id="1" name=""/>
+        <p:cNvGrpSpPr/>
+        <p:nvPr/>
+      </p:nvGrpSpPr>
+      <p:grpSpPr>
+        <a:xfrm>
+          <a:off x="0" y="0"/>
+          <a:ext cx="0" cy="0"/>
+          <a:chOff x="0" y="0"/>
+          <a:chExt cx="0" cy="0"/>
+        </a:xfrm>
+      </p:grpSpPr>
+      <p:sp>
+        <p:nvSpPr>
+          <p:cNvPr id="2" name="Title 1"/>
+          <p:cNvSpPr>
+            <a:spLocks noGrp="1"/>
+          </p:cNvSpPr>
+          <p:nvPr>
+            <p:ph type="title"/>
+          </p:nvPr>
+        </p:nvSpPr>
+        <p:spPr/>
+        <p:txBody>
+          <a:bodyPr>
+            <a:normAutofit fontScale="90000"/>
+          </a:bodyPr>
+          <a:lstStyle/>
+          <a:p>
+            <a:r>
+              <a:rPr lang="en-US" dirty="0" smtClean="0"/>
+              <a:t>Remaining Charts Summarizing the Results of the Second Question</a:t>
+            </a:r>
+            <a:endParaRPr lang="en-US" dirty="0"/>
+          </a:p>
+        </p:txBody>
+      </p:sp>
+      <p:graphicFrame>
+        <p:nvGraphicFramePr>
+          <p:cNvPr id="3" name="Chart 2"/>
+          <p:cNvGraphicFramePr>
+            <a:graphicFrameLocks/>
+          </p:cNvGraphicFramePr>
+          <p:nvPr>
+            <p:extLst>
+              <p:ext uri="{D42A27DB-BD31-4B8C-83A1-F6EECF244321}">
+                <p14:modId xmlns:p14="http://schemas.microsoft.com/office/powerpoint/2010/main" val="2533223251"/>
+              </p:ext>
+            </p:extLst>
+          </p:nvPr>
+        </p:nvGraphicFramePr>
+        <p:xfrm>
+          <a:off x="228600" y="1600200"/>
+          <a:ext cx="8610600" cy="4800600"/>
+        </p:xfrm>
+        <a:graphic>
+          <a:graphicData uri="http://schemas.openxmlformats.org/drawingml/2006/chart">
+            <c:chart xmlns:c="http://schemas.openxmlformats.org/drawingml/2006/chart" xmlns:r="http://schemas.openxmlformats.org/officeDocument/2006/relationships" r:id="rId3"/>
+          </a:graphicData>
+        </a:graphic>
+      </p:graphicFrame>
+    </p:spTree>
+    <p:extLst>
+      <p:ext uri="{BB962C8B-B14F-4D97-AF65-F5344CB8AC3E}">
+        <p14:creationId xmlns:p14="http://schemas.microsoft.com/office/powerpoint/2010/main" val="1340779681"/>
+      </p:ext>
+    </p:extLst>
+  </p:cSld>
+  <p:clrMapOvr>
+    <a:masterClrMapping/>
+  </p:clrMapOvr>
+</p:sld>
+</file>
+
+<file path=ppt/slides/slide19.xml><?xml version="1.0" encoding="utf-8"?>
+<p:sld xmlns:a="http://schemas.openxmlformats.org/drawingml/2006/main" xmlns:r="http://schemas.openxmlformats.org/officeDocument/2006/relationships" xmlns:p="http://schemas.openxmlformats.org/presentationml/2006/main">
+  <p:cSld>
+    <p:spTree>
+      <p:nvGrpSpPr>
+        <p:cNvPr id="1" name=""/>
+        <p:cNvGrpSpPr/>
+        <p:nvPr/>
+      </p:nvGrpSpPr>
+      <p:grpSpPr>
+        <a:xfrm>
+          <a:off x="0" y="0"/>
+          <a:ext cx="0" cy="0"/>
+          <a:chOff x="0" y="0"/>
+          <a:chExt cx="0" cy="0"/>
+        </a:xfrm>
+      </p:grpSpPr>
+      <p:sp>
+        <p:nvSpPr>
+          <p:cNvPr id="2" name="Title 1"/>
+          <p:cNvSpPr>
+            <a:spLocks noGrp="1"/>
+          </p:cNvSpPr>
+          <p:nvPr>
+            <p:ph type="title"/>
+          </p:nvPr>
+        </p:nvSpPr>
+        <p:spPr/>
+        <p:txBody>
+          <a:bodyPr>
+            <a:noAutofit/>
+          </a:bodyPr>
+          <a:lstStyle/>
+          <a:p>
+            <a:r>
+              <a:rPr lang="en-US" sz="3600" dirty="0" smtClean="0"/>
+              <a:t>Remaining Charts Summarizing the Results of the Second Question (Continued)</a:t>
+            </a:r>
+            <a:endParaRPr lang="en-US" sz="3600" dirty="0"/>
+          </a:p>
+        </p:txBody>
+      </p:sp>
+      <p:graphicFrame>
+        <p:nvGraphicFramePr>
+          <p:cNvPr id="4" name="Chart 3"/>
+          <p:cNvGraphicFramePr>
+            <a:graphicFrameLocks/>
+          </p:cNvGraphicFramePr>
+          <p:nvPr>
+            <p:extLst>
+              <p:ext uri="{D42A27DB-BD31-4B8C-83A1-F6EECF244321}">
+                <p14:modId xmlns:p14="http://schemas.microsoft.com/office/powerpoint/2010/main" val="1305093339"/>
+              </p:ext>
+            </p:extLst>
+          </p:nvPr>
+        </p:nvGraphicFramePr>
+        <p:xfrm>
+          <a:off x="304800" y="1524000"/>
+          <a:ext cx="8686800" cy="5029200"/>
+        </p:xfrm>
+        <a:graphic>
+          <a:graphicData uri="http://schemas.openxmlformats.org/drawingml/2006/chart">
+            <c:chart xmlns:c="http://schemas.openxmlformats.org/drawingml/2006/chart" xmlns:r="http://schemas.openxmlformats.org/officeDocument/2006/relationships" r:id="rId3"/>
+          </a:graphicData>
+        </a:graphic>
+      </p:graphicFrame>
+    </p:spTree>
+    <p:extLst>
+      <p:ext uri="{BB962C8B-B14F-4D97-AF65-F5344CB8AC3E}">
+        <p14:creationId xmlns:p14="http://schemas.microsoft.com/office/powerpoint/2010/main" val="2138424719"/>
+      </p:ext>
+    </p:extLst>
+  </p:cSld>
+  <p:clrMapOvr>
+    <a:masterClrMapping/>
+  </p:clrMapOvr>
+</p:sld>
+</file>
+
 <file path=ppt/slides/slide2.xml><?xml version="1.0" encoding="utf-8"?>
 <p:sld xmlns:a="http://schemas.openxmlformats.org/drawingml/2006/main" xmlns:r="http://schemas.openxmlformats.org/officeDocument/2006/relationships" xmlns:p="http://schemas.openxmlformats.org/presentationml/2006/main">
   <p:cSld>
@@ -3669,6 +7795,85 @@
 </p:sld>
 </file>
 
+<file path=ppt/slides/slide20.xml><?xml version="1.0" encoding="utf-8"?>
+<p:sld xmlns:a="http://schemas.openxmlformats.org/drawingml/2006/main" xmlns:r="http://schemas.openxmlformats.org/officeDocument/2006/relationships" xmlns:p="http://schemas.openxmlformats.org/presentationml/2006/main">
+  <p:cSld>
+    <p:spTree>
+      <p:nvGrpSpPr>
+        <p:cNvPr id="1" name=""/>
+        <p:cNvGrpSpPr/>
+        <p:nvPr/>
+      </p:nvGrpSpPr>
+      <p:grpSpPr>
+        <a:xfrm>
+          <a:off x="0" y="0"/>
+          <a:ext cx="0" cy="0"/>
+          <a:chOff x="0" y="0"/>
+          <a:chExt cx="0" cy="0"/>
+        </a:xfrm>
+      </p:grpSpPr>
+      <p:sp>
+        <p:nvSpPr>
+          <p:cNvPr id="2" name="Title 1"/>
+          <p:cNvSpPr>
+            <a:spLocks noGrp="1"/>
+          </p:cNvSpPr>
+          <p:nvPr>
+            <p:ph type="title"/>
+          </p:nvPr>
+        </p:nvSpPr>
+        <p:spPr/>
+        <p:txBody>
+          <a:bodyPr>
+            <a:noAutofit/>
+          </a:bodyPr>
+          <a:lstStyle/>
+          <a:p>
+            <a:r>
+              <a:rPr lang="en-US" sz="3600" dirty="0" smtClean="0"/>
+              <a:t>Remaining Charts Summarizing the Results of the Second Question (Continued)</a:t>
+            </a:r>
+            <a:endParaRPr lang="en-US" sz="3600" dirty="0"/>
+          </a:p>
+        </p:txBody>
+      </p:sp>
+      <p:graphicFrame>
+        <p:nvGraphicFramePr>
+          <p:cNvPr id="3" name="Chart 2"/>
+          <p:cNvGraphicFramePr>
+            <a:graphicFrameLocks/>
+          </p:cNvGraphicFramePr>
+          <p:nvPr>
+            <p:extLst>
+              <p:ext uri="{D42A27DB-BD31-4B8C-83A1-F6EECF244321}">
+                <p14:modId xmlns:p14="http://schemas.microsoft.com/office/powerpoint/2010/main" val="3179056830"/>
+              </p:ext>
+            </p:extLst>
+          </p:nvPr>
+        </p:nvGraphicFramePr>
+        <p:xfrm>
+          <a:off x="381000" y="1524000"/>
+          <a:ext cx="8382000" cy="5029200"/>
+        </p:xfrm>
+        <a:graphic>
+          <a:graphicData uri="http://schemas.openxmlformats.org/drawingml/2006/chart">
+            <c:chart xmlns:c="http://schemas.openxmlformats.org/drawingml/2006/chart" xmlns:r="http://schemas.openxmlformats.org/officeDocument/2006/relationships" r:id="rId3"/>
+          </a:graphicData>
+        </a:graphic>
+      </p:graphicFrame>
+    </p:spTree>
+    <p:extLst>
+      <p:ext uri="{BB962C8B-B14F-4D97-AF65-F5344CB8AC3E}">
+        <p14:creationId xmlns:p14="http://schemas.microsoft.com/office/powerpoint/2010/main" val="3482806093"/>
+      </p:ext>
+    </p:extLst>
+  </p:cSld>
+  <p:clrMapOvr>
+    <a:masterClrMapping/>
+  </p:clrMapOvr>
+</p:sld>
+</file>
+
 <file path=ppt/slides/slide3.xml><?xml version="1.0" encoding="utf-8"?>
 <p:sld xmlns:a="http://schemas.openxmlformats.org/drawingml/2006/main" xmlns:r="http://schemas.openxmlformats.org/officeDocument/2006/relationships" xmlns:p="http://schemas.openxmlformats.org/presentationml/2006/main">
   <p:cSld>
@@ -3743,10 +7948,9 @@
           <a:p>
             <a:pPr lvl="1"/>
             <a:r>
-              <a:rPr lang="en-US" dirty="0" err="1" smtClean="0"/>
+              <a:rPr lang="en-US" dirty="0" smtClean="0"/>
               <a:t>Hadoop</a:t>
             </a:r>
-            <a:endParaRPr lang="en-US" dirty="0" smtClean="0"/>
           </a:p>
           <a:p>
             <a:pPr lvl="1"/>
@@ -3778,23 +7982,7 @@
           <a:p>
             <a:r>
               <a:rPr lang="en-US" dirty="0" smtClean="0"/>
-              <a:t>Only allowed to use the World Bank’s collection of gender data, a </a:t>
-            </a:r>
-            <a:r>
-              <a:rPr lang="en-US" dirty="0" err="1" smtClean="0"/>
-              <a:t>csv</a:t>
-            </a:r>
-            <a:r>
-              <a:rPr lang="en-US" dirty="0" smtClean="0"/>
-              <a:t> file called “</a:t>
-            </a:r>
-            <a:r>
-              <a:rPr lang="en-US" dirty="0" err="1" smtClean="0"/>
-              <a:t>Gender_StatsData</a:t>
-            </a:r>
-            <a:r>
-              <a:rPr lang="en-US" dirty="0" smtClean="0"/>
-              <a:t>”</a:t>
+              <a:t>Only allowed to use the World Bank’s collection of gender data, a csv file called “Gender_StatsData”</a:t>
             </a:r>
           </a:p>
         </p:txBody>
@@ -3893,15 +8081,7 @@
           <a:p>
             <a:r>
               <a:rPr lang="en-US" dirty="0" smtClean="0"/>
-              <a:t>Translation by a future </a:t>
-            </a:r>
-            <a:r>
-              <a:rPr lang="en-US" dirty="0" err="1" smtClean="0"/>
-              <a:t>hadoop</a:t>
-            </a:r>
-            <a:r>
-              <a:rPr lang="en-US" dirty="0" smtClean="0"/>
-              <a:t> engineer:</a:t>
+              <a:t>Translation by a future hadoop engineer:</a:t>
             </a:r>
           </a:p>
           <a:p>
@@ -4012,18 +8192,18 @@
           <p:nvPr>
             <p:extLst>
               <p:ext uri="{D42A27DB-BD31-4B8C-83A1-F6EECF244321}">
-                <p14:modId xmlns:p14="http://schemas.microsoft.com/office/powerpoint/2010/main" val="3013963236"/>
+                <p14:modId xmlns:p14="http://schemas.microsoft.com/office/powerpoint/2010/main" val="804693871"/>
               </p:ext>
             </p:extLst>
           </p:nvPr>
         </p:nvGraphicFramePr>
         <p:xfrm>
-          <a:off x="44263" y="1824426"/>
+          <a:off x="44263" y="1650102"/>
           <a:ext cx="4419600" cy="3733800"/>
         </p:xfrm>
         <a:graphic>
           <a:graphicData uri="http://schemas.openxmlformats.org/drawingml/2006/chart">
-            <c:chart xmlns:c="http://schemas.openxmlformats.org/drawingml/2006/chart" xmlns:r="http://schemas.openxmlformats.org/officeDocument/2006/relationships" r:id="rId2"/>
+            <c:chart xmlns:c="http://schemas.openxmlformats.org/drawingml/2006/chart" xmlns:r="http://schemas.openxmlformats.org/officeDocument/2006/relationships" r:id="rId3"/>
           </a:graphicData>
         </a:graphic>
       </p:graphicFrame>
@@ -4035,7 +8215,7 @@
         </p:nvSpPr>
         <p:spPr>
           <a:xfrm>
-            <a:off x="145473" y="1455094"/>
+            <a:off x="145473" y="1280770"/>
             <a:ext cx="4217180" cy="369332"/>
           </a:xfrm>
           <a:prstGeom prst="rect">
@@ -4066,18 +8246,18 @@
           <p:nvPr>
             <p:extLst>
               <p:ext uri="{D42A27DB-BD31-4B8C-83A1-F6EECF244321}">
-                <p14:modId xmlns:p14="http://schemas.microsoft.com/office/powerpoint/2010/main" val="770811349"/>
+                <p14:modId xmlns:p14="http://schemas.microsoft.com/office/powerpoint/2010/main" val="3228773400"/>
               </p:ext>
             </p:extLst>
           </p:nvPr>
         </p:nvGraphicFramePr>
         <p:xfrm>
-          <a:off x="4544506" y="1789790"/>
+          <a:off x="4547554" y="1295400"/>
           <a:ext cx="4447094" cy="3766250"/>
         </p:xfrm>
         <a:graphic>
           <a:graphicData uri="http://schemas.openxmlformats.org/drawingml/2006/chart">
-            <c:chart xmlns:c="http://schemas.openxmlformats.org/drawingml/2006/chart" xmlns:r="http://schemas.openxmlformats.org/officeDocument/2006/relationships" r:id="rId3"/>
+            <c:chart xmlns:c="http://schemas.openxmlformats.org/drawingml/2006/chart" xmlns:r="http://schemas.openxmlformats.org/officeDocument/2006/relationships" r:id="rId4"/>
           </a:graphicData>
         </a:graphic>
       </p:graphicFrame>
@@ -4089,8 +8269,8 @@
         </p:nvSpPr>
         <p:spPr>
           <a:xfrm>
-            <a:off x="1524000" y="6225432"/>
-            <a:ext cx="6041013" cy="369332"/>
+            <a:off x="121089" y="5638800"/>
+            <a:ext cx="3660874" cy="646331"/>
           </a:xfrm>
           <a:prstGeom prst="rect">
             <a:avLst/>
@@ -4110,20 +8290,75 @@
           <a:p>
             <a:r>
               <a:rPr lang="en-US" dirty="0" smtClean="0"/>
-              <a:t>NOTE:  See the slide backups section for the full </a:t>
-            </a:r>
-            <a:r>
-              <a:rPr lang="en-US" dirty="0" err="1" smtClean="0"/>
-              <a:t>hadoop</a:t>
-            </a:r>
+              <a:t>NOTE:  See the slide backups section </a:t>
+            </a:r>
+          </a:p>
+          <a:p>
             <a:r>
               <a:rPr lang="en-US" dirty="0" smtClean="0"/>
-              <a:t> results</a:t>
+              <a:t>for the full hadoop results</a:t>
             </a:r>
             <a:endParaRPr lang="en-US" dirty="0"/>
           </a:p>
         </p:txBody>
       </p:sp>
+      <p:graphicFrame>
+        <p:nvGraphicFramePr>
+          <p:cNvPr id="3" name="Object 2"/>
+          <p:cNvGraphicFramePr>
+            <a:graphicFrameLocks noChangeAspect="1"/>
+          </p:cNvGraphicFramePr>
+          <p:nvPr>
+            <p:extLst>
+              <p:ext uri="{D42A27DB-BD31-4B8C-83A1-F6EECF244321}">
+                <p14:modId xmlns:p14="http://schemas.microsoft.com/office/powerpoint/2010/main" val="2573360135"/>
+              </p:ext>
+            </p:extLst>
+          </p:nvPr>
+        </p:nvGraphicFramePr>
+        <p:xfrm>
+          <a:off x="5029200" y="5105400"/>
+          <a:ext cx="3619500" cy="1654175"/>
+        </p:xfrm>
+        <a:graphic>
+          <a:graphicData uri="http://schemas.openxmlformats.org/presentationml/2006/ole">
+            <mc:AlternateContent xmlns:mc="http://schemas.openxmlformats.org/markup-compatibility/2006">
+              <mc:Choice xmlns:v="urn:schemas-microsoft-com:vml" Requires="v">
+                <p:oleObj spid="_x0000_s2105" name="Worksheet" r:id="rId5" imgW="3619371" imgH="1653401" progId="Excel.Sheet.12">
+                  <p:embed/>
+                </p:oleObj>
+              </mc:Choice>
+              <mc:Fallback>
+                <p:oleObj name="Worksheet" r:id="rId5" imgW="3619371" imgH="1653401" progId="Excel.Sheet.12">
+                  <p:embed/>
+                  <p:pic>
+                    <p:nvPicPr>
+                      <p:cNvPr id="0" name=""/>
+                      <p:cNvPicPr/>
+                      <p:nvPr/>
+                    </p:nvPicPr>
+                    <p:blipFill>
+                      <a:blip r:embed="rId6"/>
+                      <a:stretch>
+                        <a:fillRect/>
+                      </a:stretch>
+                    </p:blipFill>
+                    <p:spPr>
+                      <a:xfrm>
+                        <a:off x="5029200" y="5105400"/>
+                        <a:ext cx="3619500" cy="1654175"/>
+                      </a:xfrm>
+                      <a:prstGeom prst="rect">
+                        <a:avLst/>
+                      </a:prstGeom>
+                    </p:spPr>
+                  </p:pic>
+                </p:oleObj>
+              </mc:Fallback>
+            </mc:AlternateContent>
+          </a:graphicData>
+        </a:graphic>
+      </p:graphicFrame>
     </p:spTree>
     <p:extLst>
       <p:ext uri="{BB962C8B-B14F-4D97-AF65-F5344CB8AC3E}">
@@ -4218,15 +8453,7 @@
           <a:p>
             <a:r>
               <a:rPr lang="en-US" dirty="0" smtClean="0"/>
-              <a:t>Translation by a future </a:t>
-            </a:r>
-            <a:r>
-              <a:rPr lang="en-US" dirty="0" err="1" smtClean="0"/>
-              <a:t>hadoop</a:t>
-            </a:r>
-            <a:r>
-              <a:rPr lang="en-US" dirty="0" smtClean="0"/>
-              <a:t> engineer:</a:t>
+              <a:t>Translation by a future hadoop engineer:</a:t>
             </a:r>
           </a:p>
           <a:p>
@@ -4235,7 +8462,6 @@
               <a:rPr lang="en-US" dirty="0" smtClean="0"/>
               <a:t>Determine the average absolute % change in the gender parity index (GPI) as measured on each of the three major levels of education in the U.S. within the years 2000 and 2016.</a:t>
             </a:r>
-            <a:endParaRPr lang="en-US" dirty="0" smtClean="0"/>
           </a:p>
           <a:p>
             <a:r>
@@ -4264,7 +8490,6 @@
               <a:rPr lang="en-US" dirty="0" smtClean="0"/>
               <a:t>s a valid metric for tracking trends in female education</a:t>
             </a:r>
-            <a:endParaRPr lang="en-US" dirty="0" smtClean="0"/>
           </a:p>
           <a:p>
             <a:endParaRPr lang="en-US" dirty="0"/>
@@ -4319,12 +8544,8 @@
           <a:lstStyle/>
           <a:p>
             <a:r>
-              <a:rPr lang="en-US" dirty="0" err="1" smtClean="0"/>
-              <a:t>Hadoop</a:t>
-            </a:r>
-            <a:r>
               <a:rPr lang="en-US" dirty="0" smtClean="0"/>
-              <a:t> Output and Post-Processing</a:t>
+              <a:t>Hadoop Output and Post-Processing</a:t>
             </a:r>
             <a:endParaRPr lang="en-US" dirty="0"/>
           </a:p>
@@ -4363,7 +8584,7 @@
             <a:pPr lvl="1"/>
             <a:r>
               <a:rPr lang="en-US" dirty="0" smtClean="0"/>
-              <a:t>The total output of values was grouped into four buckets, with each bucket representing the four education groups that the GPI was computed for </a:t>
+              <a:t>The total output of values was grouped into four buckets, with each bucket representing the four education groups that the GPI was recorded for </a:t>
             </a:r>
           </a:p>
           <a:p>
@@ -4436,29 +8657,671 @@
           <a:lstStyle/>
           <a:p>
             <a:r>
-              <a:rPr lang="en-US" sz="3200" dirty="0" smtClean="0"/>
-              <a:t>Results from Map-Reduce and Post-Processing</a:t>
-            </a:r>
-            <a:endParaRPr lang="en-US" sz="3200" dirty="0"/>
-          </a:p>
-        </p:txBody>
-      </p:sp>
-      <p:sp>
-        <p:nvSpPr>
-          <p:cNvPr id="3" name="Content Placeholder 2"/>
-          <p:cNvSpPr>
-            <a:spLocks noGrp="1"/>
-          </p:cNvSpPr>
-          <p:nvPr>
-            <p:ph idx="1"/>
-          </p:nvPr>
-        </p:nvSpPr>
-        <p:spPr/>
-        <p:txBody>
-          <a:bodyPr/>
-          <a:lstStyle/>
-          <a:p>
-            <a:endParaRPr lang="en-US"/>
+              <a:rPr lang="en-US" sz="3600" dirty="0" smtClean="0"/>
+              <a:t>Condensed Results from Map-Reduce and Post-Processing of the Raw Output</a:t>
+            </a:r>
+            <a:endParaRPr lang="en-US" sz="3600" dirty="0"/>
+          </a:p>
+        </p:txBody>
+      </p:sp>
+      <p:graphicFrame>
+        <p:nvGraphicFramePr>
+          <p:cNvPr id="4" name="Chart 3"/>
+          <p:cNvGraphicFramePr>
+            <a:graphicFrameLocks/>
+          </p:cNvGraphicFramePr>
+          <p:nvPr>
+            <p:extLst>
+              <p:ext uri="{D42A27DB-BD31-4B8C-83A1-F6EECF244321}">
+                <p14:modId xmlns:p14="http://schemas.microsoft.com/office/powerpoint/2010/main" val="3251338744"/>
+              </p:ext>
+            </p:extLst>
+          </p:nvPr>
+        </p:nvGraphicFramePr>
+        <p:xfrm>
+          <a:off x="594334" y="1447800"/>
+          <a:ext cx="7863866" cy="3429000"/>
+        </p:xfrm>
+        <a:graphic>
+          <a:graphicData uri="http://schemas.openxmlformats.org/drawingml/2006/chart">
+            <c:chart xmlns:c="http://schemas.openxmlformats.org/drawingml/2006/chart" xmlns:r="http://schemas.openxmlformats.org/officeDocument/2006/relationships" r:id="rId3"/>
+          </a:graphicData>
+        </a:graphic>
+      </p:graphicFrame>
+      <p:graphicFrame>
+        <p:nvGraphicFramePr>
+          <p:cNvPr id="7" name="Table 6"/>
+          <p:cNvGraphicFramePr>
+            <a:graphicFrameLocks noGrp="1"/>
+          </p:cNvGraphicFramePr>
+          <p:nvPr>
+            <p:extLst>
+              <p:ext uri="{D42A27DB-BD31-4B8C-83A1-F6EECF244321}">
+                <p14:modId xmlns:p14="http://schemas.microsoft.com/office/powerpoint/2010/main" val="1916153463"/>
+              </p:ext>
+            </p:extLst>
+          </p:nvPr>
+        </p:nvGraphicFramePr>
+        <p:xfrm>
+          <a:off x="2362200" y="4953000"/>
+          <a:ext cx="6096000" cy="1285240"/>
+        </p:xfrm>
+        <a:graphic>
+          <a:graphicData uri="http://schemas.openxmlformats.org/drawingml/2006/table">
+            <a:tbl>
+              <a:tblPr firstRow="1" bandRow="1">
+                <a:tableStyleId>{5C22544A-7EE6-4342-B048-85BDC9FD1C3A}</a:tableStyleId>
+              </a:tblPr>
+              <a:tblGrid>
+                <a:gridCol w="1524000"/>
+                <a:gridCol w="1524000"/>
+                <a:gridCol w="1524000"/>
+                <a:gridCol w="1524000"/>
+              </a:tblGrid>
+              <a:tr h="370840">
+                <a:tc>
+                  <a:txBody>
+                    <a:bodyPr/>
+                    <a:lstStyle/>
+                    <a:p>
+                      <a:pPr algn="l"/>
+                      <a:r>
+                        <a:rPr lang="en-US" dirty="0" smtClean="0">
+                          <a:solidFill>
+                            <a:srgbClr val="FF0000"/>
+                          </a:solidFill>
+                        </a:rPr>
+                        <a:t>Primary</a:t>
+                      </a:r>
+                      <a:r>
+                        <a:rPr lang="en-US" baseline="0" dirty="0" smtClean="0">
+                          <a:solidFill>
+                            <a:srgbClr val="FF0000"/>
+                          </a:solidFill>
+                        </a:rPr>
+                        <a:t> Education</a:t>
+                      </a:r>
+                      <a:endParaRPr lang="en-US" dirty="0">
+                        <a:solidFill>
+                          <a:srgbClr val="FF0000"/>
+                        </a:solidFill>
+                      </a:endParaRPr>
+                    </a:p>
+                  </a:txBody>
+                  <a:tcPr>
+                    <a:lnL w="12700" cap="flat" cmpd="sng" algn="ctr">
+                      <a:solidFill>
+                        <a:schemeClr val="tx1"/>
+                      </a:solidFill>
+                      <a:prstDash val="solid"/>
+                      <a:round/>
+                      <a:headEnd type="none" w="med" len="med"/>
+                      <a:tailEnd type="none" w="med" len="med"/>
+                    </a:lnL>
+                    <a:lnR w="12700" cap="flat" cmpd="sng" algn="ctr">
+                      <a:solidFill>
+                        <a:schemeClr val="tx1"/>
+                      </a:solidFill>
+                      <a:prstDash val="solid"/>
+                      <a:round/>
+                      <a:headEnd type="none" w="med" len="med"/>
+                      <a:tailEnd type="none" w="med" len="med"/>
+                    </a:lnR>
+                    <a:lnT w="12700" cap="flat" cmpd="sng" algn="ctr">
+                      <a:solidFill>
+                        <a:schemeClr val="tx1"/>
+                      </a:solidFill>
+                      <a:prstDash val="solid"/>
+                      <a:round/>
+                      <a:headEnd type="none" w="med" len="med"/>
+                      <a:tailEnd type="none" w="med" len="med"/>
+                    </a:lnT>
+                    <a:lnB w="12700" cap="flat" cmpd="sng" algn="ctr">
+                      <a:solidFill>
+                        <a:schemeClr val="tx1"/>
+                      </a:solidFill>
+                      <a:prstDash val="solid"/>
+                      <a:round/>
+                      <a:headEnd type="none" w="med" len="med"/>
+                      <a:tailEnd type="none" w="med" len="med"/>
+                    </a:lnB>
+                    <a:solidFill>
+                      <a:schemeClr val="bg1"/>
+                    </a:solidFill>
+                  </a:tcPr>
+                </a:tc>
+                <a:tc>
+                  <a:txBody>
+                    <a:bodyPr/>
+                    <a:lstStyle/>
+                    <a:p>
+                      <a:r>
+                        <a:rPr lang="en-US" dirty="0" smtClean="0">
+                          <a:solidFill>
+                            <a:schemeClr val="tx1"/>
+                          </a:solidFill>
+                        </a:rPr>
+                        <a:t>Primary</a:t>
+                      </a:r>
+                      <a:r>
+                        <a:rPr lang="en-US" baseline="0" dirty="0" smtClean="0">
+                          <a:solidFill>
+                            <a:schemeClr val="tx1"/>
+                          </a:solidFill>
+                        </a:rPr>
+                        <a:t> + Secondary Education</a:t>
+                      </a:r>
+                      <a:endParaRPr lang="en-US" dirty="0">
+                        <a:solidFill>
+                          <a:schemeClr val="tx1"/>
+                        </a:solidFill>
+                      </a:endParaRPr>
+                    </a:p>
+                  </a:txBody>
+                  <a:tcPr>
+                    <a:lnL w="12700" cap="flat" cmpd="sng" algn="ctr">
+                      <a:solidFill>
+                        <a:schemeClr val="tx1"/>
+                      </a:solidFill>
+                      <a:prstDash val="solid"/>
+                      <a:round/>
+                      <a:headEnd type="none" w="med" len="med"/>
+                      <a:tailEnd type="none" w="med" len="med"/>
+                    </a:lnL>
+                    <a:lnR w="12700" cap="flat" cmpd="sng" algn="ctr">
+                      <a:solidFill>
+                        <a:schemeClr val="tx1"/>
+                      </a:solidFill>
+                      <a:prstDash val="solid"/>
+                      <a:round/>
+                      <a:headEnd type="none" w="med" len="med"/>
+                      <a:tailEnd type="none" w="med" len="med"/>
+                    </a:lnR>
+                    <a:lnT w="12700" cap="flat" cmpd="sng" algn="ctr">
+                      <a:solidFill>
+                        <a:schemeClr val="tx1"/>
+                      </a:solidFill>
+                      <a:prstDash val="solid"/>
+                      <a:round/>
+                      <a:headEnd type="none" w="med" len="med"/>
+                      <a:tailEnd type="none" w="med" len="med"/>
+                    </a:lnT>
+                    <a:lnB w="12700" cap="flat" cmpd="sng" algn="ctr">
+                      <a:solidFill>
+                        <a:schemeClr val="tx1"/>
+                      </a:solidFill>
+                      <a:prstDash val="solid"/>
+                      <a:round/>
+                      <a:headEnd type="none" w="med" len="med"/>
+                      <a:tailEnd type="none" w="med" len="med"/>
+                    </a:lnB>
+                    <a:solidFill>
+                      <a:schemeClr val="bg1"/>
+                    </a:solidFill>
+                  </a:tcPr>
+                </a:tc>
+                <a:tc>
+                  <a:txBody>
+                    <a:bodyPr/>
+                    <a:lstStyle/>
+                    <a:p>
+                      <a:r>
+                        <a:rPr lang="en-US" dirty="0" smtClean="0">
+                          <a:solidFill>
+                            <a:schemeClr val="tx1"/>
+                          </a:solidFill>
+                        </a:rPr>
+                        <a:t>Secondary Education</a:t>
+                      </a:r>
+                      <a:endParaRPr lang="en-US" dirty="0">
+                        <a:solidFill>
+                          <a:schemeClr val="tx1"/>
+                        </a:solidFill>
+                      </a:endParaRPr>
+                    </a:p>
+                  </a:txBody>
+                  <a:tcPr>
+                    <a:lnL w="12700" cap="flat" cmpd="sng" algn="ctr">
+                      <a:solidFill>
+                        <a:schemeClr val="tx1"/>
+                      </a:solidFill>
+                      <a:prstDash val="solid"/>
+                      <a:round/>
+                      <a:headEnd type="none" w="med" len="med"/>
+                      <a:tailEnd type="none" w="med" len="med"/>
+                    </a:lnL>
+                    <a:lnR w="12700" cap="flat" cmpd="sng" algn="ctr">
+                      <a:solidFill>
+                        <a:schemeClr val="tx1"/>
+                      </a:solidFill>
+                      <a:prstDash val="solid"/>
+                      <a:round/>
+                      <a:headEnd type="none" w="med" len="med"/>
+                      <a:tailEnd type="none" w="med" len="med"/>
+                    </a:lnR>
+                    <a:lnT w="12700" cap="flat" cmpd="sng" algn="ctr">
+                      <a:solidFill>
+                        <a:schemeClr val="tx1"/>
+                      </a:solidFill>
+                      <a:prstDash val="solid"/>
+                      <a:round/>
+                      <a:headEnd type="none" w="med" len="med"/>
+                      <a:tailEnd type="none" w="med" len="med"/>
+                    </a:lnT>
+                    <a:lnB w="12700" cap="flat" cmpd="sng" algn="ctr">
+                      <a:solidFill>
+                        <a:schemeClr val="tx1"/>
+                      </a:solidFill>
+                      <a:prstDash val="solid"/>
+                      <a:round/>
+                      <a:headEnd type="none" w="med" len="med"/>
+                      <a:tailEnd type="none" w="med" len="med"/>
+                    </a:lnB>
+                    <a:solidFill>
+                      <a:schemeClr val="bg1"/>
+                    </a:solidFill>
+                  </a:tcPr>
+                </a:tc>
+                <a:tc>
+                  <a:txBody>
+                    <a:bodyPr/>
+                    <a:lstStyle/>
+                    <a:p>
+                      <a:r>
+                        <a:rPr lang="en-US" dirty="0" smtClean="0">
+                          <a:solidFill>
+                            <a:schemeClr val="tx1"/>
+                          </a:solidFill>
+                        </a:rPr>
+                        <a:t>Tertiary Education</a:t>
+                      </a:r>
+                      <a:endParaRPr lang="en-US" dirty="0">
+                        <a:solidFill>
+                          <a:schemeClr val="tx1"/>
+                        </a:solidFill>
+                      </a:endParaRPr>
+                    </a:p>
+                  </a:txBody>
+                  <a:tcPr>
+                    <a:lnL w="12700" cap="flat" cmpd="sng" algn="ctr">
+                      <a:solidFill>
+                        <a:schemeClr val="tx1"/>
+                      </a:solidFill>
+                      <a:prstDash val="solid"/>
+                      <a:round/>
+                      <a:headEnd type="none" w="med" len="med"/>
+                      <a:tailEnd type="none" w="med" len="med"/>
+                    </a:lnL>
+                    <a:lnR w="12700" cap="flat" cmpd="sng" algn="ctr">
+                      <a:solidFill>
+                        <a:schemeClr val="tx1"/>
+                      </a:solidFill>
+                      <a:prstDash val="solid"/>
+                      <a:round/>
+                      <a:headEnd type="none" w="med" len="med"/>
+                      <a:tailEnd type="none" w="med" len="med"/>
+                    </a:lnR>
+                    <a:lnT w="12700" cap="flat" cmpd="sng" algn="ctr">
+                      <a:solidFill>
+                        <a:schemeClr val="tx1"/>
+                      </a:solidFill>
+                      <a:prstDash val="solid"/>
+                      <a:round/>
+                      <a:headEnd type="none" w="med" len="med"/>
+                      <a:tailEnd type="none" w="med" len="med"/>
+                    </a:lnT>
+                    <a:lnB w="12700" cap="flat" cmpd="sng" algn="ctr">
+                      <a:solidFill>
+                        <a:schemeClr val="tx1"/>
+                      </a:solidFill>
+                      <a:prstDash val="solid"/>
+                      <a:round/>
+                      <a:headEnd type="none" w="med" len="med"/>
+                      <a:tailEnd type="none" w="med" len="med"/>
+                    </a:lnB>
+                    <a:solidFill>
+                      <a:schemeClr val="bg1"/>
+                    </a:solidFill>
+                  </a:tcPr>
+                </a:tc>
+              </a:tr>
+              <a:tr h="370840">
+                <a:tc>
+                  <a:txBody>
+                    <a:bodyPr/>
+                    <a:lstStyle/>
+                    <a:p>
+                      <a:r>
+                        <a:rPr lang="en-US" dirty="0" smtClean="0">
+                          <a:solidFill>
+                            <a:srgbClr val="FF0000"/>
+                          </a:solidFill>
+                        </a:rPr>
+                        <a:t>0.956</a:t>
+                      </a:r>
+                      <a:r>
+                        <a:rPr lang="en-US" baseline="0" dirty="0" smtClean="0">
+                          <a:solidFill>
+                            <a:srgbClr val="FF0000"/>
+                          </a:solidFill>
+                        </a:rPr>
+                        <a:t>%</a:t>
+                      </a:r>
+                      <a:endParaRPr lang="en-US" dirty="0" smtClean="0">
+                        <a:solidFill>
+                          <a:srgbClr val="FF0000"/>
+                        </a:solidFill>
+                      </a:endParaRPr>
+                    </a:p>
+                  </a:txBody>
+                  <a:tcPr>
+                    <a:lnL w="12700" cap="flat" cmpd="sng" algn="ctr">
+                      <a:solidFill>
+                        <a:schemeClr val="tx1"/>
+                      </a:solidFill>
+                      <a:prstDash val="solid"/>
+                      <a:round/>
+                      <a:headEnd type="none" w="med" len="med"/>
+                      <a:tailEnd type="none" w="med" len="med"/>
+                    </a:lnL>
+                    <a:lnR w="12700" cap="flat" cmpd="sng" algn="ctr">
+                      <a:solidFill>
+                        <a:schemeClr val="tx1"/>
+                      </a:solidFill>
+                      <a:prstDash val="solid"/>
+                      <a:round/>
+                      <a:headEnd type="none" w="med" len="med"/>
+                      <a:tailEnd type="none" w="med" len="med"/>
+                    </a:lnR>
+                    <a:lnT w="12700" cap="flat" cmpd="sng" algn="ctr">
+                      <a:solidFill>
+                        <a:schemeClr val="tx1"/>
+                      </a:solidFill>
+                      <a:prstDash val="solid"/>
+                      <a:round/>
+                      <a:headEnd type="none" w="med" len="med"/>
+                      <a:tailEnd type="none" w="med" len="med"/>
+                    </a:lnT>
+                    <a:lnB w="12700" cap="flat" cmpd="sng" algn="ctr">
+                      <a:solidFill>
+                        <a:schemeClr val="tx1"/>
+                      </a:solidFill>
+                      <a:prstDash val="solid"/>
+                      <a:round/>
+                      <a:headEnd type="none" w="med" len="med"/>
+                      <a:tailEnd type="none" w="med" len="med"/>
+                    </a:lnB>
+                    <a:solidFill>
+                      <a:schemeClr val="bg1"/>
+                    </a:solidFill>
+                  </a:tcPr>
+                </a:tc>
+                <a:tc>
+                  <a:txBody>
+                    <a:bodyPr/>
+                    <a:lstStyle/>
+                    <a:p>
+                      <a:r>
+                        <a:rPr lang="en-US" dirty="0" smtClean="0"/>
+                        <a:t>0.516%</a:t>
+                      </a:r>
+                    </a:p>
+                  </a:txBody>
+                  <a:tcPr>
+                    <a:lnL w="12700" cap="flat" cmpd="sng" algn="ctr">
+                      <a:solidFill>
+                        <a:schemeClr val="tx1"/>
+                      </a:solidFill>
+                      <a:prstDash val="solid"/>
+                      <a:round/>
+                      <a:headEnd type="none" w="med" len="med"/>
+                      <a:tailEnd type="none" w="med" len="med"/>
+                    </a:lnL>
+                    <a:lnR w="12700" cap="flat" cmpd="sng" algn="ctr">
+                      <a:solidFill>
+                        <a:schemeClr val="tx1"/>
+                      </a:solidFill>
+                      <a:prstDash val="solid"/>
+                      <a:round/>
+                      <a:headEnd type="none" w="med" len="med"/>
+                      <a:tailEnd type="none" w="med" len="med"/>
+                    </a:lnR>
+                    <a:lnT w="12700" cap="flat" cmpd="sng" algn="ctr">
+                      <a:solidFill>
+                        <a:schemeClr val="tx1"/>
+                      </a:solidFill>
+                      <a:prstDash val="solid"/>
+                      <a:round/>
+                      <a:headEnd type="none" w="med" len="med"/>
+                      <a:tailEnd type="none" w="med" len="med"/>
+                    </a:lnT>
+                    <a:lnB w="12700" cap="flat" cmpd="sng" algn="ctr">
+                      <a:solidFill>
+                        <a:schemeClr val="tx1"/>
+                      </a:solidFill>
+                      <a:prstDash val="solid"/>
+                      <a:round/>
+                      <a:headEnd type="none" w="med" len="med"/>
+                      <a:tailEnd type="none" w="med" len="med"/>
+                    </a:lnB>
+                    <a:solidFill>
+                      <a:schemeClr val="bg1"/>
+                    </a:solidFill>
+                  </a:tcPr>
+                </a:tc>
+                <a:tc>
+                  <a:txBody>
+                    <a:bodyPr/>
+                    <a:lstStyle/>
+                    <a:p>
+                      <a:r>
+                        <a:rPr lang="en-US" dirty="0" smtClean="0"/>
+                        <a:t>1.025%</a:t>
+                      </a:r>
+                    </a:p>
+                  </a:txBody>
+                  <a:tcPr>
+                    <a:lnL w="12700" cap="flat" cmpd="sng" algn="ctr">
+                      <a:solidFill>
+                        <a:schemeClr val="tx1"/>
+                      </a:solidFill>
+                      <a:prstDash val="solid"/>
+                      <a:round/>
+                      <a:headEnd type="none" w="med" len="med"/>
+                      <a:tailEnd type="none" w="med" len="med"/>
+                    </a:lnL>
+                    <a:lnR w="12700" cap="flat" cmpd="sng" algn="ctr">
+                      <a:solidFill>
+                        <a:schemeClr val="tx1"/>
+                      </a:solidFill>
+                      <a:prstDash val="solid"/>
+                      <a:round/>
+                      <a:headEnd type="none" w="med" len="med"/>
+                      <a:tailEnd type="none" w="med" len="med"/>
+                    </a:lnR>
+                    <a:lnT w="12700" cap="flat" cmpd="sng" algn="ctr">
+                      <a:solidFill>
+                        <a:schemeClr val="tx1"/>
+                      </a:solidFill>
+                      <a:prstDash val="solid"/>
+                      <a:round/>
+                      <a:headEnd type="none" w="med" len="med"/>
+                      <a:tailEnd type="none" w="med" len="med"/>
+                    </a:lnT>
+                    <a:lnB w="12700" cap="flat" cmpd="sng" algn="ctr">
+                      <a:solidFill>
+                        <a:schemeClr val="tx1"/>
+                      </a:solidFill>
+                      <a:prstDash val="solid"/>
+                      <a:round/>
+                      <a:headEnd type="none" w="med" len="med"/>
+                      <a:tailEnd type="none" w="med" len="med"/>
+                    </a:lnB>
+                    <a:solidFill>
+                      <a:schemeClr val="bg1"/>
+                    </a:solidFill>
+                  </a:tcPr>
+                </a:tc>
+                <a:tc>
+                  <a:txBody>
+                    <a:bodyPr/>
+                    <a:lstStyle/>
+                    <a:p>
+                      <a:r>
+                        <a:rPr lang="en-US" dirty="0" smtClean="0"/>
+                        <a:t>0.790%</a:t>
+                      </a:r>
+                    </a:p>
+                  </a:txBody>
+                  <a:tcPr>
+                    <a:lnL w="12700" cap="flat" cmpd="sng" algn="ctr">
+                      <a:solidFill>
+                        <a:schemeClr val="tx1"/>
+                      </a:solidFill>
+                      <a:prstDash val="solid"/>
+                      <a:round/>
+                      <a:headEnd type="none" w="med" len="med"/>
+                      <a:tailEnd type="none" w="med" len="med"/>
+                    </a:lnL>
+                    <a:lnR w="12700" cap="flat" cmpd="sng" algn="ctr">
+                      <a:solidFill>
+                        <a:schemeClr val="tx1"/>
+                      </a:solidFill>
+                      <a:prstDash val="solid"/>
+                      <a:round/>
+                      <a:headEnd type="none" w="med" len="med"/>
+                      <a:tailEnd type="none" w="med" len="med"/>
+                    </a:lnR>
+                    <a:lnT w="12700" cap="flat" cmpd="sng" algn="ctr">
+                      <a:solidFill>
+                        <a:schemeClr val="tx1"/>
+                      </a:solidFill>
+                      <a:prstDash val="solid"/>
+                      <a:round/>
+                      <a:headEnd type="none" w="med" len="med"/>
+                      <a:tailEnd type="none" w="med" len="med"/>
+                    </a:lnT>
+                    <a:lnB w="12700" cap="flat" cmpd="sng" algn="ctr">
+                      <a:solidFill>
+                        <a:schemeClr val="tx1"/>
+                      </a:solidFill>
+                      <a:prstDash val="solid"/>
+                      <a:round/>
+                      <a:headEnd type="none" w="med" len="med"/>
+                      <a:tailEnd type="none" w="med" len="med"/>
+                    </a:lnB>
+                    <a:solidFill>
+                      <a:schemeClr val="bg1"/>
+                    </a:solidFill>
+                  </a:tcPr>
+                </a:tc>
+              </a:tr>
+            </a:tbl>
+          </a:graphicData>
+        </a:graphic>
+      </p:graphicFrame>
+      <p:sp>
+        <p:nvSpPr>
+          <p:cNvPr id="8" name="TextBox 7"/>
+          <p:cNvSpPr txBox="1"/>
+          <p:nvPr/>
+        </p:nvSpPr>
+        <p:spPr>
+          <a:xfrm>
+            <a:off x="76200" y="5913047"/>
+            <a:ext cx="2258568" cy="307777"/>
+          </a:xfrm>
+          <a:prstGeom prst="rect">
+            <a:avLst/>
+          </a:prstGeom>
+          <a:noFill/>
+          <a:ln>
+            <a:solidFill>
+              <a:schemeClr val="tx1"/>
+            </a:solidFill>
+          </a:ln>
+        </p:spPr>
+        <p:txBody>
+          <a:bodyPr wrap="square" rtlCol="0">
+            <a:spAutoFit/>
+          </a:bodyPr>
+          <a:lstStyle/>
+          <a:p>
+            <a:r>
+              <a:rPr lang="en-US" sz="1400" dirty="0" smtClean="0"/>
+              <a:t>Average Absolute % Change</a:t>
+            </a:r>
+            <a:endParaRPr lang="en-US" sz="1400" dirty="0"/>
+          </a:p>
+        </p:txBody>
+      </p:sp>
+      <p:sp>
+        <p:nvSpPr>
+          <p:cNvPr id="9" name="TextBox 8"/>
+          <p:cNvSpPr txBox="1"/>
+          <p:nvPr/>
+        </p:nvSpPr>
+        <p:spPr>
+          <a:xfrm>
+            <a:off x="228600" y="6400800"/>
+            <a:ext cx="8763000" cy="369332"/>
+          </a:xfrm>
+          <a:prstGeom prst="rect">
+            <a:avLst/>
+          </a:prstGeom>
+          <a:noFill/>
+          <a:ln>
+            <a:solidFill>
+              <a:schemeClr val="tx1"/>
+            </a:solidFill>
+          </a:ln>
+        </p:spPr>
+        <p:txBody>
+          <a:bodyPr wrap="square" rtlCol="0">
+            <a:spAutoFit/>
+          </a:bodyPr>
+          <a:lstStyle/>
+          <a:p>
+            <a:r>
+              <a:rPr lang="en-US" dirty="0" smtClean="0"/>
+              <a:t>NOTE:  See the slide backups section for scatter plots for the other three education groups</a:t>
+            </a:r>
+            <a:endParaRPr lang="en-US" dirty="0"/>
+          </a:p>
+        </p:txBody>
+      </p:sp>
+      <p:sp>
+        <p:nvSpPr>
+          <p:cNvPr id="10" name="TextBox 9"/>
+          <p:cNvSpPr txBox="1"/>
+          <p:nvPr/>
+        </p:nvSpPr>
+        <p:spPr>
+          <a:xfrm>
+            <a:off x="588239" y="4953000"/>
+            <a:ext cx="1755673" cy="369332"/>
+          </a:xfrm>
+          <a:prstGeom prst="rect">
+            <a:avLst/>
+          </a:prstGeom>
+          <a:noFill/>
+          <a:ln>
+            <a:solidFill>
+              <a:schemeClr val="tx1"/>
+            </a:solidFill>
+          </a:ln>
+        </p:spPr>
+        <p:txBody>
+          <a:bodyPr wrap="none" rtlCol="0">
+            <a:spAutoFit/>
+          </a:bodyPr>
+          <a:lstStyle/>
+          <a:p>
+            <a:r>
+              <a:rPr lang="en-US" dirty="0" smtClean="0"/>
+              <a:t>Education Group</a:t>
+            </a:r>
+            <a:endParaRPr lang="en-US" dirty="0"/>
           </a:p>
         </p:txBody>
       </p:sp>
@@ -4530,7 +9393,7 @@
         <p:spPr/>
         <p:txBody>
           <a:bodyPr>
-            <a:normAutofit fontScale="92500" lnSpcReduction="10000"/>
+            <a:normAutofit fontScale="92500" lnSpcReduction="20000"/>
           </a:bodyPr>
           <a:lstStyle/>
           <a:p>
@@ -4549,22 +9412,14 @@
           <a:p>
             <a:r>
               <a:rPr lang="en-US" dirty="0" smtClean="0"/>
-              <a:t>Translation by a future </a:t>
-            </a:r>
-            <a:r>
-              <a:rPr lang="en-US" dirty="0" err="1" smtClean="0"/>
-              <a:t>hadoop</a:t>
-            </a:r>
+              <a:t>Translation by a future hadoop engineer:</a:t>
+            </a:r>
+          </a:p>
+          <a:p>
+            <a:pPr lvl="1"/>
             <a:r>
               <a:rPr lang="en-US" dirty="0" smtClean="0"/>
-              <a:t> engineer:</a:t>
-            </a:r>
-          </a:p>
-          <a:p>
-            <a:pPr lvl="1"/>
-            <a:r>
-              <a:rPr lang="en-US" dirty="0" smtClean="0"/>
-              <a:t>For all countries with data, find the overall % change in the male employment to population ratio from the year closest to or equal to 2000 up to the year closest to or equal to 2016</a:t>
+              <a:t>For all countries with this data, find the overall % change in the male employment to population ratio from the year closest to or equal to 2000 up to the year closest to or equal to 2016</a:t>
             </a:r>
           </a:p>
           <a:p>
@@ -4577,7 +9432,7 @@
             <a:pPr lvl="1"/>
             <a:r>
               <a:rPr lang="en-US" dirty="0" smtClean="0"/>
-              <a:t>  </a:t>
+              <a:t>The requestor accepts the male employment to population ratio as a valid metric for tracking male employment trends  </a:t>
             </a:r>
           </a:p>
           <a:p>
@@ -4881,4 +9736,289 @@
   <a:objectDefaults/>
   <a:extraClrSchemeLst/>
 </a:theme>
+</file>
+
+<file path=ppt/theme/theme2.xml><?xml version="1.0" encoding="utf-8"?>
+<a:theme xmlns:a="http://schemas.openxmlformats.org/drawingml/2006/main" name="Office Theme">
+  <a:themeElements>
+    <a:clrScheme name="Office">
+      <a:dk1>
+        <a:sysClr val="windowText" lastClr="000000"/>
+      </a:dk1>
+      <a:lt1>
+        <a:sysClr val="window" lastClr="FFFFFF"/>
+      </a:lt1>
+      <a:dk2>
+        <a:srgbClr val="1F497D"/>
+      </a:dk2>
+      <a:lt2>
+        <a:srgbClr val="EEECE1"/>
+      </a:lt2>
+      <a:accent1>
+        <a:srgbClr val="4F81BD"/>
+      </a:accent1>
+      <a:accent2>
+        <a:srgbClr val="C0504D"/>
+      </a:accent2>
+      <a:accent3>
+        <a:srgbClr val="9BBB59"/>
+      </a:accent3>
+      <a:accent4>
+        <a:srgbClr val="8064A2"/>
+      </a:accent4>
+      <a:accent5>
+        <a:srgbClr val="4BACC6"/>
+      </a:accent5>
+      <a:accent6>
+        <a:srgbClr val="F79646"/>
+      </a:accent6>
+      <a:hlink>
+        <a:srgbClr val="0000FF"/>
+      </a:hlink>
+      <a:folHlink>
+        <a:srgbClr val="800080"/>
+      </a:folHlink>
+    </a:clrScheme>
+    <a:fontScheme name="Office">
+      <a:majorFont>
+        <a:latin typeface="Calibri"/>
+        <a:ea typeface=""/>
+        <a:cs typeface=""/>
+        <a:font script="Jpan" typeface="ＭＳ Ｐゴシック"/>
+        <a:font script="Hang" typeface="맑은 고딕"/>
+        <a:font script="Hans" typeface="宋体"/>
+        <a:font script="Hant" typeface="新細明體"/>
+        <a:font script="Arab" typeface="Times New Roman"/>
+        <a:font script="Hebr" typeface="Times New Roman"/>
+        <a:font script="Thai" typeface="Angsana New"/>
+        <a:font script="Ethi" typeface="Nyala"/>
+        <a:font script="Beng" typeface="Vrinda"/>
+        <a:font script="Gujr" typeface="Shruti"/>
+        <a:font script="Khmr" typeface="MoolBoran"/>
+        <a:font script="Knda" typeface="Tunga"/>
+        <a:font script="Guru" typeface="Raavi"/>
+        <a:font script="Cans" typeface="Euphemia"/>
+        <a:font script="Cher" typeface="Plantagenet Cherokee"/>
+        <a:font script="Yiii" typeface="Microsoft Yi Baiti"/>
+        <a:font script="Tibt" typeface="Microsoft Himalaya"/>
+        <a:font script="Thaa" typeface="MV Boli"/>
+        <a:font script="Deva" typeface="Mangal"/>
+        <a:font script="Telu" typeface="Gautami"/>
+        <a:font script="Taml" typeface="Latha"/>
+        <a:font script="Syrc" typeface="Estrangelo Edessa"/>
+        <a:font script="Orya" typeface="Kalinga"/>
+        <a:font script="Mlym" typeface="Kartika"/>
+        <a:font script="Laoo" typeface="DokChampa"/>
+        <a:font script="Sinh" typeface="Iskoola Pota"/>
+        <a:font script="Mong" typeface="Mongolian Baiti"/>
+        <a:font script="Viet" typeface="Times New Roman"/>
+        <a:font script="Uigh" typeface="Microsoft Uighur"/>
+        <a:font script="Geor" typeface="Sylfaen"/>
+      </a:majorFont>
+      <a:minorFont>
+        <a:latin typeface="Calibri"/>
+        <a:ea typeface=""/>
+        <a:cs typeface=""/>
+        <a:font script="Jpan" typeface="ＭＳ Ｐゴシック"/>
+        <a:font script="Hang" typeface="맑은 고딕"/>
+        <a:font script="Hans" typeface="宋体"/>
+        <a:font script="Hant" typeface="新細明體"/>
+        <a:font script="Arab" typeface="Arial"/>
+        <a:font script="Hebr" typeface="Arial"/>
+        <a:font script="Thai" typeface="Cordia New"/>
+        <a:font script="Ethi" typeface="Nyala"/>
+        <a:font script="Beng" typeface="Vrinda"/>
+        <a:font script="Gujr" typeface="Shruti"/>
+        <a:font script="Khmr" typeface="DaunPenh"/>
+        <a:font script="Knda" typeface="Tunga"/>
+        <a:font script="Guru" typeface="Raavi"/>
+        <a:font script="Cans" typeface="Euphemia"/>
+        <a:font script="Cher" typeface="Plantagenet Cherokee"/>
+        <a:font script="Yiii" typeface="Microsoft Yi Baiti"/>
+        <a:font script="Tibt" typeface="Microsoft Himalaya"/>
+        <a:font script="Thaa" typeface="MV Boli"/>
+        <a:font script="Deva" typeface="Mangal"/>
+        <a:font script="Telu" typeface="Gautami"/>
+        <a:font script="Taml" typeface="Latha"/>
+        <a:font script="Syrc" typeface="Estrangelo Edessa"/>
+        <a:font script="Orya" typeface="Kalinga"/>
+        <a:font script="Mlym" typeface="Kartika"/>
+        <a:font script="Laoo" typeface="DokChampa"/>
+        <a:font script="Sinh" typeface="Iskoola Pota"/>
+        <a:font script="Mong" typeface="Mongolian Baiti"/>
+        <a:font script="Viet" typeface="Arial"/>
+        <a:font script="Uigh" typeface="Microsoft Uighur"/>
+        <a:font script="Geor" typeface="Sylfaen"/>
+      </a:minorFont>
+    </a:fontScheme>
+    <a:fmtScheme name="Office">
+      <a:fillStyleLst>
+        <a:solidFill>
+          <a:schemeClr val="phClr"/>
+        </a:solidFill>
+        <a:gradFill rotWithShape="1">
+          <a:gsLst>
+            <a:gs pos="0">
+              <a:schemeClr val="phClr">
+                <a:tint val="50000"/>
+                <a:satMod val="300000"/>
+              </a:schemeClr>
+            </a:gs>
+            <a:gs pos="35000">
+              <a:schemeClr val="phClr">
+                <a:tint val="37000"/>
+                <a:satMod val="300000"/>
+              </a:schemeClr>
+            </a:gs>
+            <a:gs pos="100000">
+              <a:schemeClr val="phClr">
+                <a:tint val="15000"/>
+                <a:satMod val="350000"/>
+              </a:schemeClr>
+            </a:gs>
+          </a:gsLst>
+          <a:lin ang="16200000" scaled="1"/>
+        </a:gradFill>
+        <a:gradFill rotWithShape="1">
+          <a:gsLst>
+            <a:gs pos="0">
+              <a:schemeClr val="phClr">
+                <a:shade val="51000"/>
+                <a:satMod val="130000"/>
+              </a:schemeClr>
+            </a:gs>
+            <a:gs pos="80000">
+              <a:schemeClr val="phClr">
+                <a:shade val="93000"/>
+                <a:satMod val="130000"/>
+              </a:schemeClr>
+            </a:gs>
+            <a:gs pos="100000">
+              <a:schemeClr val="phClr">
+                <a:shade val="94000"/>
+                <a:satMod val="135000"/>
+              </a:schemeClr>
+            </a:gs>
+          </a:gsLst>
+          <a:lin ang="16200000" scaled="0"/>
+        </a:gradFill>
+      </a:fillStyleLst>
+      <a:lnStyleLst>
+        <a:ln w="9525" cap="flat" cmpd="sng" algn="ctr">
+          <a:solidFill>
+            <a:schemeClr val="phClr">
+              <a:shade val="95000"/>
+              <a:satMod val="105000"/>
+            </a:schemeClr>
+          </a:solidFill>
+          <a:prstDash val="solid"/>
+        </a:ln>
+        <a:ln w="25400" cap="flat" cmpd="sng" algn="ctr">
+          <a:solidFill>
+            <a:schemeClr val="phClr"/>
+          </a:solidFill>
+          <a:prstDash val="solid"/>
+        </a:ln>
+        <a:ln w="38100" cap="flat" cmpd="sng" algn="ctr">
+          <a:solidFill>
+            <a:schemeClr val="phClr"/>
+          </a:solidFill>
+          <a:prstDash val="solid"/>
+        </a:ln>
+      </a:lnStyleLst>
+      <a:effectStyleLst>
+        <a:effectStyle>
+          <a:effectLst>
+            <a:outerShdw blurRad="40000" dist="20000" dir="5400000" rotWithShape="0">
+              <a:srgbClr val="000000">
+                <a:alpha val="38000"/>
+              </a:srgbClr>
+            </a:outerShdw>
+          </a:effectLst>
+        </a:effectStyle>
+        <a:effectStyle>
+          <a:effectLst>
+            <a:outerShdw blurRad="40000" dist="23000" dir="5400000" rotWithShape="0">
+              <a:srgbClr val="000000">
+                <a:alpha val="35000"/>
+              </a:srgbClr>
+            </a:outerShdw>
+          </a:effectLst>
+        </a:effectStyle>
+        <a:effectStyle>
+          <a:effectLst>
+            <a:outerShdw blurRad="40000" dist="23000" dir="5400000" rotWithShape="0">
+              <a:srgbClr val="000000">
+                <a:alpha val="35000"/>
+              </a:srgbClr>
+            </a:outerShdw>
+          </a:effectLst>
+          <a:scene3d>
+            <a:camera prst="orthographicFront">
+              <a:rot lat="0" lon="0" rev="0"/>
+            </a:camera>
+            <a:lightRig rig="threePt" dir="t">
+              <a:rot lat="0" lon="0" rev="1200000"/>
+            </a:lightRig>
+          </a:scene3d>
+          <a:sp3d>
+            <a:bevelT w="63500" h="25400"/>
+          </a:sp3d>
+        </a:effectStyle>
+      </a:effectStyleLst>
+      <a:bgFillStyleLst>
+        <a:solidFill>
+          <a:schemeClr val="phClr"/>
+        </a:solidFill>
+        <a:gradFill rotWithShape="1">
+          <a:gsLst>
+            <a:gs pos="0">
+              <a:schemeClr val="phClr">
+                <a:tint val="40000"/>
+                <a:satMod val="350000"/>
+              </a:schemeClr>
+            </a:gs>
+            <a:gs pos="40000">
+              <a:schemeClr val="phClr">
+                <a:tint val="45000"/>
+                <a:shade val="99000"/>
+                <a:satMod val="350000"/>
+              </a:schemeClr>
+            </a:gs>
+            <a:gs pos="100000">
+              <a:schemeClr val="phClr">
+                <a:shade val="20000"/>
+                <a:satMod val="255000"/>
+              </a:schemeClr>
+            </a:gs>
+          </a:gsLst>
+          <a:path path="circle">
+            <a:fillToRect l="50000" t="-80000" r="50000" b="180000"/>
+          </a:path>
+        </a:gradFill>
+        <a:gradFill rotWithShape="1">
+          <a:gsLst>
+            <a:gs pos="0">
+              <a:schemeClr val="phClr">
+                <a:tint val="80000"/>
+                <a:satMod val="300000"/>
+              </a:schemeClr>
+            </a:gs>
+            <a:gs pos="100000">
+              <a:schemeClr val="phClr">
+                <a:shade val="30000"/>
+                <a:satMod val="200000"/>
+              </a:schemeClr>
+            </a:gs>
+          </a:gsLst>
+          <a:path path="circle">
+            <a:fillToRect l="50000" t="50000" r="50000" b="50000"/>
+          </a:path>
+        </a:gradFill>
+      </a:bgFillStyleLst>
+    </a:fmtScheme>
+  </a:themeElements>
+  <a:objectDefaults/>
+  <a:extraClrSchemeLst/>
+</a:theme>
 </file>
--- a/Project1-Presentation-Ben-Keeper.pptx
+++ b/Project1-Presentation-Ben-Keeper.pptx
@@ -5,29 +5,26 @@
     <p:sldMasterId id="2147483648" r:id="rId1"/>
   </p:sldMasterIdLst>
   <p:notesMasterIdLst>
-    <p:notesMasterId r:id="rId22"/>
+    <p:notesMasterId r:id="rId19"/>
   </p:notesMasterIdLst>
   <p:sldIdLst>
     <p:sldId id="256" r:id="rId2"/>
     <p:sldId id="257" r:id="rId3"/>
-    <p:sldId id="258" r:id="rId4"/>
-    <p:sldId id="259" r:id="rId5"/>
-    <p:sldId id="260" r:id="rId6"/>
-    <p:sldId id="261" r:id="rId7"/>
-    <p:sldId id="262" r:id="rId8"/>
-    <p:sldId id="263" r:id="rId9"/>
-    <p:sldId id="264" r:id="rId10"/>
-    <p:sldId id="265" r:id="rId11"/>
-    <p:sldId id="266" r:id="rId12"/>
-    <p:sldId id="267" r:id="rId13"/>
-    <p:sldId id="268" r:id="rId14"/>
-    <p:sldId id="269" r:id="rId15"/>
-    <p:sldId id="270" r:id="rId16"/>
-    <p:sldId id="272" r:id="rId17"/>
-    <p:sldId id="271" r:id="rId18"/>
-    <p:sldId id="273" r:id="rId19"/>
-    <p:sldId id="274" r:id="rId20"/>
-    <p:sldId id="275" r:id="rId21"/>
+    <p:sldId id="260" r:id="rId4"/>
+    <p:sldId id="263" r:id="rId5"/>
+    <p:sldId id="265" r:id="rId6"/>
+    <p:sldId id="267" r:id="rId7"/>
+    <p:sldId id="268" r:id="rId8"/>
+    <p:sldId id="269" r:id="rId9"/>
+    <p:sldId id="270" r:id="rId10"/>
+    <p:sldId id="272" r:id="rId11"/>
+    <p:sldId id="259" r:id="rId12"/>
+    <p:sldId id="271" r:id="rId13"/>
+    <p:sldId id="261" r:id="rId14"/>
+    <p:sldId id="262" r:id="rId15"/>
+    <p:sldId id="273" r:id="rId16"/>
+    <p:sldId id="264" r:id="rId17"/>
+    <p:sldId id="266" r:id="rId18"/>
   </p:sldIdLst>
   <p:sldSz cx="9144000" cy="6858000" type="screen4x3"/>
   <p:notesSz cx="6858000" cy="9144000"/>
@@ -272,11 +269,11 @@
           <c:showBubbleSize val="0"/>
         </c:dLbls>
         <c:gapWidth val="150"/>
-        <c:axId val="184657024"/>
-        <c:axId val="184658944"/>
+        <c:axId val="191542400"/>
+        <c:axId val="191544320"/>
       </c:barChart>
       <c:catAx>
-        <c:axId val="184657024"/>
+        <c:axId val="191542400"/>
         <c:scaling>
           <c:orientation val="minMax"/>
         </c:scaling>
@@ -309,7 +306,7 @@
         <c:majorTickMark val="out"/>
         <c:minorTickMark val="none"/>
         <c:tickLblPos val="nextTo"/>
-        <c:crossAx val="184658944"/>
+        <c:crossAx val="191544320"/>
         <c:crosses val="autoZero"/>
         <c:auto val="1"/>
         <c:lblAlgn val="ctr"/>
@@ -317,7 +314,7 @@
         <c:noMultiLvlLbl val="0"/>
       </c:catAx>
       <c:valAx>
-        <c:axId val="184658944"/>
+        <c:axId val="191544320"/>
         <c:scaling>
           <c:orientation val="minMax"/>
         </c:scaling>
@@ -351,7 +348,7 @@
         <c:majorTickMark val="out"/>
         <c:minorTickMark val="none"/>
         <c:tickLblPos val="nextTo"/>
-        <c:crossAx val="184657024"/>
+        <c:crossAx val="191542400"/>
         <c:crosses val="autoZero"/>
         <c:crossBetween val="between"/>
       </c:valAx>
@@ -517,277 +514,6 @@
 </file>
 
 <file path=ppt/charts/chart3.xml><?xml version="1.0" encoding="utf-8"?>
-<c:chartSpace xmlns:c="http://schemas.openxmlformats.org/drawingml/2006/chart" xmlns:a="http://schemas.openxmlformats.org/drawingml/2006/main" xmlns:r="http://schemas.openxmlformats.org/officeDocument/2006/relationships">
-  <c:date1904 val="0"/>
-  <c:lang val="en-US"/>
-  <c:roundedCorners val="0"/>
-  <mc:AlternateContent xmlns:mc="http://schemas.openxmlformats.org/markup-compatibility/2006">
-    <mc:Choice xmlns:c14="http://schemas.microsoft.com/office/drawing/2007/8/2/chart" Requires="c14">
-      <c14:style val="102"/>
-    </mc:Choice>
-    <mc:Fallback>
-      <c:style val="2"/>
-    </mc:Fallback>
-  </mc:AlternateContent>
-  <c:chart>
-    <c:title>
-      <c:tx>
-        <c:rich>
-          <a:bodyPr/>
-          <a:lstStyle/>
-          <a:p>
-            <a:pPr>
-              <a:defRPr/>
-            </a:pPr>
-            <a:r>
-              <a:rPr lang="en-US" sz="1400" dirty="0"/>
-              <a:t>Normalized</a:t>
-            </a:r>
-            <a:r>
-              <a:rPr lang="en-US" sz="1400" baseline="0" dirty="0"/>
-              <a:t> % Difference in the GPI </a:t>
-            </a:r>
-            <a:r>
-              <a:rPr lang="en-US" sz="1400" baseline="0" dirty="0" smtClean="0"/>
-              <a:t>for </a:t>
-            </a:r>
-            <a:r>
-              <a:rPr lang="en-US" sz="1400" baseline="0" dirty="0"/>
-              <a:t>Each Pair of </a:t>
-            </a:r>
-            <a:r>
-              <a:rPr lang="en-US" sz="1400" baseline="0" dirty="0" smtClean="0"/>
-              <a:t>Years (United States Primary Education)</a:t>
-            </a:r>
-            <a:endParaRPr lang="en-US" sz="1400" dirty="0"/>
-          </a:p>
-        </c:rich>
-      </c:tx>
-      <c:layout/>
-      <c:overlay val="0"/>
-    </c:title>
-    <c:autoTitleDeleted val="0"/>
-    <c:plotArea>
-      <c:layout/>
-      <c:scatterChart>
-        <c:scatterStyle val="lineMarker"/>
-        <c:varyColors val="0"/>
-        <c:ser>
-          <c:idx val="0"/>
-          <c:order val="0"/>
-          <c:spPr>
-            <a:ln w="28575">
-              <a:noFill/>
-            </a:ln>
-          </c:spPr>
-          <c:xVal>
-            <c:numRef>
-              <c:f>Question2!$B$3:$B$18</c:f>
-              <c:numCache>
-                <c:formatCode>General</c:formatCode>
-                <c:ptCount val="16"/>
-                <c:pt idx="0">
-                  <c:v>2000.5</c:v>
-                </c:pt>
-                <c:pt idx="1">
-                  <c:v>2001.5</c:v>
-                </c:pt>
-                <c:pt idx="2">
-                  <c:v>2002.5</c:v>
-                </c:pt>
-                <c:pt idx="3">
-                  <c:v>2003.5</c:v>
-                </c:pt>
-                <c:pt idx="4">
-                  <c:v>2004.5</c:v>
-                </c:pt>
-                <c:pt idx="5">
-                  <c:v>2005.5</c:v>
-                </c:pt>
-                <c:pt idx="6">
-                  <c:v>2006.5</c:v>
-                </c:pt>
-                <c:pt idx="7">
-                  <c:v>2007.5</c:v>
-                </c:pt>
-                <c:pt idx="8">
-                  <c:v>2008.5</c:v>
-                </c:pt>
-                <c:pt idx="9">
-                  <c:v>2009.5</c:v>
-                </c:pt>
-                <c:pt idx="10">
-                  <c:v>2010.5</c:v>
-                </c:pt>
-                <c:pt idx="11">
-                  <c:v>2011.5</c:v>
-                </c:pt>
-                <c:pt idx="12">
-                  <c:v>2012.5</c:v>
-                </c:pt>
-                <c:pt idx="13">
-                  <c:v>2013.5</c:v>
-                </c:pt>
-                <c:pt idx="14">
-                  <c:v>2014.5</c:v>
-                </c:pt>
-                <c:pt idx="15">
-                  <c:v>2015.5</c:v>
-                </c:pt>
-              </c:numCache>
-            </c:numRef>
-          </c:xVal>
-          <c:yVal>
-            <c:numRef>
-              <c:f>Question2!$C$3:$C$18</c:f>
-              <c:numCache>
-                <c:formatCode>General</c:formatCode>
-                <c:ptCount val="16"/>
-                <c:pt idx="0">
-                  <c:v>1.3240000000000001</c:v>
-                </c:pt>
-                <c:pt idx="1">
-                  <c:v>1.1519999999999999</c:v>
-                </c:pt>
-                <c:pt idx="2">
-                  <c:v>-0.622</c:v>
-                </c:pt>
-                <c:pt idx="3">
-                  <c:v>-0.71399999999999997</c:v>
-                </c:pt>
-                <c:pt idx="4">
-                  <c:v>-0.66500000000000004</c:v>
-                </c:pt>
-                <c:pt idx="5">
-                  <c:v>1.827</c:v>
-                </c:pt>
-                <c:pt idx="6">
-                  <c:v>-1.0309999999999999</c:v>
-                </c:pt>
-                <c:pt idx="7">
-                  <c:v>0.52700000000000002</c:v>
-                </c:pt>
-                <c:pt idx="8">
-                  <c:v>0.193</c:v>
-                </c:pt>
-                <c:pt idx="9">
-                  <c:v>-1.486</c:v>
-                </c:pt>
-                <c:pt idx="10">
-                  <c:v>1.3420000000000001</c:v>
-                </c:pt>
-                <c:pt idx="11">
-                  <c:v>-2.089</c:v>
-                </c:pt>
-                <c:pt idx="12">
-                  <c:v>0.57599999999999996</c:v>
-                </c:pt>
-                <c:pt idx="13">
-                  <c:v>0.40600000000000003</c:v>
-                </c:pt>
-                <c:pt idx="14">
-                  <c:v>0.38400000000000001</c:v>
-                </c:pt>
-              </c:numCache>
-            </c:numRef>
-          </c:yVal>
-          <c:smooth val="0"/>
-        </c:ser>
-        <c:dLbls>
-          <c:showLegendKey val="0"/>
-          <c:showVal val="0"/>
-          <c:showCatName val="0"/>
-          <c:showSerName val="0"/>
-          <c:showPercent val="0"/>
-          <c:showBubbleSize val="0"/>
-        </c:dLbls>
-        <c:axId val="186541184"/>
-        <c:axId val="186798848"/>
-      </c:scatterChart>
-      <c:valAx>
-        <c:axId val="186541184"/>
-        <c:scaling>
-          <c:orientation val="minMax"/>
-          <c:max val="2016"/>
-          <c:min val="2000"/>
-        </c:scaling>
-        <c:delete val="0"/>
-        <c:axPos val="b"/>
-        <c:numFmt formatCode="General" sourceLinked="1"/>
-        <c:majorTickMark val="out"/>
-        <c:minorTickMark val="none"/>
-        <c:tickLblPos val="nextTo"/>
-        <c:txPr>
-          <a:bodyPr rot="60000"/>
-          <a:lstStyle/>
-          <a:p>
-            <a:pPr>
-              <a:defRPr/>
-            </a:pPr>
-            <a:endParaRPr lang="en-US"/>
-          </a:p>
-        </c:txPr>
-        <c:crossAx val="186798848"/>
-        <c:crosses val="autoZero"/>
-        <c:crossBetween val="midCat"/>
-        <c:majorUnit val="1"/>
-      </c:valAx>
-      <c:valAx>
-        <c:axId val="186798848"/>
-        <c:scaling>
-          <c:orientation val="minMax"/>
-          <c:max val="2.2000000000000002"/>
-          <c:min val="-2.2000000000000002"/>
-        </c:scaling>
-        <c:delete val="0"/>
-        <c:axPos val="l"/>
-        <c:title>
-          <c:tx>
-            <c:rich>
-              <a:bodyPr rot="-5400000" vert="horz"/>
-              <a:lstStyle/>
-              <a:p>
-                <a:pPr>
-                  <a:defRPr/>
-                </a:pPr>
-                <a:r>
-                  <a:rPr lang="en-US" sz="1200" dirty="0"/>
-                  <a:t>% Difference for each Pair of Years </a:t>
-                </a:r>
-              </a:p>
-            </c:rich>
-          </c:tx>
-          <c:layout/>
-          <c:overlay val="0"/>
-        </c:title>
-        <c:numFmt formatCode="General" sourceLinked="1"/>
-        <c:majorTickMark val="out"/>
-        <c:minorTickMark val="none"/>
-        <c:tickLblPos val="nextTo"/>
-        <c:crossAx val="186541184"/>
-        <c:crosses val="autoZero"/>
-        <c:crossBetween val="midCat"/>
-        <c:majorUnit val="0.2"/>
-      </c:valAx>
-    </c:plotArea>
-    <c:plotVisOnly val="1"/>
-    <c:dispBlanksAs val="gap"/>
-    <c:showDLblsOverMax val="0"/>
-  </c:chart>
-  <c:spPr>
-    <a:ln>
-      <a:solidFill>
-        <a:schemeClr val="tx1"/>
-      </a:solidFill>
-    </a:ln>
-  </c:spPr>
-  <c:externalData r:id="rId1">
-    <c:autoUpdate val="0"/>
-  </c:externalData>
-</c:chartSpace>
-</file>
-
-<file path=ppt/charts/chart4.xml><?xml version="1.0" encoding="utf-8"?>
 <c:chartSpace xmlns:c="http://schemas.openxmlformats.org/drawingml/2006/chart" xmlns:a="http://schemas.openxmlformats.org/drawingml/2006/main" xmlns:r="http://schemas.openxmlformats.org/officeDocument/2006/relationships">
   <c:date1904 val="0"/>
   <c:lang val="en-US"/>
@@ -1034,11 +760,11 @@
           <c:showBubbleSize val="0"/>
         </c:dLbls>
         <c:gapWidth val="150"/>
-        <c:axId val="129504768"/>
-        <c:axId val="129506688"/>
+        <c:axId val="135881472"/>
+        <c:axId val="135883392"/>
       </c:barChart>
       <c:catAx>
-        <c:axId val="129504768"/>
+        <c:axId val="135881472"/>
         <c:scaling>
           <c:orientation val="minMax"/>
         </c:scaling>
@@ -1071,7 +797,7 @@
         <c:majorTickMark val="out"/>
         <c:minorTickMark val="none"/>
         <c:tickLblPos val="nextTo"/>
-        <c:crossAx val="129506688"/>
+        <c:crossAx val="135883392"/>
         <c:crosses val="autoZero"/>
         <c:auto val="1"/>
         <c:lblAlgn val="ctr"/>
@@ -1079,7 +805,7 @@
         <c:noMultiLvlLbl val="0"/>
       </c:catAx>
       <c:valAx>
-        <c:axId val="129506688"/>
+        <c:axId val="135883392"/>
         <c:scaling>
           <c:orientation val="minMax"/>
           <c:max val="100"/>
@@ -1121,7 +847,7 @@
         <c:majorTickMark val="out"/>
         <c:minorTickMark val="none"/>
         <c:tickLblPos val="nextTo"/>
-        <c:crossAx val="129504768"/>
+        <c:crossAx val="135881472"/>
         <c:crosses val="autoZero"/>
         <c:crossBetween val="between"/>
         <c:majorUnit val="5"/>
@@ -1145,7 +871,7 @@
 </c:chartSpace>
 </file>
 
-<file path=ppt/charts/chart5.xml><?xml version="1.0" encoding="utf-8"?>
+<file path=ppt/charts/chart4.xml><?xml version="1.0" encoding="utf-8"?>
 <c:chartSpace xmlns:c="http://schemas.openxmlformats.org/drawingml/2006/chart" xmlns:a="http://schemas.openxmlformats.org/drawingml/2006/main" xmlns:r="http://schemas.openxmlformats.org/officeDocument/2006/relationships">
   <c:date1904 val="0"/>
   <c:lang val="en-US"/>
@@ -1367,11 +1093,11 @@
           <c:showBubbleSize val="0"/>
         </c:dLbls>
         <c:gapWidth val="150"/>
-        <c:axId val="184499584"/>
-        <c:axId val="184632832"/>
+        <c:axId val="191380864"/>
+        <c:axId val="191518208"/>
       </c:barChart>
       <c:catAx>
-        <c:axId val="184499584"/>
+        <c:axId val="191380864"/>
         <c:scaling>
           <c:orientation val="minMax"/>
         </c:scaling>
@@ -1404,7 +1130,7 @@
         <c:majorTickMark val="out"/>
         <c:minorTickMark val="none"/>
         <c:tickLblPos val="nextTo"/>
-        <c:crossAx val="184632832"/>
+        <c:crossAx val="191518208"/>
         <c:crosses val="autoZero"/>
         <c:auto val="1"/>
         <c:lblAlgn val="ctr"/>
@@ -1412,7 +1138,7 @@
         <c:noMultiLvlLbl val="0"/>
       </c:catAx>
       <c:valAx>
-        <c:axId val="184632832"/>
+        <c:axId val="191518208"/>
         <c:scaling>
           <c:orientation val="minMax"/>
           <c:max val="100"/>
@@ -1454,7 +1180,7 @@
         <c:majorTickMark val="out"/>
         <c:minorTickMark val="none"/>
         <c:tickLblPos val="nextTo"/>
-        <c:crossAx val="184499584"/>
+        <c:crossAx val="191380864"/>
         <c:crosses val="autoZero"/>
         <c:crossBetween val="between"/>
         <c:majorUnit val="5"/>
@@ -1476,800 +1202,6 @@
     <c:autoUpdate val="0"/>
   </c:externalData>
   <c:userShapes r:id="rId2"/>
-</c:chartSpace>
-</file>
-
-<file path=ppt/charts/chart6.xml><?xml version="1.0" encoding="utf-8"?>
-<c:chartSpace xmlns:c="http://schemas.openxmlformats.org/drawingml/2006/chart" xmlns:a="http://schemas.openxmlformats.org/drawingml/2006/main" xmlns:r="http://schemas.openxmlformats.org/officeDocument/2006/relationships">
-  <c:date1904 val="0"/>
-  <c:lang val="en-US"/>
-  <c:roundedCorners val="0"/>
-  <mc:AlternateContent xmlns:mc="http://schemas.openxmlformats.org/markup-compatibility/2006">
-    <mc:Choice xmlns:c14="http://schemas.microsoft.com/office/drawing/2007/8/2/chart" Requires="c14">
-      <c14:style val="102"/>
-    </mc:Choice>
-    <mc:Fallback>
-      <c:style val="2"/>
-    </mc:Fallback>
-  </mc:AlternateContent>
-  <c:chart>
-    <c:title>
-      <c:tx>
-        <c:rich>
-          <a:bodyPr/>
-          <a:lstStyle/>
-          <a:p>
-            <a:pPr>
-              <a:defRPr/>
-            </a:pPr>
-            <a:r>
-              <a:rPr lang="en-US" sz="1400"/>
-              <a:t>Normalized</a:t>
-            </a:r>
-            <a:r>
-              <a:rPr lang="en-US" sz="1400" baseline="0"/>
-              <a:t> % Difference in the GPI for Each Pair of Years (U.S. Primary + Secondary Education)</a:t>
-            </a:r>
-            <a:endParaRPr lang="en-US" sz="1400"/>
-          </a:p>
-        </c:rich>
-      </c:tx>
-      <c:layout/>
-      <c:overlay val="0"/>
-    </c:title>
-    <c:autoTitleDeleted val="0"/>
-    <c:plotArea>
-      <c:layout/>
-      <c:scatterChart>
-        <c:scatterStyle val="lineMarker"/>
-        <c:varyColors val="0"/>
-        <c:ser>
-          <c:idx val="0"/>
-          <c:order val="0"/>
-          <c:spPr>
-            <a:ln w="28575">
-              <a:noFill/>
-            </a:ln>
-          </c:spPr>
-          <c:xVal>
-            <c:numRef>
-              <c:f>Question2!$B$3:$B$18</c:f>
-              <c:numCache>
-                <c:formatCode>General</c:formatCode>
-                <c:ptCount val="16"/>
-                <c:pt idx="0">
-                  <c:v>2000.5</c:v>
-                </c:pt>
-                <c:pt idx="1">
-                  <c:v>2001.5</c:v>
-                </c:pt>
-                <c:pt idx="2">
-                  <c:v>2002.5</c:v>
-                </c:pt>
-                <c:pt idx="3">
-                  <c:v>2003.5</c:v>
-                </c:pt>
-                <c:pt idx="4">
-                  <c:v>2004.5</c:v>
-                </c:pt>
-                <c:pt idx="5">
-                  <c:v>2005.5</c:v>
-                </c:pt>
-                <c:pt idx="6">
-                  <c:v>2006.5</c:v>
-                </c:pt>
-                <c:pt idx="7">
-                  <c:v>2007.5</c:v>
-                </c:pt>
-                <c:pt idx="8">
-                  <c:v>2008.5</c:v>
-                </c:pt>
-                <c:pt idx="9">
-                  <c:v>2009.5</c:v>
-                </c:pt>
-                <c:pt idx="10">
-                  <c:v>2010.5</c:v>
-                </c:pt>
-                <c:pt idx="11">
-                  <c:v>2011.5</c:v>
-                </c:pt>
-                <c:pt idx="12">
-                  <c:v>2012.5</c:v>
-                </c:pt>
-                <c:pt idx="13">
-                  <c:v>2013.5</c:v>
-                </c:pt>
-                <c:pt idx="14">
-                  <c:v>2014.5</c:v>
-                </c:pt>
-                <c:pt idx="15">
-                  <c:v>2015.5</c:v>
-                </c:pt>
-              </c:numCache>
-            </c:numRef>
-          </c:xVal>
-          <c:yVal>
-            <c:numRef>
-              <c:f>Question2!$D$3:$D$18</c:f>
-              <c:numCache>
-                <c:formatCode>General</c:formatCode>
-                <c:ptCount val="16"/>
-                <c:pt idx="0">
-                  <c:v>0.80500000000000005</c:v>
-                </c:pt>
-                <c:pt idx="1">
-                  <c:v>-0.44600000000000001</c:v>
-                </c:pt>
-                <c:pt idx="2">
-                  <c:v>0.28999999999999998</c:v>
-                </c:pt>
-                <c:pt idx="3">
-                  <c:v>0.65600000000000003</c:v>
-                </c:pt>
-                <c:pt idx="4">
-                  <c:v>-0.32300000000000001</c:v>
-                </c:pt>
-                <c:pt idx="5">
-                  <c:v>-0.252</c:v>
-                </c:pt>
-                <c:pt idx="6">
-                  <c:v>8.9999999999999993E-3</c:v>
-                </c:pt>
-                <c:pt idx="7">
-                  <c:v>-0.371</c:v>
-                </c:pt>
-                <c:pt idx="8">
-                  <c:v>0.995</c:v>
-                </c:pt>
-                <c:pt idx="9">
-                  <c:v>-0.89800000000000002</c:v>
-                </c:pt>
-                <c:pt idx="10">
-                  <c:v>0.38700000000000001</c:v>
-                </c:pt>
-                <c:pt idx="11">
-                  <c:v>-1.0249999999999999</c:v>
-                </c:pt>
-                <c:pt idx="12">
-                  <c:v>0.114</c:v>
-                </c:pt>
-                <c:pt idx="13">
-                  <c:v>0.65300000000000002</c:v>
-                </c:pt>
-              </c:numCache>
-            </c:numRef>
-          </c:yVal>
-          <c:smooth val="0"/>
-        </c:ser>
-        <c:dLbls>
-          <c:showLegendKey val="0"/>
-          <c:showVal val="0"/>
-          <c:showCatName val="0"/>
-          <c:showSerName val="0"/>
-          <c:showPercent val="0"/>
-          <c:showBubbleSize val="0"/>
-        </c:dLbls>
-        <c:axId val="184573312"/>
-        <c:axId val="184583296"/>
-      </c:scatterChart>
-      <c:valAx>
-        <c:axId val="184573312"/>
-        <c:scaling>
-          <c:orientation val="minMax"/>
-          <c:max val="2016"/>
-          <c:min val="2000"/>
-        </c:scaling>
-        <c:delete val="0"/>
-        <c:axPos val="b"/>
-        <c:numFmt formatCode="General" sourceLinked="1"/>
-        <c:majorTickMark val="out"/>
-        <c:minorTickMark val="none"/>
-        <c:tickLblPos val="nextTo"/>
-        <c:txPr>
-          <a:bodyPr rot="60000"/>
-          <a:lstStyle/>
-          <a:p>
-            <a:pPr>
-              <a:defRPr/>
-            </a:pPr>
-            <a:endParaRPr lang="en-US"/>
-          </a:p>
-        </c:txPr>
-        <c:crossAx val="184583296"/>
-        <c:crosses val="autoZero"/>
-        <c:crossBetween val="midCat"/>
-        <c:majorUnit val="1"/>
-      </c:valAx>
-      <c:valAx>
-        <c:axId val="184583296"/>
-        <c:scaling>
-          <c:orientation val="minMax"/>
-          <c:max val="1.2"/>
-          <c:min val="-1.2"/>
-        </c:scaling>
-        <c:delete val="0"/>
-        <c:axPos val="l"/>
-        <c:title>
-          <c:tx>
-            <c:rich>
-              <a:bodyPr rot="-5400000" vert="horz"/>
-              <a:lstStyle/>
-              <a:p>
-                <a:pPr>
-                  <a:defRPr/>
-                </a:pPr>
-                <a:r>
-                  <a:rPr lang="en-US" sz="1400" dirty="0"/>
-                  <a:t>% Difference for each Pair of </a:t>
-                </a:r>
-                <a:r>
-                  <a:rPr lang="en-US" sz="1400" dirty="0" smtClean="0"/>
-                  <a:t>Years</a:t>
-                </a:r>
-                <a:endParaRPr lang="en-US" sz="1400" dirty="0"/>
-              </a:p>
-            </c:rich>
-          </c:tx>
-          <c:layout/>
-          <c:overlay val="0"/>
-        </c:title>
-        <c:numFmt formatCode="General" sourceLinked="1"/>
-        <c:majorTickMark val="out"/>
-        <c:minorTickMark val="none"/>
-        <c:tickLblPos val="nextTo"/>
-        <c:crossAx val="184573312"/>
-        <c:crosses val="autoZero"/>
-        <c:crossBetween val="midCat"/>
-        <c:majorUnit val="0.2"/>
-      </c:valAx>
-    </c:plotArea>
-    <c:plotVisOnly val="1"/>
-    <c:dispBlanksAs val="gap"/>
-    <c:showDLblsOverMax val="0"/>
-  </c:chart>
-  <c:spPr>
-    <a:ln>
-      <a:solidFill>
-        <a:schemeClr val="tx1"/>
-      </a:solidFill>
-    </a:ln>
-  </c:spPr>
-  <c:externalData r:id="rId1">
-    <c:autoUpdate val="0"/>
-  </c:externalData>
-</c:chartSpace>
-</file>
-
-<file path=ppt/charts/chart7.xml><?xml version="1.0" encoding="utf-8"?>
-<c:chartSpace xmlns:c="http://schemas.openxmlformats.org/drawingml/2006/chart" xmlns:a="http://schemas.openxmlformats.org/drawingml/2006/main" xmlns:r="http://schemas.openxmlformats.org/officeDocument/2006/relationships">
-  <c:date1904 val="0"/>
-  <c:lang val="en-US"/>
-  <c:roundedCorners val="0"/>
-  <mc:AlternateContent xmlns:mc="http://schemas.openxmlformats.org/markup-compatibility/2006">
-    <mc:Choice xmlns:c14="http://schemas.microsoft.com/office/drawing/2007/8/2/chart" Requires="c14">
-      <c14:style val="102"/>
-    </mc:Choice>
-    <mc:Fallback>
-      <c:style val="2"/>
-    </mc:Fallback>
-  </mc:AlternateContent>
-  <c:chart>
-    <c:title>
-      <c:tx>
-        <c:rich>
-          <a:bodyPr/>
-          <a:lstStyle/>
-          <a:p>
-            <a:pPr>
-              <a:defRPr/>
-            </a:pPr>
-            <a:r>
-              <a:rPr lang="en-US" sz="1400" dirty="0"/>
-              <a:t>Normalized</a:t>
-            </a:r>
-            <a:r>
-              <a:rPr lang="en-US" sz="1400" baseline="0" dirty="0"/>
-              <a:t> % Difference in the GPI for Each Pair of Years (U.S. Secondary Education)</a:t>
-            </a:r>
-            <a:endParaRPr lang="en-US" sz="1400" dirty="0"/>
-          </a:p>
-        </c:rich>
-      </c:tx>
-      <c:layout/>
-      <c:overlay val="0"/>
-    </c:title>
-    <c:autoTitleDeleted val="0"/>
-    <c:plotArea>
-      <c:layout/>
-      <c:scatterChart>
-        <c:scatterStyle val="lineMarker"/>
-        <c:varyColors val="0"/>
-        <c:ser>
-          <c:idx val="0"/>
-          <c:order val="0"/>
-          <c:spPr>
-            <a:ln w="28575">
-              <a:noFill/>
-            </a:ln>
-          </c:spPr>
-          <c:xVal>
-            <c:numRef>
-              <c:f>Question2!$B$3:$B$18</c:f>
-              <c:numCache>
-                <c:formatCode>General</c:formatCode>
-                <c:ptCount val="16"/>
-                <c:pt idx="0">
-                  <c:v>2000.5</c:v>
-                </c:pt>
-                <c:pt idx="1">
-                  <c:v>2001.5</c:v>
-                </c:pt>
-                <c:pt idx="2">
-                  <c:v>2002.5</c:v>
-                </c:pt>
-                <c:pt idx="3">
-                  <c:v>2003.5</c:v>
-                </c:pt>
-                <c:pt idx="4">
-                  <c:v>2004.5</c:v>
-                </c:pt>
-                <c:pt idx="5">
-                  <c:v>2005.5</c:v>
-                </c:pt>
-                <c:pt idx="6">
-                  <c:v>2006.5</c:v>
-                </c:pt>
-                <c:pt idx="7">
-                  <c:v>2007.5</c:v>
-                </c:pt>
-                <c:pt idx="8">
-                  <c:v>2008.5</c:v>
-                </c:pt>
-                <c:pt idx="9">
-                  <c:v>2009.5</c:v>
-                </c:pt>
-                <c:pt idx="10">
-                  <c:v>2010.5</c:v>
-                </c:pt>
-                <c:pt idx="11">
-                  <c:v>2011.5</c:v>
-                </c:pt>
-                <c:pt idx="12">
-                  <c:v>2012.5</c:v>
-                </c:pt>
-                <c:pt idx="13">
-                  <c:v>2013.5</c:v>
-                </c:pt>
-                <c:pt idx="14">
-                  <c:v>2014.5</c:v>
-                </c:pt>
-                <c:pt idx="15">
-                  <c:v>2015.5</c:v>
-                </c:pt>
-              </c:numCache>
-            </c:numRef>
-          </c:xVal>
-          <c:yVal>
-            <c:numRef>
-              <c:f>Question2!$E$3:$E$18</c:f>
-              <c:numCache>
-                <c:formatCode>General</c:formatCode>
-                <c:ptCount val="16"/>
-                <c:pt idx="0">
-                  <c:v>0.217</c:v>
-                </c:pt>
-                <c:pt idx="1">
-                  <c:v>-2.1779999999999999</c:v>
-                </c:pt>
-                <c:pt idx="2">
-                  <c:v>1.2649999999999999</c:v>
-                </c:pt>
-                <c:pt idx="3">
-                  <c:v>2.044</c:v>
-                </c:pt>
-                <c:pt idx="4">
-                  <c:v>-1.2999999999999999E-2</c:v>
-                </c:pt>
-                <c:pt idx="5">
-                  <c:v>-2.339</c:v>
-                </c:pt>
-                <c:pt idx="6">
-                  <c:v>1.0449999999999999</c:v>
-                </c:pt>
-                <c:pt idx="7">
-                  <c:v>-1.2629999999999999</c:v>
-                </c:pt>
-                <c:pt idx="8">
-                  <c:v>1.8009999999999999</c:v>
-                </c:pt>
-                <c:pt idx="9">
-                  <c:v>-0.30199999999999999</c:v>
-                </c:pt>
-                <c:pt idx="10">
-                  <c:v>-0.57299999999999995</c:v>
-                </c:pt>
-                <c:pt idx="11">
-                  <c:v>5.3999999999999999E-2</c:v>
-                </c:pt>
-                <c:pt idx="12">
-                  <c:v>-0.34100000000000003</c:v>
-                </c:pt>
-                <c:pt idx="13">
-                  <c:v>0.91300000000000003</c:v>
-                </c:pt>
-              </c:numCache>
-            </c:numRef>
-          </c:yVal>
-          <c:smooth val="0"/>
-        </c:ser>
-        <c:dLbls>
-          <c:showLegendKey val="0"/>
-          <c:showVal val="0"/>
-          <c:showCatName val="0"/>
-          <c:showSerName val="0"/>
-          <c:showPercent val="0"/>
-          <c:showBubbleSize val="0"/>
-        </c:dLbls>
-        <c:axId val="183897088"/>
-        <c:axId val="183907072"/>
-      </c:scatterChart>
-      <c:valAx>
-        <c:axId val="183897088"/>
-        <c:scaling>
-          <c:orientation val="minMax"/>
-          <c:max val="2016"/>
-          <c:min val="2000"/>
-        </c:scaling>
-        <c:delete val="0"/>
-        <c:axPos val="b"/>
-        <c:numFmt formatCode="General" sourceLinked="1"/>
-        <c:majorTickMark val="out"/>
-        <c:minorTickMark val="none"/>
-        <c:tickLblPos val="nextTo"/>
-        <c:txPr>
-          <a:bodyPr rot="-5400000" vert="horz"/>
-          <a:lstStyle/>
-          <a:p>
-            <a:pPr>
-              <a:defRPr/>
-            </a:pPr>
-            <a:endParaRPr lang="en-US"/>
-          </a:p>
-        </c:txPr>
-        <c:crossAx val="183907072"/>
-        <c:crosses val="autoZero"/>
-        <c:crossBetween val="midCat"/>
-        <c:majorUnit val="1"/>
-      </c:valAx>
-      <c:valAx>
-        <c:axId val="183907072"/>
-        <c:scaling>
-          <c:orientation val="minMax"/>
-          <c:min val="-2.5"/>
-        </c:scaling>
-        <c:delete val="0"/>
-        <c:axPos val="l"/>
-        <c:title>
-          <c:tx>
-            <c:rich>
-              <a:bodyPr rot="-5400000" vert="horz"/>
-              <a:lstStyle/>
-              <a:p>
-                <a:pPr>
-                  <a:defRPr/>
-                </a:pPr>
-                <a:r>
-                  <a:rPr lang="en-US" sz="1400" dirty="0"/>
-                  <a:t>% Difference for each Pair of </a:t>
-                </a:r>
-                <a:r>
-                  <a:rPr lang="en-US" sz="1400" dirty="0" smtClean="0"/>
-                  <a:t>Years</a:t>
-                </a:r>
-                <a:endParaRPr lang="en-US" sz="1400" dirty="0"/>
-              </a:p>
-            </c:rich>
-          </c:tx>
-          <c:layout/>
-          <c:overlay val="0"/>
-        </c:title>
-        <c:numFmt formatCode="General" sourceLinked="1"/>
-        <c:majorTickMark val="out"/>
-        <c:minorTickMark val="none"/>
-        <c:tickLblPos val="nextTo"/>
-        <c:crossAx val="183897088"/>
-        <c:crosses val="autoZero"/>
-        <c:crossBetween val="midCat"/>
-      </c:valAx>
-    </c:plotArea>
-    <c:plotVisOnly val="1"/>
-    <c:dispBlanksAs val="gap"/>
-    <c:showDLblsOverMax val="0"/>
-  </c:chart>
-  <c:spPr>
-    <a:ln>
-      <a:solidFill>
-        <a:schemeClr val="tx1"/>
-      </a:solidFill>
-    </a:ln>
-  </c:spPr>
-  <c:externalData r:id="rId1">
-    <c:autoUpdate val="0"/>
-  </c:externalData>
-</c:chartSpace>
-</file>
-
-<file path=ppt/charts/chart8.xml><?xml version="1.0" encoding="utf-8"?>
-<c:chartSpace xmlns:c="http://schemas.openxmlformats.org/drawingml/2006/chart" xmlns:a="http://schemas.openxmlformats.org/drawingml/2006/main" xmlns:r="http://schemas.openxmlformats.org/officeDocument/2006/relationships">
-  <c:date1904 val="0"/>
-  <c:lang val="en-US"/>
-  <c:roundedCorners val="0"/>
-  <mc:AlternateContent xmlns:mc="http://schemas.openxmlformats.org/markup-compatibility/2006">
-    <mc:Choice xmlns:c14="http://schemas.microsoft.com/office/drawing/2007/8/2/chart" Requires="c14">
-      <c14:style val="102"/>
-    </mc:Choice>
-    <mc:Fallback>
-      <c:style val="2"/>
-    </mc:Fallback>
-  </mc:AlternateContent>
-  <c:chart>
-    <c:title>
-      <c:tx>
-        <c:rich>
-          <a:bodyPr/>
-          <a:lstStyle/>
-          <a:p>
-            <a:pPr>
-              <a:defRPr/>
-            </a:pPr>
-            <a:r>
-              <a:rPr lang="en-US" sz="1400" dirty="0"/>
-              <a:t>Normalized</a:t>
-            </a:r>
-            <a:r>
-              <a:rPr lang="en-US" sz="1400" baseline="0" dirty="0"/>
-              <a:t> % Difference in the GPI </a:t>
-            </a:r>
-            <a:r>
-              <a:rPr lang="en-US" sz="1400" baseline="0" dirty="0" smtClean="0"/>
-              <a:t>for </a:t>
-            </a:r>
-            <a:r>
-              <a:rPr lang="en-US" sz="1400" baseline="0" dirty="0"/>
-              <a:t>Each Pair of </a:t>
-            </a:r>
-            <a:r>
-              <a:rPr lang="en-US" sz="1400" baseline="0" dirty="0" smtClean="0"/>
-              <a:t>Years (U.S. Secondary Education)</a:t>
-            </a:r>
-            <a:endParaRPr lang="en-US" sz="1400" dirty="0"/>
-          </a:p>
-        </c:rich>
-      </c:tx>
-      <c:layout/>
-      <c:overlay val="0"/>
-    </c:title>
-    <c:autoTitleDeleted val="0"/>
-    <c:plotArea>
-      <c:layout/>
-      <c:scatterChart>
-        <c:scatterStyle val="lineMarker"/>
-        <c:varyColors val="0"/>
-        <c:ser>
-          <c:idx val="0"/>
-          <c:order val="0"/>
-          <c:spPr>
-            <a:ln w="28575">
-              <a:noFill/>
-            </a:ln>
-          </c:spPr>
-          <c:xVal>
-            <c:numRef>
-              <c:f>Question2!$B$3:$B$18</c:f>
-              <c:numCache>
-                <c:formatCode>General</c:formatCode>
-                <c:ptCount val="16"/>
-                <c:pt idx="0">
-                  <c:v>2000.5</c:v>
-                </c:pt>
-                <c:pt idx="1">
-                  <c:v>2001.5</c:v>
-                </c:pt>
-                <c:pt idx="2">
-                  <c:v>2002.5</c:v>
-                </c:pt>
-                <c:pt idx="3">
-                  <c:v>2003.5</c:v>
-                </c:pt>
-                <c:pt idx="4">
-                  <c:v>2004.5</c:v>
-                </c:pt>
-                <c:pt idx="5">
-                  <c:v>2005.5</c:v>
-                </c:pt>
-                <c:pt idx="6">
-                  <c:v>2006.5</c:v>
-                </c:pt>
-                <c:pt idx="7">
-                  <c:v>2007.5</c:v>
-                </c:pt>
-                <c:pt idx="8">
-                  <c:v>2008.5</c:v>
-                </c:pt>
-                <c:pt idx="9">
-                  <c:v>2009.5</c:v>
-                </c:pt>
-                <c:pt idx="10">
-                  <c:v>2010.5</c:v>
-                </c:pt>
-                <c:pt idx="11">
-                  <c:v>2011.5</c:v>
-                </c:pt>
-                <c:pt idx="12">
-                  <c:v>2012.5</c:v>
-                </c:pt>
-                <c:pt idx="13">
-                  <c:v>2013.5</c:v>
-                </c:pt>
-                <c:pt idx="14">
-                  <c:v>2014.5</c:v>
-                </c:pt>
-                <c:pt idx="15">
-                  <c:v>2015.5</c:v>
-                </c:pt>
-              </c:numCache>
-            </c:numRef>
-          </c:xVal>
-          <c:yVal>
-            <c:numRef>
-              <c:f>Question2!$F$3:$F$18</c:f>
-              <c:numCache>
-                <c:formatCode>General</c:formatCode>
-                <c:ptCount val="16"/>
-                <c:pt idx="0">
-                  <c:v>0.35899999999999999</c:v>
-                </c:pt>
-                <c:pt idx="1">
-                  <c:v>1.304</c:v>
-                </c:pt>
-                <c:pt idx="2">
-                  <c:v>1.256</c:v>
-                </c:pt>
-                <c:pt idx="3">
-                  <c:v>1.82</c:v>
-                </c:pt>
-                <c:pt idx="4">
-                  <c:v>0.91900000000000004</c:v>
-                </c:pt>
-                <c:pt idx="5">
-                  <c:v>0.93300000000000005</c:v>
-                </c:pt>
-                <c:pt idx="6">
-                  <c:v>-0.30099999999999999</c:v>
-                </c:pt>
-                <c:pt idx="7">
-                  <c:v>-0.89</c:v>
-                </c:pt>
-                <c:pt idx="8">
-                  <c:v>-0.249</c:v>
-                </c:pt>
-                <c:pt idx="9">
-                  <c:v>-0.27100000000000002</c:v>
-                </c:pt>
-                <c:pt idx="10">
-                  <c:v>-0.36599999999999999</c:v>
-                </c:pt>
-                <c:pt idx="11">
-                  <c:v>0.30399999999999999</c:v>
-                </c:pt>
-                <c:pt idx="12">
-                  <c:v>-1.607</c:v>
-                </c:pt>
-                <c:pt idx="13">
-                  <c:v>-1.034</c:v>
-                </c:pt>
-                <c:pt idx="14">
-                  <c:v>-0.23</c:v>
-                </c:pt>
-              </c:numCache>
-            </c:numRef>
-          </c:yVal>
-          <c:smooth val="0"/>
-        </c:ser>
-        <c:dLbls>
-          <c:showLegendKey val="0"/>
-          <c:showVal val="0"/>
-          <c:showCatName val="0"/>
-          <c:showSerName val="0"/>
-          <c:showPercent val="0"/>
-          <c:showBubbleSize val="0"/>
-        </c:dLbls>
-        <c:axId val="183933568"/>
-        <c:axId val="184537472"/>
-      </c:scatterChart>
-      <c:valAx>
-        <c:axId val="183933568"/>
-        <c:scaling>
-          <c:orientation val="minMax"/>
-          <c:max val="2016"/>
-          <c:min val="2000"/>
-        </c:scaling>
-        <c:delete val="0"/>
-        <c:axPos val="b"/>
-        <c:numFmt formatCode="General" sourceLinked="1"/>
-        <c:majorTickMark val="out"/>
-        <c:minorTickMark val="none"/>
-        <c:tickLblPos val="nextTo"/>
-        <c:txPr>
-          <a:bodyPr rot="-5400000" vert="horz"/>
-          <a:lstStyle/>
-          <a:p>
-            <a:pPr>
-              <a:defRPr/>
-            </a:pPr>
-            <a:endParaRPr lang="en-US"/>
-          </a:p>
-        </c:txPr>
-        <c:crossAx val="184537472"/>
-        <c:crosses val="autoZero"/>
-        <c:crossBetween val="midCat"/>
-        <c:majorUnit val="1"/>
-      </c:valAx>
-      <c:valAx>
-        <c:axId val="184537472"/>
-        <c:scaling>
-          <c:orientation val="minMax"/>
-        </c:scaling>
-        <c:delete val="0"/>
-        <c:axPos val="l"/>
-        <c:title>
-          <c:tx>
-            <c:rich>
-              <a:bodyPr rot="-5400000" vert="horz"/>
-              <a:lstStyle/>
-              <a:p>
-                <a:pPr>
-                  <a:defRPr/>
-                </a:pPr>
-                <a:r>
-                  <a:rPr lang="en-US" sz="1400" dirty="0"/>
-                  <a:t>% Difference for each Pair of </a:t>
-                </a:r>
-                <a:r>
-                  <a:rPr lang="en-US" sz="1400" dirty="0" smtClean="0"/>
-                  <a:t>Years</a:t>
-                </a:r>
-                <a:endParaRPr lang="en-US" sz="1400" dirty="0"/>
-              </a:p>
-            </c:rich>
-          </c:tx>
-          <c:layout/>
-          <c:overlay val="0"/>
-        </c:title>
-        <c:numFmt formatCode="General" sourceLinked="1"/>
-        <c:majorTickMark val="out"/>
-        <c:minorTickMark val="none"/>
-        <c:tickLblPos val="nextTo"/>
-        <c:crossAx val="183933568"/>
-        <c:crosses val="autoZero"/>
-        <c:crossBetween val="midCat"/>
-        <c:majorUnit val="0.2"/>
-      </c:valAx>
-    </c:plotArea>
-    <c:plotVisOnly val="1"/>
-    <c:dispBlanksAs val="gap"/>
-    <c:showDLblsOverMax val="0"/>
-  </c:chart>
-  <c:spPr>
-    <a:ln>
-      <a:solidFill>
-        <a:schemeClr val="tx1"/>
-      </a:solidFill>
-    </a:ln>
-  </c:spPr>
-  <c:externalData r:id="rId1">
-    <c:autoUpdate val="0"/>
-  </c:externalData>
 </c:chartSpace>
 </file>
 
@@ -2304,50 +1236,55 @@
         <a:lstStyle xmlns:a="http://schemas.openxmlformats.org/drawingml/2006/main"/>
         <a:p xmlns:a="http://schemas.openxmlformats.org/drawingml/2006/main">
           <a:r>
-            <a:rPr lang="en-US" sz="1200"/>
+            <a:rPr lang="en-US" sz="1200" dirty="0"/>
             <a:t>The</a:t>
           </a:r>
           <a:r>
-            <a:rPr lang="en-US" sz="1200" baseline="0"/>
-            <a:t> highest absolute</a:t>
+            <a:rPr lang="en-US" sz="1200" baseline="0" dirty="0"/>
+            <a:t> highest </a:t>
           </a:r>
+          <a:r>
+            <a:rPr lang="en-US" sz="1200" baseline="0" dirty="0" smtClean="0"/>
+            <a:t>overall</a:t>
+          </a:r>
+          <a:endParaRPr lang="en-US" sz="1200" baseline="0" dirty="0"/>
         </a:p>
         <a:p xmlns:a="http://schemas.openxmlformats.org/drawingml/2006/main">
           <a:r>
-            <a:rPr lang="en-US" sz="1200" baseline="0"/>
+            <a:rPr lang="en-US" sz="1200" baseline="0" dirty="0"/>
             <a:t>% change was 962.8</a:t>
           </a:r>
         </a:p>
         <a:p xmlns:a="http://schemas.openxmlformats.org/drawingml/2006/main">
           <a:r>
-            <a:rPr lang="en-US" sz="1200" baseline="0"/>
+            <a:rPr lang="en-US" sz="1200" baseline="0" dirty="0"/>
             <a:t>from the country</a:t>
           </a:r>
         </a:p>
         <a:p xmlns:a="http://schemas.openxmlformats.org/drawingml/2006/main">
           <a:r>
-            <a:rPr lang="en-US" sz="1200" baseline="0"/>
+            <a:rPr lang="en-US" sz="1200" baseline="0" dirty="0"/>
             <a:t>Botswana.  This value</a:t>
           </a:r>
         </a:p>
         <a:p xmlns:a="http://schemas.openxmlformats.org/drawingml/2006/main">
           <a:r>
-            <a:rPr lang="en-US" sz="1200" baseline="0"/>
+            <a:rPr lang="en-US" sz="1200" baseline="0" dirty="0"/>
             <a:t>was excluded from this</a:t>
           </a:r>
         </a:p>
         <a:p xmlns:a="http://schemas.openxmlformats.org/drawingml/2006/main">
           <a:r>
-            <a:rPr lang="en-US" sz="1200" baseline="0"/>
+            <a:rPr lang="en-US" sz="1200" baseline="0" dirty="0"/>
             <a:t>graph as it too large</a:t>
           </a:r>
         </a:p>
         <a:p xmlns:a="http://schemas.openxmlformats.org/drawingml/2006/main">
           <a:r>
-            <a:rPr lang="en-US" sz="1200" baseline="0"/>
+            <a:rPr lang="en-US" sz="1200" baseline="0" dirty="0"/>
             <a:t>an outlier to display. </a:t>
           </a:r>
-          <a:endParaRPr lang="en-US" sz="1200"/>
+          <a:endParaRPr lang="en-US" sz="1200" dirty="0"/>
         </a:p>
       </cdr:txBody>
     </cdr:sp>
@@ -2440,7 +1377,7 @@
     </cdr:from>
     <cdr:to>
       <cdr:x>0.74726</cdr:x>
-      <cdr:y>0.35404</cdr:y>
+      <cdr:y>0.29688</cdr:y>
     </cdr:to>
     <cdr:sp macro="" textlink="">
       <cdr:nvSpPr>
@@ -2449,8 +1386,8 @@
       </cdr:nvSpPr>
       <cdr:spPr>
         <a:xfrm xmlns:a="http://schemas.openxmlformats.org/drawingml/2006/main">
-          <a:off x="2575025" y="4533"/>
-          <a:ext cx="1729714" cy="1751744"/>
+          <a:off x="2588666" y="4438"/>
+          <a:ext cx="1738866" cy="1443362"/>
         </a:xfrm>
         <a:prstGeom xmlns:a="http://schemas.openxmlformats.org/drawingml/2006/main" prst="rect">
           <a:avLst/>
@@ -2462,50 +1399,55 @@
         <a:lstStyle xmlns:a="http://schemas.openxmlformats.org/drawingml/2006/main"/>
         <a:p xmlns:a="http://schemas.openxmlformats.org/drawingml/2006/main">
           <a:r>
-            <a:rPr lang="en-US" sz="1200"/>
+            <a:rPr lang="en-US" sz="1200" dirty="0"/>
             <a:t>The</a:t>
           </a:r>
           <a:r>
-            <a:rPr lang="en-US" sz="1200" baseline="0"/>
-            <a:t> highest absolute</a:t>
+            <a:rPr lang="en-US" sz="1200" baseline="0" dirty="0"/>
+            <a:t> highest </a:t>
           </a:r>
+          <a:r>
+            <a:rPr lang="en-US" sz="1200" baseline="0" dirty="0" smtClean="0"/>
+            <a:t>overall</a:t>
+          </a:r>
+          <a:endParaRPr lang="en-US" sz="1200" baseline="0" dirty="0"/>
         </a:p>
         <a:p xmlns:a="http://schemas.openxmlformats.org/drawingml/2006/main">
           <a:r>
-            <a:rPr lang="en-US" sz="1200" baseline="0"/>
+            <a:rPr lang="en-US" sz="1200" baseline="0" dirty="0"/>
             <a:t>% change was 1023.8</a:t>
           </a:r>
         </a:p>
         <a:p xmlns:a="http://schemas.openxmlformats.org/drawingml/2006/main">
           <a:r>
-            <a:rPr lang="en-US" sz="1200" baseline="0"/>
+            <a:rPr lang="en-US" sz="1200" baseline="0" dirty="0"/>
             <a:t>from the country</a:t>
           </a:r>
         </a:p>
         <a:p xmlns:a="http://schemas.openxmlformats.org/drawingml/2006/main">
           <a:r>
-            <a:rPr lang="en-US" sz="1200" baseline="0"/>
+            <a:rPr lang="en-US" sz="1200" baseline="0" dirty="0"/>
             <a:t>Botswana.  This value</a:t>
           </a:r>
         </a:p>
         <a:p xmlns:a="http://schemas.openxmlformats.org/drawingml/2006/main">
           <a:r>
-            <a:rPr lang="en-US" sz="1200" baseline="0"/>
+            <a:rPr lang="en-US" sz="1200" baseline="0" dirty="0"/>
             <a:t>was excluded from this</a:t>
           </a:r>
         </a:p>
         <a:p xmlns:a="http://schemas.openxmlformats.org/drawingml/2006/main">
           <a:r>
-            <a:rPr lang="en-US" sz="1200" baseline="0"/>
+            <a:rPr lang="en-US" sz="1200" baseline="0" dirty="0"/>
             <a:t>graph as it too large</a:t>
           </a:r>
         </a:p>
         <a:p xmlns:a="http://schemas.openxmlformats.org/drawingml/2006/main">
           <a:r>
-            <a:rPr lang="en-US" sz="1200" baseline="0"/>
+            <a:rPr lang="en-US" sz="1200" baseline="0" dirty="0"/>
             <a:t>an outlier to display. </a:t>
           </a:r>
-          <a:endParaRPr lang="en-US" sz="1200"/>
+          <a:endParaRPr lang="en-US" sz="1200" dirty="0"/>
         </a:p>
       </cdr:txBody>
     </cdr:sp>
@@ -2671,7 +1613,7 @@
           <a:p>
             <a:fld id="{D2CD97BC-9879-4DE5-8C3D-3C0468F9F86C}" type="datetimeFigureOut">
               <a:rPr lang="en-US" smtClean="0"/>
-              <a:t>1/21/2019</a:t>
+              <a:t>1/22/2019</a:t>
             </a:fld>
             <a:endParaRPr lang="en-US"/>
           </a:p>
@@ -3029,7 +1971,7 @@
           <a:p>
             <a:fld id="{34F44D96-3D9E-471B-9B66-3DE5B91EC907}" type="slidenum">
               <a:rPr lang="en-US" smtClean="0"/>
-              <a:t>8</a:t>
+              <a:t>4</a:t>
             </a:fld>
             <a:endParaRPr lang="en-US"/>
           </a:p>
@@ -3129,7 +2071,7 @@
           <a:p>
             <a:fld id="{34F44D96-3D9E-471B-9B66-3DE5B91EC907}" type="slidenum">
               <a:rPr lang="en-US" smtClean="0"/>
-              <a:t>14</a:t>
+              <a:t>8</a:t>
             </a:fld>
             <a:endParaRPr lang="en-US"/>
           </a:p>
@@ -3238,225 +2180,7 @@
           <a:p>
             <a:fld id="{34F44D96-3D9E-471B-9B66-3DE5B91EC907}" type="slidenum">
               <a:rPr lang="en-US" smtClean="0"/>
-              <a:t>18</a:t>
-            </a:fld>
-            <a:endParaRPr lang="en-US"/>
-          </a:p>
-        </p:txBody>
-      </p:sp>
-    </p:spTree>
-    <p:extLst>
-      <p:ext uri="{BB962C8B-B14F-4D97-AF65-F5344CB8AC3E}">
-        <p14:creationId xmlns:p14="http://schemas.microsoft.com/office/powerpoint/2010/main" val="1715928687"/>
-      </p:ext>
-    </p:extLst>
-  </p:cSld>
-  <p:clrMapOvr>
-    <a:masterClrMapping/>
-  </p:clrMapOvr>
-</p:notes>
-</file>
-
-<file path=ppt/notesSlides/notesSlide4.xml><?xml version="1.0" encoding="utf-8"?>
-<p:notes xmlns:a="http://schemas.openxmlformats.org/drawingml/2006/main" xmlns:r="http://schemas.openxmlformats.org/officeDocument/2006/relationships" xmlns:p="http://schemas.openxmlformats.org/presentationml/2006/main">
-  <p:cSld>
-    <p:spTree>
-      <p:nvGrpSpPr>
-        <p:cNvPr id="1" name=""/>
-        <p:cNvGrpSpPr/>
-        <p:nvPr/>
-      </p:nvGrpSpPr>
-      <p:grpSpPr>
-        <a:xfrm>
-          <a:off x="0" y="0"/>
-          <a:ext cx="0" cy="0"/>
-          <a:chOff x="0" y="0"/>
-          <a:chExt cx="0" cy="0"/>
-        </a:xfrm>
-      </p:grpSpPr>
-      <p:sp>
-        <p:nvSpPr>
-          <p:cNvPr id="2" name="Slide Image Placeholder 1"/>
-          <p:cNvSpPr>
-            <a:spLocks noGrp="1" noRot="1" noChangeAspect="1"/>
-          </p:cNvSpPr>
-          <p:nvPr>
-            <p:ph type="sldImg"/>
-          </p:nvPr>
-        </p:nvSpPr>
-        <p:spPr/>
-      </p:sp>
-      <p:sp>
-        <p:nvSpPr>
-          <p:cNvPr id="3" name="Notes Placeholder 2"/>
-          <p:cNvSpPr>
-            <a:spLocks noGrp="1"/>
-          </p:cNvSpPr>
-          <p:nvPr>
-            <p:ph type="body" idx="1"/>
-          </p:nvPr>
-        </p:nvSpPr>
-        <p:spPr/>
-        <p:txBody>
-          <a:bodyPr/>
-          <a:lstStyle/>
-          <a:p>
-            <a:pPr marL="0" marR="0" indent="0" algn="l" defTabSz="914400" rtl="0" eaLnBrk="1" fontAlgn="auto" latinLnBrk="0" hangingPunct="1">
-              <a:lnSpc>
-                <a:spcPct val="100000"/>
-              </a:lnSpc>
-              <a:spcBef>
-                <a:spcPts val="0"/>
-              </a:spcBef>
-              <a:spcAft>
-                <a:spcPts val="0"/>
-              </a:spcAft>
-              <a:buClrTx/>
-              <a:buSzTx/>
-              <a:buFontTx/>
-              <a:buNone/>
-              <a:tabLst/>
-              <a:defRPr/>
-            </a:pPr>
-            <a:r>
-              <a:rPr lang="en-US" dirty="0" smtClean="0"/>
-              <a:t>Each</a:t>
-            </a:r>
-            <a:r>
-              <a:rPr lang="en-US" baseline="0" dirty="0" smtClean="0"/>
-              <a:t> pairwise percent difference was normalized individually by using the average of the two GPI values within each pair of years</a:t>
-            </a:r>
-            <a:endParaRPr lang="en-US" dirty="0" smtClean="0"/>
-          </a:p>
-        </p:txBody>
-      </p:sp>
-      <p:sp>
-        <p:nvSpPr>
-          <p:cNvPr id="4" name="Slide Number Placeholder 3"/>
-          <p:cNvSpPr>
-            <a:spLocks noGrp="1"/>
-          </p:cNvSpPr>
-          <p:nvPr>
-            <p:ph type="sldNum" sz="quarter" idx="10"/>
-          </p:nvPr>
-        </p:nvSpPr>
-        <p:spPr/>
-        <p:txBody>
-          <a:bodyPr/>
-          <a:lstStyle/>
-          <a:p>
-            <a:fld id="{34F44D96-3D9E-471B-9B66-3DE5B91EC907}" type="slidenum">
-              <a:rPr lang="en-US" smtClean="0"/>
-              <a:t>19</a:t>
-            </a:fld>
-            <a:endParaRPr lang="en-US"/>
-          </a:p>
-        </p:txBody>
-      </p:sp>
-    </p:spTree>
-    <p:extLst>
-      <p:ext uri="{BB962C8B-B14F-4D97-AF65-F5344CB8AC3E}">
-        <p14:creationId xmlns:p14="http://schemas.microsoft.com/office/powerpoint/2010/main" val="1715928687"/>
-      </p:ext>
-    </p:extLst>
-  </p:cSld>
-  <p:clrMapOvr>
-    <a:masterClrMapping/>
-  </p:clrMapOvr>
-</p:notes>
-</file>
-
-<file path=ppt/notesSlides/notesSlide5.xml><?xml version="1.0" encoding="utf-8"?>
-<p:notes xmlns:a="http://schemas.openxmlformats.org/drawingml/2006/main" xmlns:r="http://schemas.openxmlformats.org/officeDocument/2006/relationships" xmlns:p="http://schemas.openxmlformats.org/presentationml/2006/main">
-  <p:cSld>
-    <p:spTree>
-      <p:nvGrpSpPr>
-        <p:cNvPr id="1" name=""/>
-        <p:cNvGrpSpPr/>
-        <p:nvPr/>
-      </p:nvGrpSpPr>
-      <p:grpSpPr>
-        <a:xfrm>
-          <a:off x="0" y="0"/>
-          <a:ext cx="0" cy="0"/>
-          <a:chOff x="0" y="0"/>
-          <a:chExt cx="0" cy="0"/>
-        </a:xfrm>
-      </p:grpSpPr>
-      <p:sp>
-        <p:nvSpPr>
-          <p:cNvPr id="2" name="Slide Image Placeholder 1"/>
-          <p:cNvSpPr>
-            <a:spLocks noGrp="1" noRot="1" noChangeAspect="1"/>
-          </p:cNvSpPr>
-          <p:nvPr>
-            <p:ph type="sldImg"/>
-          </p:nvPr>
-        </p:nvSpPr>
-        <p:spPr/>
-      </p:sp>
-      <p:sp>
-        <p:nvSpPr>
-          <p:cNvPr id="3" name="Notes Placeholder 2"/>
-          <p:cNvSpPr>
-            <a:spLocks noGrp="1"/>
-          </p:cNvSpPr>
-          <p:nvPr>
-            <p:ph type="body" idx="1"/>
-          </p:nvPr>
-        </p:nvSpPr>
-        <p:spPr/>
-        <p:txBody>
-          <a:bodyPr/>
-          <a:lstStyle/>
-          <a:p>
-            <a:pPr marL="0" marR="0" indent="0" algn="l" defTabSz="914400" rtl="0" eaLnBrk="1" fontAlgn="auto" latinLnBrk="0" hangingPunct="1">
-              <a:lnSpc>
-                <a:spcPct val="100000"/>
-              </a:lnSpc>
-              <a:spcBef>
-                <a:spcPts val="0"/>
-              </a:spcBef>
-              <a:spcAft>
-                <a:spcPts val="0"/>
-              </a:spcAft>
-              <a:buClrTx/>
-              <a:buSzTx/>
-              <a:buFontTx/>
-              <a:buNone/>
-              <a:tabLst/>
-              <a:defRPr/>
-            </a:pPr>
-            <a:r>
-              <a:rPr lang="en-US" dirty="0" smtClean="0"/>
-              <a:t>Each</a:t>
-            </a:r>
-            <a:r>
-              <a:rPr lang="en-US" baseline="0" dirty="0" smtClean="0"/>
-              <a:t> pairwise percent difference was normalized individually by using the average of the two GPI values within each pair of years</a:t>
-            </a:r>
-            <a:endParaRPr lang="en-US" dirty="0" smtClean="0"/>
-          </a:p>
-        </p:txBody>
-      </p:sp>
-      <p:sp>
-        <p:nvSpPr>
-          <p:cNvPr id="4" name="Slide Number Placeholder 3"/>
-          <p:cNvSpPr>
-            <a:spLocks noGrp="1"/>
-          </p:cNvSpPr>
-          <p:nvPr>
-            <p:ph type="sldNum" sz="quarter" idx="10"/>
-          </p:nvPr>
-        </p:nvSpPr>
-        <p:spPr/>
-        <p:txBody>
-          <a:bodyPr/>
-          <a:lstStyle/>
-          <a:p>
-            <a:fld id="{34F44D96-3D9E-471B-9B66-3DE5B91EC907}" type="slidenum">
-              <a:rPr lang="en-US" smtClean="0"/>
-              <a:t>20</a:t>
+              <a:t>15</a:t>
             </a:fld>
             <a:endParaRPr lang="en-US"/>
           </a:p>
@@ -3656,7 +2380,7 @@
           <a:p>
             <a:fld id="{4F16EEC3-5546-47BF-AA5B-42CBAFF1D1AF}" type="datetimeFigureOut">
               <a:rPr lang="en-US" smtClean="0"/>
-              <a:t>1/21/2019</a:t>
+              <a:t>1/22/2019</a:t>
             </a:fld>
             <a:endParaRPr lang="en-US"/>
           </a:p>
@@ -3826,7 +2550,7 @@
           <a:p>
             <a:fld id="{4F16EEC3-5546-47BF-AA5B-42CBAFF1D1AF}" type="datetimeFigureOut">
               <a:rPr lang="en-US" smtClean="0"/>
-              <a:t>1/21/2019</a:t>
+              <a:t>1/22/2019</a:t>
             </a:fld>
             <a:endParaRPr lang="en-US"/>
           </a:p>
@@ -4006,7 +2730,7 @@
           <a:p>
             <a:fld id="{4F16EEC3-5546-47BF-AA5B-42CBAFF1D1AF}" type="datetimeFigureOut">
               <a:rPr lang="en-US" smtClean="0"/>
-              <a:t>1/21/2019</a:t>
+              <a:t>1/22/2019</a:t>
             </a:fld>
             <a:endParaRPr lang="en-US"/>
           </a:p>
@@ -4176,7 +2900,7 @@
           <a:p>
             <a:fld id="{4F16EEC3-5546-47BF-AA5B-42CBAFF1D1AF}" type="datetimeFigureOut">
               <a:rPr lang="en-US" smtClean="0"/>
-              <a:t>1/21/2019</a:t>
+              <a:t>1/22/2019</a:t>
             </a:fld>
             <a:endParaRPr lang="en-US"/>
           </a:p>
@@ -4422,7 +3146,7 @@
           <a:p>
             <a:fld id="{4F16EEC3-5546-47BF-AA5B-42CBAFF1D1AF}" type="datetimeFigureOut">
               <a:rPr lang="en-US" smtClean="0"/>
-              <a:t>1/21/2019</a:t>
+              <a:t>1/22/2019</a:t>
             </a:fld>
             <a:endParaRPr lang="en-US"/>
           </a:p>
@@ -4710,7 +3434,7 @@
           <a:p>
             <a:fld id="{4F16EEC3-5546-47BF-AA5B-42CBAFF1D1AF}" type="datetimeFigureOut">
               <a:rPr lang="en-US" smtClean="0"/>
-              <a:t>1/21/2019</a:t>
+              <a:t>1/22/2019</a:t>
             </a:fld>
             <a:endParaRPr lang="en-US"/>
           </a:p>
@@ -5132,7 +3856,7 @@
           <a:p>
             <a:fld id="{4F16EEC3-5546-47BF-AA5B-42CBAFF1D1AF}" type="datetimeFigureOut">
               <a:rPr lang="en-US" smtClean="0"/>
-              <a:t>1/21/2019</a:t>
+              <a:t>1/22/2019</a:t>
             </a:fld>
             <a:endParaRPr lang="en-US"/>
           </a:p>
@@ -5250,7 +3974,7 @@
           <a:p>
             <a:fld id="{4F16EEC3-5546-47BF-AA5B-42CBAFF1D1AF}" type="datetimeFigureOut">
               <a:rPr lang="en-US" smtClean="0"/>
-              <a:t>1/21/2019</a:t>
+              <a:t>1/22/2019</a:t>
             </a:fld>
             <a:endParaRPr lang="en-US"/>
           </a:p>
@@ -5345,7 +4069,7 @@
           <a:p>
             <a:fld id="{4F16EEC3-5546-47BF-AA5B-42CBAFF1D1AF}" type="datetimeFigureOut">
               <a:rPr lang="en-US" smtClean="0"/>
-              <a:t>1/21/2019</a:t>
+              <a:t>1/22/2019</a:t>
             </a:fld>
             <a:endParaRPr lang="en-US"/>
           </a:p>
@@ -5622,7 +4346,7 @@
           <a:p>
             <a:fld id="{4F16EEC3-5546-47BF-AA5B-42CBAFF1D1AF}" type="datetimeFigureOut">
               <a:rPr lang="en-US" smtClean="0"/>
-              <a:t>1/21/2019</a:t>
+              <a:t>1/22/2019</a:t>
             </a:fld>
             <a:endParaRPr lang="en-US"/>
           </a:p>
@@ -5875,7 +4599,7 @@
           <a:p>
             <a:fld id="{4F16EEC3-5546-47BF-AA5B-42CBAFF1D1AF}" type="datetimeFigureOut">
               <a:rPr lang="en-US" smtClean="0"/>
-              <a:t>1/21/2019</a:t>
+              <a:t>1/22/2019</a:t>
             </a:fld>
             <a:endParaRPr lang="en-US"/>
           </a:p>
@@ -6088,7 +4812,7 @@
           <a:p>
             <a:fld id="{4F16EEC3-5546-47BF-AA5B-42CBAFF1D1AF}" type="datetimeFigureOut">
               <a:rPr lang="en-US" smtClean="0"/>
-              <a:t>1/21/2019</a:t>
+              <a:t>1/22/2019</a:t>
             </a:fld>
             <a:endParaRPr lang="en-US"/>
           </a:p>
@@ -6548,7 +5272,7 @@
       </p:grpSpPr>
       <p:sp>
         <p:nvSpPr>
-          <p:cNvPr id="2" name="Title 1"/>
+          <p:cNvPr id="4" name="Title 3"/>
           <p:cNvSpPr>
             <a:spLocks noGrp="1"/>
           </p:cNvSpPr>
@@ -6556,7 +5280,12 @@
             <p:ph type="title"/>
           </p:nvPr>
         </p:nvSpPr>
-        <p:spPr/>
+        <p:spPr>
+          <a:xfrm>
+            <a:off x="457200" y="2438400"/>
+            <a:ext cx="8229600" cy="1143000"/>
+          </a:xfrm>
+        </p:spPr>
         <p:txBody>
           <a:bodyPr>
             <a:noAutofit/>
@@ -6564,75 +5293,21 @@
           <a:lstStyle/>
           <a:p>
             <a:r>
-              <a:rPr lang="en-US" sz="3600" dirty="0"/>
-              <a:t>Condensed Results from Map-Reduce Via Post-Processing of the Raw Output</a:t>
-            </a:r>
-          </a:p>
-        </p:txBody>
-      </p:sp>
-      <p:graphicFrame>
-        <p:nvGraphicFramePr>
-          <p:cNvPr id="4" name="Chart 3"/>
-          <p:cNvGraphicFramePr>
-            <a:graphicFrameLocks/>
-          </p:cNvGraphicFramePr>
-          <p:nvPr>
-            <p:extLst>
-              <p:ext uri="{D42A27DB-BD31-4B8C-83A1-F6EECF244321}">
-                <p14:modId xmlns:p14="http://schemas.microsoft.com/office/powerpoint/2010/main" val="1075152266"/>
-              </p:ext>
-            </p:extLst>
-          </p:nvPr>
-        </p:nvGraphicFramePr>
-        <p:xfrm>
-          <a:off x="1752600" y="1600200"/>
-          <a:ext cx="5753100" cy="4366260"/>
-        </p:xfrm>
-        <a:graphic>
-          <a:graphicData uri="http://schemas.openxmlformats.org/drawingml/2006/chart">
-            <c:chart xmlns:c="http://schemas.openxmlformats.org/drawingml/2006/chart" xmlns:r="http://schemas.openxmlformats.org/officeDocument/2006/relationships" r:id="rId2"/>
-          </a:graphicData>
-        </a:graphic>
-      </p:graphicFrame>
-      <p:sp>
-        <p:nvSpPr>
-          <p:cNvPr id="5" name="TextBox 4"/>
-          <p:cNvSpPr txBox="1"/>
-          <p:nvPr/>
-        </p:nvSpPr>
-        <p:spPr>
-          <a:xfrm>
-            <a:off x="304800" y="6223800"/>
-            <a:ext cx="8558497" cy="369332"/>
-          </a:xfrm>
-          <a:prstGeom prst="rect">
-            <a:avLst/>
-          </a:prstGeom>
-          <a:noFill/>
-          <a:ln>
-            <a:solidFill>
-              <a:schemeClr val="tx1"/>
-            </a:solidFill>
-          </a:ln>
-        </p:spPr>
-        <p:txBody>
-          <a:bodyPr wrap="none" rtlCol="0">
-            <a:spAutoFit/>
-          </a:bodyPr>
-          <a:lstStyle/>
-          <a:p>
-            <a:r>
-              <a:rPr lang="en-US" dirty="0" smtClean="0"/>
-              <a:t>NOTE:  See “Project-1-Post-Processing-of-Hadoop Results.xlsx” for the full set of results</a:t>
-            </a:r>
-            <a:endParaRPr lang="en-US" dirty="0"/>
+              <a:rPr lang="en-US" sz="7200" dirty="0" smtClean="0"/>
+              <a:t>Slide </a:t>
+            </a:r>
+            <a:r>
+              <a:rPr lang="en-US" sz="7200" dirty="0" smtClean="0"/>
+              <a:t>Backups</a:t>
+            </a:r>
+            <a:endParaRPr lang="en-US" sz="7200" dirty="0"/>
           </a:p>
         </p:txBody>
       </p:sp>
     </p:spTree>
     <p:extLst>
       <p:ext uri="{BB962C8B-B14F-4D97-AF65-F5344CB8AC3E}">
-        <p14:creationId xmlns:p14="http://schemas.microsoft.com/office/powerpoint/2010/main" val="377723787"/>
+        <p14:creationId xmlns:p14="http://schemas.microsoft.com/office/powerpoint/2010/main" val="2848217256"/>
       </p:ext>
     </p:extLst>
   </p:cSld>
@@ -6671,98 +5346,87 @@
         </p:nvSpPr>
         <p:spPr/>
         <p:txBody>
-          <a:bodyPr/>
-          <a:lstStyle/>
-          <a:p>
-            <a:r>
-              <a:rPr lang="en-US" dirty="0" smtClean="0"/>
-              <a:t>Fourth Business Question</a:t>
-            </a:r>
-            <a:endParaRPr lang="en-US" dirty="0"/>
-          </a:p>
-        </p:txBody>
-      </p:sp>
-      <p:sp>
-        <p:nvSpPr>
-          <p:cNvPr id="3" name="Content Placeholder 2"/>
-          <p:cNvSpPr>
-            <a:spLocks noGrp="1"/>
-          </p:cNvSpPr>
-          <p:nvPr>
-            <p:ph idx="1"/>
-          </p:nvPr>
-        </p:nvSpPr>
-        <p:spPr/>
-        <p:txBody>
           <a:bodyPr>
-            <a:normAutofit fontScale="92500" lnSpcReduction="20000"/>
+            <a:normAutofit/>
           </a:bodyPr>
           <a:lstStyle/>
           <a:p>
             <a:r>
-              <a:rPr lang="en-US" dirty="0"/>
+              <a:rPr lang="en-US" dirty="0" smtClean="0"/>
+              <a:t>First Business Question</a:t>
+            </a:r>
+            <a:endParaRPr lang="en-US" dirty="0"/>
+          </a:p>
+        </p:txBody>
+      </p:sp>
+      <p:sp>
+        <p:nvSpPr>
+          <p:cNvPr id="3" name="Content Placeholder 2"/>
+          <p:cNvSpPr>
+            <a:spLocks noGrp="1"/>
+          </p:cNvSpPr>
+          <p:nvPr>
+            <p:ph idx="1"/>
+          </p:nvPr>
+        </p:nvSpPr>
+        <p:spPr/>
+        <p:txBody>
+          <a:bodyPr>
+            <a:normAutofit fontScale="77500" lnSpcReduction="20000"/>
+          </a:bodyPr>
+          <a:lstStyle/>
+          <a:p>
+            <a:r>
+              <a:rPr lang="en-US" dirty="0" smtClean="0"/>
               <a:t>Original Question:</a:t>
             </a:r>
           </a:p>
           <a:p>
             <a:pPr lvl="1"/>
             <a:r>
-              <a:rPr lang="en-US" dirty="0"/>
-              <a:t>List the % of change in </a:t>
-            </a:r>
-            <a:r>
               <a:rPr lang="en-US" dirty="0" smtClean="0"/>
-              <a:t>female </a:t>
-            </a:r>
-            <a:r>
-              <a:rPr lang="en-US" dirty="0"/>
-              <a:t>employment from the year 2000</a:t>
-            </a:r>
-          </a:p>
-          <a:p>
-            <a:r>
-              <a:rPr lang="en-US" dirty="0"/>
-              <a:t>Translation by a future hadoop engineer:</a:t>
-            </a:r>
+              <a:t>Identify the countries where % of female graduates is less than 30%. </a:t>
+            </a:r>
+          </a:p>
+          <a:p>
+            <a:r>
+              <a:rPr lang="en-US" dirty="0" smtClean="0"/>
+              <a:t>Interpretation:</a:t>
+            </a:r>
+            <a:endParaRPr lang="en-US" dirty="0" smtClean="0"/>
           </a:p>
           <a:p>
             <a:pPr lvl="1"/>
             <a:r>
-              <a:rPr lang="en-US" dirty="0"/>
-              <a:t>For all countries with this data, find the overall % change in the </a:t>
-            </a:r>
-            <a:r>
               <a:rPr lang="en-US" dirty="0" smtClean="0"/>
-              <a:t>female </a:t>
-            </a:r>
-            <a:r>
-              <a:rPr lang="en-US" dirty="0"/>
-              <a:t>employment to population ratio from the year closest to or equal to 2000 up to the year closest to or equal to 2016</a:t>
-            </a:r>
-          </a:p>
-          <a:p>
-            <a:r>
-              <a:rPr lang="en-US" dirty="0"/>
+              <a:t>Identify the countries whose most current measure of the female gross graduation ratio is less than 30%  </a:t>
+            </a:r>
+          </a:p>
+          <a:p>
+            <a:r>
+              <a:rPr lang="en-US" dirty="0" smtClean="0"/>
               <a:t>Assumptions:</a:t>
             </a:r>
           </a:p>
           <a:p>
             <a:pPr lvl="1"/>
             <a:r>
-              <a:rPr lang="en-US" dirty="0"/>
-              <a:t>The requestor accepts the male employment to population ratio as a valid metric for tracking </a:t>
-            </a:r>
-            <a:r>
               <a:rPr lang="en-US" dirty="0" smtClean="0"/>
-              <a:t>female </a:t>
-            </a:r>
-            <a:r>
-              <a:rPr lang="en-US" dirty="0"/>
-              <a:t>employment </a:t>
-            </a:r>
+              <a:t>The gross graduation ratio is a valid measure of the % of female graduates</a:t>
+            </a:r>
+          </a:p>
+          <a:p>
+            <a:pPr lvl="1"/>
             <a:r>
               <a:rPr lang="en-US" dirty="0" smtClean="0"/>
-              <a:t>trends</a:t>
+              <a:t>The only female graduates being considered are graduates from tertiary education programs</a:t>
+            </a:r>
+          </a:p>
+          <a:p>
+            <a:pPr lvl="1"/>
+            <a:r>
+              <a:rPr lang="en-US" dirty="0" smtClean="0"/>
+              <a:t>The requester desires the most current information on each country</a:t>
             </a:r>
             <a:endParaRPr lang="en-US" dirty="0"/>
           </a:p>
@@ -6771,13 +5435,20 @@
     </p:spTree>
     <p:extLst>
       <p:ext uri="{BB962C8B-B14F-4D97-AF65-F5344CB8AC3E}">
-        <p14:creationId xmlns:p14="http://schemas.microsoft.com/office/powerpoint/2010/main" val="173983332"/>
+        <p14:creationId xmlns:p14="http://schemas.microsoft.com/office/powerpoint/2010/main" val="3891501468"/>
       </p:ext>
     </p:extLst>
   </p:cSld>
   <p:clrMapOvr>
     <a:masterClrMapping/>
   </p:clrMapOvr>
+  <p:timing>
+    <p:tnLst>
+      <p:par>
+        <p:cTn id="1" dur="indefinite" restart="never" nodeType="tmRoot"/>
+      </p:par>
+    </p:tnLst>
+  </p:timing>
 </p:sld>
 </file>
 
@@ -6808,575 +5479,6 @@
             <p:ph type="title"/>
           </p:nvPr>
         </p:nvSpPr>
-        <p:spPr/>
-        <p:txBody>
-          <a:bodyPr>
-            <a:noAutofit/>
-          </a:bodyPr>
-          <a:lstStyle/>
-          <a:p>
-            <a:r>
-              <a:rPr lang="en-US" sz="3600" dirty="0"/>
-              <a:t>Condensed Results from Map-Reduce Via Post-Processing of the Raw Output</a:t>
-            </a:r>
-          </a:p>
-        </p:txBody>
-      </p:sp>
-      <p:graphicFrame>
-        <p:nvGraphicFramePr>
-          <p:cNvPr id="4" name="Chart 3"/>
-          <p:cNvGraphicFramePr>
-            <a:graphicFrameLocks/>
-          </p:cNvGraphicFramePr>
-          <p:nvPr>
-            <p:extLst>
-              <p:ext uri="{D42A27DB-BD31-4B8C-83A1-F6EECF244321}">
-                <p14:modId xmlns:p14="http://schemas.microsoft.com/office/powerpoint/2010/main" val="523489685"/>
-              </p:ext>
-            </p:extLst>
-          </p:nvPr>
-        </p:nvGraphicFramePr>
-        <p:xfrm>
-          <a:off x="457200" y="1447800"/>
-          <a:ext cx="5791200" cy="4876800"/>
-        </p:xfrm>
-        <a:graphic>
-          <a:graphicData uri="http://schemas.openxmlformats.org/drawingml/2006/chart">
-            <c:chart xmlns:c="http://schemas.openxmlformats.org/drawingml/2006/chart" xmlns:r="http://schemas.openxmlformats.org/officeDocument/2006/relationships" r:id="rId2"/>
-          </a:graphicData>
-        </a:graphic>
-      </p:graphicFrame>
-      <p:sp>
-        <p:nvSpPr>
-          <p:cNvPr id="5" name="TextBox 4"/>
-          <p:cNvSpPr txBox="1"/>
-          <p:nvPr/>
-        </p:nvSpPr>
-        <p:spPr>
-          <a:xfrm>
-            <a:off x="304799" y="6408466"/>
-            <a:ext cx="8558497" cy="369332"/>
-          </a:xfrm>
-          <a:prstGeom prst="rect">
-            <a:avLst/>
-          </a:prstGeom>
-          <a:noFill/>
-          <a:ln>
-            <a:solidFill>
-              <a:schemeClr val="tx1"/>
-            </a:solidFill>
-          </a:ln>
-        </p:spPr>
-        <p:txBody>
-          <a:bodyPr wrap="none" rtlCol="0">
-            <a:spAutoFit/>
-          </a:bodyPr>
-          <a:lstStyle/>
-          <a:p>
-            <a:r>
-              <a:rPr lang="en-US" dirty="0" smtClean="0"/>
-              <a:t>NOTE:  See “Project-1-Post-Processing-of-Hadoop Results.xlsx” for the full set of results</a:t>
-            </a:r>
-            <a:endParaRPr lang="en-US" dirty="0"/>
-          </a:p>
-        </p:txBody>
-      </p:sp>
-      <p:sp>
-        <p:nvSpPr>
-          <p:cNvPr id="6" name="TextBox 5"/>
-          <p:cNvSpPr txBox="1"/>
-          <p:nvPr/>
-        </p:nvSpPr>
-        <p:spPr>
-          <a:xfrm>
-            <a:off x="6553200" y="1600200"/>
-            <a:ext cx="2241319" cy="2031325"/>
-          </a:xfrm>
-          <a:prstGeom prst="rect">
-            <a:avLst/>
-          </a:prstGeom>
-          <a:noFill/>
-          <a:ln>
-            <a:solidFill>
-              <a:schemeClr val="tx1"/>
-            </a:solidFill>
-          </a:ln>
-        </p:spPr>
-        <p:txBody>
-          <a:bodyPr wrap="none" rtlCol="0">
-            <a:spAutoFit/>
-          </a:bodyPr>
-          <a:lstStyle/>
-          <a:p>
-            <a:r>
-              <a:rPr lang="en-US" dirty="0" smtClean="0"/>
-              <a:t>Twenty of the Highest</a:t>
-            </a:r>
-          </a:p>
-          <a:p>
-            <a:r>
-              <a:rPr lang="en-US" dirty="0" smtClean="0"/>
-              <a:t>Overall % Changes in</a:t>
-            </a:r>
-          </a:p>
-          <a:p>
-            <a:r>
-              <a:rPr lang="en-US" dirty="0" smtClean="0"/>
-              <a:t>Female Employment</a:t>
-            </a:r>
-          </a:p>
-          <a:p>
-            <a:r>
-              <a:rPr lang="en-US" dirty="0" smtClean="0"/>
-              <a:t>To Population Ratio</a:t>
-            </a:r>
-          </a:p>
-          <a:p>
-            <a:r>
-              <a:rPr lang="en-US" dirty="0" smtClean="0"/>
-              <a:t>As Measured Over</a:t>
-            </a:r>
-          </a:p>
-          <a:p>
-            <a:r>
-              <a:rPr lang="en-US" dirty="0" smtClean="0"/>
-              <a:t>the Year Interval 2000</a:t>
-            </a:r>
-          </a:p>
-          <a:p>
-            <a:r>
-              <a:rPr lang="en-US" dirty="0" smtClean="0"/>
-              <a:t>To 2016</a:t>
-            </a:r>
-            <a:endParaRPr lang="en-US" dirty="0"/>
-          </a:p>
-        </p:txBody>
-      </p:sp>
-    </p:spTree>
-    <p:extLst>
-      <p:ext uri="{BB962C8B-B14F-4D97-AF65-F5344CB8AC3E}">
-        <p14:creationId xmlns:p14="http://schemas.microsoft.com/office/powerpoint/2010/main" val="2015401719"/>
-      </p:ext>
-    </p:extLst>
-  </p:cSld>
-  <p:clrMapOvr>
-    <a:masterClrMapping/>
-  </p:clrMapOvr>
-</p:sld>
-</file>
-
-<file path=ppt/slides/slide13.xml><?xml version="1.0" encoding="utf-8"?>
-<p:sld xmlns:a="http://schemas.openxmlformats.org/drawingml/2006/main" xmlns:r="http://schemas.openxmlformats.org/officeDocument/2006/relationships" xmlns:p="http://schemas.openxmlformats.org/presentationml/2006/main">
-  <p:cSld>
-    <p:spTree>
-      <p:nvGrpSpPr>
-        <p:cNvPr id="1" name=""/>
-        <p:cNvGrpSpPr/>
-        <p:nvPr/>
-      </p:nvGrpSpPr>
-      <p:grpSpPr>
-        <a:xfrm>
-          <a:off x="0" y="0"/>
-          <a:ext cx="0" cy="0"/>
-          <a:chOff x="0" y="0"/>
-          <a:chExt cx="0" cy="0"/>
-        </a:xfrm>
-      </p:grpSpPr>
-      <p:sp>
-        <p:nvSpPr>
-          <p:cNvPr id="2" name="Title 1"/>
-          <p:cNvSpPr>
-            <a:spLocks noGrp="1"/>
-          </p:cNvSpPr>
-          <p:nvPr>
-            <p:ph type="title"/>
-          </p:nvPr>
-        </p:nvSpPr>
-        <p:spPr/>
-        <p:txBody>
-          <a:bodyPr/>
-          <a:lstStyle/>
-          <a:p>
-            <a:r>
-              <a:rPr lang="en-US" dirty="0" smtClean="0"/>
-              <a:t>The Additional Business Factor</a:t>
-            </a:r>
-            <a:endParaRPr lang="en-US" dirty="0"/>
-          </a:p>
-        </p:txBody>
-      </p:sp>
-      <p:sp>
-        <p:nvSpPr>
-          <p:cNvPr id="3" name="Content Placeholder 2"/>
-          <p:cNvSpPr>
-            <a:spLocks noGrp="1"/>
-          </p:cNvSpPr>
-          <p:nvPr>
-            <p:ph idx="1"/>
-          </p:nvPr>
-        </p:nvSpPr>
-        <p:spPr/>
-        <p:txBody>
-          <a:bodyPr>
-            <a:normAutofit fontScale="85000" lnSpcReduction="20000"/>
-          </a:bodyPr>
-          <a:lstStyle/>
-          <a:p>
-            <a:r>
-              <a:rPr lang="en-US" dirty="0" smtClean="0"/>
-              <a:t>Considered the founding of Revature back in 2003</a:t>
-            </a:r>
-          </a:p>
-          <a:p>
-            <a:r>
-              <a:rPr lang="en-US" dirty="0"/>
-              <a:t>The provided csv file contained data for each country and region on two </a:t>
-            </a:r>
-            <a:r>
-              <a:rPr lang="en-US" dirty="0" smtClean="0"/>
-              <a:t>of the major factors </a:t>
-            </a:r>
-            <a:r>
-              <a:rPr lang="en-US" dirty="0"/>
-              <a:t>related to creating a new business:</a:t>
-            </a:r>
-          </a:p>
-          <a:p>
-            <a:pPr marL="971550" lvl="1" indent="-514350">
-              <a:buFont typeface="+mj-lt"/>
-              <a:buAutoNum type="arabicPeriod"/>
-            </a:pPr>
-            <a:r>
-              <a:rPr lang="en-US" dirty="0"/>
-              <a:t>The time in days required to do start up the business</a:t>
-            </a:r>
-          </a:p>
-          <a:p>
-            <a:pPr marL="971550" lvl="1" indent="-514350">
-              <a:buFont typeface="+mj-lt"/>
-              <a:buAutoNum type="arabicPeriod"/>
-            </a:pPr>
-            <a:r>
-              <a:rPr lang="en-US" dirty="0"/>
-              <a:t>The number of procedures necessary to register the </a:t>
-            </a:r>
-            <a:r>
-              <a:rPr lang="en-US" dirty="0" smtClean="0"/>
-              <a:t>business</a:t>
-            </a:r>
-          </a:p>
-          <a:p>
-            <a:r>
-              <a:rPr lang="en-US" dirty="0" smtClean="0"/>
-              <a:t>Custom business </a:t>
-            </a:r>
-            <a:r>
-              <a:rPr lang="en-US" dirty="0" smtClean="0"/>
-              <a:t>question for the future hadoop engineer:</a:t>
-            </a:r>
-          </a:p>
-          <a:p>
-            <a:pPr lvl="1"/>
-            <a:r>
-              <a:rPr lang="en-US" dirty="0" smtClean="0"/>
-              <a:t>Find those country(s) where Revature would have started up in the quickest amount of time and where </a:t>
-            </a:r>
-            <a:r>
-              <a:rPr lang="en-US" dirty="0"/>
-              <a:t>R</a:t>
-            </a:r>
-            <a:r>
-              <a:rPr lang="en-US" dirty="0" smtClean="0"/>
-              <a:t>evature would have encountered the least amount of red tape     </a:t>
-            </a:r>
-          </a:p>
-          <a:p>
-            <a:pPr lvl="1"/>
-            <a:endParaRPr lang="en-US" dirty="0" smtClean="0"/>
-          </a:p>
-        </p:txBody>
-      </p:sp>
-    </p:spTree>
-    <p:extLst>
-      <p:ext uri="{BB962C8B-B14F-4D97-AF65-F5344CB8AC3E}">
-        <p14:creationId xmlns:p14="http://schemas.microsoft.com/office/powerpoint/2010/main" val="2448706882"/>
-      </p:ext>
-    </p:extLst>
-  </p:cSld>
-  <p:clrMapOvr>
-    <a:masterClrMapping/>
-  </p:clrMapOvr>
-</p:sld>
-</file>
-
-<file path=ppt/slides/slide14.xml><?xml version="1.0" encoding="utf-8"?>
-<p:sld xmlns:a="http://schemas.openxmlformats.org/drawingml/2006/main" xmlns:r="http://schemas.openxmlformats.org/officeDocument/2006/relationships" xmlns:p="http://schemas.openxmlformats.org/presentationml/2006/main">
-  <p:cSld>
-    <p:spTree>
-      <p:nvGrpSpPr>
-        <p:cNvPr id="1" name=""/>
-        <p:cNvGrpSpPr/>
-        <p:nvPr/>
-      </p:nvGrpSpPr>
-      <p:grpSpPr>
-        <a:xfrm>
-          <a:off x="0" y="0"/>
-          <a:ext cx="0" cy="0"/>
-          <a:chOff x="0" y="0"/>
-          <a:chExt cx="0" cy="0"/>
-        </a:xfrm>
-      </p:grpSpPr>
-      <p:sp>
-        <p:nvSpPr>
-          <p:cNvPr id="2" name="Title 1"/>
-          <p:cNvSpPr>
-            <a:spLocks noGrp="1"/>
-          </p:cNvSpPr>
-          <p:nvPr>
-            <p:ph type="title"/>
-          </p:nvPr>
-        </p:nvSpPr>
-        <p:spPr/>
-        <p:txBody>
-          <a:bodyPr>
-            <a:normAutofit fontScale="90000"/>
-          </a:bodyPr>
-          <a:lstStyle/>
-          <a:p>
-            <a:r>
-              <a:rPr lang="en-US" dirty="0" smtClean="0"/>
-              <a:t>Solution to this Question and Running an Example Hadoop Job</a:t>
-            </a:r>
-            <a:endParaRPr lang="en-US" dirty="0"/>
-          </a:p>
-        </p:txBody>
-      </p:sp>
-      <p:sp>
-        <p:nvSpPr>
-          <p:cNvPr id="3" name="Content Placeholder 2"/>
-          <p:cNvSpPr>
-            <a:spLocks noGrp="1"/>
-          </p:cNvSpPr>
-          <p:nvPr>
-            <p:ph idx="1"/>
-          </p:nvPr>
-        </p:nvSpPr>
-        <p:spPr>
-          <a:xfrm>
-            <a:off x="457200" y="1600200"/>
-            <a:ext cx="8229600" cy="4800600"/>
-          </a:xfrm>
-        </p:spPr>
-        <p:txBody>
-          <a:bodyPr>
-            <a:noAutofit/>
-          </a:bodyPr>
-          <a:lstStyle/>
-          <a:p>
-            <a:r>
-              <a:rPr lang="en-US" sz="2000" dirty="0" smtClean="0"/>
-              <a:t>Map-Reduce routine for this request:</a:t>
-            </a:r>
-          </a:p>
-          <a:p>
-            <a:pPr lvl="1"/>
-            <a:r>
-              <a:rPr lang="en-US" sz="1800" dirty="0" smtClean="0"/>
-              <a:t>Find all countries/regions with a 2003 data point for the time required to start a business and the number of procedures needed to start a business</a:t>
-            </a:r>
-          </a:p>
-          <a:p>
-            <a:pPr lvl="1"/>
-            <a:r>
-              <a:rPr lang="en-US" sz="1800" dirty="0" smtClean="0"/>
-              <a:t>After all of the data points are obtained, return only those countries/regions where the time needed for start-up is &lt; 45 days and the number of registration procedures is &lt;= 10</a:t>
-            </a:r>
-          </a:p>
-          <a:p>
-            <a:r>
-              <a:rPr lang="en-US" sz="2000" dirty="0" smtClean="0">
-                <a:solidFill>
-                  <a:srgbClr val="FF0000"/>
-                </a:solidFill>
-              </a:rPr>
-              <a:t>Based on these metric alone, the optimal country for the founding of Revature would have been Australia with a start-up time of only 3 days and only 2 required registration procedures</a:t>
-            </a:r>
-          </a:p>
-          <a:p>
-            <a:r>
-              <a:rPr lang="en-US" sz="2000" dirty="0" smtClean="0"/>
-              <a:t>The continent of North America as a whole was the region with the fewest days of startup and the fewest registration procedures</a:t>
-            </a:r>
-          </a:p>
-          <a:p>
-            <a:r>
-              <a:rPr lang="en-US" sz="2000" dirty="0" smtClean="0"/>
-              <a:t>If Revature had picked the United States instead of the optimal choice of Australia, then startup would have been 3 days longer than a founding within Australia.  Revature would have needed to go through twice as much red tape than in Australia </a:t>
-            </a:r>
-            <a:endParaRPr lang="en-US" sz="2000" dirty="0"/>
-          </a:p>
-        </p:txBody>
-      </p:sp>
-    </p:spTree>
-    <p:extLst>
-      <p:ext uri="{BB962C8B-B14F-4D97-AF65-F5344CB8AC3E}">
-        <p14:creationId xmlns:p14="http://schemas.microsoft.com/office/powerpoint/2010/main" val="1924885535"/>
-      </p:ext>
-    </p:extLst>
-  </p:cSld>
-  <p:clrMapOvr>
-    <a:masterClrMapping/>
-  </p:clrMapOvr>
-</p:sld>
-</file>
-
-<file path=ppt/slides/slide15.xml><?xml version="1.0" encoding="utf-8"?>
-<p:sld xmlns:a="http://schemas.openxmlformats.org/drawingml/2006/main" xmlns:r="http://schemas.openxmlformats.org/officeDocument/2006/relationships" xmlns:p="http://schemas.openxmlformats.org/presentationml/2006/main">
-  <p:cSld>
-    <p:spTree>
-      <p:nvGrpSpPr>
-        <p:cNvPr id="1" name=""/>
-        <p:cNvGrpSpPr/>
-        <p:nvPr/>
-      </p:nvGrpSpPr>
-      <p:grpSpPr>
-        <a:xfrm>
-          <a:off x="0" y="0"/>
-          <a:ext cx="0" cy="0"/>
-          <a:chOff x="0" y="0"/>
-          <a:chExt cx="0" cy="0"/>
-        </a:xfrm>
-      </p:grpSpPr>
-      <p:sp>
-        <p:nvSpPr>
-          <p:cNvPr id="4" name="Title 3"/>
-          <p:cNvSpPr>
-            <a:spLocks noGrp="1"/>
-          </p:cNvSpPr>
-          <p:nvPr>
-            <p:ph type="title"/>
-          </p:nvPr>
-        </p:nvSpPr>
-        <p:spPr>
-          <a:xfrm>
-            <a:off x="457200" y="2438400"/>
-            <a:ext cx="8229600" cy="1143000"/>
-          </a:xfrm>
-        </p:spPr>
-        <p:txBody>
-          <a:bodyPr>
-            <a:noAutofit/>
-          </a:bodyPr>
-          <a:lstStyle/>
-          <a:p>
-            <a:r>
-              <a:rPr lang="en-US" sz="7200" dirty="0" smtClean="0"/>
-              <a:t>Questions?</a:t>
-            </a:r>
-            <a:endParaRPr lang="en-US" sz="7200" dirty="0"/>
-          </a:p>
-        </p:txBody>
-      </p:sp>
-    </p:spTree>
-    <p:extLst>
-      <p:ext uri="{BB962C8B-B14F-4D97-AF65-F5344CB8AC3E}">
-        <p14:creationId xmlns:p14="http://schemas.microsoft.com/office/powerpoint/2010/main" val="2690884090"/>
-      </p:ext>
-    </p:extLst>
-  </p:cSld>
-  <p:clrMapOvr>
-    <a:masterClrMapping/>
-  </p:clrMapOvr>
-</p:sld>
-</file>
-
-<file path=ppt/slides/slide16.xml><?xml version="1.0" encoding="utf-8"?>
-<p:sld xmlns:a="http://schemas.openxmlformats.org/drawingml/2006/main" xmlns:r="http://schemas.openxmlformats.org/officeDocument/2006/relationships" xmlns:p="http://schemas.openxmlformats.org/presentationml/2006/main">
-  <p:cSld>
-    <p:spTree>
-      <p:nvGrpSpPr>
-        <p:cNvPr id="1" name=""/>
-        <p:cNvGrpSpPr/>
-        <p:nvPr/>
-      </p:nvGrpSpPr>
-      <p:grpSpPr>
-        <a:xfrm>
-          <a:off x="0" y="0"/>
-          <a:ext cx="0" cy="0"/>
-          <a:chOff x="0" y="0"/>
-          <a:chExt cx="0" cy="0"/>
-        </a:xfrm>
-      </p:grpSpPr>
-      <p:sp>
-        <p:nvSpPr>
-          <p:cNvPr id="4" name="Title 3"/>
-          <p:cNvSpPr>
-            <a:spLocks noGrp="1"/>
-          </p:cNvSpPr>
-          <p:nvPr>
-            <p:ph type="title"/>
-          </p:nvPr>
-        </p:nvSpPr>
-        <p:spPr>
-          <a:xfrm>
-            <a:off x="457200" y="2438400"/>
-            <a:ext cx="8229600" cy="1143000"/>
-          </a:xfrm>
-        </p:spPr>
-        <p:txBody>
-          <a:bodyPr>
-            <a:noAutofit/>
-          </a:bodyPr>
-          <a:lstStyle/>
-          <a:p>
-            <a:r>
-              <a:rPr lang="en-US" sz="7200" dirty="0" smtClean="0"/>
-              <a:t>Slide Backups</a:t>
-            </a:r>
-            <a:endParaRPr lang="en-US" sz="7200" dirty="0"/>
-          </a:p>
-        </p:txBody>
-      </p:sp>
-    </p:spTree>
-    <p:extLst>
-      <p:ext uri="{BB962C8B-B14F-4D97-AF65-F5344CB8AC3E}">
-        <p14:creationId xmlns:p14="http://schemas.microsoft.com/office/powerpoint/2010/main" val="2848217256"/>
-      </p:ext>
-    </p:extLst>
-  </p:cSld>
-  <p:clrMapOvr>
-    <a:masterClrMapping/>
-  </p:clrMapOvr>
-</p:sld>
-</file>
-
-<file path=ppt/slides/slide17.xml><?xml version="1.0" encoding="utf-8"?>
-<p:sld xmlns:a="http://schemas.openxmlformats.org/drawingml/2006/main" xmlns:r="http://schemas.openxmlformats.org/officeDocument/2006/relationships" xmlns:p="http://schemas.openxmlformats.org/presentationml/2006/main">
-  <p:cSld>
-    <p:spTree>
-      <p:nvGrpSpPr>
-        <p:cNvPr id="1" name=""/>
-        <p:cNvGrpSpPr/>
-        <p:nvPr/>
-      </p:nvGrpSpPr>
-      <p:grpSpPr>
-        <a:xfrm>
-          <a:off x="0" y="0"/>
-          <a:ext cx="0" cy="0"/>
-          <a:chOff x="0" y="0"/>
-          <a:chExt cx="0" cy="0"/>
-        </a:xfrm>
-      </p:grpSpPr>
-      <p:sp>
-        <p:nvSpPr>
-          <p:cNvPr id="2" name="Title 1"/>
-          <p:cNvSpPr>
-            <a:spLocks noGrp="1"/>
-          </p:cNvSpPr>
-          <p:nvPr>
-            <p:ph type="title"/>
-          </p:nvPr>
-        </p:nvSpPr>
         <p:spPr>
           <a:xfrm>
             <a:off x="457200" y="0"/>
@@ -7419,7 +5521,7 @@
           <a:graphicData uri="http://schemas.openxmlformats.org/presentationml/2006/ole">
             <mc:AlternateContent xmlns:mc="http://schemas.openxmlformats.org/markup-compatibility/2006">
               <mc:Choice xmlns:v="urn:schemas-microsoft-com:vml" Requires="v">
-                <p:oleObj spid="_x0000_s1140" name="Worksheet" r:id="rId3" imgW="5074938" imgH="7505625" progId="Excel.Sheet.12">
+                <p:oleObj spid="_x0000_s1172" name="Worksheet" r:id="rId3" imgW="5074938" imgH="7505625" progId="Excel.Sheet.12">
                   <p:embed/>
                 </p:oleObj>
               </mc:Choice>
@@ -7476,7 +5578,7 @@
           <a:graphicData uri="http://schemas.openxmlformats.org/presentationml/2006/ole">
             <mc:AlternateContent xmlns:mc="http://schemas.openxmlformats.org/markup-compatibility/2006">
               <mc:Choice xmlns:v="urn:schemas-microsoft-com:vml" Requires="v">
-                <p:oleObj spid="_x0000_s1141" name="Worksheet" r:id="rId5" imgW="5074938" imgH="7688633" progId="Excel.Sheet.12">
+                <p:oleObj spid="_x0000_s1173" name="Worksheet" r:id="rId5" imgW="5074938" imgH="7688633" progId="Excel.Sheet.12">
                   <p:embed/>
                 </p:oleObj>
               </mc:Choice>
@@ -7524,7 +5626,7 @@
 </p:sld>
 </file>
 
-<file path=ppt/slides/slide18.xml><?xml version="1.0" encoding="utf-8"?>
+<file path=ppt/slides/slide13.xml><?xml version="1.0" encoding="utf-8"?>
 <p:sld xmlns:a="http://schemas.openxmlformats.org/drawingml/2006/main" xmlns:r="http://schemas.openxmlformats.org/officeDocument/2006/relationships" xmlns:p="http://schemas.openxmlformats.org/presentationml/2006/main">
   <p:cSld>
     <p:spTree>
@@ -7554,46 +5656,97 @@
         <p:spPr/>
         <p:txBody>
           <a:bodyPr>
-            <a:normAutofit fontScale="90000"/>
+            <a:noAutofit/>
           </a:bodyPr>
           <a:lstStyle/>
           <a:p>
             <a:r>
+              <a:rPr lang="en-US" sz="4000" dirty="0" smtClean="0"/>
+              <a:t>Second Business Question</a:t>
+            </a:r>
+            <a:endParaRPr lang="en-US" sz="4000" dirty="0"/>
+          </a:p>
+        </p:txBody>
+      </p:sp>
+      <p:sp>
+        <p:nvSpPr>
+          <p:cNvPr id="3" name="Content Placeholder 2"/>
+          <p:cNvSpPr>
+            <a:spLocks noGrp="1"/>
+          </p:cNvSpPr>
+          <p:nvPr>
+            <p:ph idx="1"/>
+          </p:nvPr>
+        </p:nvSpPr>
+        <p:spPr/>
+        <p:txBody>
+          <a:bodyPr>
+            <a:normAutofit fontScale="77500" lnSpcReduction="20000"/>
+          </a:bodyPr>
+          <a:lstStyle/>
+          <a:p>
+            <a:r>
               <a:rPr lang="en-US" dirty="0" smtClean="0"/>
-              <a:t>Remaining Charts Summarizing the Results of the Second Question</a:t>
-            </a:r>
+              <a:t>Original Question:</a:t>
+            </a:r>
+          </a:p>
+          <a:p>
+            <a:pPr lvl="1"/>
+            <a:r>
+              <a:rPr lang="en-US" dirty="0" smtClean="0"/>
+              <a:t>List the average increase in female education in the U.S. from the year 2000.</a:t>
+            </a:r>
+          </a:p>
+          <a:p>
+            <a:r>
+              <a:rPr lang="en-US" dirty="0" smtClean="0"/>
+              <a:t>Translation by a future hadoop engineer:</a:t>
+            </a:r>
+          </a:p>
+          <a:p>
+            <a:pPr lvl="1"/>
+            <a:r>
+              <a:rPr lang="en-US" dirty="0" smtClean="0"/>
+              <a:t>Determine the average absolute % change in the gender parity index (GPI) as measured on each of the three major levels of education in the U.S. within the years 2000 and 2016.</a:t>
+            </a:r>
+          </a:p>
+          <a:p>
+            <a:r>
+              <a:rPr lang="en-US" dirty="0" smtClean="0"/>
+              <a:t>Assumptions and Definitions:</a:t>
+            </a:r>
+          </a:p>
+          <a:p>
+            <a:pPr lvl="1"/>
+            <a:r>
+              <a:rPr lang="en-US" dirty="0" smtClean="0"/>
+              <a:t>The GPI is the ratio of female enrollment to male enrollment within a given level of education.  The dataset provides a GPI for primary, secondary, primary + secondary, and tertiary education</a:t>
+            </a:r>
+          </a:p>
+          <a:p>
+            <a:pPr lvl="1"/>
+            <a:r>
+              <a:rPr lang="en-US" dirty="0" smtClean="0"/>
+              <a:t>Assumed that the requestor accepts the GPI </a:t>
+            </a:r>
+            <a:r>
+              <a:rPr lang="en-US" dirty="0"/>
+              <a:t>a</a:t>
+            </a:r>
+            <a:r>
+              <a:rPr lang="en-US" dirty="0" smtClean="0"/>
+              <a:t>s a valid metric for tracking trends in female education</a:t>
+            </a:r>
+          </a:p>
+          <a:p>
             <a:endParaRPr lang="en-US" dirty="0"/>
           </a:p>
         </p:txBody>
       </p:sp>
-      <p:graphicFrame>
-        <p:nvGraphicFramePr>
-          <p:cNvPr id="3" name="Chart 2"/>
-          <p:cNvGraphicFramePr>
-            <a:graphicFrameLocks/>
-          </p:cNvGraphicFramePr>
-          <p:nvPr>
-            <p:extLst>
-              <p:ext uri="{D42A27DB-BD31-4B8C-83A1-F6EECF244321}">
-                <p14:modId xmlns:p14="http://schemas.microsoft.com/office/powerpoint/2010/main" val="2533223251"/>
-              </p:ext>
-            </p:extLst>
-          </p:nvPr>
-        </p:nvGraphicFramePr>
-        <p:xfrm>
-          <a:off x="228600" y="1600200"/>
-          <a:ext cx="8610600" cy="4800600"/>
-        </p:xfrm>
-        <a:graphic>
-          <a:graphicData uri="http://schemas.openxmlformats.org/drawingml/2006/chart">
-            <c:chart xmlns:c="http://schemas.openxmlformats.org/drawingml/2006/chart" xmlns:r="http://schemas.openxmlformats.org/officeDocument/2006/relationships" r:id="rId3"/>
-          </a:graphicData>
-        </a:graphic>
-      </p:graphicFrame>
     </p:spTree>
     <p:extLst>
       <p:ext uri="{BB962C8B-B14F-4D97-AF65-F5344CB8AC3E}">
-        <p14:creationId xmlns:p14="http://schemas.microsoft.com/office/powerpoint/2010/main" val="1340779681"/>
+        <p14:creationId xmlns:p14="http://schemas.microsoft.com/office/powerpoint/2010/main" val="2241298000"/>
       </p:ext>
     </p:extLst>
   </p:cSld>
@@ -7603,7 +5756,7 @@
 </p:sld>
 </file>
 
-<file path=ppt/slides/slide19.xml><?xml version="1.0" encoding="utf-8"?>
+<file path=ppt/slides/slide14.xml><?xml version="1.0" encoding="utf-8"?>
 <p:sld xmlns:a="http://schemas.openxmlformats.org/drawingml/2006/main" xmlns:r="http://schemas.openxmlformats.org/officeDocument/2006/relationships" xmlns:p="http://schemas.openxmlformats.org/presentationml/2006/main">
   <p:cSld>
     <p:spTree>
@@ -7633,46 +5786,527 @@
         <p:spPr/>
         <p:txBody>
           <a:bodyPr>
-            <a:noAutofit/>
+            <a:normAutofit fontScale="90000"/>
           </a:bodyPr>
           <a:lstStyle/>
           <a:p>
             <a:r>
-              <a:rPr lang="en-US" sz="3600" dirty="0" smtClean="0"/>
-              <a:t>Remaining Charts Summarizing the Results of the Second Question (Continued)</a:t>
-            </a:r>
-            <a:endParaRPr lang="en-US" sz="3600" dirty="0"/>
-          </a:p>
-        </p:txBody>
-      </p:sp>
-      <p:graphicFrame>
-        <p:nvGraphicFramePr>
-          <p:cNvPr id="4" name="Chart 3"/>
-          <p:cNvGraphicFramePr>
-            <a:graphicFrameLocks/>
-          </p:cNvGraphicFramePr>
-          <p:nvPr>
-            <p:extLst>
-              <p:ext uri="{D42A27DB-BD31-4B8C-83A1-F6EECF244321}">
-                <p14:modId xmlns:p14="http://schemas.microsoft.com/office/powerpoint/2010/main" val="1305093339"/>
-              </p:ext>
-            </p:extLst>
-          </p:nvPr>
-        </p:nvGraphicFramePr>
-        <p:xfrm>
-          <a:off x="304800" y="1524000"/>
-          <a:ext cx="8686800" cy="5029200"/>
-        </p:xfrm>
-        <a:graphic>
-          <a:graphicData uri="http://schemas.openxmlformats.org/drawingml/2006/chart">
-            <c:chart xmlns:c="http://schemas.openxmlformats.org/drawingml/2006/chart" xmlns:r="http://schemas.openxmlformats.org/officeDocument/2006/relationships" r:id="rId3"/>
-          </a:graphicData>
-        </a:graphic>
-      </p:graphicFrame>
+              <a:rPr lang="en-US" dirty="0" smtClean="0"/>
+              <a:t>Second Question </a:t>
+            </a:r>
+            <a:r>
+              <a:rPr lang="en-US" dirty="0" smtClean="0"/>
+              <a:t>Hadoop </a:t>
+            </a:r>
+            <a:r>
+              <a:rPr lang="en-US" dirty="0" smtClean="0"/>
+              <a:t>Output and Post-Processing</a:t>
+            </a:r>
+            <a:endParaRPr lang="en-US" dirty="0"/>
+          </a:p>
+        </p:txBody>
+      </p:sp>
+      <p:sp>
+        <p:nvSpPr>
+          <p:cNvPr id="3" name="Content Placeholder 2"/>
+          <p:cNvSpPr>
+            <a:spLocks noGrp="1"/>
+          </p:cNvSpPr>
+          <p:nvPr>
+            <p:ph idx="1"/>
+          </p:nvPr>
+        </p:nvSpPr>
+        <p:spPr/>
+        <p:txBody>
+          <a:bodyPr>
+            <a:normAutofit lnSpcReduction="10000"/>
+          </a:bodyPr>
+          <a:lstStyle/>
+          <a:p>
+            <a:r>
+              <a:rPr lang="en-US" dirty="0" smtClean="0"/>
+              <a:t>Results of the map-reduce job:</a:t>
+            </a:r>
+          </a:p>
+          <a:p>
+            <a:pPr lvl="1"/>
+            <a:r>
+              <a:rPr lang="en-US" dirty="0" smtClean="0"/>
+              <a:t>Produced normalized pairwise % differences in the GPI for each consecutive year of data</a:t>
+            </a:r>
+          </a:p>
+          <a:p>
+            <a:pPr lvl="1"/>
+            <a:r>
+              <a:rPr lang="en-US" dirty="0" smtClean="0"/>
+              <a:t>The total output of values was grouped into four buckets, with each bucket representing the four education groups that the GPI was recorded for </a:t>
+            </a:r>
+          </a:p>
+          <a:p>
+            <a:r>
+              <a:rPr lang="en-US" dirty="0" smtClean="0"/>
+              <a:t>Post-processing in Excel:</a:t>
+            </a:r>
+          </a:p>
+          <a:p>
+            <a:pPr lvl="1"/>
+            <a:r>
+              <a:rPr lang="en-US" dirty="0" smtClean="0"/>
+              <a:t>Taking the absolute value of each pairwise % difference</a:t>
+            </a:r>
+          </a:p>
+          <a:p>
+            <a:pPr lvl="1"/>
+            <a:r>
+              <a:rPr lang="en-US" dirty="0" smtClean="0"/>
+              <a:t>Computing an average for each education group</a:t>
+            </a:r>
+          </a:p>
+        </p:txBody>
+      </p:sp>
     </p:spTree>
     <p:extLst>
       <p:ext uri="{BB962C8B-B14F-4D97-AF65-F5344CB8AC3E}">
-        <p14:creationId xmlns:p14="http://schemas.microsoft.com/office/powerpoint/2010/main" val="2138424719"/>
+        <p14:creationId xmlns:p14="http://schemas.microsoft.com/office/powerpoint/2010/main" val="497889771"/>
+      </p:ext>
+    </p:extLst>
+  </p:cSld>
+  <p:clrMapOvr>
+    <a:masterClrMapping/>
+  </p:clrMapOvr>
+</p:sld>
+</file>
+
+<file path=ppt/slides/slide15.xml><?xml version="1.0" encoding="utf-8"?>
+<p:sld xmlns:a="http://schemas.openxmlformats.org/drawingml/2006/main" xmlns:r="http://schemas.openxmlformats.org/officeDocument/2006/relationships" xmlns:p="http://schemas.openxmlformats.org/presentationml/2006/main">
+  <p:cSld>
+    <p:spTree>
+      <p:nvGrpSpPr>
+        <p:cNvPr id="1" name=""/>
+        <p:cNvGrpSpPr/>
+        <p:nvPr/>
+      </p:nvGrpSpPr>
+      <p:grpSpPr>
+        <a:xfrm>
+          <a:off x="0" y="0"/>
+          <a:ext cx="0" cy="0"/>
+          <a:chOff x="0" y="0"/>
+          <a:chExt cx="0" cy="0"/>
+        </a:xfrm>
+      </p:grpSpPr>
+      <p:sp>
+        <p:nvSpPr>
+          <p:cNvPr id="2" name="Title 1"/>
+          <p:cNvSpPr>
+            <a:spLocks noGrp="1"/>
+          </p:cNvSpPr>
+          <p:nvPr>
+            <p:ph type="title"/>
+          </p:nvPr>
+        </p:nvSpPr>
+        <p:spPr/>
+        <p:txBody>
+          <a:bodyPr>
+            <a:normAutofit fontScale="90000"/>
+          </a:bodyPr>
+          <a:lstStyle/>
+          <a:p>
+            <a:r>
+              <a:rPr lang="en-US" dirty="0" smtClean="0"/>
+              <a:t>Remaining Charts Summarizing the Results of the Second Question</a:t>
+            </a:r>
+            <a:endParaRPr lang="en-US" dirty="0"/>
+          </a:p>
+        </p:txBody>
+      </p:sp>
+      <p:pic>
+        <p:nvPicPr>
+          <p:cNvPr id="4098" name="Picture 2"/>
+          <p:cNvPicPr>
+            <a:picLocks noChangeAspect="1" noChangeArrowheads="1"/>
+          </p:cNvPicPr>
+          <p:nvPr/>
+        </p:nvPicPr>
+        <p:blipFill>
+          <a:blip r:embed="rId3">
+            <a:extLst>
+              <a:ext uri="{28A0092B-C50C-407E-A947-70E740481C1C}">
+                <a14:useLocalDpi xmlns:a14="http://schemas.microsoft.com/office/drawing/2010/main" val="0"/>
+              </a:ext>
+            </a:extLst>
+          </a:blip>
+          <a:srcRect/>
+          <a:stretch>
+            <a:fillRect/>
+          </a:stretch>
+        </p:blipFill>
+        <p:spPr bwMode="auto">
+          <a:xfrm>
+            <a:off x="152400" y="2057400"/>
+            <a:ext cx="4346575" cy="3835400"/>
+          </a:xfrm>
+          <a:prstGeom prst="rect">
+            <a:avLst/>
+          </a:prstGeom>
+          <a:noFill/>
+          <a:ln>
+            <a:noFill/>
+          </a:ln>
+          <a:effectLst/>
+          <a:extLst>
+            <a:ext uri="{909E8E84-426E-40DD-AFC4-6F175D3DCCD1}">
+              <a14:hiddenFill xmlns:a14="http://schemas.microsoft.com/office/drawing/2010/main">
+                <a:solidFill>
+                  <a:schemeClr val="accent1"/>
+                </a:solidFill>
+              </a14:hiddenFill>
+            </a:ext>
+            <a:ext uri="{91240B29-F687-4F45-9708-019B960494DF}">
+              <a14:hiddenLine xmlns:a14="http://schemas.microsoft.com/office/drawing/2010/main" w="9525">
+                <a:solidFill>
+                  <a:schemeClr val="tx1"/>
+                </a:solidFill>
+                <a:miter lim="800000"/>
+                <a:headEnd/>
+                <a:tailEnd/>
+              </a14:hiddenLine>
+            </a:ext>
+            <a:ext uri="{AF507438-7753-43E0-B8FC-AC1667EBCBE1}">
+              <a14:hiddenEffects xmlns:a14="http://schemas.microsoft.com/office/drawing/2010/main">
+                <a:effectLst>
+                  <a:outerShdw dist="35921" dir="2700000" algn="ctr" rotWithShape="0">
+                    <a:schemeClr val="bg2"/>
+                  </a:outerShdw>
+                </a:effectLst>
+              </a14:hiddenEffects>
+            </a:ext>
+          </a:extLst>
+        </p:spPr>
+      </p:pic>
+      <p:pic>
+        <p:nvPicPr>
+          <p:cNvPr id="4100" name="Picture 4"/>
+          <p:cNvPicPr>
+            <a:picLocks noChangeAspect="1" noChangeArrowheads="1"/>
+          </p:cNvPicPr>
+          <p:nvPr/>
+        </p:nvPicPr>
+        <p:blipFill>
+          <a:blip r:embed="rId4">
+            <a:extLst>
+              <a:ext uri="{28A0092B-C50C-407E-A947-70E740481C1C}">
+                <a14:useLocalDpi xmlns:a14="http://schemas.microsoft.com/office/drawing/2010/main" val="0"/>
+              </a:ext>
+            </a:extLst>
+          </a:blip>
+          <a:srcRect/>
+          <a:stretch>
+            <a:fillRect/>
+          </a:stretch>
+        </p:blipFill>
+        <p:spPr bwMode="auto">
+          <a:xfrm>
+            <a:off x="4648200" y="2057400"/>
+            <a:ext cx="4413250" cy="3835400"/>
+          </a:xfrm>
+          <a:prstGeom prst="rect">
+            <a:avLst/>
+          </a:prstGeom>
+          <a:noFill/>
+          <a:ln>
+            <a:noFill/>
+          </a:ln>
+          <a:effectLst/>
+          <a:extLst>
+            <a:ext uri="{909E8E84-426E-40DD-AFC4-6F175D3DCCD1}">
+              <a14:hiddenFill xmlns:a14="http://schemas.microsoft.com/office/drawing/2010/main">
+                <a:solidFill>
+                  <a:schemeClr val="accent1"/>
+                </a:solidFill>
+              </a14:hiddenFill>
+            </a:ext>
+            <a:ext uri="{91240B29-F687-4F45-9708-019B960494DF}">
+              <a14:hiddenLine xmlns:a14="http://schemas.microsoft.com/office/drawing/2010/main" w="9525">
+                <a:solidFill>
+                  <a:schemeClr val="tx1"/>
+                </a:solidFill>
+                <a:miter lim="800000"/>
+                <a:headEnd/>
+                <a:tailEnd/>
+              </a14:hiddenLine>
+            </a:ext>
+            <a:ext uri="{AF507438-7753-43E0-B8FC-AC1667EBCBE1}">
+              <a14:hiddenEffects xmlns:a14="http://schemas.microsoft.com/office/drawing/2010/main">
+                <a:effectLst>
+                  <a:outerShdw dist="35921" dir="2700000" algn="ctr" rotWithShape="0">
+                    <a:schemeClr val="bg2"/>
+                  </a:outerShdw>
+                </a:effectLst>
+              </a14:hiddenEffects>
+            </a:ext>
+          </a:extLst>
+        </p:spPr>
+      </p:pic>
+    </p:spTree>
+    <p:extLst>
+      <p:ext uri="{BB962C8B-B14F-4D97-AF65-F5344CB8AC3E}">
+        <p14:creationId xmlns:p14="http://schemas.microsoft.com/office/powerpoint/2010/main" val="1340779681"/>
+      </p:ext>
+    </p:extLst>
+  </p:cSld>
+  <p:clrMapOvr>
+    <a:masterClrMapping/>
+  </p:clrMapOvr>
+</p:sld>
+</file>
+
+<file path=ppt/slides/slide16.xml><?xml version="1.0" encoding="utf-8"?>
+<p:sld xmlns:a="http://schemas.openxmlformats.org/drawingml/2006/main" xmlns:r="http://schemas.openxmlformats.org/officeDocument/2006/relationships" xmlns:p="http://schemas.openxmlformats.org/presentationml/2006/main">
+  <p:cSld>
+    <p:spTree>
+      <p:nvGrpSpPr>
+        <p:cNvPr id="1" name=""/>
+        <p:cNvGrpSpPr/>
+        <p:nvPr/>
+      </p:nvGrpSpPr>
+      <p:grpSpPr>
+        <a:xfrm>
+          <a:off x="0" y="0"/>
+          <a:ext cx="0" cy="0"/>
+          <a:chOff x="0" y="0"/>
+          <a:chExt cx="0" cy="0"/>
+        </a:xfrm>
+      </p:grpSpPr>
+      <p:sp>
+        <p:nvSpPr>
+          <p:cNvPr id="2" name="Title 1"/>
+          <p:cNvSpPr>
+            <a:spLocks noGrp="1"/>
+          </p:cNvSpPr>
+          <p:nvPr>
+            <p:ph type="title"/>
+          </p:nvPr>
+        </p:nvSpPr>
+        <p:spPr/>
+        <p:txBody>
+          <a:bodyPr>
+            <a:normAutofit/>
+          </a:bodyPr>
+          <a:lstStyle/>
+          <a:p>
+            <a:r>
+              <a:rPr lang="en-US" dirty="0" smtClean="0"/>
+              <a:t>Third Business Question</a:t>
+            </a:r>
+            <a:endParaRPr lang="en-US" dirty="0"/>
+          </a:p>
+        </p:txBody>
+      </p:sp>
+      <p:sp>
+        <p:nvSpPr>
+          <p:cNvPr id="3" name="Content Placeholder 2"/>
+          <p:cNvSpPr>
+            <a:spLocks noGrp="1"/>
+          </p:cNvSpPr>
+          <p:nvPr>
+            <p:ph idx="1"/>
+          </p:nvPr>
+        </p:nvSpPr>
+        <p:spPr/>
+        <p:txBody>
+          <a:bodyPr>
+            <a:normAutofit fontScale="92500" lnSpcReduction="20000"/>
+          </a:bodyPr>
+          <a:lstStyle/>
+          <a:p>
+            <a:r>
+              <a:rPr lang="en-US" dirty="0" smtClean="0"/>
+              <a:t>Original Question:</a:t>
+            </a:r>
+          </a:p>
+          <a:p>
+            <a:pPr lvl="1"/>
+            <a:r>
+              <a:rPr lang="en-US" dirty="0" smtClean="0"/>
+              <a:t>List the % of change in male employment from the year 2000</a:t>
+            </a:r>
+          </a:p>
+          <a:p>
+            <a:r>
+              <a:rPr lang="en-US" dirty="0" smtClean="0"/>
+              <a:t>Interpretation</a:t>
+            </a:r>
+            <a:r>
+              <a:rPr lang="en-US" dirty="0" smtClean="0"/>
+              <a:t>:</a:t>
+            </a:r>
+            <a:endParaRPr lang="en-US" dirty="0" smtClean="0"/>
+          </a:p>
+          <a:p>
+            <a:pPr lvl="1"/>
+            <a:r>
+              <a:rPr lang="en-US" dirty="0" smtClean="0"/>
+              <a:t>For all countries with this data, find the overall % change in the male employment to population ratio from the year closest to or equal to 2000 up to the year closest to or equal to 2016</a:t>
+            </a:r>
+          </a:p>
+          <a:p>
+            <a:r>
+              <a:rPr lang="en-US" dirty="0" smtClean="0"/>
+              <a:t>Assumptions:</a:t>
+            </a:r>
+          </a:p>
+          <a:p>
+            <a:pPr lvl="1"/>
+            <a:r>
+              <a:rPr lang="en-US" dirty="0" smtClean="0"/>
+              <a:t>The requestor accepts the male employment to population ratio as a valid metric for tracking male employment trends  </a:t>
+            </a:r>
+          </a:p>
+        </p:txBody>
+      </p:sp>
+    </p:spTree>
+    <p:extLst>
+      <p:ext uri="{BB962C8B-B14F-4D97-AF65-F5344CB8AC3E}">
+        <p14:creationId xmlns:p14="http://schemas.microsoft.com/office/powerpoint/2010/main" val="2760454026"/>
+      </p:ext>
+    </p:extLst>
+  </p:cSld>
+  <p:clrMapOvr>
+    <a:masterClrMapping/>
+  </p:clrMapOvr>
+</p:sld>
+</file>
+
+<file path=ppt/slides/slide17.xml><?xml version="1.0" encoding="utf-8"?>
+<p:sld xmlns:a="http://schemas.openxmlformats.org/drawingml/2006/main" xmlns:r="http://schemas.openxmlformats.org/officeDocument/2006/relationships" xmlns:p="http://schemas.openxmlformats.org/presentationml/2006/main">
+  <p:cSld>
+    <p:spTree>
+      <p:nvGrpSpPr>
+        <p:cNvPr id="1" name=""/>
+        <p:cNvGrpSpPr/>
+        <p:nvPr/>
+      </p:nvGrpSpPr>
+      <p:grpSpPr>
+        <a:xfrm>
+          <a:off x="0" y="0"/>
+          <a:ext cx="0" cy="0"/>
+          <a:chOff x="0" y="0"/>
+          <a:chExt cx="0" cy="0"/>
+        </a:xfrm>
+      </p:grpSpPr>
+      <p:sp>
+        <p:nvSpPr>
+          <p:cNvPr id="2" name="Title 1"/>
+          <p:cNvSpPr>
+            <a:spLocks noGrp="1"/>
+          </p:cNvSpPr>
+          <p:nvPr>
+            <p:ph type="title"/>
+          </p:nvPr>
+        </p:nvSpPr>
+        <p:spPr/>
+        <p:txBody>
+          <a:bodyPr/>
+          <a:lstStyle/>
+          <a:p>
+            <a:r>
+              <a:rPr lang="en-US" dirty="0" smtClean="0"/>
+              <a:t>Fourth Business Question</a:t>
+            </a:r>
+            <a:endParaRPr lang="en-US" dirty="0"/>
+          </a:p>
+        </p:txBody>
+      </p:sp>
+      <p:sp>
+        <p:nvSpPr>
+          <p:cNvPr id="3" name="Content Placeholder 2"/>
+          <p:cNvSpPr>
+            <a:spLocks noGrp="1"/>
+          </p:cNvSpPr>
+          <p:nvPr>
+            <p:ph idx="1"/>
+          </p:nvPr>
+        </p:nvSpPr>
+        <p:spPr/>
+        <p:txBody>
+          <a:bodyPr>
+            <a:normAutofit fontScale="92500" lnSpcReduction="20000"/>
+          </a:bodyPr>
+          <a:lstStyle/>
+          <a:p>
+            <a:r>
+              <a:rPr lang="en-US" dirty="0"/>
+              <a:t>Original Question:</a:t>
+            </a:r>
+          </a:p>
+          <a:p>
+            <a:pPr lvl="1"/>
+            <a:r>
+              <a:rPr lang="en-US" dirty="0"/>
+              <a:t>List the % of change in </a:t>
+            </a:r>
+            <a:r>
+              <a:rPr lang="en-US" dirty="0" smtClean="0"/>
+              <a:t>female </a:t>
+            </a:r>
+            <a:r>
+              <a:rPr lang="en-US" dirty="0"/>
+              <a:t>employment from the year 2000</a:t>
+            </a:r>
+          </a:p>
+          <a:p>
+            <a:r>
+              <a:rPr lang="en-US" dirty="0"/>
+              <a:t>Translation by a future hadoop engineer:</a:t>
+            </a:r>
+          </a:p>
+          <a:p>
+            <a:pPr lvl="1"/>
+            <a:r>
+              <a:rPr lang="en-US" dirty="0"/>
+              <a:t>For all countries with this data, find the overall % change in the </a:t>
+            </a:r>
+            <a:r>
+              <a:rPr lang="en-US" dirty="0" smtClean="0"/>
+              <a:t>female </a:t>
+            </a:r>
+            <a:r>
+              <a:rPr lang="en-US" dirty="0"/>
+              <a:t>employment to population ratio from the year closest to or equal to 2000 up to the year closest to or equal to 2016</a:t>
+            </a:r>
+          </a:p>
+          <a:p>
+            <a:r>
+              <a:rPr lang="en-US" dirty="0"/>
+              <a:t>Assumptions:</a:t>
+            </a:r>
+          </a:p>
+          <a:p>
+            <a:pPr lvl="1"/>
+            <a:r>
+              <a:rPr lang="en-US" dirty="0"/>
+              <a:t>The requestor accepts the male employment to population ratio as a valid metric for tracking </a:t>
+            </a:r>
+            <a:r>
+              <a:rPr lang="en-US" dirty="0" smtClean="0"/>
+              <a:t>female </a:t>
+            </a:r>
+            <a:r>
+              <a:rPr lang="en-US" dirty="0"/>
+              <a:t>employment </a:t>
+            </a:r>
+            <a:r>
+              <a:rPr lang="en-US" dirty="0" smtClean="0"/>
+              <a:t>trends</a:t>
+            </a:r>
+            <a:endParaRPr lang="en-US" dirty="0"/>
+          </a:p>
+        </p:txBody>
+      </p:sp>
+    </p:spTree>
+    <p:extLst>
+      <p:ext uri="{BB962C8B-B14F-4D97-AF65-F5344CB8AC3E}">
+        <p14:creationId xmlns:p14="http://schemas.microsoft.com/office/powerpoint/2010/main" val="173983332"/>
       </p:ext>
     </p:extLst>
   </p:cSld>
@@ -7739,30 +6373,50 @@
           </a:bodyPr>
           <a:lstStyle/>
           <a:p>
+            <a:pPr marL="514350" indent="-514350">
+              <a:buFont typeface="+mj-lt"/>
+              <a:buAutoNum type="arabicPeriod"/>
+            </a:pPr>
             <a:r>
               <a:rPr lang="en-US" dirty="0" smtClean="0"/>
               <a:t>Identify the countries where % of female graduates is less than 30%. </a:t>
             </a:r>
           </a:p>
           <a:p>
+            <a:pPr marL="514350" indent="-514350">
+              <a:buFont typeface="+mj-lt"/>
+              <a:buAutoNum type="arabicPeriod"/>
+            </a:pPr>
             <a:r>
               <a:rPr lang="en-US" dirty="0" smtClean="0"/>
               <a:t>List the average increase in female education in the U.S. from the year 2000.</a:t>
             </a:r>
           </a:p>
           <a:p>
+            <a:pPr marL="514350" indent="-514350">
+              <a:buFont typeface="+mj-lt"/>
+              <a:buAutoNum type="arabicPeriod"/>
+            </a:pPr>
             <a:r>
               <a:rPr lang="en-US" dirty="0" smtClean="0"/>
               <a:t>List the % of change in male employment from the year 2000. </a:t>
             </a:r>
           </a:p>
           <a:p>
+            <a:pPr marL="514350" indent="-514350">
+              <a:buFont typeface="+mj-lt"/>
+              <a:buAutoNum type="arabicPeriod"/>
+            </a:pPr>
             <a:r>
               <a:rPr lang="en-US" dirty="0" smtClean="0"/>
               <a:t>List the % of change in female employment from the year 2000.</a:t>
             </a:r>
           </a:p>
           <a:p>
+            <a:pPr marL="514350" indent="-514350">
+              <a:buFont typeface="+mj-lt"/>
+              <a:buAutoNum type="arabicPeriod"/>
+            </a:pPr>
             <a:r>
               <a:rPr lang="en-US" dirty="0"/>
               <a:t>E</a:t>
@@ -7795,85 +6449,6 @@
 </p:sld>
 </file>
 
-<file path=ppt/slides/slide20.xml><?xml version="1.0" encoding="utf-8"?>
-<p:sld xmlns:a="http://schemas.openxmlformats.org/drawingml/2006/main" xmlns:r="http://schemas.openxmlformats.org/officeDocument/2006/relationships" xmlns:p="http://schemas.openxmlformats.org/presentationml/2006/main">
-  <p:cSld>
-    <p:spTree>
-      <p:nvGrpSpPr>
-        <p:cNvPr id="1" name=""/>
-        <p:cNvGrpSpPr/>
-        <p:nvPr/>
-      </p:nvGrpSpPr>
-      <p:grpSpPr>
-        <a:xfrm>
-          <a:off x="0" y="0"/>
-          <a:ext cx="0" cy="0"/>
-          <a:chOff x="0" y="0"/>
-          <a:chExt cx="0" cy="0"/>
-        </a:xfrm>
-      </p:grpSpPr>
-      <p:sp>
-        <p:nvSpPr>
-          <p:cNvPr id="2" name="Title 1"/>
-          <p:cNvSpPr>
-            <a:spLocks noGrp="1"/>
-          </p:cNvSpPr>
-          <p:nvPr>
-            <p:ph type="title"/>
-          </p:nvPr>
-        </p:nvSpPr>
-        <p:spPr/>
-        <p:txBody>
-          <a:bodyPr>
-            <a:noAutofit/>
-          </a:bodyPr>
-          <a:lstStyle/>
-          <a:p>
-            <a:r>
-              <a:rPr lang="en-US" sz="3600" dirty="0" smtClean="0"/>
-              <a:t>Remaining Charts Summarizing the Results of the Second Question (Continued)</a:t>
-            </a:r>
-            <a:endParaRPr lang="en-US" sz="3600" dirty="0"/>
-          </a:p>
-        </p:txBody>
-      </p:sp>
-      <p:graphicFrame>
-        <p:nvGraphicFramePr>
-          <p:cNvPr id="3" name="Chart 2"/>
-          <p:cNvGraphicFramePr>
-            <a:graphicFrameLocks/>
-          </p:cNvGraphicFramePr>
-          <p:nvPr>
-            <p:extLst>
-              <p:ext uri="{D42A27DB-BD31-4B8C-83A1-F6EECF244321}">
-                <p14:modId xmlns:p14="http://schemas.microsoft.com/office/powerpoint/2010/main" val="3179056830"/>
-              </p:ext>
-            </p:extLst>
-          </p:nvPr>
-        </p:nvGraphicFramePr>
-        <p:xfrm>
-          <a:off x="381000" y="1524000"/>
-          <a:ext cx="8382000" cy="5029200"/>
-        </p:xfrm>
-        <a:graphic>
-          <a:graphicData uri="http://schemas.openxmlformats.org/drawingml/2006/chart">
-            <c:chart xmlns:c="http://schemas.openxmlformats.org/drawingml/2006/chart" xmlns:r="http://schemas.openxmlformats.org/officeDocument/2006/relationships" r:id="rId3"/>
-          </a:graphicData>
-        </a:graphic>
-      </p:graphicFrame>
-    </p:spTree>
-    <p:extLst>
-      <p:ext uri="{BB962C8B-B14F-4D97-AF65-F5344CB8AC3E}">
-        <p14:creationId xmlns:p14="http://schemas.microsoft.com/office/powerpoint/2010/main" val="3482806093"/>
-      </p:ext>
-    </p:extLst>
-  </p:cSld>
-  <p:clrMapOvr>
-    <a:masterClrMapping/>
-  </p:clrMapOvr>
-</p:sld>
-</file>
-
 <file path=ppt/slides/slide3.xml><?xml version="1.0" encoding="utf-8"?>
 <p:sld xmlns:a="http://schemas.openxmlformats.org/drawingml/2006/main" xmlns:r="http://schemas.openxmlformats.org/officeDocument/2006/relationships" xmlns:p="http://schemas.openxmlformats.org/presentationml/2006/main">
   <p:cSld>
@@ -7909,275 +6484,8 @@
           <a:lstStyle/>
           <a:p>
             <a:r>
-              <a:rPr lang="en-US" dirty="0" smtClean="0"/>
-              <a:t>Project Requirements</a:t>
-            </a:r>
-            <a:endParaRPr lang="en-US" dirty="0"/>
-          </a:p>
-        </p:txBody>
-      </p:sp>
-      <p:sp>
-        <p:nvSpPr>
-          <p:cNvPr id="3" name="Content Placeholder 2"/>
-          <p:cNvSpPr>
-            <a:spLocks noGrp="1"/>
-          </p:cNvSpPr>
-          <p:nvPr>
-            <p:ph idx="1"/>
-          </p:nvPr>
-        </p:nvSpPr>
-        <p:spPr/>
-        <p:txBody>
-          <a:bodyPr>
-            <a:normAutofit fontScale="92500" lnSpcReduction="10000"/>
-          </a:bodyPr>
-          <a:lstStyle/>
-          <a:p>
-            <a:r>
-              <a:rPr lang="en-US" dirty="0" smtClean="0"/>
-              <a:t>Required Technologies</a:t>
-            </a:r>
-          </a:p>
-          <a:p>
-            <a:pPr lvl="1"/>
-            <a:r>
-              <a:rPr lang="en-US" dirty="0" smtClean="0"/>
-              <a:t>HDFS</a:t>
-            </a:r>
-          </a:p>
-          <a:p>
-            <a:pPr lvl="1"/>
-            <a:r>
-              <a:rPr lang="en-US" dirty="0" smtClean="0"/>
-              <a:t>Hadoop</a:t>
-            </a:r>
-          </a:p>
-          <a:p>
-            <a:pPr lvl="1"/>
-            <a:r>
-              <a:rPr lang="en-US" dirty="0" smtClean="0"/>
-              <a:t>Map-Reduce</a:t>
-            </a:r>
-          </a:p>
-          <a:p>
-            <a:pPr lvl="1"/>
-            <a:r>
-              <a:rPr lang="en-US" dirty="0" smtClean="0"/>
-              <a:t>MR Unit for all testing</a:t>
-            </a:r>
-          </a:p>
-          <a:p>
-            <a:r>
-              <a:rPr lang="en-US" dirty="0" smtClean="0"/>
-              <a:t>Prohibited Technology</a:t>
-            </a:r>
-          </a:p>
-          <a:p>
-            <a:pPr lvl="1"/>
-            <a:r>
-              <a:rPr lang="en-US" dirty="0" smtClean="0"/>
-              <a:t>Apache’s Hive package</a:t>
-            </a:r>
-          </a:p>
-          <a:p>
-            <a:r>
-              <a:rPr lang="en-US" dirty="0" smtClean="0"/>
-              <a:t>Only allowed to use the World Bank’s collection of gender data, a csv file called “Gender_StatsData”</a:t>
-            </a:r>
-          </a:p>
-        </p:txBody>
-      </p:sp>
-    </p:spTree>
-    <p:extLst>
-      <p:ext uri="{BB962C8B-B14F-4D97-AF65-F5344CB8AC3E}">
-        <p14:creationId xmlns:p14="http://schemas.microsoft.com/office/powerpoint/2010/main" val="1701786450"/>
-      </p:ext>
-    </p:extLst>
-  </p:cSld>
-  <p:clrMapOvr>
-    <a:masterClrMapping/>
-  </p:clrMapOvr>
-  <p:timing>
-    <p:tnLst>
-      <p:par>
-        <p:cTn id="1" dur="indefinite" restart="never" nodeType="tmRoot"/>
-      </p:par>
-    </p:tnLst>
-  </p:timing>
-</p:sld>
-</file>
-
-<file path=ppt/slides/slide4.xml><?xml version="1.0" encoding="utf-8"?>
-<p:sld xmlns:a="http://schemas.openxmlformats.org/drawingml/2006/main" xmlns:r="http://schemas.openxmlformats.org/officeDocument/2006/relationships" xmlns:p="http://schemas.openxmlformats.org/presentationml/2006/main">
-  <p:cSld>
-    <p:spTree>
-      <p:nvGrpSpPr>
-        <p:cNvPr id="1" name=""/>
-        <p:cNvGrpSpPr/>
-        <p:nvPr/>
-      </p:nvGrpSpPr>
-      <p:grpSpPr>
-        <a:xfrm>
-          <a:off x="0" y="0"/>
-          <a:ext cx="0" cy="0"/>
-          <a:chOff x="0" y="0"/>
-          <a:chExt cx="0" cy="0"/>
-        </a:xfrm>
-      </p:grpSpPr>
-      <p:sp>
-        <p:nvSpPr>
-          <p:cNvPr id="2" name="Title 1"/>
-          <p:cNvSpPr>
-            <a:spLocks noGrp="1"/>
-          </p:cNvSpPr>
-          <p:nvPr>
-            <p:ph type="title"/>
-          </p:nvPr>
-        </p:nvSpPr>
-        <p:spPr/>
-        <p:txBody>
-          <a:bodyPr>
-            <a:normAutofit/>
-          </a:bodyPr>
-          <a:lstStyle/>
-          <a:p>
-            <a:r>
-              <a:rPr lang="en-US" dirty="0" smtClean="0"/>
-              <a:t>First Business Question</a:t>
-            </a:r>
-            <a:endParaRPr lang="en-US" dirty="0"/>
-          </a:p>
-        </p:txBody>
-      </p:sp>
-      <p:sp>
-        <p:nvSpPr>
-          <p:cNvPr id="3" name="Content Placeholder 2"/>
-          <p:cNvSpPr>
-            <a:spLocks noGrp="1"/>
-          </p:cNvSpPr>
-          <p:nvPr>
-            <p:ph idx="1"/>
-          </p:nvPr>
-        </p:nvSpPr>
-        <p:spPr/>
-        <p:txBody>
-          <a:bodyPr>
-            <a:normAutofit fontScale="77500" lnSpcReduction="20000"/>
-          </a:bodyPr>
-          <a:lstStyle/>
-          <a:p>
-            <a:r>
-              <a:rPr lang="en-US" dirty="0" smtClean="0"/>
-              <a:t>Original Question:</a:t>
-            </a:r>
-          </a:p>
-          <a:p>
-            <a:pPr lvl="1"/>
-            <a:r>
-              <a:rPr lang="en-US" dirty="0" smtClean="0"/>
-              <a:t>Identify the countries where % of female graduates is less than 30%. </a:t>
-            </a:r>
-          </a:p>
-          <a:p>
-            <a:r>
-              <a:rPr lang="en-US" dirty="0" smtClean="0"/>
-              <a:t>Translation by a future hadoop engineer:</a:t>
-            </a:r>
-          </a:p>
-          <a:p>
-            <a:pPr lvl="1"/>
-            <a:r>
-              <a:rPr lang="en-US" dirty="0" smtClean="0"/>
-              <a:t>Identify the countries whose most current measure of the female gross graduation ratio is less than 30%  </a:t>
-            </a:r>
-          </a:p>
-          <a:p>
-            <a:r>
-              <a:rPr lang="en-US" dirty="0" smtClean="0"/>
-              <a:t>Assumptions:</a:t>
-            </a:r>
-          </a:p>
-          <a:p>
-            <a:pPr lvl="1"/>
-            <a:r>
-              <a:rPr lang="en-US" dirty="0" smtClean="0"/>
-              <a:t>The gross graduation ratio is a valid measure of the % of female graduates</a:t>
-            </a:r>
-          </a:p>
-          <a:p>
-            <a:pPr lvl="1"/>
-            <a:r>
-              <a:rPr lang="en-US" dirty="0" smtClean="0"/>
-              <a:t>The only female graduates being considered are graduates from tertiary education programs</a:t>
-            </a:r>
-          </a:p>
-          <a:p>
-            <a:pPr lvl="1"/>
-            <a:r>
-              <a:rPr lang="en-US" dirty="0" smtClean="0"/>
-              <a:t>The requester desires the most current information on each country</a:t>
-            </a:r>
-            <a:endParaRPr lang="en-US" dirty="0"/>
-          </a:p>
-        </p:txBody>
-      </p:sp>
-    </p:spTree>
-    <p:extLst>
-      <p:ext uri="{BB962C8B-B14F-4D97-AF65-F5344CB8AC3E}">
-        <p14:creationId xmlns:p14="http://schemas.microsoft.com/office/powerpoint/2010/main" val="3891501468"/>
-      </p:ext>
-    </p:extLst>
-  </p:cSld>
-  <p:clrMapOvr>
-    <a:masterClrMapping/>
-  </p:clrMapOvr>
-  <p:timing>
-    <p:tnLst>
-      <p:par>
-        <p:cTn id="1" dur="indefinite" restart="never" nodeType="tmRoot"/>
-      </p:par>
-    </p:tnLst>
-  </p:timing>
-</p:sld>
-</file>
-
-<file path=ppt/slides/slide5.xml><?xml version="1.0" encoding="utf-8"?>
-<p:sld xmlns:a="http://schemas.openxmlformats.org/drawingml/2006/main" xmlns:r="http://schemas.openxmlformats.org/officeDocument/2006/relationships" xmlns:p="http://schemas.openxmlformats.org/presentationml/2006/main">
-  <p:cSld>
-    <p:spTree>
-      <p:nvGrpSpPr>
-        <p:cNvPr id="1" name=""/>
-        <p:cNvGrpSpPr/>
-        <p:nvPr/>
-      </p:nvGrpSpPr>
-      <p:grpSpPr>
-        <a:xfrm>
-          <a:off x="0" y="0"/>
-          <a:ext cx="0" cy="0"/>
-          <a:chOff x="0" y="0"/>
-          <a:chExt cx="0" cy="0"/>
-        </a:xfrm>
-      </p:grpSpPr>
-      <p:sp>
-        <p:nvSpPr>
-          <p:cNvPr id="2" name="Title 1"/>
-          <p:cNvSpPr>
-            <a:spLocks noGrp="1"/>
-          </p:cNvSpPr>
-          <p:nvPr>
-            <p:ph type="title"/>
-          </p:nvPr>
-        </p:nvSpPr>
-        <p:spPr/>
-        <p:txBody>
-          <a:bodyPr>
-            <a:normAutofit fontScale="90000"/>
-          </a:bodyPr>
-          <a:lstStyle/>
-          <a:p>
-            <a:r>
               <a:rPr lang="en-US" sz="3600" dirty="0" smtClean="0"/>
-              <a:t>Condensed Results from Map-Reduce Via Post-Processing of the Raw Output</a:t>
+              <a:t>Question 1 Condensed Results</a:t>
             </a:r>
             <a:endParaRPr lang="en-US" sz="3600" dirty="0"/>
           </a:p>
@@ -8324,7 +6632,7 @@
           <a:graphicData uri="http://schemas.openxmlformats.org/presentationml/2006/ole">
             <mc:AlternateContent xmlns:mc="http://schemas.openxmlformats.org/markup-compatibility/2006">
               <mc:Choice xmlns:v="urn:schemas-microsoft-com:vml" Requires="v">
-                <p:oleObj spid="_x0000_s2105" name="Worksheet" r:id="rId5" imgW="3619371" imgH="1653401" progId="Excel.Sheet.12">
+                <p:oleObj spid="_x0000_s2121" name="Worksheet" r:id="rId5" imgW="3619371" imgH="1653401" progId="Excel.Sheet.12">
                   <p:embed/>
                 </p:oleObj>
               </mc:Choice>
@@ -8379,7 +6687,7 @@
 </p:sld>
 </file>
 
-<file path=ppt/slides/slide6.xml><?xml version="1.0" encoding="utf-8"?>
+<file path=ppt/slides/slide4.xml><?xml version="1.0" encoding="utf-8"?>
 <p:sld xmlns:a="http://schemas.openxmlformats.org/drawingml/2006/main" xmlns:r="http://schemas.openxmlformats.org/officeDocument/2006/relationships" xmlns:p="http://schemas.openxmlformats.org/presentationml/2006/main">
   <p:cSld>
     <p:spTree>
@@ -8406,7 +6714,12 @@
             <p:ph type="title"/>
           </p:nvPr>
         </p:nvSpPr>
-        <p:spPr/>
+        <p:spPr>
+          <a:xfrm>
+            <a:off x="495300" y="0"/>
+            <a:ext cx="8229600" cy="1143000"/>
+          </a:xfrm>
+        </p:spPr>
         <p:txBody>
           <a:bodyPr>
             <a:noAutofit/>
@@ -8414,280 +6727,13 @@
           <a:lstStyle/>
           <a:p>
             <a:r>
-              <a:rPr lang="en-US" sz="4000" dirty="0" smtClean="0"/>
-              <a:t>Second Business Question</a:t>
-            </a:r>
-            <a:endParaRPr lang="en-US" sz="4000" dirty="0"/>
-          </a:p>
-        </p:txBody>
-      </p:sp>
-      <p:sp>
-        <p:nvSpPr>
-          <p:cNvPr id="3" name="Content Placeholder 2"/>
-          <p:cNvSpPr>
-            <a:spLocks noGrp="1"/>
-          </p:cNvSpPr>
-          <p:nvPr>
-            <p:ph idx="1"/>
-          </p:nvPr>
-        </p:nvSpPr>
-        <p:spPr/>
-        <p:txBody>
-          <a:bodyPr>
-            <a:normAutofit fontScale="77500" lnSpcReduction="20000"/>
-          </a:bodyPr>
-          <a:lstStyle/>
-          <a:p>
-            <a:r>
-              <a:rPr lang="en-US" dirty="0" smtClean="0"/>
-              <a:t>Original Question:</a:t>
-            </a:r>
-          </a:p>
-          <a:p>
-            <a:pPr lvl="1"/>
-            <a:r>
-              <a:rPr lang="en-US" dirty="0" smtClean="0"/>
-              <a:t>List the average increase in female education in the U.S. from the year 2000.</a:t>
-            </a:r>
-          </a:p>
-          <a:p>
-            <a:r>
-              <a:rPr lang="en-US" dirty="0" smtClean="0"/>
-              <a:t>Translation by a future hadoop engineer:</a:t>
-            </a:r>
-          </a:p>
-          <a:p>
-            <a:pPr lvl="1"/>
-            <a:r>
-              <a:rPr lang="en-US" dirty="0" smtClean="0"/>
-              <a:t>Determine the average absolute % change in the gender parity index (GPI) as measured on each of the three major levels of education in the U.S. within the years 2000 and 2016.</a:t>
-            </a:r>
-          </a:p>
-          <a:p>
-            <a:r>
-              <a:rPr lang="en-US" dirty="0" smtClean="0"/>
-              <a:t>Assumptions and Definitions:</a:t>
-            </a:r>
-          </a:p>
-          <a:p>
-            <a:pPr lvl="1"/>
-            <a:r>
-              <a:rPr lang="en-US" dirty="0" smtClean="0"/>
-              <a:t>The GPI is the ratio of female enrollment to male enrollment within a given level of education.  The dataset provides a GPI for primary, secondary, primary + secondary, and tertiary education</a:t>
-            </a:r>
-          </a:p>
-          <a:p>
-            <a:pPr lvl="1"/>
-            <a:r>
-              <a:rPr lang="en-US" dirty="0" smtClean="0"/>
-              <a:t>Assumed that the requestor accepts the GPI </a:t>
-            </a:r>
-            <a:r>
-              <a:rPr lang="en-US" dirty="0"/>
-              <a:t>a</a:t>
-            </a:r>
-            <a:r>
-              <a:rPr lang="en-US" dirty="0" smtClean="0"/>
-              <a:t>s a valid metric for tracking trends in female education</a:t>
-            </a:r>
-          </a:p>
-          <a:p>
-            <a:endParaRPr lang="en-US" dirty="0"/>
-          </a:p>
-        </p:txBody>
-      </p:sp>
-    </p:spTree>
-    <p:extLst>
-      <p:ext uri="{BB962C8B-B14F-4D97-AF65-F5344CB8AC3E}">
-        <p14:creationId xmlns:p14="http://schemas.microsoft.com/office/powerpoint/2010/main" val="2241298000"/>
-      </p:ext>
-    </p:extLst>
-  </p:cSld>
-  <p:clrMapOvr>
-    <a:masterClrMapping/>
-  </p:clrMapOvr>
-</p:sld>
-</file>
-
-<file path=ppt/slides/slide7.xml><?xml version="1.0" encoding="utf-8"?>
-<p:sld xmlns:a="http://schemas.openxmlformats.org/drawingml/2006/main" xmlns:r="http://schemas.openxmlformats.org/officeDocument/2006/relationships" xmlns:p="http://schemas.openxmlformats.org/presentationml/2006/main">
-  <p:cSld>
-    <p:spTree>
-      <p:nvGrpSpPr>
-        <p:cNvPr id="1" name=""/>
-        <p:cNvGrpSpPr/>
-        <p:nvPr/>
-      </p:nvGrpSpPr>
-      <p:grpSpPr>
-        <a:xfrm>
-          <a:off x="0" y="0"/>
-          <a:ext cx="0" cy="0"/>
-          <a:chOff x="0" y="0"/>
-          <a:chExt cx="0" cy="0"/>
-        </a:xfrm>
-      </p:grpSpPr>
-      <p:sp>
-        <p:nvSpPr>
-          <p:cNvPr id="2" name="Title 1"/>
-          <p:cNvSpPr>
-            <a:spLocks noGrp="1"/>
-          </p:cNvSpPr>
-          <p:nvPr>
-            <p:ph type="title"/>
-          </p:nvPr>
-        </p:nvSpPr>
-        <p:spPr/>
-        <p:txBody>
-          <a:bodyPr>
-            <a:normAutofit fontScale="90000"/>
-          </a:bodyPr>
-          <a:lstStyle/>
-          <a:p>
-            <a:r>
-              <a:rPr lang="en-US" dirty="0" smtClean="0"/>
-              <a:t>Hadoop Output and Post-Processing</a:t>
-            </a:r>
-            <a:endParaRPr lang="en-US" dirty="0"/>
-          </a:p>
-        </p:txBody>
-      </p:sp>
-      <p:sp>
-        <p:nvSpPr>
-          <p:cNvPr id="3" name="Content Placeholder 2"/>
-          <p:cNvSpPr>
-            <a:spLocks noGrp="1"/>
-          </p:cNvSpPr>
-          <p:nvPr>
-            <p:ph idx="1"/>
-          </p:nvPr>
-        </p:nvSpPr>
-        <p:spPr/>
-        <p:txBody>
-          <a:bodyPr>
-            <a:normAutofit lnSpcReduction="10000"/>
-          </a:bodyPr>
-          <a:lstStyle/>
-          <a:p>
-            <a:r>
-              <a:rPr lang="en-US" dirty="0" smtClean="0"/>
-              <a:t>Results of the map-reduce job:</a:t>
-            </a:r>
-          </a:p>
-          <a:p>
-            <a:pPr lvl="1"/>
-            <a:r>
-              <a:rPr lang="en-US" dirty="0" smtClean="0"/>
-              <a:t>Produced normalized pairwise % differences in the GPI for each consecutive year of data</a:t>
-            </a:r>
-          </a:p>
-          <a:p>
-            <a:pPr lvl="1"/>
-            <a:r>
-              <a:rPr lang="en-US" dirty="0" smtClean="0"/>
-              <a:t>The total output of values was grouped into four buckets, with each bucket representing the four education groups that the GPI was recorded for </a:t>
-            </a:r>
-          </a:p>
-          <a:p>
-            <a:r>
-              <a:rPr lang="en-US" dirty="0" smtClean="0"/>
-              <a:t>Post-processing in Excel:</a:t>
-            </a:r>
-          </a:p>
-          <a:p>
-            <a:pPr lvl="1"/>
-            <a:r>
-              <a:rPr lang="en-US" dirty="0" smtClean="0"/>
-              <a:t>Taking the absolute value of each pairwise % difference</a:t>
-            </a:r>
-          </a:p>
-          <a:p>
-            <a:pPr lvl="1"/>
-            <a:r>
-              <a:rPr lang="en-US" dirty="0" smtClean="0"/>
-              <a:t>Computing an average for each education group</a:t>
-            </a:r>
-          </a:p>
-        </p:txBody>
-      </p:sp>
-    </p:spTree>
-    <p:extLst>
-      <p:ext uri="{BB962C8B-B14F-4D97-AF65-F5344CB8AC3E}">
-        <p14:creationId xmlns:p14="http://schemas.microsoft.com/office/powerpoint/2010/main" val="497889771"/>
-      </p:ext>
-    </p:extLst>
-  </p:cSld>
-  <p:clrMapOvr>
-    <a:masterClrMapping/>
-  </p:clrMapOvr>
-</p:sld>
-</file>
-
-<file path=ppt/slides/slide8.xml><?xml version="1.0" encoding="utf-8"?>
-<p:sld xmlns:a="http://schemas.openxmlformats.org/drawingml/2006/main" xmlns:r="http://schemas.openxmlformats.org/officeDocument/2006/relationships" xmlns:p="http://schemas.openxmlformats.org/presentationml/2006/main">
-  <p:cSld>
-    <p:spTree>
-      <p:nvGrpSpPr>
-        <p:cNvPr id="1" name=""/>
-        <p:cNvGrpSpPr/>
-        <p:nvPr/>
-      </p:nvGrpSpPr>
-      <p:grpSpPr>
-        <a:xfrm>
-          <a:off x="0" y="0"/>
-          <a:ext cx="0" cy="0"/>
-          <a:chOff x="0" y="0"/>
-          <a:chExt cx="0" cy="0"/>
-        </a:xfrm>
-      </p:grpSpPr>
-      <p:sp>
-        <p:nvSpPr>
-          <p:cNvPr id="2" name="Title 1"/>
-          <p:cNvSpPr>
-            <a:spLocks noGrp="1"/>
-          </p:cNvSpPr>
-          <p:nvPr>
-            <p:ph type="title"/>
-          </p:nvPr>
-        </p:nvSpPr>
-        <p:spPr/>
-        <p:txBody>
-          <a:bodyPr>
-            <a:noAutofit/>
-          </a:bodyPr>
-          <a:lstStyle/>
-          <a:p>
-            <a:r>
               <a:rPr lang="en-US" sz="3600" dirty="0" smtClean="0"/>
-              <a:t>Condensed Results from Map-Reduce and Post-Processing of the Raw Output</a:t>
+              <a:t>Question 2 Condensed Results</a:t>
             </a:r>
             <a:endParaRPr lang="en-US" sz="3600" dirty="0"/>
           </a:p>
         </p:txBody>
       </p:sp>
-      <p:graphicFrame>
-        <p:nvGraphicFramePr>
-          <p:cNvPr id="4" name="Chart 3"/>
-          <p:cNvGraphicFramePr>
-            <a:graphicFrameLocks/>
-          </p:cNvGraphicFramePr>
-          <p:nvPr>
-            <p:extLst>
-              <p:ext uri="{D42A27DB-BD31-4B8C-83A1-F6EECF244321}">
-                <p14:modId xmlns:p14="http://schemas.microsoft.com/office/powerpoint/2010/main" val="3251338744"/>
-              </p:ext>
-            </p:extLst>
-          </p:nvPr>
-        </p:nvGraphicFramePr>
-        <p:xfrm>
-          <a:off x="594334" y="1447800"/>
-          <a:ext cx="7863866" cy="3429000"/>
-        </p:xfrm>
-        <a:graphic>
-          <a:graphicData uri="http://schemas.openxmlformats.org/drawingml/2006/chart">
-            <c:chart xmlns:c="http://schemas.openxmlformats.org/drawingml/2006/chart" xmlns:r="http://schemas.openxmlformats.org/officeDocument/2006/relationships" r:id="rId3"/>
-          </a:graphicData>
-        </a:graphic>
-      </p:graphicFrame>
       <p:graphicFrame>
         <p:nvGraphicFramePr>
           <p:cNvPr id="7" name="Table 6"/>
@@ -8697,7 +6743,7 @@
           <p:nvPr>
             <p:extLst>
               <p:ext uri="{D42A27DB-BD31-4B8C-83A1-F6EECF244321}">
-                <p14:modId xmlns:p14="http://schemas.microsoft.com/office/powerpoint/2010/main" val="1916153463"/>
+                <p14:modId xmlns:p14="http://schemas.microsoft.com/office/powerpoint/2010/main" val="782152549"/>
               </p:ext>
             </p:extLst>
           </p:nvPr>
@@ -8868,14 +6914,14 @@
                       <a:r>
                         <a:rPr lang="en-US" dirty="0" smtClean="0">
                           <a:solidFill>
-                            <a:schemeClr val="tx1"/>
+                            <a:srgbClr val="FF0000"/>
                           </a:solidFill>
                         </a:rPr>
                         <a:t>Secondary Education</a:t>
                       </a:r>
                       <a:endParaRPr lang="en-US" dirty="0">
                         <a:solidFill>
-                          <a:schemeClr val="tx1"/>
+                          <a:srgbClr val="FF0000"/>
                         </a:solidFill>
                       </a:endParaRPr>
                     </a:p>
@@ -9115,7 +7161,11 @@
                     <a:lstStyle/>
                     <a:p>
                       <a:r>
-                        <a:rPr lang="en-US" dirty="0" smtClean="0"/>
+                        <a:rPr lang="en-US" dirty="0" smtClean="0">
+                          <a:solidFill>
+                            <a:srgbClr val="FF0000"/>
+                          </a:solidFill>
+                        </a:rPr>
                         <a:t>1.025%</a:t>
                       </a:r>
                     </a:p>
@@ -9284,7 +7334,15 @@
           <a:p>
             <a:r>
               <a:rPr lang="en-US" dirty="0" smtClean="0"/>
-              <a:t>NOTE:  See the slide backups section for scatter plots for the other three education groups</a:t>
+              <a:t>NOTE:  See the slide backups section for scatter plots for the other </a:t>
+            </a:r>
+            <a:r>
+              <a:rPr lang="en-US" dirty="0" smtClean="0"/>
+              <a:t>two </a:t>
+            </a:r>
+            <a:r>
+              <a:rPr lang="en-US" dirty="0" smtClean="0"/>
+              <a:t>education groups</a:t>
             </a:r>
             <a:endParaRPr lang="en-US" dirty="0"/>
           </a:p>
@@ -9325,10 +7383,767 @@
           </a:p>
         </p:txBody>
       </p:sp>
+      <p:pic>
+        <p:nvPicPr>
+          <p:cNvPr id="3076" name="Picture 4"/>
+          <p:cNvPicPr>
+            <a:picLocks noChangeAspect="1" noChangeArrowheads="1"/>
+          </p:cNvPicPr>
+          <p:nvPr/>
+        </p:nvPicPr>
+        <p:blipFill>
+          <a:blip r:embed="rId3">
+            <a:extLst>
+              <a:ext uri="{28A0092B-C50C-407E-A947-70E740481C1C}">
+                <a14:useLocalDpi xmlns:a14="http://schemas.microsoft.com/office/drawing/2010/main" val="0"/>
+              </a:ext>
+            </a:extLst>
+          </a:blip>
+          <a:srcRect/>
+          <a:stretch>
+            <a:fillRect/>
+          </a:stretch>
+        </p:blipFill>
+        <p:spPr bwMode="auto">
+          <a:xfrm>
+            <a:off x="76200" y="1142999"/>
+            <a:ext cx="4419600" cy="3571875"/>
+          </a:xfrm>
+          <a:prstGeom prst="rect">
+            <a:avLst/>
+          </a:prstGeom>
+          <a:noFill/>
+          <a:ln>
+            <a:noFill/>
+          </a:ln>
+          <a:effectLst/>
+          <a:extLst>
+            <a:ext uri="{909E8E84-426E-40DD-AFC4-6F175D3DCCD1}">
+              <a14:hiddenFill xmlns:a14="http://schemas.microsoft.com/office/drawing/2010/main">
+                <a:solidFill>
+                  <a:schemeClr val="accent1"/>
+                </a:solidFill>
+              </a14:hiddenFill>
+            </a:ext>
+            <a:ext uri="{91240B29-F687-4F45-9708-019B960494DF}">
+              <a14:hiddenLine xmlns:a14="http://schemas.microsoft.com/office/drawing/2010/main" w="9525">
+                <a:solidFill>
+                  <a:schemeClr val="tx1"/>
+                </a:solidFill>
+                <a:miter lim="800000"/>
+                <a:headEnd/>
+                <a:tailEnd/>
+              </a14:hiddenLine>
+            </a:ext>
+            <a:ext uri="{AF507438-7753-43E0-B8FC-AC1667EBCBE1}">
+              <a14:hiddenEffects xmlns:a14="http://schemas.microsoft.com/office/drawing/2010/main">
+                <a:effectLst>
+                  <a:outerShdw dist="35921" dir="2700000" algn="ctr" rotWithShape="0">
+                    <a:schemeClr val="bg2"/>
+                  </a:outerShdw>
+                </a:effectLst>
+              </a14:hiddenEffects>
+            </a:ext>
+          </a:extLst>
+        </p:spPr>
+      </p:pic>
+      <p:pic>
+        <p:nvPicPr>
+          <p:cNvPr id="3077" name="Picture 5"/>
+          <p:cNvPicPr>
+            <a:picLocks noChangeAspect="1" noChangeArrowheads="1"/>
+          </p:cNvPicPr>
+          <p:nvPr/>
+        </p:nvPicPr>
+        <p:blipFill>
+          <a:blip r:embed="rId4">
+            <a:extLst>
+              <a:ext uri="{28A0092B-C50C-407E-A947-70E740481C1C}">
+                <a14:useLocalDpi xmlns:a14="http://schemas.microsoft.com/office/drawing/2010/main" val="0"/>
+              </a:ext>
+            </a:extLst>
+          </a:blip>
+          <a:srcRect/>
+          <a:stretch>
+            <a:fillRect/>
+          </a:stretch>
+        </p:blipFill>
+        <p:spPr bwMode="auto">
+          <a:xfrm>
+            <a:off x="4544314" y="1133855"/>
+            <a:ext cx="4451128" cy="3581019"/>
+          </a:xfrm>
+          <a:prstGeom prst="rect">
+            <a:avLst/>
+          </a:prstGeom>
+          <a:noFill/>
+          <a:ln>
+            <a:noFill/>
+          </a:ln>
+          <a:effectLst/>
+          <a:extLst>
+            <a:ext uri="{909E8E84-426E-40DD-AFC4-6F175D3DCCD1}">
+              <a14:hiddenFill xmlns:a14="http://schemas.microsoft.com/office/drawing/2010/main">
+                <a:solidFill>
+                  <a:schemeClr val="accent1"/>
+                </a:solidFill>
+              </a14:hiddenFill>
+            </a:ext>
+            <a:ext uri="{91240B29-F687-4F45-9708-019B960494DF}">
+              <a14:hiddenLine xmlns:a14="http://schemas.microsoft.com/office/drawing/2010/main" w="9525">
+                <a:solidFill>
+                  <a:schemeClr val="tx1"/>
+                </a:solidFill>
+                <a:miter lim="800000"/>
+                <a:headEnd/>
+                <a:tailEnd/>
+              </a14:hiddenLine>
+            </a:ext>
+            <a:ext uri="{AF507438-7753-43E0-B8FC-AC1667EBCBE1}">
+              <a14:hiddenEffects xmlns:a14="http://schemas.microsoft.com/office/drawing/2010/main">
+                <a:effectLst>
+                  <a:outerShdw dist="35921" dir="2700000" algn="ctr" rotWithShape="0">
+                    <a:schemeClr val="bg2"/>
+                  </a:outerShdw>
+                </a:effectLst>
+              </a14:hiddenEffects>
+            </a:ext>
+          </a:extLst>
+        </p:spPr>
+      </p:pic>
     </p:spTree>
     <p:extLst>
       <p:ext uri="{BB962C8B-B14F-4D97-AF65-F5344CB8AC3E}">
         <p14:creationId xmlns:p14="http://schemas.microsoft.com/office/powerpoint/2010/main" val="1865124208"/>
+      </p:ext>
+    </p:extLst>
+  </p:cSld>
+  <p:clrMapOvr>
+    <a:masterClrMapping/>
+  </p:clrMapOvr>
+</p:sld>
+</file>
+
+<file path=ppt/slides/slide5.xml><?xml version="1.0" encoding="utf-8"?>
+<p:sld xmlns:a="http://schemas.openxmlformats.org/drawingml/2006/main" xmlns:r="http://schemas.openxmlformats.org/officeDocument/2006/relationships" xmlns:p="http://schemas.openxmlformats.org/presentationml/2006/main">
+  <p:cSld>
+    <p:spTree>
+      <p:nvGrpSpPr>
+        <p:cNvPr id="1" name=""/>
+        <p:cNvGrpSpPr/>
+        <p:nvPr/>
+      </p:nvGrpSpPr>
+      <p:grpSpPr>
+        <a:xfrm>
+          <a:off x="0" y="0"/>
+          <a:ext cx="0" cy="0"/>
+          <a:chOff x="0" y="0"/>
+          <a:chExt cx="0" cy="0"/>
+        </a:xfrm>
+      </p:grpSpPr>
+      <p:sp>
+        <p:nvSpPr>
+          <p:cNvPr id="2" name="Title 1"/>
+          <p:cNvSpPr>
+            <a:spLocks noGrp="1"/>
+          </p:cNvSpPr>
+          <p:nvPr>
+            <p:ph type="title"/>
+          </p:nvPr>
+        </p:nvSpPr>
+        <p:spPr/>
+        <p:txBody>
+          <a:bodyPr>
+            <a:noAutofit/>
+          </a:bodyPr>
+          <a:lstStyle/>
+          <a:p>
+            <a:r>
+              <a:rPr lang="en-US" sz="3600" dirty="0" smtClean="0"/>
+              <a:t>Question </a:t>
+            </a:r>
+            <a:r>
+              <a:rPr lang="en-US" sz="3600" dirty="0" smtClean="0"/>
+              <a:t>3 R</a:t>
+            </a:r>
+            <a:r>
+              <a:rPr lang="en-US" sz="3600" dirty="0" smtClean="0"/>
+              <a:t>esults</a:t>
+            </a:r>
+            <a:endParaRPr lang="en-US" sz="3600" dirty="0"/>
+          </a:p>
+        </p:txBody>
+      </p:sp>
+      <p:graphicFrame>
+        <p:nvGraphicFramePr>
+          <p:cNvPr id="4" name="Chart 3"/>
+          <p:cNvGraphicFramePr>
+            <a:graphicFrameLocks/>
+          </p:cNvGraphicFramePr>
+          <p:nvPr>
+            <p:extLst>
+              <p:ext uri="{D42A27DB-BD31-4B8C-83A1-F6EECF244321}">
+                <p14:modId xmlns:p14="http://schemas.microsoft.com/office/powerpoint/2010/main" val="3013883198"/>
+              </p:ext>
+            </p:extLst>
+          </p:nvPr>
+        </p:nvGraphicFramePr>
+        <p:xfrm>
+          <a:off x="1752600" y="1600200"/>
+          <a:ext cx="5753100" cy="4366260"/>
+        </p:xfrm>
+        <a:graphic>
+          <a:graphicData uri="http://schemas.openxmlformats.org/drawingml/2006/chart">
+            <c:chart xmlns:c="http://schemas.openxmlformats.org/drawingml/2006/chart" xmlns:r="http://schemas.openxmlformats.org/officeDocument/2006/relationships" r:id="rId2"/>
+          </a:graphicData>
+        </a:graphic>
+      </p:graphicFrame>
+      <p:sp>
+        <p:nvSpPr>
+          <p:cNvPr id="5" name="TextBox 4"/>
+          <p:cNvSpPr txBox="1"/>
+          <p:nvPr/>
+        </p:nvSpPr>
+        <p:spPr>
+          <a:xfrm>
+            <a:off x="1524000" y="6220536"/>
+            <a:ext cx="6232796" cy="369332"/>
+          </a:xfrm>
+          <a:prstGeom prst="rect">
+            <a:avLst/>
+          </a:prstGeom>
+          <a:noFill/>
+          <a:ln>
+            <a:solidFill>
+              <a:schemeClr val="tx1"/>
+            </a:solidFill>
+          </a:ln>
+        </p:spPr>
+        <p:txBody>
+          <a:bodyPr wrap="none" rtlCol="0">
+            <a:spAutoFit/>
+          </a:bodyPr>
+          <a:lstStyle/>
+          <a:p>
+            <a:r>
+              <a:rPr lang="en-US" dirty="0" smtClean="0"/>
+              <a:t>NOTE:  See </a:t>
+            </a:r>
+            <a:r>
+              <a:rPr lang="en-US" dirty="0" smtClean="0"/>
+              <a:t>accompanying Excel document for the</a:t>
+            </a:r>
+            <a:r>
+              <a:rPr lang="en-US" dirty="0" smtClean="0"/>
+              <a:t> table</a:t>
+            </a:r>
+            <a:r>
+              <a:rPr lang="en-US" dirty="0" smtClean="0"/>
+              <a:t> </a:t>
+            </a:r>
+            <a:r>
+              <a:rPr lang="en-US" dirty="0" smtClean="0"/>
+              <a:t>of results</a:t>
+            </a:r>
+            <a:endParaRPr lang="en-US" dirty="0"/>
+          </a:p>
+        </p:txBody>
+      </p:sp>
+    </p:spTree>
+    <p:extLst>
+      <p:ext uri="{BB962C8B-B14F-4D97-AF65-F5344CB8AC3E}">
+        <p14:creationId xmlns:p14="http://schemas.microsoft.com/office/powerpoint/2010/main" val="377723787"/>
+      </p:ext>
+    </p:extLst>
+  </p:cSld>
+  <p:clrMapOvr>
+    <a:masterClrMapping/>
+  </p:clrMapOvr>
+</p:sld>
+</file>
+
+<file path=ppt/slides/slide6.xml><?xml version="1.0" encoding="utf-8"?>
+<p:sld xmlns:a="http://schemas.openxmlformats.org/drawingml/2006/main" xmlns:r="http://schemas.openxmlformats.org/officeDocument/2006/relationships" xmlns:p="http://schemas.openxmlformats.org/presentationml/2006/main">
+  <p:cSld>
+    <p:spTree>
+      <p:nvGrpSpPr>
+        <p:cNvPr id="1" name=""/>
+        <p:cNvGrpSpPr/>
+        <p:nvPr/>
+      </p:nvGrpSpPr>
+      <p:grpSpPr>
+        <a:xfrm>
+          <a:off x="0" y="0"/>
+          <a:ext cx="0" cy="0"/>
+          <a:chOff x="0" y="0"/>
+          <a:chExt cx="0" cy="0"/>
+        </a:xfrm>
+      </p:grpSpPr>
+      <p:sp>
+        <p:nvSpPr>
+          <p:cNvPr id="2" name="Title 1"/>
+          <p:cNvSpPr>
+            <a:spLocks noGrp="1"/>
+          </p:cNvSpPr>
+          <p:nvPr>
+            <p:ph type="title"/>
+          </p:nvPr>
+        </p:nvSpPr>
+        <p:spPr/>
+        <p:txBody>
+          <a:bodyPr>
+            <a:noAutofit/>
+          </a:bodyPr>
+          <a:lstStyle/>
+          <a:p>
+            <a:r>
+              <a:rPr lang="en-US" sz="3600" dirty="0" smtClean="0"/>
+              <a:t>Question 4 Results</a:t>
+            </a:r>
+            <a:endParaRPr lang="en-US" sz="3600" dirty="0"/>
+          </a:p>
+        </p:txBody>
+      </p:sp>
+      <p:graphicFrame>
+        <p:nvGraphicFramePr>
+          <p:cNvPr id="4" name="Chart 3"/>
+          <p:cNvGraphicFramePr>
+            <a:graphicFrameLocks/>
+          </p:cNvGraphicFramePr>
+          <p:nvPr>
+            <p:extLst>
+              <p:ext uri="{D42A27DB-BD31-4B8C-83A1-F6EECF244321}">
+                <p14:modId xmlns:p14="http://schemas.microsoft.com/office/powerpoint/2010/main" val="489046154"/>
+              </p:ext>
+            </p:extLst>
+          </p:nvPr>
+        </p:nvGraphicFramePr>
+        <p:xfrm>
+          <a:off x="457200" y="1447800"/>
+          <a:ext cx="5791200" cy="4876800"/>
+        </p:xfrm>
+        <a:graphic>
+          <a:graphicData uri="http://schemas.openxmlformats.org/drawingml/2006/chart">
+            <c:chart xmlns:c="http://schemas.openxmlformats.org/drawingml/2006/chart" xmlns:r="http://schemas.openxmlformats.org/officeDocument/2006/relationships" r:id="rId2"/>
+          </a:graphicData>
+        </a:graphic>
+      </p:graphicFrame>
+      <p:sp>
+        <p:nvSpPr>
+          <p:cNvPr id="6" name="TextBox 5"/>
+          <p:cNvSpPr txBox="1"/>
+          <p:nvPr/>
+        </p:nvSpPr>
+        <p:spPr>
+          <a:xfrm>
+            <a:off x="6553200" y="1600200"/>
+            <a:ext cx="2241319" cy="2031325"/>
+          </a:xfrm>
+          <a:prstGeom prst="rect">
+            <a:avLst/>
+          </a:prstGeom>
+          <a:noFill/>
+          <a:ln>
+            <a:solidFill>
+              <a:schemeClr val="tx1"/>
+            </a:solidFill>
+          </a:ln>
+        </p:spPr>
+        <p:txBody>
+          <a:bodyPr wrap="none" rtlCol="0">
+            <a:spAutoFit/>
+          </a:bodyPr>
+          <a:lstStyle/>
+          <a:p>
+            <a:r>
+              <a:rPr lang="en-US" dirty="0" smtClean="0"/>
+              <a:t>Twenty of the Highest</a:t>
+            </a:r>
+          </a:p>
+          <a:p>
+            <a:r>
+              <a:rPr lang="en-US" dirty="0" smtClean="0"/>
+              <a:t>Overall % Changes in</a:t>
+            </a:r>
+          </a:p>
+          <a:p>
+            <a:r>
+              <a:rPr lang="en-US" dirty="0" smtClean="0"/>
+              <a:t>Female Employment</a:t>
+            </a:r>
+          </a:p>
+          <a:p>
+            <a:r>
+              <a:rPr lang="en-US" dirty="0" smtClean="0"/>
+              <a:t>To Population Ratio</a:t>
+            </a:r>
+          </a:p>
+          <a:p>
+            <a:r>
+              <a:rPr lang="en-US" dirty="0" smtClean="0"/>
+              <a:t>As Measured Over</a:t>
+            </a:r>
+          </a:p>
+          <a:p>
+            <a:r>
+              <a:rPr lang="en-US" dirty="0" smtClean="0"/>
+              <a:t>the Year Interval 2000</a:t>
+            </a:r>
+          </a:p>
+          <a:p>
+            <a:r>
+              <a:rPr lang="en-US" dirty="0" smtClean="0"/>
+              <a:t>To 2016</a:t>
+            </a:r>
+            <a:endParaRPr lang="en-US" dirty="0"/>
+          </a:p>
+        </p:txBody>
+      </p:sp>
+      <p:sp>
+        <p:nvSpPr>
+          <p:cNvPr id="7" name="TextBox 6"/>
+          <p:cNvSpPr txBox="1"/>
+          <p:nvPr/>
+        </p:nvSpPr>
+        <p:spPr>
+          <a:xfrm>
+            <a:off x="228600" y="6426106"/>
+            <a:ext cx="6232796" cy="369332"/>
+          </a:xfrm>
+          <a:prstGeom prst="rect">
+            <a:avLst/>
+          </a:prstGeom>
+          <a:noFill/>
+          <a:ln>
+            <a:solidFill>
+              <a:schemeClr val="tx1"/>
+            </a:solidFill>
+          </a:ln>
+        </p:spPr>
+        <p:txBody>
+          <a:bodyPr wrap="none" rtlCol="0">
+            <a:spAutoFit/>
+          </a:bodyPr>
+          <a:lstStyle/>
+          <a:p>
+            <a:r>
+              <a:rPr lang="en-US" dirty="0" smtClean="0"/>
+              <a:t>NOTE:  See </a:t>
+            </a:r>
+            <a:r>
+              <a:rPr lang="en-US" dirty="0" smtClean="0"/>
+              <a:t>accompanying Excel document for the</a:t>
+            </a:r>
+            <a:r>
+              <a:rPr lang="en-US" dirty="0" smtClean="0"/>
+              <a:t> table</a:t>
+            </a:r>
+            <a:r>
+              <a:rPr lang="en-US" dirty="0" smtClean="0"/>
+              <a:t> </a:t>
+            </a:r>
+            <a:r>
+              <a:rPr lang="en-US" dirty="0" smtClean="0"/>
+              <a:t>of results</a:t>
+            </a:r>
+            <a:endParaRPr lang="en-US" dirty="0"/>
+          </a:p>
+        </p:txBody>
+      </p:sp>
+    </p:spTree>
+    <p:extLst>
+      <p:ext uri="{BB962C8B-B14F-4D97-AF65-F5344CB8AC3E}">
+        <p14:creationId xmlns:p14="http://schemas.microsoft.com/office/powerpoint/2010/main" val="2015401719"/>
+      </p:ext>
+    </p:extLst>
+  </p:cSld>
+  <p:clrMapOvr>
+    <a:masterClrMapping/>
+  </p:clrMapOvr>
+</p:sld>
+</file>
+
+<file path=ppt/slides/slide7.xml><?xml version="1.0" encoding="utf-8"?>
+<p:sld xmlns:a="http://schemas.openxmlformats.org/drawingml/2006/main" xmlns:r="http://schemas.openxmlformats.org/officeDocument/2006/relationships" xmlns:p="http://schemas.openxmlformats.org/presentationml/2006/main">
+  <p:cSld>
+    <p:spTree>
+      <p:nvGrpSpPr>
+        <p:cNvPr id="1" name=""/>
+        <p:cNvGrpSpPr/>
+        <p:nvPr/>
+      </p:nvGrpSpPr>
+      <p:grpSpPr>
+        <a:xfrm>
+          <a:off x="0" y="0"/>
+          <a:ext cx="0" cy="0"/>
+          <a:chOff x="0" y="0"/>
+          <a:chExt cx="0" cy="0"/>
+        </a:xfrm>
+      </p:grpSpPr>
+      <p:sp>
+        <p:nvSpPr>
+          <p:cNvPr id="2" name="Title 1"/>
+          <p:cNvSpPr>
+            <a:spLocks noGrp="1"/>
+          </p:cNvSpPr>
+          <p:nvPr>
+            <p:ph type="title"/>
+          </p:nvPr>
+        </p:nvSpPr>
+        <p:spPr/>
+        <p:txBody>
+          <a:bodyPr/>
+          <a:lstStyle/>
+          <a:p>
+            <a:r>
+              <a:rPr lang="en-US" dirty="0" smtClean="0"/>
+              <a:t>Question 5</a:t>
+            </a:r>
+            <a:endParaRPr lang="en-US" dirty="0"/>
+          </a:p>
+        </p:txBody>
+      </p:sp>
+      <p:sp>
+        <p:nvSpPr>
+          <p:cNvPr id="3" name="Content Placeholder 2"/>
+          <p:cNvSpPr>
+            <a:spLocks noGrp="1"/>
+          </p:cNvSpPr>
+          <p:nvPr>
+            <p:ph idx="1"/>
+          </p:nvPr>
+        </p:nvSpPr>
+        <p:spPr/>
+        <p:txBody>
+          <a:bodyPr>
+            <a:normAutofit fontScale="85000" lnSpcReduction="10000"/>
+          </a:bodyPr>
+          <a:lstStyle/>
+          <a:p>
+            <a:r>
+              <a:rPr lang="en-US" dirty="0" smtClean="0"/>
+              <a:t>Considered the founding of Revature back in 2003</a:t>
+            </a:r>
+          </a:p>
+          <a:p>
+            <a:r>
+              <a:rPr lang="en-US" dirty="0"/>
+              <a:t>The provided csv file contained data for each country and region on two </a:t>
+            </a:r>
+            <a:r>
+              <a:rPr lang="en-US" dirty="0" smtClean="0"/>
+              <a:t>of the major factors </a:t>
+            </a:r>
+            <a:r>
+              <a:rPr lang="en-US" dirty="0"/>
+              <a:t>related to creating a new business:</a:t>
+            </a:r>
+          </a:p>
+          <a:p>
+            <a:pPr marL="971550" lvl="1" indent="-514350">
+              <a:buFont typeface="+mj-lt"/>
+              <a:buAutoNum type="arabicPeriod"/>
+            </a:pPr>
+            <a:r>
+              <a:rPr lang="en-US" dirty="0"/>
+              <a:t>The time in days required to do start up the business</a:t>
+            </a:r>
+          </a:p>
+          <a:p>
+            <a:pPr marL="971550" lvl="1" indent="-514350">
+              <a:buFont typeface="+mj-lt"/>
+              <a:buAutoNum type="arabicPeriod"/>
+            </a:pPr>
+            <a:r>
+              <a:rPr lang="en-US" dirty="0"/>
+              <a:t>The number of procedures necessary to register the </a:t>
+            </a:r>
+            <a:r>
+              <a:rPr lang="en-US" dirty="0" smtClean="0"/>
+              <a:t>business</a:t>
+            </a:r>
+          </a:p>
+          <a:p>
+            <a:r>
+              <a:rPr lang="en-US" dirty="0" smtClean="0">
+                <a:solidFill>
+                  <a:srgbClr val="FF0000"/>
+                </a:solidFill>
+              </a:rPr>
+              <a:t>Custom business </a:t>
+            </a:r>
+            <a:r>
+              <a:rPr lang="en-US" dirty="0" smtClean="0">
+                <a:solidFill>
+                  <a:srgbClr val="FF0000"/>
+                </a:solidFill>
+              </a:rPr>
+              <a:t>question:</a:t>
+            </a:r>
+            <a:endParaRPr lang="en-US" dirty="0" smtClean="0">
+              <a:solidFill>
+                <a:srgbClr val="FF0000"/>
+              </a:solidFill>
+            </a:endParaRPr>
+          </a:p>
+          <a:p>
+            <a:pPr lvl="1"/>
+            <a:r>
+              <a:rPr lang="en-US" dirty="0" smtClean="0">
+                <a:solidFill>
+                  <a:srgbClr val="FF0000"/>
+                </a:solidFill>
+              </a:rPr>
+              <a:t>Find those country(s) where Revature would have started up in the quickest amount of time and where </a:t>
+            </a:r>
+            <a:r>
+              <a:rPr lang="en-US" dirty="0">
+                <a:solidFill>
+                  <a:srgbClr val="FF0000"/>
+                </a:solidFill>
+              </a:rPr>
+              <a:t>R</a:t>
+            </a:r>
+            <a:r>
+              <a:rPr lang="en-US" dirty="0" smtClean="0">
+                <a:solidFill>
+                  <a:srgbClr val="FF0000"/>
+                </a:solidFill>
+              </a:rPr>
+              <a:t>evature would have encountered the least amount of red tape     </a:t>
+            </a:r>
+          </a:p>
+          <a:p>
+            <a:pPr lvl="1"/>
+            <a:endParaRPr lang="en-US" dirty="0" smtClean="0"/>
+          </a:p>
+        </p:txBody>
+      </p:sp>
+    </p:spTree>
+    <p:extLst>
+      <p:ext uri="{BB962C8B-B14F-4D97-AF65-F5344CB8AC3E}">
+        <p14:creationId xmlns:p14="http://schemas.microsoft.com/office/powerpoint/2010/main" val="2448706882"/>
+      </p:ext>
+    </p:extLst>
+  </p:cSld>
+  <p:clrMapOvr>
+    <a:masterClrMapping/>
+  </p:clrMapOvr>
+</p:sld>
+</file>
+
+<file path=ppt/slides/slide8.xml><?xml version="1.0" encoding="utf-8"?>
+<p:sld xmlns:a="http://schemas.openxmlformats.org/drawingml/2006/main" xmlns:r="http://schemas.openxmlformats.org/officeDocument/2006/relationships" xmlns:p="http://schemas.openxmlformats.org/presentationml/2006/main">
+  <p:cSld>
+    <p:spTree>
+      <p:nvGrpSpPr>
+        <p:cNvPr id="1" name=""/>
+        <p:cNvGrpSpPr/>
+        <p:nvPr/>
+      </p:nvGrpSpPr>
+      <p:grpSpPr>
+        <a:xfrm>
+          <a:off x="0" y="0"/>
+          <a:ext cx="0" cy="0"/>
+          <a:chOff x="0" y="0"/>
+          <a:chExt cx="0" cy="0"/>
+        </a:xfrm>
+      </p:grpSpPr>
+      <p:sp>
+        <p:nvSpPr>
+          <p:cNvPr id="2" name="Title 1"/>
+          <p:cNvSpPr>
+            <a:spLocks noGrp="1"/>
+          </p:cNvSpPr>
+          <p:nvPr>
+            <p:ph type="title"/>
+          </p:nvPr>
+        </p:nvSpPr>
+        <p:spPr/>
+        <p:txBody>
+          <a:bodyPr>
+            <a:normAutofit fontScale="90000"/>
+          </a:bodyPr>
+          <a:lstStyle/>
+          <a:p>
+            <a:r>
+              <a:rPr lang="en-US" dirty="0" smtClean="0"/>
+              <a:t>Solution to this Question and Running an Example Hadoop Job</a:t>
+            </a:r>
+            <a:endParaRPr lang="en-US" dirty="0"/>
+          </a:p>
+        </p:txBody>
+      </p:sp>
+      <p:sp>
+        <p:nvSpPr>
+          <p:cNvPr id="3" name="Content Placeholder 2"/>
+          <p:cNvSpPr>
+            <a:spLocks noGrp="1"/>
+          </p:cNvSpPr>
+          <p:nvPr>
+            <p:ph idx="1"/>
+          </p:nvPr>
+        </p:nvSpPr>
+        <p:spPr>
+          <a:xfrm>
+            <a:off x="457200" y="1600200"/>
+            <a:ext cx="8229600" cy="4800600"/>
+          </a:xfrm>
+        </p:spPr>
+        <p:txBody>
+          <a:bodyPr>
+            <a:noAutofit/>
+          </a:bodyPr>
+          <a:lstStyle/>
+          <a:p>
+            <a:r>
+              <a:rPr lang="en-US" sz="2000" dirty="0" smtClean="0"/>
+              <a:t>Map-Reduce routine for this request:</a:t>
+            </a:r>
+          </a:p>
+          <a:p>
+            <a:pPr lvl="1"/>
+            <a:r>
+              <a:rPr lang="en-US" sz="1800" dirty="0" smtClean="0"/>
+              <a:t>Find all countries/regions with a 2003 data point for the time required to start a business and the number of procedures needed to start a business</a:t>
+            </a:r>
+          </a:p>
+          <a:p>
+            <a:pPr lvl="1"/>
+            <a:r>
+              <a:rPr lang="en-US" sz="1800" dirty="0" smtClean="0"/>
+              <a:t>After all of the data points are obtained, return only those countries/regions where the time needed for start-up is &lt; 45 days and the number of registration procedures is &lt;= 10</a:t>
+            </a:r>
+          </a:p>
+          <a:p>
+            <a:r>
+              <a:rPr lang="en-US" sz="2000" dirty="0" smtClean="0">
+                <a:solidFill>
+                  <a:srgbClr val="FF0000"/>
+                </a:solidFill>
+              </a:rPr>
+              <a:t>Based on these metric alone, the optimal country for the founding of Revature would have been Australia with a start-up time of only 3 days and only 2 required registration procedures</a:t>
+            </a:r>
+          </a:p>
+          <a:p>
+            <a:r>
+              <a:rPr lang="en-US" sz="2000" dirty="0" smtClean="0"/>
+              <a:t>The continent of North America as a whole was the region with the fewest days of startup and the fewest registration procedures</a:t>
+            </a:r>
+          </a:p>
+          <a:p>
+            <a:r>
+              <a:rPr lang="en-US" sz="2000" dirty="0" smtClean="0"/>
+              <a:t>If Revature had picked the United States instead of the optimal choice of Australia, then startup would have been 3 days longer than a founding within Australia.  Revature would have needed to go through twice as much red tape than in Australia </a:t>
+            </a:r>
+            <a:endParaRPr lang="en-US" sz="2000" dirty="0"/>
+          </a:p>
+        </p:txBody>
+      </p:sp>
+    </p:spTree>
+    <p:extLst>
+      <p:ext uri="{BB962C8B-B14F-4D97-AF65-F5344CB8AC3E}">
+        <p14:creationId xmlns:p14="http://schemas.microsoft.com/office/powerpoint/2010/main" val="1924885535"/>
       </p:ext>
     </p:extLst>
   </p:cSld>
@@ -9357,7 +8172,7 @@
       </p:grpSpPr>
       <p:sp>
         <p:nvSpPr>
-          <p:cNvPr id="2" name="Title 1"/>
+          <p:cNvPr id="4" name="Title 3"/>
           <p:cNvSpPr>
             <a:spLocks noGrp="1"/>
           </p:cNvSpPr>
@@ -9365,85 +8180,30 @@
             <p:ph type="title"/>
           </p:nvPr>
         </p:nvSpPr>
-        <p:spPr/>
+        <p:spPr>
+          <a:xfrm>
+            <a:off x="457200" y="2438400"/>
+            <a:ext cx="8229600" cy="1143000"/>
+          </a:xfrm>
+        </p:spPr>
         <p:txBody>
           <a:bodyPr>
-            <a:normAutofit/>
+            <a:noAutofit/>
           </a:bodyPr>
           <a:lstStyle/>
           <a:p>
             <a:r>
-              <a:rPr lang="en-US" dirty="0" smtClean="0"/>
-              <a:t>Third Business Question</a:t>
-            </a:r>
-            <a:endParaRPr lang="en-US" dirty="0"/>
-          </a:p>
-        </p:txBody>
-      </p:sp>
-      <p:sp>
-        <p:nvSpPr>
-          <p:cNvPr id="3" name="Content Placeholder 2"/>
-          <p:cNvSpPr>
-            <a:spLocks noGrp="1"/>
-          </p:cNvSpPr>
-          <p:nvPr>
-            <p:ph idx="1"/>
-          </p:nvPr>
-        </p:nvSpPr>
-        <p:spPr/>
-        <p:txBody>
-          <a:bodyPr>
-            <a:normAutofit fontScale="92500" lnSpcReduction="20000"/>
-          </a:bodyPr>
-          <a:lstStyle/>
-          <a:p>
-            <a:r>
-              <a:rPr lang="en-US" dirty="0" smtClean="0"/>
-              <a:t>Original Question:</a:t>
-            </a:r>
-          </a:p>
-          <a:p>
-            <a:pPr lvl="1"/>
-            <a:r>
-              <a:rPr lang="en-US" dirty="0" smtClean="0"/>
-              <a:t>List the % of change in male employment from the year 2000</a:t>
-            </a:r>
-          </a:p>
-          <a:p>
-            <a:r>
-              <a:rPr lang="en-US" dirty="0" smtClean="0"/>
-              <a:t>Translation by a future hadoop engineer:</a:t>
-            </a:r>
-          </a:p>
-          <a:p>
-            <a:pPr lvl="1"/>
-            <a:r>
-              <a:rPr lang="en-US" dirty="0" smtClean="0"/>
-              <a:t>For all countries with this data, find the overall % change in the male employment to population ratio from the year closest to or equal to 2000 up to the year closest to or equal to 2016</a:t>
-            </a:r>
-          </a:p>
-          <a:p>
-            <a:r>
-              <a:rPr lang="en-US" dirty="0" smtClean="0"/>
-              <a:t>Assumptions:</a:t>
-            </a:r>
-          </a:p>
-          <a:p>
-            <a:pPr lvl="1"/>
-            <a:r>
-              <a:rPr lang="en-US" dirty="0" smtClean="0"/>
-              <a:t>The requestor accepts the male employment to population ratio as a valid metric for tracking male employment trends  </a:t>
-            </a:r>
-          </a:p>
-          <a:p>
-            <a:endParaRPr lang="en-US" dirty="0"/>
+              <a:rPr lang="en-US" sz="7200" dirty="0" smtClean="0"/>
+              <a:t>Questions?</a:t>
+            </a:r>
+            <a:endParaRPr lang="en-US" sz="7200" dirty="0"/>
           </a:p>
         </p:txBody>
       </p:sp>
     </p:spTree>
     <p:extLst>
       <p:ext uri="{BB962C8B-B14F-4D97-AF65-F5344CB8AC3E}">
-        <p14:creationId xmlns:p14="http://schemas.microsoft.com/office/powerpoint/2010/main" val="2760454026"/>
+        <p14:creationId xmlns:p14="http://schemas.microsoft.com/office/powerpoint/2010/main" val="2690884090"/>
       </p:ext>
     </p:extLst>
   </p:cSld>

--- a/Project1-Presentation-Ben-Keeper.pptx
+++ b/Project1-Presentation-Ben-Keeper.pptx
@@ -269,11 +269,11 @@
           <c:showBubbleSize val="0"/>
         </c:dLbls>
         <c:gapWidth val="150"/>
-        <c:axId val="191542400"/>
-        <c:axId val="191544320"/>
+        <c:axId val="123454976"/>
+        <c:axId val="123456896"/>
       </c:barChart>
       <c:catAx>
-        <c:axId val="191542400"/>
+        <c:axId val="123454976"/>
         <c:scaling>
           <c:orientation val="minMax"/>
         </c:scaling>
@@ -306,7 +306,7 @@
         <c:majorTickMark val="out"/>
         <c:minorTickMark val="none"/>
         <c:tickLblPos val="nextTo"/>
-        <c:crossAx val="191544320"/>
+        <c:crossAx val="123456896"/>
         <c:crosses val="autoZero"/>
         <c:auto val="1"/>
         <c:lblAlgn val="ctr"/>
@@ -314,7 +314,7 @@
         <c:noMultiLvlLbl val="0"/>
       </c:catAx>
       <c:valAx>
-        <c:axId val="191544320"/>
+        <c:axId val="123456896"/>
         <c:scaling>
           <c:orientation val="minMax"/>
         </c:scaling>
@@ -348,7 +348,7 @@
         <c:majorTickMark val="out"/>
         <c:minorTickMark val="none"/>
         <c:tickLblPos val="nextTo"/>
-        <c:crossAx val="191542400"/>
+        <c:crossAx val="123454976"/>
         <c:crosses val="autoZero"/>
         <c:crossBetween val="between"/>
       </c:valAx>
@@ -394,14 +394,18 @@
               <a:defRPr/>
             </a:pPr>
             <a:r>
-              <a:rPr lang="en-US" sz="1800"/>
+              <a:rPr lang="en-US" sz="1800" dirty="0"/>
               <a:t>Contributions</a:t>
             </a:r>
             <a:r>
-              <a:rPr lang="en-US" sz="1800" baseline="0"/>
-              <a:t> by Each Region to the List of Countries with &lt;30% Female Gross Graduation Ratio</a:t>
-            </a:r>
-            <a:endParaRPr lang="en-US" sz="1800"/>
+              <a:rPr lang="en-US" sz="1800" baseline="0" dirty="0"/>
+              <a:t> by Each Region to the List of Countries with &lt;30% Female Gross Graduation </a:t>
+            </a:r>
+            <a:r>
+              <a:rPr lang="en-US" sz="1800" baseline="0" dirty="0" smtClean="0"/>
+              <a:t>Ratio (Tertiary Education)</a:t>
+            </a:r>
+            <a:endParaRPr lang="en-US" sz="1800" dirty="0"/>
           </a:p>
         </c:rich>
       </c:tx>
@@ -760,11 +764,11 @@
           <c:showBubbleSize val="0"/>
         </c:dLbls>
         <c:gapWidth val="150"/>
-        <c:axId val="135881472"/>
-        <c:axId val="135883392"/>
+        <c:axId val="143116544"/>
+        <c:axId val="143126912"/>
       </c:barChart>
       <c:catAx>
-        <c:axId val="135881472"/>
+        <c:axId val="143116544"/>
         <c:scaling>
           <c:orientation val="minMax"/>
         </c:scaling>
@@ -797,7 +801,7 @@
         <c:majorTickMark val="out"/>
         <c:minorTickMark val="none"/>
         <c:tickLblPos val="nextTo"/>
-        <c:crossAx val="135883392"/>
+        <c:crossAx val="143126912"/>
         <c:crosses val="autoZero"/>
         <c:auto val="1"/>
         <c:lblAlgn val="ctr"/>
@@ -805,7 +809,7 @@
         <c:noMultiLvlLbl val="0"/>
       </c:catAx>
       <c:valAx>
-        <c:axId val="135883392"/>
+        <c:axId val="143126912"/>
         <c:scaling>
           <c:orientation val="minMax"/>
           <c:max val="100"/>
@@ -847,7 +851,7 @@
         <c:majorTickMark val="out"/>
         <c:minorTickMark val="none"/>
         <c:tickLblPos val="nextTo"/>
-        <c:crossAx val="135881472"/>
+        <c:crossAx val="143116544"/>
         <c:crosses val="autoZero"/>
         <c:crossBetween val="between"/>
         <c:majorUnit val="5"/>
@@ -1093,11 +1097,11 @@
           <c:showBubbleSize val="0"/>
         </c:dLbls>
         <c:gapWidth val="150"/>
-        <c:axId val="191380864"/>
-        <c:axId val="191518208"/>
+        <c:axId val="123318272"/>
+        <c:axId val="123320192"/>
       </c:barChart>
       <c:catAx>
-        <c:axId val="191380864"/>
+        <c:axId val="123318272"/>
         <c:scaling>
           <c:orientation val="minMax"/>
         </c:scaling>
@@ -1130,7 +1134,7 @@
         <c:majorTickMark val="out"/>
         <c:minorTickMark val="none"/>
         <c:tickLblPos val="nextTo"/>
-        <c:crossAx val="191518208"/>
+        <c:crossAx val="123320192"/>
         <c:crosses val="autoZero"/>
         <c:auto val="1"/>
         <c:lblAlgn val="ctr"/>
@@ -1138,7 +1142,7 @@
         <c:noMultiLvlLbl val="0"/>
       </c:catAx>
       <c:valAx>
-        <c:axId val="191518208"/>
+        <c:axId val="123320192"/>
         <c:scaling>
           <c:orientation val="minMax"/>
           <c:max val="100"/>
@@ -1180,7 +1184,7 @@
         <c:majorTickMark val="out"/>
         <c:minorTickMark val="none"/>
         <c:tickLblPos val="nextTo"/>
-        <c:crossAx val="191380864"/>
+        <c:crossAx val="123318272"/>
         <c:crosses val="autoZero"/>
         <c:crossBetween val="between"/>
         <c:majorUnit val="5"/>
@@ -1613,7 +1617,7 @@
           <a:p>
             <a:fld id="{D2CD97BC-9879-4DE5-8C3D-3C0468F9F86C}" type="datetimeFigureOut">
               <a:rPr lang="en-US" smtClean="0"/>
-              <a:t>1/22/2019</a:t>
+              <a:t>1/23/2019</a:t>
             </a:fld>
             <a:endParaRPr lang="en-US"/>
           </a:p>
@@ -2044,11 +2048,11 @@
             </a:r>
             <a:r>
               <a:rPr lang="en-US" dirty="0" smtClean="0"/>
-              <a:t>“Project-1-Post-Processing-of-Hadoop Results.xlsx”;</a:t>
-            </a:r>
-            <a:r>
-              <a:rPr lang="en-US" baseline="0" dirty="0" smtClean="0"/>
-              <a:t>  The U.S. </a:t>
+              <a:t>“Project-1-Post-Processing-of-Hadoop Results.xlsx</a:t>
+            </a:r>
+            <a:r>
+              <a:rPr lang="en-US" dirty="0" smtClean="0"/>
+              <a:t>”</a:t>
             </a:r>
             <a:endParaRPr lang="en-US" dirty="0"/>
           </a:p>
@@ -2380,7 +2384,7 @@
           <a:p>
             <a:fld id="{4F16EEC3-5546-47BF-AA5B-42CBAFF1D1AF}" type="datetimeFigureOut">
               <a:rPr lang="en-US" smtClean="0"/>
-              <a:t>1/22/2019</a:t>
+              <a:t>1/23/2019</a:t>
             </a:fld>
             <a:endParaRPr lang="en-US"/>
           </a:p>
@@ -2550,7 +2554,7 @@
           <a:p>
             <a:fld id="{4F16EEC3-5546-47BF-AA5B-42CBAFF1D1AF}" type="datetimeFigureOut">
               <a:rPr lang="en-US" smtClean="0"/>
-              <a:t>1/22/2019</a:t>
+              <a:t>1/23/2019</a:t>
             </a:fld>
             <a:endParaRPr lang="en-US"/>
           </a:p>
@@ -2730,7 +2734,7 @@
           <a:p>
             <a:fld id="{4F16EEC3-5546-47BF-AA5B-42CBAFF1D1AF}" type="datetimeFigureOut">
               <a:rPr lang="en-US" smtClean="0"/>
-              <a:t>1/22/2019</a:t>
+              <a:t>1/23/2019</a:t>
             </a:fld>
             <a:endParaRPr lang="en-US"/>
           </a:p>
@@ -2900,7 +2904,7 @@
           <a:p>
             <a:fld id="{4F16EEC3-5546-47BF-AA5B-42CBAFF1D1AF}" type="datetimeFigureOut">
               <a:rPr lang="en-US" smtClean="0"/>
-              <a:t>1/22/2019</a:t>
+              <a:t>1/23/2019</a:t>
             </a:fld>
             <a:endParaRPr lang="en-US"/>
           </a:p>
@@ -3146,7 +3150,7 @@
           <a:p>
             <a:fld id="{4F16EEC3-5546-47BF-AA5B-42CBAFF1D1AF}" type="datetimeFigureOut">
               <a:rPr lang="en-US" smtClean="0"/>
-              <a:t>1/22/2019</a:t>
+              <a:t>1/23/2019</a:t>
             </a:fld>
             <a:endParaRPr lang="en-US"/>
           </a:p>
@@ -3434,7 +3438,7 @@
           <a:p>
             <a:fld id="{4F16EEC3-5546-47BF-AA5B-42CBAFF1D1AF}" type="datetimeFigureOut">
               <a:rPr lang="en-US" smtClean="0"/>
-              <a:t>1/22/2019</a:t>
+              <a:t>1/23/2019</a:t>
             </a:fld>
             <a:endParaRPr lang="en-US"/>
           </a:p>
@@ -3856,7 +3860,7 @@
           <a:p>
             <a:fld id="{4F16EEC3-5546-47BF-AA5B-42CBAFF1D1AF}" type="datetimeFigureOut">
               <a:rPr lang="en-US" smtClean="0"/>
-              <a:t>1/22/2019</a:t>
+              <a:t>1/23/2019</a:t>
             </a:fld>
             <a:endParaRPr lang="en-US"/>
           </a:p>
@@ -3974,7 +3978,7 @@
           <a:p>
             <a:fld id="{4F16EEC3-5546-47BF-AA5B-42CBAFF1D1AF}" type="datetimeFigureOut">
               <a:rPr lang="en-US" smtClean="0"/>
-              <a:t>1/22/2019</a:t>
+              <a:t>1/23/2019</a:t>
             </a:fld>
             <a:endParaRPr lang="en-US"/>
           </a:p>
@@ -4069,7 +4073,7 @@
           <a:p>
             <a:fld id="{4F16EEC3-5546-47BF-AA5B-42CBAFF1D1AF}" type="datetimeFigureOut">
               <a:rPr lang="en-US" smtClean="0"/>
-              <a:t>1/22/2019</a:t>
+              <a:t>1/23/2019</a:t>
             </a:fld>
             <a:endParaRPr lang="en-US"/>
           </a:p>
@@ -4346,7 +4350,7 @@
           <a:p>
             <a:fld id="{4F16EEC3-5546-47BF-AA5B-42CBAFF1D1AF}" type="datetimeFigureOut">
               <a:rPr lang="en-US" smtClean="0"/>
-              <a:t>1/22/2019</a:t>
+              <a:t>1/23/2019</a:t>
             </a:fld>
             <a:endParaRPr lang="en-US"/>
           </a:p>
@@ -4599,7 +4603,7 @@
           <a:p>
             <a:fld id="{4F16EEC3-5546-47BF-AA5B-42CBAFF1D1AF}" type="datetimeFigureOut">
               <a:rPr lang="en-US" smtClean="0"/>
-              <a:t>1/22/2019</a:t>
+              <a:t>1/23/2019</a:t>
             </a:fld>
             <a:endParaRPr lang="en-US"/>
           </a:p>
@@ -4812,7 +4816,7 @@
           <a:p>
             <a:fld id="{4F16EEC3-5546-47BF-AA5B-42CBAFF1D1AF}" type="datetimeFigureOut">
               <a:rPr lang="en-US" smtClean="0"/>
-              <a:t>1/22/2019</a:t>
+              <a:t>1/23/2019</a:t>
             </a:fld>
             <a:endParaRPr lang="en-US"/>
           </a:p>
@@ -5226,10 +5230,18 @@
           <a:lstStyle/>
           <a:p>
             <a:r>
-              <a:rPr lang="en-US" dirty="0" smtClean="0"/>
+              <a:rPr lang="en-US" b="1" dirty="0" smtClean="0">
+                <a:solidFill>
+                  <a:schemeClr val="tx1"/>
+                </a:solidFill>
+              </a:rPr>
               <a:t>By: Ben Keeper</a:t>
             </a:r>
-            <a:endParaRPr lang="en-US" dirty="0"/>
+            <a:endParaRPr lang="en-US" b="1" dirty="0">
+              <a:solidFill>
+                <a:schemeClr val="tx1"/>
+              </a:solidFill>
+            </a:endParaRPr>
           </a:p>
         </p:txBody>
       </p:sp>
@@ -5294,11 +5306,7 @@
           <a:p>
             <a:r>
               <a:rPr lang="en-US" sz="7200" dirty="0" smtClean="0"/>
-              <a:t>Slide </a:t>
-            </a:r>
-            <a:r>
-              <a:rPr lang="en-US" sz="7200" dirty="0" smtClean="0"/>
-              <a:t>Backups</a:t>
+              <a:t>Appendix</a:t>
             </a:r>
             <a:endParaRPr lang="en-US" sz="7200" dirty="0"/>
           </a:p>
@@ -5347,13 +5355,17 @@
         <p:spPr/>
         <p:txBody>
           <a:bodyPr>
-            <a:normAutofit/>
+            <a:normAutofit fontScale="90000"/>
           </a:bodyPr>
           <a:lstStyle/>
           <a:p>
             <a:r>
               <a:rPr lang="en-US" dirty="0" smtClean="0"/>
-              <a:t>First Business Question</a:t>
+              <a:t>First Business </a:t>
+            </a:r>
+            <a:r>
+              <a:rPr lang="en-US" dirty="0" smtClean="0"/>
+              <a:t>Question Thought Process</a:t>
             </a:r>
             <a:endParaRPr lang="en-US" dirty="0"/>
           </a:p>
@@ -5369,7 +5381,12 @@
             <p:ph idx="1"/>
           </p:nvPr>
         </p:nvSpPr>
-        <p:spPr/>
+        <p:spPr>
+          <a:xfrm>
+            <a:off x="457200" y="1600200"/>
+            <a:ext cx="8229600" cy="4800600"/>
+          </a:xfrm>
+        </p:spPr>
         <p:txBody>
           <a:bodyPr>
             <a:normAutofit fontScale="77500" lnSpcReduction="20000"/>
@@ -5393,7 +5410,6 @@
               <a:rPr lang="en-US" dirty="0" smtClean="0"/>
               <a:t>Interpretation:</a:t>
             </a:r>
-            <a:endParaRPr lang="en-US" dirty="0" smtClean="0"/>
           </a:p>
           <a:p>
             <a:pPr lvl="1"/>
@@ -5427,6 +5443,13 @@
             <a:r>
               <a:rPr lang="en-US" dirty="0" smtClean="0"/>
               <a:t>The requester desires the most current information on each country</a:t>
+            </a:r>
+          </a:p>
+          <a:p>
+            <a:pPr lvl="1"/>
+            <a:r>
+              <a:rPr lang="en-US" dirty="0" smtClean="0"/>
+              <a:t>Regions will never contain any data of business value to the requestor;  regions were skipped as there was no data</a:t>
             </a:r>
             <a:endParaRPr lang="en-US" dirty="0"/>
           </a:p>
@@ -5521,7 +5544,7 @@
           <a:graphicData uri="http://schemas.openxmlformats.org/presentationml/2006/ole">
             <mc:AlternateContent xmlns:mc="http://schemas.openxmlformats.org/markup-compatibility/2006">
               <mc:Choice xmlns:v="urn:schemas-microsoft-com:vml" Requires="v">
-                <p:oleObj spid="_x0000_s1172" name="Worksheet" r:id="rId3" imgW="5074938" imgH="7505625" progId="Excel.Sheet.12">
+                <p:oleObj spid="_x0000_s1260" name="Worksheet" r:id="rId3" imgW="5074938" imgH="7505625" progId="Excel.Sheet.12">
                   <p:embed/>
                 </p:oleObj>
               </mc:Choice>
@@ -5578,7 +5601,7 @@
           <a:graphicData uri="http://schemas.openxmlformats.org/presentationml/2006/ole">
             <mc:AlternateContent xmlns:mc="http://schemas.openxmlformats.org/markup-compatibility/2006">
               <mc:Choice xmlns:v="urn:schemas-microsoft-com:vml" Requires="v">
-                <p:oleObj spid="_x0000_s1173" name="Worksheet" r:id="rId5" imgW="5074938" imgH="7688633" progId="Excel.Sheet.12">
+                <p:oleObj spid="_x0000_s1261" name="Worksheet" r:id="rId5" imgW="5074938" imgH="7688633" progId="Excel.Sheet.12">
                   <p:embed/>
                 </p:oleObj>
               </mc:Choice>
@@ -5662,7 +5685,11 @@
           <a:p>
             <a:r>
               <a:rPr lang="en-US" sz="4000" dirty="0" smtClean="0"/>
-              <a:t>Second Business Question</a:t>
+              <a:t>Second Business </a:t>
+            </a:r>
+            <a:r>
+              <a:rPr lang="en-US" sz="4000" dirty="0" smtClean="0"/>
+              <a:t>Question Thought Process</a:t>
             </a:r>
             <a:endParaRPr lang="en-US" sz="4000" dirty="0"/>
           </a:p>
@@ -5700,8 +5727,13 @@
           <a:p>
             <a:r>
               <a:rPr lang="en-US" dirty="0" smtClean="0"/>
-              <a:t>Translation by a future hadoop engineer:</a:t>
-            </a:r>
+              <a:t>Interpretation</a:t>
+            </a:r>
+            <a:r>
+              <a:rPr lang="en-US" dirty="0" smtClean="0"/>
+              <a:t>:</a:t>
+            </a:r>
+            <a:endParaRPr lang="en-US" dirty="0" smtClean="0"/>
           </a:p>
           <a:p>
             <a:pPr lvl="1"/>
@@ -5792,15 +5824,7 @@
           <a:p>
             <a:r>
               <a:rPr lang="en-US" dirty="0" smtClean="0"/>
-              <a:t>Second Question </a:t>
-            </a:r>
-            <a:r>
-              <a:rPr lang="en-US" dirty="0" smtClean="0"/>
-              <a:t>Hadoop </a:t>
-            </a:r>
-            <a:r>
-              <a:rPr lang="en-US" dirty="0" smtClean="0"/>
-              <a:t>Output and Post-Processing</a:t>
+              <a:t>Second Question Hadoop Output and Post-Processing</a:t>
             </a:r>
             <a:endParaRPr lang="en-US" dirty="0"/>
           </a:p>
@@ -6090,13 +6114,17 @@
         <p:spPr/>
         <p:txBody>
           <a:bodyPr>
-            <a:normAutofit/>
+            <a:normAutofit fontScale="90000"/>
           </a:bodyPr>
           <a:lstStyle/>
           <a:p>
             <a:r>
               <a:rPr lang="en-US" dirty="0" smtClean="0"/>
-              <a:t>Third Business Question</a:t>
+              <a:t>Third Business </a:t>
+            </a:r>
+            <a:r>
+              <a:rPr lang="en-US" dirty="0" smtClean="0"/>
+              <a:t>Question Thought Process</a:t>
             </a:r>
             <a:endParaRPr lang="en-US" dirty="0"/>
           </a:p>
@@ -6134,13 +6162,8 @@
           <a:p>
             <a:r>
               <a:rPr lang="en-US" dirty="0" smtClean="0"/>
-              <a:t>Interpretation</a:t>
-            </a:r>
-            <a:r>
-              <a:rPr lang="en-US" dirty="0" smtClean="0"/>
-              <a:t>:</a:t>
-            </a:r>
-            <a:endParaRPr lang="en-US" dirty="0" smtClean="0"/>
+              <a:t>Interpretation:</a:t>
+            </a:r>
           </a:p>
           <a:p>
             <a:pPr lvl="1"/>
@@ -6206,12 +6229,18 @@
         </p:nvSpPr>
         <p:spPr/>
         <p:txBody>
-          <a:bodyPr/>
+          <a:bodyPr>
+            <a:normAutofit fontScale="90000"/>
+          </a:bodyPr>
           <a:lstStyle/>
           <a:p>
             <a:r>
               <a:rPr lang="en-US" dirty="0" smtClean="0"/>
-              <a:t>Fourth Business Question</a:t>
+              <a:t>Fourth Business </a:t>
+            </a:r>
+            <a:r>
+              <a:rPr lang="en-US" dirty="0" smtClean="0"/>
+              <a:t>Question Thought Process</a:t>
             </a:r>
             <a:endParaRPr lang="en-US" dirty="0"/>
           </a:p>
@@ -6256,9 +6285,14 @@
           </a:p>
           <a:p>
             <a:r>
-              <a:rPr lang="en-US" dirty="0"/>
-              <a:t>Translation by a future hadoop engineer:</a:t>
-            </a:r>
+              <a:rPr lang="en-US" dirty="0" smtClean="0"/>
+              <a:t>Interpretation</a:t>
+            </a:r>
+            <a:r>
+              <a:rPr lang="en-US" dirty="0" smtClean="0"/>
+              <a:t>:</a:t>
+            </a:r>
+            <a:endParaRPr lang="en-US" dirty="0"/>
           </a:p>
           <a:p>
             <a:pPr lvl="1"/>
@@ -6476,7 +6510,12 @@
             <p:ph type="title"/>
           </p:nvPr>
         </p:nvSpPr>
-        <p:spPr/>
+        <p:spPr>
+          <a:xfrm>
+            <a:off x="457200" y="-152400"/>
+            <a:ext cx="8229600" cy="1143000"/>
+          </a:xfrm>
+        </p:spPr>
         <p:txBody>
           <a:bodyPr>
             <a:normAutofit/>
@@ -6500,14 +6539,14 @@
           <p:nvPr>
             <p:extLst>
               <p:ext uri="{D42A27DB-BD31-4B8C-83A1-F6EECF244321}">
-                <p14:modId xmlns:p14="http://schemas.microsoft.com/office/powerpoint/2010/main" val="804693871"/>
+                <p14:modId xmlns:p14="http://schemas.microsoft.com/office/powerpoint/2010/main" val="1374014686"/>
               </p:ext>
             </p:extLst>
           </p:nvPr>
         </p:nvGraphicFramePr>
         <p:xfrm>
-          <a:off x="44263" y="1650102"/>
-          <a:ext cx="4419600" cy="3733800"/>
+          <a:off x="44262" y="1484531"/>
+          <a:ext cx="4451537" cy="3899371"/>
         </p:xfrm>
         <a:graphic>
           <a:graphicData uri="http://schemas.openxmlformats.org/drawingml/2006/chart">
@@ -6523,8 +6562,8 @@
         </p:nvSpPr>
         <p:spPr>
           <a:xfrm>
-            <a:off x="145473" y="1280770"/>
-            <a:ext cx="4217180" cy="369332"/>
+            <a:off x="145473" y="838200"/>
+            <a:ext cx="3217291" cy="646331"/>
           </a:xfrm>
           <a:prstGeom prst="rect">
             <a:avLst/>
@@ -6539,7 +6578,13 @@
           <a:p>
             <a:r>
               <a:rPr lang="en-US" dirty="0" smtClean="0"/>
-              <a:t>Average Gross Graduation Ratio by Region</a:t>
+              <a:t>Average Gross Graduation Ratio </a:t>
+            </a:r>
+          </a:p>
+          <a:p>
+            <a:r>
+              <a:rPr lang="en-US" dirty="0" smtClean="0"/>
+              <a:t>(Tertiary Education) by Region</a:t>
             </a:r>
             <a:endParaRPr lang="en-US" dirty="0"/>
           </a:p>
@@ -6554,14 +6599,14 @@
           <p:nvPr>
             <p:extLst>
               <p:ext uri="{D42A27DB-BD31-4B8C-83A1-F6EECF244321}">
-                <p14:modId xmlns:p14="http://schemas.microsoft.com/office/powerpoint/2010/main" val="3228773400"/>
+                <p14:modId xmlns:p14="http://schemas.microsoft.com/office/powerpoint/2010/main" val="67829296"/>
               </p:ext>
             </p:extLst>
           </p:nvPr>
         </p:nvGraphicFramePr>
         <p:xfrm>
-          <a:off x="4547554" y="1295400"/>
-          <a:ext cx="4447094" cy="3766250"/>
+          <a:off x="4572000" y="838200"/>
+          <a:ext cx="4422648" cy="4223450"/>
         </p:xfrm>
         <a:graphic>
           <a:graphicData uri="http://schemas.openxmlformats.org/drawingml/2006/chart">
@@ -6632,7 +6677,7 @@
           <a:graphicData uri="http://schemas.openxmlformats.org/presentationml/2006/ole">
             <mc:AlternateContent xmlns:mc="http://schemas.openxmlformats.org/markup-compatibility/2006">
               <mc:Choice xmlns:v="urn:schemas-microsoft-com:vml" Requires="v">
-                <p:oleObj spid="_x0000_s2121" name="Worksheet" r:id="rId5" imgW="3619371" imgH="1653401" progId="Excel.Sheet.12">
+                <p:oleObj spid="_x0000_s2165" name="Worksheet" r:id="rId5" imgW="3619371" imgH="1653401" progId="Excel.Sheet.12">
                   <p:embed/>
                 </p:oleObj>
               </mc:Choice>
@@ -7278,8 +7323,8 @@
         </p:nvSpPr>
         <p:spPr>
           <a:xfrm>
-            <a:off x="76200" y="5913047"/>
-            <a:ext cx="2258568" cy="307777"/>
+            <a:off x="932965" y="5365548"/>
+            <a:ext cx="1353035" cy="923330"/>
           </a:xfrm>
           <a:prstGeom prst="rect">
             <a:avLst/>
@@ -7298,10 +7343,10 @@
           <a:lstStyle/>
           <a:p>
             <a:r>
-              <a:rPr lang="en-US" sz="1400" dirty="0" smtClean="0"/>
+              <a:rPr lang="en-US" b="1" dirty="0" smtClean="0"/>
               <a:t>Average Absolute % Change</a:t>
             </a:r>
-            <a:endParaRPr lang="en-US" sz="1400" dirty="0"/>
+            <a:endParaRPr lang="en-US" b="1" dirty="0"/>
           </a:p>
         </p:txBody>
       </p:sp>
@@ -7334,15 +7379,19 @@
           <a:p>
             <a:r>
               <a:rPr lang="en-US" dirty="0" smtClean="0"/>
-              <a:t>NOTE:  See the slide backups section for scatter plots for the other </a:t>
+              <a:t>NOTE:  See the </a:t>
             </a:r>
             <a:r>
               <a:rPr lang="en-US" dirty="0" smtClean="0"/>
-              <a:t>two </a:t>
+              <a:t>appendix</a:t>
             </a:r>
             <a:r>
               <a:rPr lang="en-US" dirty="0" smtClean="0"/>
-              <a:t>education groups</a:t>
+              <a:t> </a:t>
+            </a:r>
+            <a:r>
+              <a:rPr lang="en-US" dirty="0" smtClean="0"/>
+              <a:t>for scatter plots for the other two education groups</a:t>
             </a:r>
             <a:endParaRPr lang="en-US" dirty="0"/>
           </a:p>
@@ -7356,8 +7405,8 @@
         </p:nvSpPr>
         <p:spPr>
           <a:xfrm>
-            <a:off x="588239" y="4953000"/>
-            <a:ext cx="1755673" cy="369332"/>
+            <a:off x="527192" y="4968507"/>
+            <a:ext cx="1779590" cy="369332"/>
           </a:xfrm>
           <a:prstGeom prst="rect">
             <a:avLst/>
@@ -7376,10 +7425,10 @@
           <a:lstStyle/>
           <a:p>
             <a:r>
-              <a:rPr lang="en-US" dirty="0" smtClean="0"/>
+              <a:rPr lang="en-US" b="1" dirty="0" smtClean="0"/>
               <a:t>Education Group</a:t>
             </a:r>
-            <a:endParaRPr lang="en-US" dirty="0"/>
+            <a:endParaRPr lang="en-US" b="1" dirty="0"/>
           </a:p>
         </p:txBody>
       </p:sp>
@@ -7560,15 +7609,7 @@
           <a:p>
             <a:r>
               <a:rPr lang="en-US" sz="3600" dirty="0" smtClean="0"/>
-              <a:t>Question </a:t>
-            </a:r>
-            <a:r>
-              <a:rPr lang="en-US" sz="3600" dirty="0" smtClean="0"/>
-              <a:t>3 R</a:t>
-            </a:r>
-            <a:r>
-              <a:rPr lang="en-US" sz="3600" dirty="0" smtClean="0"/>
-              <a:t>esults</a:t>
+              <a:t>Question 3 Results</a:t>
             </a:r>
             <a:endParaRPr lang="en-US" sz="3600" dirty="0"/>
           </a:p>
@@ -7627,23 +7668,7 @@
           <a:p>
             <a:r>
               <a:rPr lang="en-US" dirty="0" smtClean="0"/>
-              <a:t>NOTE:  See </a:t>
-            </a:r>
-            <a:r>
-              <a:rPr lang="en-US" dirty="0" smtClean="0"/>
-              <a:t>accompanying Excel document for the</a:t>
-            </a:r>
-            <a:r>
-              <a:rPr lang="en-US" dirty="0" smtClean="0"/>
-              <a:t> table</a:t>
-            </a:r>
-            <a:r>
-              <a:rPr lang="en-US" dirty="0" smtClean="0"/>
-              <a:t> </a:t>
-            </a:r>
-            <a:r>
-              <a:rPr lang="en-US" dirty="0" smtClean="0"/>
-              <a:t>of results</a:t>
+              <a:t>NOTE:  See accompanying Excel document for the table of results</a:t>
             </a:r>
             <a:endParaRPr lang="en-US" dirty="0"/>
           </a:p>
@@ -7828,23 +7853,7 @@
           <a:p>
             <a:r>
               <a:rPr lang="en-US" dirty="0" smtClean="0"/>
-              <a:t>NOTE:  See </a:t>
-            </a:r>
-            <a:r>
-              <a:rPr lang="en-US" dirty="0" smtClean="0"/>
-              <a:t>accompanying Excel document for the</a:t>
-            </a:r>
-            <a:r>
-              <a:rPr lang="en-US" dirty="0" smtClean="0"/>
-              <a:t> table</a:t>
-            </a:r>
-            <a:r>
-              <a:rPr lang="en-US" dirty="0" smtClean="0"/>
-              <a:t> </a:t>
-            </a:r>
-            <a:r>
-              <a:rPr lang="en-US" dirty="0" smtClean="0"/>
-              <a:t>of results</a:t>
+              <a:t>NOTE:  See accompanying Excel document for the table of results</a:t>
             </a:r>
             <a:endParaRPr lang="en-US" dirty="0"/>
           </a:p>
@@ -7913,31 +7922,44 @@
             <p:ph idx="1"/>
           </p:nvPr>
         </p:nvSpPr>
-        <p:spPr/>
+        <p:spPr>
+          <a:xfrm>
+            <a:off x="457200" y="1600200"/>
+            <a:ext cx="8229600" cy="4953000"/>
+          </a:xfrm>
+        </p:spPr>
         <p:txBody>
           <a:bodyPr>
-            <a:normAutofit fontScale="85000" lnSpcReduction="10000"/>
+            <a:normAutofit fontScale="85000" lnSpcReduction="20000"/>
           </a:bodyPr>
           <a:lstStyle/>
           <a:p>
             <a:r>
               <a:rPr lang="en-US" dirty="0" smtClean="0"/>
-              <a:t>Considered the founding of Revature back in 2003</a:t>
-            </a:r>
+              <a:t>Considered the founding of Revature back in </a:t>
+            </a:r>
+            <a:r>
+              <a:rPr lang="en-US" dirty="0" smtClean="0"/>
+              <a:t>2003 (source: “Glassdoor”)</a:t>
+            </a:r>
+          </a:p>
+          <a:p>
+            <a:r>
+              <a:rPr lang="en-US" dirty="0" smtClean="0"/>
+              <a:t>Assume that Revature was founded in the United States in the year 2003</a:t>
+            </a:r>
+            <a:endParaRPr lang="en-US" dirty="0" smtClean="0"/>
           </a:p>
           <a:p>
             <a:r>
               <a:rPr lang="en-US" dirty="0"/>
-              <a:t>The provided csv file contained data for each country and region on two </a:t>
+              <a:t>The provided csv file contained </a:t>
             </a:r>
             <a:r>
               <a:rPr lang="en-US" dirty="0" smtClean="0"/>
-              <a:t>of the major factors </a:t>
-            </a:r>
-            <a:r>
-              <a:rPr lang="en-US" dirty="0"/>
-              <a:t>related to creating a new business:</a:t>
-            </a:r>
+              <a:t>the following data:</a:t>
+            </a:r>
+            <a:endParaRPr lang="en-US" dirty="0"/>
           </a:p>
           <a:p>
             <a:pPr marL="971550" lvl="1" indent="-514350">
@@ -7946,7 +7968,19 @@
             </a:pPr>
             <a:r>
               <a:rPr lang="en-US" dirty="0"/>
-              <a:t>The time in days required to do start up the business</a:t>
+              <a:t>The time in days required to do start up </a:t>
+            </a:r>
+            <a:r>
+              <a:rPr lang="en-US" dirty="0"/>
+              <a:t>a</a:t>
+            </a:r>
+            <a:r>
+              <a:rPr lang="en-US" dirty="0" smtClean="0"/>
+              <a:t> </a:t>
+            </a:r>
+            <a:r>
+              <a:rPr lang="en-US" dirty="0"/>
+              <a:t>business</a:t>
             </a:r>
           </a:p>
           <a:p>
@@ -7956,7 +7990,15 @@
             </a:pPr>
             <a:r>
               <a:rPr lang="en-US" dirty="0"/>
-              <a:t>The number of procedures necessary to register the </a:t>
+              <a:t>The number of procedures necessary to register </a:t>
+            </a:r>
+            <a:r>
+              <a:rPr lang="en-US" dirty="0"/>
+              <a:t>a</a:t>
+            </a:r>
+            <a:r>
+              <a:rPr lang="en-US" dirty="0" smtClean="0"/>
+              <a:t> </a:t>
             </a:r>
             <a:r>
               <a:rPr lang="en-US" dirty="0" smtClean="0"/>
@@ -7970,21 +8012,8 @@
                   <a:srgbClr val="FF0000"/>
                 </a:solidFill>
               </a:rPr>
-              <a:t>Custom business </a:t>
-            </a:r>
-            <a:r>
-              <a:rPr lang="en-US" dirty="0" smtClean="0">
-                <a:solidFill>
-                  <a:srgbClr val="FF0000"/>
-                </a:solidFill>
-              </a:rPr>
-              <a:t>question:</a:t>
-            </a:r>
-            <a:endParaRPr lang="en-US" dirty="0" smtClean="0">
-              <a:solidFill>
-                <a:srgbClr val="FF0000"/>
-              </a:solidFill>
-            </a:endParaRPr>
+              <a:t>Custom business question:</a:t>
+            </a:r>
           </a:p>
           <a:p>
             <a:pPr lvl="1"/>
@@ -8010,8 +8039,32 @@
                   <a:srgbClr val="FF0000"/>
                 </a:solidFill>
               </a:rPr>
-              <a:t>evature would have encountered the least amount of red tape     </a:t>
-            </a:r>
+              <a:t>evature would have encountered the least amount of red </a:t>
+            </a:r>
+            <a:r>
+              <a:rPr lang="en-US" dirty="0" smtClean="0">
+                <a:solidFill>
+                  <a:srgbClr val="FF0000"/>
+                </a:solidFill>
+              </a:rPr>
+              <a:t>tape</a:t>
+            </a:r>
+          </a:p>
+          <a:p>
+            <a:pPr lvl="1"/>
+            <a:r>
+              <a:rPr lang="en-US" dirty="0" smtClean="0">
+                <a:solidFill>
+                  <a:srgbClr val="FF0000"/>
+                </a:solidFill>
+              </a:rPr>
+              <a:t>Follow-up:  Compare the optimal choice to choosing the United States     </a:t>
+            </a:r>
+            <a:endParaRPr lang="en-US" dirty="0" smtClean="0">
+              <a:solidFill>
+                <a:srgbClr val="FF0000"/>
+              </a:solidFill>
+            </a:endParaRPr>
           </a:p>
           <a:p>
             <a:pPr lvl="1"/>
@@ -8087,7 +8140,7 @@
         <p:spPr>
           <a:xfrm>
             <a:off x="457200" y="1600200"/>
-            <a:ext cx="8229600" cy="4800600"/>
+            <a:ext cx="8229600" cy="5181600"/>
           </a:xfrm>
         </p:spPr>
         <p:txBody>
@@ -8097,44 +8150,101 @@
           <a:lstStyle/>
           <a:p>
             <a:r>
+              <a:rPr lang="en-US" sz="2400" dirty="0" smtClean="0"/>
+              <a:t>Map-Reduce routine for this request:</a:t>
+            </a:r>
+          </a:p>
+          <a:p>
+            <a:pPr lvl="1"/>
+            <a:r>
               <a:rPr lang="en-US" sz="2000" dirty="0" smtClean="0"/>
-              <a:t>Map-Reduce routine for this request:</a:t>
+              <a:t>Find all countries/regions with a 2003 data point for the time required to start a business and the number of procedures needed to start a business</a:t>
             </a:r>
           </a:p>
           <a:p>
             <a:pPr lvl="1"/>
             <a:r>
-              <a:rPr lang="en-US" sz="1800" dirty="0" smtClean="0"/>
-              <a:t>Find all countries/regions with a 2003 data point for the time required to start a business and the number of procedures needed to start a business</a:t>
-            </a:r>
-          </a:p>
-          <a:p>
-            <a:pPr lvl="1"/>
-            <a:r>
-              <a:rPr lang="en-US" sz="1800" dirty="0" smtClean="0"/>
+              <a:rPr lang="en-US" sz="2000" dirty="0" smtClean="0"/>
               <a:t>After all of the data points are obtained, return only those countries/regions where the time needed for start-up is &lt; 45 days and the number of registration procedures is &lt;= 10</a:t>
             </a:r>
           </a:p>
           <a:p>
             <a:r>
-              <a:rPr lang="en-US" sz="2000" dirty="0" smtClean="0">
+              <a:rPr lang="en-US" sz="2400" dirty="0" smtClean="0">
                 <a:solidFill>
                   <a:srgbClr val="FF0000"/>
                 </a:solidFill>
               </a:rPr>
-              <a:t>Based on these metric alone, the optimal country for the founding of Revature would have been Australia with a start-up time of only 3 days and only 2 required registration procedures</a:t>
-            </a:r>
-          </a:p>
-          <a:p>
+              <a:t>Based on these </a:t>
+            </a:r>
+            <a:r>
+              <a:rPr lang="en-US" sz="2400" dirty="0" smtClean="0">
+                <a:solidFill>
+                  <a:srgbClr val="FF0000"/>
+                </a:solidFill>
+              </a:rPr>
+              <a:t>metrics </a:t>
+            </a:r>
+            <a:r>
+              <a:rPr lang="en-US" sz="2400" dirty="0" smtClean="0">
+                <a:solidFill>
+                  <a:srgbClr val="FF0000"/>
+                </a:solidFill>
+              </a:rPr>
+              <a:t>alone, the optimal country for the founding of Revature would have been Australia with a start-up time of only 3 days and </a:t>
+            </a:r>
+            <a:r>
+              <a:rPr lang="en-US" sz="2400" dirty="0" smtClean="0">
+                <a:solidFill>
+                  <a:srgbClr val="FF0000"/>
+                </a:solidFill>
+              </a:rPr>
+              <a:t>only 3</a:t>
+            </a:r>
+            <a:r>
+              <a:rPr lang="en-US" sz="2400" dirty="0" smtClean="0">
+                <a:solidFill>
+                  <a:srgbClr val="FF0000"/>
+                </a:solidFill>
+              </a:rPr>
+              <a:t> </a:t>
+            </a:r>
+            <a:r>
+              <a:rPr lang="en-US" sz="2400" dirty="0" smtClean="0">
+                <a:solidFill>
+                  <a:srgbClr val="FF0000"/>
+                </a:solidFill>
+              </a:rPr>
+              <a:t>required registration procedures</a:t>
+            </a:r>
+          </a:p>
+          <a:p>
+            <a:r>
+              <a:rPr lang="en-US" sz="2400" dirty="0" smtClean="0"/>
+              <a:t>The United States as compared to the optimal choice:</a:t>
+            </a:r>
+          </a:p>
+          <a:p>
+            <a:pPr lvl="1"/>
             <a:r>
               <a:rPr lang="en-US" sz="2000" dirty="0" smtClean="0"/>
-              <a:t>The continent of North America as a whole was the region with the fewest days of startup and the fewest registration procedures</a:t>
-            </a:r>
-          </a:p>
-          <a:p>
+              <a:t>Startup in the U.S. was 3 </a:t>
+            </a:r>
             <a:r>
               <a:rPr lang="en-US" sz="2000" dirty="0" smtClean="0"/>
-              <a:t>If Revature had picked the United States instead of the optimal choice of Australia, then startup would have been 3 days longer than a founding within Australia.  Revature would have needed to go through twice as much red tape than in Australia </a:t>
+              <a:t>days longer </a:t>
+            </a:r>
+            <a:endParaRPr lang="en-US" sz="2000" dirty="0" smtClean="0"/>
+          </a:p>
+          <a:p>
+            <a:pPr lvl="1"/>
+            <a:r>
+              <a:rPr lang="en-US" sz="2000" dirty="0" smtClean="0"/>
+              <a:t>The U.S. had 3 more </a:t>
+            </a:r>
+            <a:r>
+              <a:rPr lang="en-US" sz="2000" dirty="0" smtClean="0"/>
+              <a:t>registration procedures</a:t>
             </a:r>
             <a:endParaRPr lang="en-US" sz="2000" dirty="0"/>
           </a:p>

--- a/Project1-Presentation-Ben-Keeper.pptx
+++ b/Project1-Presentation-Ben-Keeper.pptx
@@ -269,11 +269,11 @@
           <c:showBubbleSize val="0"/>
         </c:dLbls>
         <c:gapWidth val="150"/>
-        <c:axId val="123454976"/>
-        <c:axId val="123456896"/>
+        <c:axId val="174315008"/>
+        <c:axId val="174316928"/>
       </c:barChart>
       <c:catAx>
-        <c:axId val="123454976"/>
+        <c:axId val="174315008"/>
         <c:scaling>
           <c:orientation val="minMax"/>
         </c:scaling>
@@ -306,7 +306,7 @@
         <c:majorTickMark val="out"/>
         <c:minorTickMark val="none"/>
         <c:tickLblPos val="nextTo"/>
-        <c:crossAx val="123456896"/>
+        <c:crossAx val="174316928"/>
         <c:crosses val="autoZero"/>
         <c:auto val="1"/>
         <c:lblAlgn val="ctr"/>
@@ -314,7 +314,7 @@
         <c:noMultiLvlLbl val="0"/>
       </c:catAx>
       <c:valAx>
-        <c:axId val="123456896"/>
+        <c:axId val="174316928"/>
         <c:scaling>
           <c:orientation val="minMax"/>
         </c:scaling>
@@ -348,7 +348,7 @@
         <c:majorTickMark val="out"/>
         <c:minorTickMark val="none"/>
         <c:tickLblPos val="nextTo"/>
-        <c:crossAx val="123454976"/>
+        <c:crossAx val="174315008"/>
         <c:crosses val="autoZero"/>
         <c:crossBetween val="between"/>
       </c:valAx>
@@ -764,11 +764,11 @@
           <c:showBubbleSize val="0"/>
         </c:dLbls>
         <c:gapWidth val="150"/>
-        <c:axId val="143116544"/>
-        <c:axId val="143126912"/>
+        <c:axId val="131512576"/>
+        <c:axId val="131518848"/>
       </c:barChart>
       <c:catAx>
-        <c:axId val="143116544"/>
+        <c:axId val="131512576"/>
         <c:scaling>
           <c:orientation val="minMax"/>
         </c:scaling>
@@ -801,7 +801,7 @@
         <c:majorTickMark val="out"/>
         <c:minorTickMark val="none"/>
         <c:tickLblPos val="nextTo"/>
-        <c:crossAx val="143126912"/>
+        <c:crossAx val="131518848"/>
         <c:crosses val="autoZero"/>
         <c:auto val="1"/>
         <c:lblAlgn val="ctr"/>
@@ -809,7 +809,7 @@
         <c:noMultiLvlLbl val="0"/>
       </c:catAx>
       <c:valAx>
-        <c:axId val="143126912"/>
+        <c:axId val="131518848"/>
         <c:scaling>
           <c:orientation val="minMax"/>
           <c:max val="100"/>
@@ -851,7 +851,7 @@
         <c:majorTickMark val="out"/>
         <c:minorTickMark val="none"/>
         <c:tickLblPos val="nextTo"/>
-        <c:crossAx val="143116544"/>
+        <c:crossAx val="131512576"/>
         <c:crosses val="autoZero"/>
         <c:crossBetween val="between"/>
         <c:majorUnit val="5"/>
@@ -1097,11 +1097,11 @@
           <c:showBubbleSize val="0"/>
         </c:dLbls>
         <c:gapWidth val="150"/>
-        <c:axId val="123318272"/>
-        <c:axId val="123320192"/>
+        <c:axId val="174280704"/>
+        <c:axId val="174282624"/>
       </c:barChart>
       <c:catAx>
-        <c:axId val="123318272"/>
+        <c:axId val="174280704"/>
         <c:scaling>
           <c:orientation val="minMax"/>
         </c:scaling>
@@ -1134,7 +1134,7 @@
         <c:majorTickMark val="out"/>
         <c:minorTickMark val="none"/>
         <c:tickLblPos val="nextTo"/>
-        <c:crossAx val="123320192"/>
+        <c:crossAx val="174282624"/>
         <c:crosses val="autoZero"/>
         <c:auto val="1"/>
         <c:lblAlgn val="ctr"/>
@@ -1142,7 +1142,7 @@
         <c:noMultiLvlLbl val="0"/>
       </c:catAx>
       <c:valAx>
-        <c:axId val="123320192"/>
+        <c:axId val="174282624"/>
         <c:scaling>
           <c:orientation val="minMax"/>
           <c:max val="100"/>
@@ -1184,7 +1184,7 @@
         <c:majorTickMark val="out"/>
         <c:minorTickMark val="none"/>
         <c:tickLblPos val="nextTo"/>
-        <c:crossAx val="123318272"/>
+        <c:crossAx val="174280704"/>
         <c:crosses val="autoZero"/>
         <c:crossBetween val="between"/>
         <c:majorUnit val="5"/>
@@ -2048,11 +2048,7 @@
             </a:r>
             <a:r>
               <a:rPr lang="en-US" dirty="0" smtClean="0"/>
-              <a:t>“Project-1-Post-Processing-of-Hadoop Results.xlsx</a:t>
-            </a:r>
-            <a:r>
-              <a:rPr lang="en-US" dirty="0" smtClean="0"/>
-              <a:t>”</a:t>
+              <a:t>“Project-1-Post-Processing-of-Hadoop Results.xlsx”</a:t>
             </a:r>
             <a:endParaRPr lang="en-US" dirty="0"/>
           </a:p>
@@ -5361,11 +5357,7 @@
           <a:p>
             <a:r>
               <a:rPr lang="en-US" dirty="0" smtClean="0"/>
-              <a:t>First Business </a:t>
-            </a:r>
-            <a:r>
-              <a:rPr lang="en-US" dirty="0" smtClean="0"/>
-              <a:t>Question Thought Process</a:t>
+              <a:t>First Business Question Thought Process</a:t>
             </a:r>
             <a:endParaRPr lang="en-US" dirty="0"/>
           </a:p>
@@ -5544,7 +5536,7 @@
           <a:graphicData uri="http://schemas.openxmlformats.org/presentationml/2006/ole">
             <mc:AlternateContent xmlns:mc="http://schemas.openxmlformats.org/markup-compatibility/2006">
               <mc:Choice xmlns:v="urn:schemas-microsoft-com:vml" Requires="v">
-                <p:oleObj spid="_x0000_s1260" name="Worksheet" r:id="rId3" imgW="5074938" imgH="7505625" progId="Excel.Sheet.12">
+                <p:oleObj spid="_x0000_s1266" name="Worksheet" r:id="rId3" imgW="5074938" imgH="7505625" progId="Excel.Sheet.12">
                   <p:embed/>
                 </p:oleObj>
               </mc:Choice>
@@ -5601,7 +5593,7 @@
           <a:graphicData uri="http://schemas.openxmlformats.org/presentationml/2006/ole">
             <mc:AlternateContent xmlns:mc="http://schemas.openxmlformats.org/markup-compatibility/2006">
               <mc:Choice xmlns:v="urn:schemas-microsoft-com:vml" Requires="v">
-                <p:oleObj spid="_x0000_s1261" name="Worksheet" r:id="rId5" imgW="5074938" imgH="7688633" progId="Excel.Sheet.12">
+                <p:oleObj spid="_x0000_s1267" name="Worksheet" r:id="rId5" imgW="5074938" imgH="7688633" progId="Excel.Sheet.12">
                   <p:embed/>
                 </p:oleObj>
               </mc:Choice>
@@ -5685,11 +5677,7 @@
           <a:p>
             <a:r>
               <a:rPr lang="en-US" sz="4000" dirty="0" smtClean="0"/>
-              <a:t>Second Business </a:t>
-            </a:r>
-            <a:r>
-              <a:rPr lang="en-US" sz="4000" dirty="0" smtClean="0"/>
-              <a:t>Question Thought Process</a:t>
+              <a:t>Second Business Question Thought Process</a:t>
             </a:r>
             <a:endParaRPr lang="en-US" sz="4000" dirty="0"/>
           </a:p>
@@ -5708,7 +5696,7 @@
         <p:spPr/>
         <p:txBody>
           <a:bodyPr>
-            <a:normAutofit fontScale="77500" lnSpcReduction="20000"/>
+            <a:normAutofit fontScale="70000" lnSpcReduction="20000"/>
           </a:bodyPr>
           <a:lstStyle/>
           <a:p>
@@ -5727,13 +5715,8 @@
           <a:p>
             <a:r>
               <a:rPr lang="en-US" dirty="0" smtClean="0"/>
-              <a:t>Interpretation</a:t>
-            </a:r>
-            <a:r>
-              <a:rPr lang="en-US" dirty="0" smtClean="0"/>
-              <a:t>:</a:t>
-            </a:r>
-            <a:endParaRPr lang="en-US" dirty="0" smtClean="0"/>
+              <a:t>Interpretation:</a:t>
+            </a:r>
           </a:p>
           <a:p>
             <a:pPr lvl="1"/>
@@ -5752,8 +5735,20 @@
             <a:pPr lvl="1"/>
             <a:r>
               <a:rPr lang="en-US" dirty="0" smtClean="0"/>
-              <a:t>The GPI is the ratio of female enrollment to male enrollment within a given level of education.  The dataset provides a GPI for primary, secondary, primary + secondary, and tertiary education</a:t>
-            </a:r>
+              <a:t>The GPI is the ratio of female enrollment to male enrollment within a given level of education.  The dataset provides a GPI for primary, secondary, primary + secondary, and tertiary </a:t>
+            </a:r>
+            <a:r>
+              <a:rPr lang="en-US" dirty="0" smtClean="0"/>
+              <a:t>education</a:t>
+            </a:r>
+          </a:p>
+          <a:p>
+            <a:pPr lvl="1"/>
+            <a:r>
+              <a:rPr lang="en-US" dirty="0" smtClean="0"/>
+              <a:t>Confounding variable with this metric is when the number of males decreases</a:t>
+            </a:r>
+            <a:endParaRPr lang="en-US" dirty="0" smtClean="0"/>
           </a:p>
           <a:p>
             <a:pPr lvl="1"/>
@@ -6120,11 +6115,7 @@
           <a:p>
             <a:r>
               <a:rPr lang="en-US" dirty="0" smtClean="0"/>
-              <a:t>Third Business </a:t>
-            </a:r>
-            <a:r>
-              <a:rPr lang="en-US" dirty="0" smtClean="0"/>
-              <a:t>Question Thought Process</a:t>
+              <a:t>Third Business Question Thought Process</a:t>
             </a:r>
             <a:endParaRPr lang="en-US" dirty="0"/>
           </a:p>
@@ -6236,11 +6227,7 @@
           <a:p>
             <a:r>
               <a:rPr lang="en-US" dirty="0" smtClean="0"/>
-              <a:t>Fourth Business </a:t>
-            </a:r>
-            <a:r>
-              <a:rPr lang="en-US" dirty="0" smtClean="0"/>
-              <a:t>Question Thought Process</a:t>
+              <a:t>Fourth Business Question Thought Process</a:t>
             </a:r>
             <a:endParaRPr lang="en-US" dirty="0"/>
           </a:p>
@@ -6286,11 +6273,7 @@
           <a:p>
             <a:r>
               <a:rPr lang="en-US" dirty="0" smtClean="0"/>
-              <a:t>Interpretation</a:t>
-            </a:r>
-            <a:r>
-              <a:rPr lang="en-US" dirty="0" smtClean="0"/>
-              <a:t>:</a:t>
+              <a:t>Interpretation:</a:t>
             </a:r>
             <a:endParaRPr lang="en-US" dirty="0"/>
           </a:p>
@@ -6677,7 +6660,7 @@
           <a:graphicData uri="http://schemas.openxmlformats.org/presentationml/2006/ole">
             <mc:AlternateContent xmlns:mc="http://schemas.openxmlformats.org/markup-compatibility/2006">
               <mc:Choice xmlns:v="urn:schemas-microsoft-com:vml" Requires="v">
-                <p:oleObj spid="_x0000_s2165" name="Worksheet" r:id="rId5" imgW="3619371" imgH="1653401" progId="Excel.Sheet.12">
+                <p:oleObj spid="_x0000_s2168" name="Worksheet" r:id="rId5" imgW="3619371" imgH="1653401" progId="Excel.Sheet.12">
                   <p:embed/>
                 </p:oleObj>
               </mc:Choice>
@@ -7379,19 +7362,7 @@
           <a:p>
             <a:r>
               <a:rPr lang="en-US" dirty="0" smtClean="0"/>
-              <a:t>NOTE:  See the </a:t>
-            </a:r>
-            <a:r>
-              <a:rPr lang="en-US" dirty="0" smtClean="0"/>
-              <a:t>appendix</a:t>
-            </a:r>
-            <a:r>
-              <a:rPr lang="en-US" dirty="0" smtClean="0"/>
-              <a:t> </a:t>
-            </a:r>
-            <a:r>
-              <a:rPr lang="en-US" dirty="0" smtClean="0"/>
-              <a:t>for scatter plots for the other two education groups</a:t>
+              <a:t>NOTE:  See the appendix for scatter plots for the other two education groups</a:t>
             </a:r>
             <a:endParaRPr lang="en-US" dirty="0"/>
           </a:p>
@@ -7936,11 +7907,7 @@
           <a:p>
             <a:r>
               <a:rPr lang="en-US" dirty="0" smtClean="0"/>
-              <a:t>Considered the founding of Revature back in </a:t>
-            </a:r>
-            <a:r>
-              <a:rPr lang="en-US" dirty="0" smtClean="0"/>
-              <a:t>2003 (source: “Glassdoor”)</a:t>
+              <a:t>Considered the founding of Revature back in 2003 (source: “Glassdoor”)</a:t>
             </a:r>
           </a:p>
           <a:p>
@@ -7948,7 +7915,6 @@
               <a:rPr lang="en-US" dirty="0" smtClean="0"/>
               <a:t>Assume that Revature was founded in the United States in the year 2003</a:t>
             </a:r>
-            <a:endParaRPr lang="en-US" dirty="0" smtClean="0"/>
           </a:p>
           <a:p>
             <a:r>
@@ -7968,11 +7934,7 @@
             </a:pPr>
             <a:r>
               <a:rPr lang="en-US" dirty="0"/>
-              <a:t>The time in days required to do start up </a:t>
-            </a:r>
-            <a:r>
-              <a:rPr lang="en-US" dirty="0"/>
-              <a:t>a</a:t>
+              <a:t>The time in days required to do start up a</a:t>
             </a:r>
             <a:r>
               <a:rPr lang="en-US" dirty="0" smtClean="0"/>
@@ -7990,19 +7952,11 @@
             </a:pPr>
             <a:r>
               <a:rPr lang="en-US" dirty="0"/>
-              <a:t>The number of procedures necessary to register </a:t>
-            </a:r>
-            <a:r>
-              <a:rPr lang="en-US" dirty="0"/>
-              <a:t>a</a:t>
+              <a:t>The number of procedures necessary to register a</a:t>
             </a:r>
             <a:r>
               <a:rPr lang="en-US" dirty="0" smtClean="0"/>
-              <a:t> </a:t>
-            </a:r>
-            <a:r>
-              <a:rPr lang="en-US" dirty="0" smtClean="0"/>
-              <a:t>business</a:t>
+              <a:t> business</a:t>
             </a:r>
           </a:p>
           <a:p>
@@ -8039,15 +7993,7 @@
                   <a:srgbClr val="FF0000"/>
                 </a:solidFill>
               </a:rPr>
-              <a:t>evature would have encountered the least amount of red </a:t>
-            </a:r>
-            <a:r>
-              <a:rPr lang="en-US" dirty="0" smtClean="0">
-                <a:solidFill>
-                  <a:srgbClr val="FF0000"/>
-                </a:solidFill>
-              </a:rPr>
-              <a:t>tape</a:t>
+              <a:t>evature would have encountered the least amount of red tape</a:t>
             </a:r>
           </a:p>
           <a:p>
@@ -8060,11 +8006,6 @@
               </a:rPr>
               <a:t>Follow-up:  Compare the optimal choice to choosing the United States     </a:t>
             </a:r>
-            <a:endParaRPr lang="en-US" dirty="0" smtClean="0">
-              <a:solidFill>
-                <a:srgbClr val="FF0000"/>
-              </a:solidFill>
-            </a:endParaRPr>
           </a:p>
           <a:p>
             <a:pPr lvl="1"/>
@@ -8175,47 +8116,7 @@
                   <a:srgbClr val="FF0000"/>
                 </a:solidFill>
               </a:rPr>
-              <a:t>Based on these </a:t>
-            </a:r>
-            <a:r>
-              <a:rPr lang="en-US" sz="2400" dirty="0" smtClean="0">
-                <a:solidFill>
-                  <a:srgbClr val="FF0000"/>
-                </a:solidFill>
-              </a:rPr>
-              <a:t>metrics </a:t>
-            </a:r>
-            <a:r>
-              <a:rPr lang="en-US" sz="2400" dirty="0" smtClean="0">
-                <a:solidFill>
-                  <a:srgbClr val="FF0000"/>
-                </a:solidFill>
-              </a:rPr>
-              <a:t>alone, the optimal country for the founding of Revature would have been Australia with a start-up time of only 3 days and </a:t>
-            </a:r>
-            <a:r>
-              <a:rPr lang="en-US" sz="2400" dirty="0" smtClean="0">
-                <a:solidFill>
-                  <a:srgbClr val="FF0000"/>
-                </a:solidFill>
-              </a:rPr>
-              <a:t>only 3</a:t>
-            </a:r>
-            <a:r>
-              <a:rPr lang="en-US" sz="2400" dirty="0" smtClean="0">
-                <a:solidFill>
-                  <a:srgbClr val="FF0000"/>
-                </a:solidFill>
-              </a:rPr>
-              <a:t> </a:t>
-            </a:r>
-            <a:r>
-              <a:rPr lang="en-US" sz="2400" dirty="0" smtClean="0">
-                <a:solidFill>
-                  <a:srgbClr val="FF0000"/>
-                </a:solidFill>
-              </a:rPr>
-              <a:t>required registration procedures</a:t>
+              <a:t>Based on these metrics alone, the optimal country for the founding of Revature would have been Australia with a start-up time of only 3 days and only 3 required registration procedures</a:t>
             </a:r>
           </a:p>
           <a:p>
@@ -8228,23 +8129,14 @@
             <a:pPr lvl="1"/>
             <a:r>
               <a:rPr lang="en-US" sz="2000" dirty="0" smtClean="0"/>
-              <a:t>Startup in the U.S. was 3 </a:t>
-            </a:r>
+              <a:t>Startup in the U.S. was 3 days longer </a:t>
+            </a:r>
+          </a:p>
+          <a:p>
+            <a:pPr lvl="1"/>
             <a:r>
               <a:rPr lang="en-US" sz="2000" dirty="0" smtClean="0"/>
-              <a:t>days longer </a:t>
-            </a:r>
-            <a:endParaRPr lang="en-US" sz="2000" dirty="0" smtClean="0"/>
-          </a:p>
-          <a:p>
-            <a:pPr lvl="1"/>
-            <a:r>
-              <a:rPr lang="en-US" sz="2000" dirty="0" smtClean="0"/>
-              <a:t>The U.S. had 3 more </a:t>
-            </a:r>
-            <a:r>
-              <a:rPr lang="en-US" sz="2000" dirty="0" smtClean="0"/>
-              <a:t>registration procedures</a:t>
+              <a:t>The U.S. had 3 more registration procedures</a:t>
             </a:r>
             <a:endParaRPr lang="en-US" sz="2000" dirty="0"/>
           </a:p>

--- a/Project1-Presentation-Ben-Keeper.pptx
+++ b/Project1-Presentation-Ben-Keeper.pptx
@@ -269,11 +269,11 @@
           <c:showBubbleSize val="0"/>
         </c:dLbls>
         <c:gapWidth val="150"/>
-        <c:axId val="174315008"/>
-        <c:axId val="174316928"/>
+        <c:axId val="174777472"/>
+        <c:axId val="174779392"/>
       </c:barChart>
       <c:catAx>
-        <c:axId val="174315008"/>
+        <c:axId val="174777472"/>
         <c:scaling>
           <c:orientation val="minMax"/>
         </c:scaling>
@@ -306,7 +306,7 @@
         <c:majorTickMark val="out"/>
         <c:minorTickMark val="none"/>
         <c:tickLblPos val="nextTo"/>
-        <c:crossAx val="174316928"/>
+        <c:crossAx val="174779392"/>
         <c:crosses val="autoZero"/>
         <c:auto val="1"/>
         <c:lblAlgn val="ctr"/>
@@ -314,7 +314,7 @@
         <c:noMultiLvlLbl val="0"/>
       </c:catAx>
       <c:valAx>
-        <c:axId val="174316928"/>
+        <c:axId val="174779392"/>
         <c:scaling>
           <c:orientation val="minMax"/>
         </c:scaling>
@@ -348,7 +348,7 @@
         <c:majorTickMark val="out"/>
         <c:minorTickMark val="none"/>
         <c:tickLblPos val="nextTo"/>
-        <c:crossAx val="174315008"/>
+        <c:crossAx val="174777472"/>
         <c:crosses val="autoZero"/>
         <c:crossBetween val="between"/>
       </c:valAx>
@@ -764,11 +764,11 @@
           <c:showBubbleSize val="0"/>
         </c:dLbls>
         <c:gapWidth val="150"/>
-        <c:axId val="131512576"/>
-        <c:axId val="131518848"/>
+        <c:axId val="12527488"/>
+        <c:axId val="12533760"/>
       </c:barChart>
       <c:catAx>
-        <c:axId val="131512576"/>
+        <c:axId val="12527488"/>
         <c:scaling>
           <c:orientation val="minMax"/>
         </c:scaling>
@@ -801,7 +801,7 @@
         <c:majorTickMark val="out"/>
         <c:minorTickMark val="none"/>
         <c:tickLblPos val="nextTo"/>
-        <c:crossAx val="131518848"/>
+        <c:crossAx val="12533760"/>
         <c:crosses val="autoZero"/>
         <c:auto val="1"/>
         <c:lblAlgn val="ctr"/>
@@ -809,7 +809,7 @@
         <c:noMultiLvlLbl val="0"/>
       </c:catAx>
       <c:valAx>
-        <c:axId val="131518848"/>
+        <c:axId val="12533760"/>
         <c:scaling>
           <c:orientation val="minMax"/>
           <c:max val="100"/>
@@ -851,7 +851,7 @@
         <c:majorTickMark val="out"/>
         <c:minorTickMark val="none"/>
         <c:tickLblPos val="nextTo"/>
-        <c:crossAx val="131512576"/>
+        <c:crossAx val="12527488"/>
         <c:crosses val="autoZero"/>
         <c:crossBetween val="between"/>
         <c:majorUnit val="5"/>
@@ -1097,11 +1097,11 @@
           <c:showBubbleSize val="0"/>
         </c:dLbls>
         <c:gapWidth val="150"/>
-        <c:axId val="174280704"/>
-        <c:axId val="174282624"/>
+        <c:axId val="174611840"/>
+        <c:axId val="147625472"/>
       </c:barChart>
       <c:catAx>
-        <c:axId val="174280704"/>
+        <c:axId val="174611840"/>
         <c:scaling>
           <c:orientation val="minMax"/>
         </c:scaling>
@@ -1134,7 +1134,7 @@
         <c:majorTickMark val="out"/>
         <c:minorTickMark val="none"/>
         <c:tickLblPos val="nextTo"/>
-        <c:crossAx val="174282624"/>
+        <c:crossAx val="147625472"/>
         <c:crosses val="autoZero"/>
         <c:auto val="1"/>
         <c:lblAlgn val="ctr"/>
@@ -1142,7 +1142,7 @@
         <c:noMultiLvlLbl val="0"/>
       </c:catAx>
       <c:valAx>
-        <c:axId val="174282624"/>
+        <c:axId val="147625472"/>
         <c:scaling>
           <c:orientation val="minMax"/>
           <c:max val="100"/>
@@ -1184,7 +1184,7 @@
         <c:majorTickMark val="out"/>
         <c:minorTickMark val="none"/>
         <c:tickLblPos val="nextTo"/>
-        <c:crossAx val="174280704"/>
+        <c:crossAx val="174611840"/>
         <c:crosses val="autoZero"/>
         <c:crossBetween val="between"/>
         <c:majorUnit val="5"/>
@@ -5536,7 +5536,7 @@
           <a:graphicData uri="http://schemas.openxmlformats.org/presentationml/2006/ole">
             <mc:AlternateContent xmlns:mc="http://schemas.openxmlformats.org/markup-compatibility/2006">
               <mc:Choice xmlns:v="urn:schemas-microsoft-com:vml" Requires="v">
-                <p:oleObj spid="_x0000_s1266" name="Worksheet" r:id="rId3" imgW="5074938" imgH="7505625" progId="Excel.Sheet.12">
+                <p:oleObj spid="_x0000_s1286" name="Worksheet" r:id="rId3" imgW="5074938" imgH="7505625" progId="Excel.Sheet.12">
                   <p:embed/>
                 </p:oleObj>
               </mc:Choice>
@@ -5593,7 +5593,7 @@
           <a:graphicData uri="http://schemas.openxmlformats.org/presentationml/2006/ole">
             <mc:AlternateContent xmlns:mc="http://schemas.openxmlformats.org/markup-compatibility/2006">
               <mc:Choice xmlns:v="urn:schemas-microsoft-com:vml" Requires="v">
-                <p:oleObj spid="_x0000_s1267" name="Worksheet" r:id="rId5" imgW="5074938" imgH="7688633" progId="Excel.Sheet.12">
+                <p:oleObj spid="_x0000_s1287" name="Worksheet" r:id="rId5" imgW="5074938" imgH="7688633" progId="Excel.Sheet.12">
                   <p:embed/>
                 </p:oleObj>
               </mc:Choice>
@@ -5735,11 +5735,15 @@
             <a:pPr lvl="1"/>
             <a:r>
               <a:rPr lang="en-US" dirty="0" smtClean="0"/>
-              <a:t>The GPI is the ratio of female enrollment to male enrollment within a given level of education.  The dataset provides a GPI for primary, secondary, primary + secondary, and tertiary </a:t>
+              <a:t>The </a:t>
             </a:r>
             <a:r>
               <a:rPr lang="en-US" dirty="0" smtClean="0"/>
-              <a:t>education</a:t>
+              <a:t>GPI, as established by UNESCO, </a:t>
+            </a:r>
+            <a:r>
+              <a:rPr lang="en-US" dirty="0" smtClean="0"/>
+              <a:t>is the ratio of female enrollment to male enrollment within a given level of education.  The dataset provides a GPI for primary, secondary, primary + secondary, and tertiary education</a:t>
             </a:r>
           </a:p>
           <a:p>
@@ -5748,7 +5752,6 @@
               <a:rPr lang="en-US" dirty="0" smtClean="0"/>
               <a:t>Confounding variable with this metric is when the number of males decreases</a:t>
             </a:r>
-            <a:endParaRPr lang="en-US" dirty="0" smtClean="0"/>
           </a:p>
           <a:p>
             <a:pPr lvl="1"/>
@@ -6546,7 +6549,7 @@
         <p:spPr>
           <a:xfrm>
             <a:off x="145473" y="838200"/>
-            <a:ext cx="3217291" cy="646331"/>
+            <a:ext cx="4004814" cy="646331"/>
           </a:xfrm>
           <a:prstGeom prst="rect">
             <a:avLst/>
@@ -6561,8 +6564,13 @@
           <a:p>
             <a:r>
               <a:rPr lang="en-US" dirty="0" smtClean="0"/>
-              <a:t>Average Gross Graduation Ratio </a:t>
-            </a:r>
+              <a:t>Average Gross Graduation </a:t>
+            </a:r>
+            <a:r>
+              <a:rPr lang="en-US" dirty="0" smtClean="0"/>
+              <a:t>Ratio, Female </a:t>
+            </a:r>
+            <a:endParaRPr lang="en-US" dirty="0" smtClean="0"/>
           </a:p>
           <a:p>
             <a:r>
@@ -6660,7 +6668,7 @@
           <a:graphicData uri="http://schemas.openxmlformats.org/presentationml/2006/ole">
             <mc:AlternateContent xmlns:mc="http://schemas.openxmlformats.org/markup-compatibility/2006">
               <mc:Choice xmlns:v="urn:schemas-microsoft-com:vml" Requires="v">
-                <p:oleObj spid="_x0000_s2168" name="Worksheet" r:id="rId5" imgW="3619371" imgH="1653401" progId="Excel.Sheet.12">
+                <p:oleObj spid="_x0000_s2178" name="Worksheet" r:id="rId5" imgW="3619371" imgH="1653401" progId="Excel.Sheet.12">
                   <p:embed/>
                 </p:oleObj>
               </mc:Choice>
@@ -6744,7 +6752,7 @@
         </p:nvSpPr>
         <p:spPr>
           <a:xfrm>
-            <a:off x="495300" y="0"/>
+            <a:off x="527192" y="-240031"/>
             <a:ext cx="8229600" cy="1143000"/>
           </a:xfrm>
         </p:spPr>
@@ -7327,7 +7335,15 @@
           <a:p>
             <a:r>
               <a:rPr lang="en-US" b="1" dirty="0" smtClean="0"/>
-              <a:t>Average Absolute % Change</a:t>
+              <a:t>Average Absolute </a:t>
+            </a:r>
+            <a:r>
+              <a:rPr lang="en-US" b="1" smtClean="0"/>
+              <a:t>% </a:t>
+            </a:r>
+            <a:r>
+              <a:rPr lang="en-US" b="1" smtClean="0"/>
+              <a:t>Difference</a:t>
             </a:r>
             <a:endParaRPr lang="en-US" b="1" dirty="0"/>
           </a:p>
@@ -7531,6 +7547,63 @@
           </a:extLst>
         </p:spPr>
       </p:pic>
+      <p:pic>
+        <p:nvPicPr>
+          <p:cNvPr id="3075" name="Picture 3"/>
+          <p:cNvPicPr>
+            <a:picLocks noChangeAspect="1" noChangeArrowheads="1"/>
+          </p:cNvPicPr>
+          <p:nvPr/>
+        </p:nvPicPr>
+        <p:blipFill>
+          <a:blip r:embed="rId5">
+            <a:extLst>
+              <a:ext uri="{28A0092B-C50C-407E-A947-70E740481C1C}">
+                <a14:useLocalDpi xmlns:a14="http://schemas.microsoft.com/office/drawing/2010/main" val="0"/>
+              </a:ext>
+            </a:extLst>
+          </a:blip>
+          <a:srcRect/>
+          <a:stretch>
+            <a:fillRect/>
+          </a:stretch>
+        </p:blipFill>
+        <p:spPr bwMode="auto">
+          <a:xfrm>
+            <a:off x="2538412" y="771905"/>
+            <a:ext cx="4143375" cy="361950"/>
+          </a:xfrm>
+          <a:prstGeom prst="rect">
+            <a:avLst/>
+          </a:prstGeom>
+          <a:noFill/>
+          <a:ln w="9525">
+            <a:noFill/>
+            <a:miter lim="800000"/>
+            <a:headEnd/>
+            <a:tailEnd/>
+          </a:ln>
+          <a:effectLst/>
+          <a:extLst>
+            <a:ext uri="{909E8E84-426E-40DD-AFC4-6F175D3DCCD1}">
+              <a14:hiddenFill xmlns:a14="http://schemas.microsoft.com/office/drawing/2010/main">
+                <a:solidFill>
+                  <a:schemeClr val="accent1"/>
+                </a:solidFill>
+              </a14:hiddenFill>
+            </a:ext>
+            <a:ext uri="{AF507438-7753-43E0-B8FC-AC1667EBCBE1}">
+              <a14:hiddenEffects xmlns:a14="http://schemas.microsoft.com/office/drawing/2010/main">
+                <a:effectLst>
+                  <a:outerShdw dist="35921" dir="2700000" algn="ctr" rotWithShape="0">
+                    <a:schemeClr val="bg2"/>
+                  </a:outerShdw>
+                </a:effectLst>
+              </a14:hiddenEffects>
+            </a:ext>
+          </a:extLst>
+        </p:spPr>
+      </p:pic>
     </p:spTree>
     <p:extLst>
       <p:ext uri="{BB962C8B-B14F-4D97-AF65-F5344CB8AC3E}">
@@ -7541,6 +7614,13 @@
   <p:clrMapOvr>
     <a:masterClrMapping/>
   </p:clrMapOvr>
+  <p:timing>
+    <p:tnLst>
+      <p:par>
+        <p:cTn id="1" dur="indefinite" restart="never" nodeType="tmRoot"/>
+      </p:par>
+    </p:tnLst>
+  </p:timing>
 </p:sld>
 </file>
 
@@ -7655,6 +7735,13 @@
   <p:clrMapOvr>
     <a:masterClrMapping/>
   </p:clrMapOvr>
+  <p:timing>
+    <p:tnLst>
+      <p:par>
+        <p:cTn id="1" dur="indefinite" restart="never" nodeType="tmRoot"/>
+      </p:par>
+    </p:tnLst>
+  </p:timing>
 </p:sld>
 </file>
 
@@ -7840,6 +7927,13 @@
   <p:clrMapOvr>
     <a:masterClrMapping/>
   </p:clrMapOvr>
+  <p:timing>
+    <p:tnLst>
+      <p:par>
+        <p:cTn id="1" dur="indefinite" restart="never" nodeType="tmRoot"/>
+      </p:par>
+    </p:tnLst>
+  </p:timing>
 </p:sld>
 </file>
 
